--- a/Présentation projet/Projet ISN.pptx
+++ b/Présentation projet/Projet ISN.pptx
@@ -216,7 +216,7 @@
           </a:lstStyle>
           <a:p>
             <a:fld id="{4B230A23-3E98-F64D-859B-DE462771A158}" type="datetimeFigureOut">
-              <a:t>05/02/2018</a:t>
+              <a:t>06/02/2018</a:t>
             </a:fld>
             <a:endParaRPr lang="fr-FR"/>
           </a:p>
@@ -529,7 +529,7 @@
             <a:fld id="{5BBF241E-D95D-F947-BD40-BA0B1092A59D}" type="datetimeFigureOut">
               <a:rPr lang="fr-FR" smtClean="0"/>
               <a:pPr/>
-              <a:t>05/02/2018</a:t>
+              <a:t>06/02/2018</a:t>
             </a:fld>
             <a:endParaRPr lang="fr-FR"/>
           </a:p>
@@ -801,7 +801,7 @@
             <a:fld id="{5BBF241E-D95D-F947-BD40-BA0B1092A59D}" type="datetimeFigureOut">
               <a:rPr lang="fr-FR" smtClean="0"/>
               <a:pPr/>
-              <a:t>05/02/2018</a:t>
+              <a:t>06/02/2018</a:t>
             </a:fld>
             <a:endParaRPr lang="fr-FR"/>
           </a:p>
@@ -1074,7 +1074,7 @@
             <a:fld id="{5BBF241E-D95D-F947-BD40-BA0B1092A59D}" type="datetimeFigureOut">
               <a:rPr lang="fr-FR" smtClean="0"/>
               <a:pPr/>
-              <a:t>05/02/2018</a:t>
+              <a:t>06/02/2018</a:t>
             </a:fld>
             <a:endParaRPr lang="fr-FR"/>
           </a:p>
@@ -1304,7 +1304,7 @@
             <a:fld id="{5BBF241E-D95D-F947-BD40-BA0B1092A59D}" type="datetimeFigureOut">
               <a:rPr lang="fr-FR" smtClean="0"/>
               <a:pPr/>
-              <a:t>05/02/2018</a:t>
+              <a:t>06/02/2018</a:t>
             </a:fld>
             <a:endParaRPr lang="fr-FR"/>
           </a:p>
@@ -1679,7 +1679,7 @@
             <a:fld id="{5BBF241E-D95D-F947-BD40-BA0B1092A59D}" type="datetimeFigureOut">
               <a:rPr lang="fr-FR" smtClean="0"/>
               <a:pPr/>
-              <a:t>05/02/2018</a:t>
+              <a:t>06/02/2018</a:t>
             </a:fld>
             <a:endParaRPr lang="fr-FR"/>
           </a:p>
@@ -2023,7 +2023,7 @@
             <a:fld id="{5BBF241E-D95D-F947-BD40-BA0B1092A59D}" type="datetimeFigureOut">
               <a:rPr lang="fr-FR" smtClean="0"/>
               <a:pPr/>
-              <a:t>05/02/2018</a:t>
+              <a:t>06/02/2018</a:t>
             </a:fld>
             <a:endParaRPr lang="fr-FR"/>
           </a:p>
@@ -2542,7 +2542,7 @@
             <a:fld id="{5BBF241E-D95D-F947-BD40-BA0B1092A59D}" type="datetimeFigureOut">
               <a:rPr lang="fr-FR" smtClean="0"/>
               <a:pPr/>
-              <a:t>05/02/2018</a:t>
+              <a:t>06/02/2018</a:t>
             </a:fld>
             <a:endParaRPr lang="fr-FR"/>
           </a:p>
@@ -2817,7 +2817,7 @@
             <a:fld id="{5BBF241E-D95D-F947-BD40-BA0B1092A59D}" type="datetimeFigureOut">
               <a:rPr lang="fr-FR" smtClean="0"/>
               <a:pPr/>
-              <a:t>05/02/2018</a:t>
+              <a:t>06/02/2018</a:t>
             </a:fld>
             <a:endParaRPr lang="fr-FR"/>
           </a:p>
@@ -3058,7 +3058,7 @@
             <a:fld id="{5BBF241E-D95D-F947-BD40-BA0B1092A59D}" type="datetimeFigureOut">
               <a:rPr lang="fr-FR" smtClean="0"/>
               <a:pPr/>
-              <a:t>05/02/2018</a:t>
+              <a:t>06/02/2018</a:t>
             </a:fld>
             <a:endParaRPr lang="fr-FR"/>
           </a:p>
@@ -3240,7 +3240,7 @@
             <a:fld id="{5BBF241E-D95D-F947-BD40-BA0B1092A59D}" type="datetimeFigureOut">
               <a:rPr lang="fr-FR" smtClean="0"/>
               <a:pPr/>
-              <a:t>05/02/2018</a:t>
+              <a:t>06/02/2018</a:t>
             </a:fld>
             <a:endParaRPr lang="fr-FR"/>
           </a:p>
@@ -3587,7 +3587,7 @@
             <a:fld id="{5BBF241E-D95D-F947-BD40-BA0B1092A59D}" type="datetimeFigureOut">
               <a:rPr lang="fr-FR" smtClean="0"/>
               <a:pPr/>
-              <a:t>05/02/2018</a:t>
+              <a:t>06/02/2018</a:t>
             </a:fld>
             <a:endParaRPr lang="fr-FR"/>
           </a:p>
@@ -4289,7 +4289,11 @@
           <a:prstGeom prst="rect">
             <a:avLst/>
           </a:prstGeom>
-          <a:noFill/>
+          <a:solidFill>
+            <a:schemeClr val="bg1">
+              <a:alpha val="50000"/>
+            </a:schemeClr>
+          </a:solidFill>
         </p:spPr>
         <p:txBody>
           <a:bodyPr wrap="square" rtlCol="0">
@@ -4303,10 +4307,34 @@
             </a:pPr>
             <a:r>
               <a:rPr lang="fr-FR" dirty="0">
+                <a:effectLst>
+                  <a:outerShdw blurRad="50800" dist="38100" dir="2700000" algn="tl" rotWithShape="0">
+                    <a:prstClr val="black">
+                      <a:alpha val="40000"/>
+                    </a:prstClr>
+                  </a:outerShdw>
+                </a:effectLst>
                 <a:latin typeface="Segoe UI Semilight" panose="020B0402040204020203" pitchFamily="34" charset="0"/>
                 <a:cs typeface="Segoe UI Semilight" panose="020B0402040204020203" pitchFamily="34" charset="0"/>
               </a:rPr>
-              <a:t>Système de collision : Clément G.</a:t>
+              <a:t>Système de collision : </a:t>
+            </a:r>
+            <a:r>
+              <a:rPr lang="fr-FR" dirty="0">
+                <a:solidFill>
+                  <a:srgbClr val="FF0000"/>
+                </a:solidFill>
+                <a:effectLst>
+                  <a:outerShdw blurRad="50800" dist="38100" dir="2700000" algn="tl" rotWithShape="0">
+                    <a:prstClr val="black">
+                      <a:alpha val="40000"/>
+                    </a:prstClr>
+                  </a:outerShdw>
+                </a:effectLst>
+                <a:latin typeface="Segoe UI Semilight" panose="020B0402040204020203" pitchFamily="34" charset="0"/>
+                <a:cs typeface="Segoe UI Semilight" panose="020B0402040204020203" pitchFamily="34" charset="0"/>
+              </a:rPr>
+              <a:t>Clément G.</a:t>
             </a:r>
           </a:p>
           <a:p>
@@ -4316,10 +4344,34 @@
             </a:pPr>
             <a:r>
               <a:rPr lang="fr-FR" dirty="0">
+                <a:effectLst>
+                  <a:outerShdw blurRad="50800" dist="38100" dir="2700000" algn="tl" rotWithShape="0">
+                    <a:prstClr val="black">
+                      <a:alpha val="40000"/>
+                    </a:prstClr>
+                  </a:outerShdw>
+                </a:effectLst>
                 <a:latin typeface="Segoe UI Semilight" panose="020B0402040204020203" pitchFamily="34" charset="0"/>
                 <a:cs typeface="Segoe UI Semilight" panose="020B0402040204020203" pitchFamily="34" charset="0"/>
               </a:rPr>
-              <a:t>Ecran d’accueil : Vincent</a:t>
+              <a:t>Ecran d’accueil : </a:t>
+            </a:r>
+            <a:r>
+              <a:rPr lang="fr-FR" dirty="0">
+                <a:solidFill>
+                  <a:schemeClr val="tx2"/>
+                </a:solidFill>
+                <a:effectLst>
+                  <a:outerShdw blurRad="50800" dist="38100" dir="2700000" algn="tl" rotWithShape="0">
+                    <a:prstClr val="black">
+                      <a:alpha val="40000"/>
+                    </a:prstClr>
+                  </a:outerShdw>
+                </a:effectLst>
+                <a:latin typeface="Segoe UI Semilight" panose="020B0402040204020203" pitchFamily="34" charset="0"/>
+                <a:cs typeface="Segoe UI Semilight" panose="020B0402040204020203" pitchFamily="34" charset="0"/>
+              </a:rPr>
+              <a:t>Vincent</a:t>
             </a:r>
           </a:p>
           <a:p>
@@ -4329,10 +4381,65 @@
             </a:pPr>
             <a:r>
               <a:rPr lang="fr-FR" dirty="0">
+                <a:effectLst>
+                  <a:outerShdw blurRad="50800" dist="38100" dir="2700000" algn="tl" rotWithShape="0">
+                    <a:prstClr val="black">
+                      <a:alpha val="40000"/>
+                    </a:prstClr>
+                  </a:outerShdw>
+                </a:effectLst>
                 <a:latin typeface="Segoe UI Semilight" panose="020B0402040204020203" pitchFamily="34" charset="0"/>
                 <a:cs typeface="Segoe UI Semilight" panose="020B0402040204020203" pitchFamily="34" charset="0"/>
               </a:rPr>
-              <a:t>Gestion des menus : Vincent / Clément G.</a:t>
+              <a:t>Gestion des menus : </a:t>
+            </a:r>
+            <a:r>
+              <a:rPr lang="fr-FR" dirty="0">
+                <a:solidFill>
+                  <a:schemeClr val="tx2"/>
+                </a:solidFill>
+                <a:effectLst>
+                  <a:outerShdw blurRad="50800" dist="38100" dir="2700000" algn="tl" rotWithShape="0">
+                    <a:prstClr val="black">
+                      <a:alpha val="40000"/>
+                    </a:prstClr>
+                  </a:outerShdw>
+                </a:effectLst>
+                <a:latin typeface="Segoe UI Semilight" panose="020B0402040204020203" pitchFamily="34" charset="0"/>
+                <a:cs typeface="Segoe UI Semilight" panose="020B0402040204020203" pitchFamily="34" charset="0"/>
+              </a:rPr>
+              <a:t>Vincent</a:t>
+            </a:r>
+            <a:r>
+              <a:rPr lang="fr-FR" dirty="0">
+                <a:effectLst>
+                  <a:outerShdw blurRad="50800" dist="38100" dir="2700000" algn="tl" rotWithShape="0">
+                    <a:prstClr val="black">
+                      <a:alpha val="40000"/>
+                    </a:prstClr>
+                  </a:outerShdw>
+                </a:effectLst>
+                <a:latin typeface="Segoe UI Semilight" panose="020B0402040204020203" pitchFamily="34" charset="0"/>
+                <a:cs typeface="Segoe UI Semilight" panose="020B0402040204020203" pitchFamily="34" charset="0"/>
+              </a:rPr>
+              <a:t> / </a:t>
+            </a:r>
+            <a:r>
+              <a:rPr lang="fr-FR" dirty="0">
+                <a:solidFill>
+                  <a:srgbClr val="FF0000"/>
+                </a:solidFill>
+                <a:effectLst>
+                  <a:outerShdw blurRad="50800" dist="38100" dir="2700000" algn="tl" rotWithShape="0">
+                    <a:prstClr val="black">
+                      <a:alpha val="40000"/>
+                    </a:prstClr>
+                  </a:outerShdw>
+                </a:effectLst>
+                <a:latin typeface="Segoe UI Semilight" panose="020B0402040204020203" pitchFamily="34" charset="0"/>
+                <a:cs typeface="Segoe UI Semilight" panose="020B0402040204020203" pitchFamily="34" charset="0"/>
+              </a:rPr>
+              <a:t>Clément G.</a:t>
             </a:r>
           </a:p>
           <a:p>
@@ -4342,10 +4449,36 @@
             </a:pPr>
             <a:r>
               <a:rPr lang="fr-FR" dirty="0">
+                <a:effectLst>
+                  <a:outerShdw blurRad="50800" dist="38100" dir="2700000" algn="tl" rotWithShape="0">
+                    <a:prstClr val="black">
+                      <a:alpha val="40000"/>
+                    </a:prstClr>
+                  </a:outerShdw>
+                </a:effectLst>
                 <a:latin typeface="Segoe UI Semilight" panose="020B0402040204020203" pitchFamily="34" charset="0"/>
                 <a:cs typeface="Segoe UI Semilight" panose="020B0402040204020203" pitchFamily="34" charset="0"/>
               </a:rPr>
-              <a:t>Sons : Clément V.</a:t>
+              <a:t>Sons : </a:t>
+            </a:r>
+            <a:r>
+              <a:rPr lang="fr-FR" dirty="0">
+                <a:solidFill>
+                  <a:schemeClr val="accent3">
+                    <a:lumMod val="50000"/>
+                  </a:schemeClr>
+                </a:solidFill>
+                <a:effectLst>
+                  <a:outerShdw blurRad="50800" dist="38100" dir="2700000" algn="tl" rotWithShape="0">
+                    <a:prstClr val="black">
+                      <a:alpha val="40000"/>
+                    </a:prstClr>
+                  </a:outerShdw>
+                </a:effectLst>
+                <a:latin typeface="Segoe UI Semilight" panose="020B0402040204020203" pitchFamily="34" charset="0"/>
+                <a:cs typeface="Segoe UI Semilight" panose="020B0402040204020203" pitchFamily="34" charset="0"/>
+              </a:rPr>
+              <a:t>Clément V.</a:t>
             </a:r>
           </a:p>
           <a:p>
@@ -4355,10 +4488,34 @@
             </a:pPr>
             <a:r>
               <a:rPr lang="fr-FR" dirty="0">
+                <a:effectLst>
+                  <a:outerShdw blurRad="50800" dist="38100" dir="2700000" algn="tl" rotWithShape="0">
+                    <a:prstClr val="black">
+                      <a:alpha val="40000"/>
+                    </a:prstClr>
+                  </a:outerShdw>
+                </a:effectLst>
                 <a:latin typeface="Segoe UI Semilight" panose="020B0402040204020203" pitchFamily="34" charset="0"/>
                 <a:cs typeface="Segoe UI Semilight" panose="020B0402040204020203" pitchFamily="34" charset="0"/>
               </a:rPr>
-              <a:t>Gestion Clavier : Vincent</a:t>
+              <a:t>Gestion Clavier : </a:t>
+            </a:r>
+            <a:r>
+              <a:rPr lang="fr-FR" dirty="0">
+                <a:solidFill>
+                  <a:schemeClr val="tx2"/>
+                </a:solidFill>
+                <a:effectLst>
+                  <a:outerShdw blurRad="50800" dist="38100" dir="2700000" algn="tl" rotWithShape="0">
+                    <a:prstClr val="black">
+                      <a:alpha val="40000"/>
+                    </a:prstClr>
+                  </a:outerShdw>
+                </a:effectLst>
+                <a:latin typeface="Segoe UI Semilight" panose="020B0402040204020203" pitchFamily="34" charset="0"/>
+                <a:cs typeface="Segoe UI Semilight" panose="020B0402040204020203" pitchFamily="34" charset="0"/>
+              </a:rPr>
+              <a:t>Vincent</a:t>
             </a:r>
           </a:p>
           <a:p>
@@ -4368,10 +4525,36 @@
             </a:pPr>
             <a:r>
               <a:rPr lang="fr-FR" dirty="0">
+                <a:effectLst>
+                  <a:outerShdw blurRad="50800" dist="38100" dir="2700000" algn="tl" rotWithShape="0">
+                    <a:prstClr val="black">
+                      <a:alpha val="40000"/>
+                    </a:prstClr>
+                  </a:outerShdw>
+                </a:effectLst>
                 <a:latin typeface="Segoe UI Semilight" panose="020B0402040204020203" pitchFamily="34" charset="0"/>
                 <a:cs typeface="Segoe UI Semilight" panose="020B0402040204020203" pitchFamily="34" charset="0"/>
               </a:rPr>
-              <a:t>Organisation du code / Commentaires : Clément V.</a:t>
+              <a:t>Organisation du code / Commentaires : </a:t>
+            </a:r>
+            <a:r>
+              <a:rPr lang="fr-FR" dirty="0">
+                <a:solidFill>
+                  <a:schemeClr val="accent3">
+                    <a:lumMod val="50000"/>
+                  </a:schemeClr>
+                </a:solidFill>
+                <a:effectLst>
+                  <a:outerShdw blurRad="50800" dist="38100" dir="2700000" algn="tl" rotWithShape="0">
+                    <a:prstClr val="black">
+                      <a:alpha val="40000"/>
+                    </a:prstClr>
+                  </a:outerShdw>
+                </a:effectLst>
+                <a:latin typeface="Segoe UI Semilight" panose="020B0402040204020203" pitchFamily="34" charset="0"/>
+                <a:cs typeface="Segoe UI Semilight" panose="020B0402040204020203" pitchFamily="34" charset="0"/>
+              </a:rPr>
+              <a:t>Clément V.</a:t>
             </a:r>
           </a:p>
           <a:p>
@@ -4381,10 +4564,36 @@
             </a:pPr>
             <a:r>
               <a:rPr lang="fr-FR" dirty="0">
+                <a:effectLst>
+                  <a:outerShdw blurRad="50800" dist="38100" dir="2700000" algn="tl" rotWithShape="0">
+                    <a:prstClr val="black">
+                      <a:alpha val="40000"/>
+                    </a:prstClr>
+                  </a:outerShdw>
+                </a:effectLst>
                 <a:latin typeface="Segoe UI Semilight" panose="020B0402040204020203" pitchFamily="34" charset="0"/>
                 <a:cs typeface="Segoe UI Semilight" panose="020B0402040204020203" pitchFamily="34" charset="0"/>
               </a:rPr>
-              <a:t>Design et gestion des ennemis : Clément V. </a:t>
+              <a:t>Design et gestion des ennemis : </a:t>
+            </a:r>
+            <a:r>
+              <a:rPr lang="fr-FR" dirty="0">
+                <a:solidFill>
+                  <a:schemeClr val="accent3">
+                    <a:lumMod val="50000"/>
+                  </a:schemeClr>
+                </a:solidFill>
+                <a:effectLst>
+                  <a:outerShdw blurRad="50800" dist="38100" dir="2700000" algn="tl" rotWithShape="0">
+                    <a:prstClr val="black">
+                      <a:alpha val="40000"/>
+                    </a:prstClr>
+                  </a:outerShdw>
+                </a:effectLst>
+                <a:latin typeface="Segoe UI Semilight" panose="020B0402040204020203" pitchFamily="34" charset="0"/>
+                <a:cs typeface="Segoe UI Semilight" panose="020B0402040204020203" pitchFamily="34" charset="0"/>
+              </a:rPr>
+              <a:t>Clément V. </a:t>
             </a:r>
           </a:p>
           <a:p>
@@ -4394,10 +4603,98 @@
             </a:pPr>
             <a:r>
               <a:rPr lang="fr-FR" dirty="0">
+                <a:effectLst>
+                  <a:outerShdw blurRad="50800" dist="38100" dir="2700000" algn="tl" rotWithShape="0">
+                    <a:prstClr val="black">
+                      <a:alpha val="40000"/>
+                    </a:prstClr>
+                  </a:outerShdw>
+                </a:effectLst>
                 <a:latin typeface="Segoe UI Semilight" panose="020B0402040204020203" pitchFamily="34" charset="0"/>
                 <a:cs typeface="Segoe UI Semilight" panose="020B0402040204020203" pitchFamily="34" charset="0"/>
               </a:rPr>
-              <a:t>Game design : Clément G., V. / Vincent</a:t>
+              <a:t>Game design : </a:t>
+            </a:r>
+            <a:r>
+              <a:rPr lang="fr-FR" dirty="0">
+                <a:solidFill>
+                  <a:srgbClr val="FF0000"/>
+                </a:solidFill>
+                <a:effectLst>
+                  <a:outerShdw blurRad="50800" dist="38100" dir="2700000" algn="tl" rotWithShape="0">
+                    <a:prstClr val="black">
+                      <a:alpha val="40000"/>
+                    </a:prstClr>
+                  </a:outerShdw>
+                </a:effectLst>
+                <a:latin typeface="Segoe UI Semilight" panose="020B0402040204020203" pitchFamily="34" charset="0"/>
+                <a:cs typeface="Segoe UI Semilight" panose="020B0402040204020203" pitchFamily="34" charset="0"/>
+              </a:rPr>
+              <a:t>Clément G.</a:t>
+            </a:r>
+            <a:r>
+              <a:rPr lang="fr-FR" dirty="0">
+                <a:effectLst>
+                  <a:outerShdw blurRad="50800" dist="38100" dir="2700000" algn="tl" rotWithShape="0">
+                    <a:prstClr val="black">
+                      <a:alpha val="40000"/>
+                    </a:prstClr>
+                  </a:outerShdw>
+                </a:effectLst>
+                <a:latin typeface="Segoe UI Semilight" panose="020B0402040204020203" pitchFamily="34" charset="0"/>
+                <a:cs typeface="Segoe UI Semilight" panose="020B0402040204020203" pitchFamily="34" charset="0"/>
+              </a:rPr>
+              <a:t>, </a:t>
+            </a:r>
+            <a:r>
+              <a:rPr lang="fr-FR" dirty="0">
+                <a:solidFill>
+                  <a:schemeClr val="accent3">
+                    <a:lumMod val="50000"/>
+                  </a:schemeClr>
+                </a:solidFill>
+                <a:effectLst>
+                  <a:outerShdw blurRad="50800" dist="38100" dir="2700000" algn="tl" rotWithShape="0">
+                    <a:prstClr val="black">
+                      <a:alpha val="40000"/>
+                    </a:prstClr>
+                  </a:outerShdw>
+                </a:effectLst>
+                <a:latin typeface="Segoe UI Semilight" panose="020B0402040204020203" pitchFamily="34" charset="0"/>
+                <a:cs typeface="Segoe UI Semilight" panose="020B0402040204020203" pitchFamily="34" charset="0"/>
+              </a:rPr>
+              <a:t>V.</a:t>
+            </a:r>
+            <a:r>
+              <a:rPr lang="fr-FR" dirty="0">
+                <a:effectLst>
+                  <a:outerShdw blurRad="50800" dist="38100" dir="2700000" algn="tl" rotWithShape="0">
+                    <a:prstClr val="black">
+                      <a:alpha val="40000"/>
+                    </a:prstClr>
+                  </a:outerShdw>
+                </a:effectLst>
+                <a:latin typeface="Segoe UI Semilight" panose="020B0402040204020203" pitchFamily="34" charset="0"/>
+                <a:cs typeface="Segoe UI Semilight" panose="020B0402040204020203" pitchFamily="34" charset="0"/>
+              </a:rPr>
+              <a:t> / </a:t>
+            </a:r>
+            <a:r>
+              <a:rPr lang="fr-FR" dirty="0">
+                <a:solidFill>
+                  <a:schemeClr val="tx2"/>
+                </a:solidFill>
+                <a:effectLst>
+                  <a:outerShdw blurRad="50800" dist="38100" dir="2700000" algn="tl" rotWithShape="0">
+                    <a:prstClr val="black">
+                      <a:alpha val="40000"/>
+                    </a:prstClr>
+                  </a:outerShdw>
+                </a:effectLst>
+                <a:latin typeface="Segoe UI Semilight" panose="020B0402040204020203" pitchFamily="34" charset="0"/>
+                <a:cs typeface="Segoe UI Semilight" panose="020B0402040204020203" pitchFamily="34" charset="0"/>
+              </a:rPr>
+              <a:t>Vincent</a:t>
             </a:r>
           </a:p>
         </p:txBody>
@@ -4442,12 +4739,20 @@
             <p:ph type="body" sz="quarter" idx="14"/>
           </p:nvPr>
         </p:nvSpPr>
-        <p:spPr/>
+        <p:spPr>
+          <a:xfrm>
+            <a:off x="2657341" y="2281999"/>
+            <a:ext cx="3387471" cy="453402"/>
+          </a:xfrm>
+        </p:spPr>
         <p:txBody>
           <a:bodyPr/>
           <a:lstStyle/>
           <a:p>
-            <a:endParaRPr lang="fr-FR"/>
+            <a:r>
+              <a:rPr lang="fr-FR" dirty="0"/>
+              <a:t>Système de collision</a:t>
+            </a:r>
           </a:p>
         </p:txBody>
       </p:sp>
@@ -4466,7 +4771,10 @@
           <a:bodyPr/>
           <a:lstStyle/>
           <a:p>
-            <a:endParaRPr lang="fr-FR"/>
+            <a:r>
+              <a:rPr lang="fr-FR" dirty="0"/>
+              <a:t>Collision cercle - sommet</a:t>
+            </a:r>
           </a:p>
         </p:txBody>
       </p:sp>
@@ -4510,23 +4818,60 @@
             <p:ph type="title"/>
           </p:nvPr>
         </p:nvSpPr>
-        <p:spPr/>
+        <p:spPr>
+          <a:xfrm>
+            <a:off x="309038" y="114258"/>
+            <a:ext cx="1798967" cy="244053"/>
+          </a:xfrm>
+        </p:spPr>
         <p:txBody>
           <a:bodyPr/>
           <a:lstStyle/>
           <a:p>
-            <a:endParaRPr lang="fr-FR"/>
-          </a:p>
-        </p:txBody>
-      </p:sp>
-      <p:sp>
-        <p:nvSpPr>
-          <p:cNvPr id="3" name="Espace réservé du contenu 2"/>
-          <p:cNvSpPr>
-            <a:spLocks noGrp="1"/>
-          </p:cNvSpPr>
+            <a:r>
+              <a:rPr lang="fr-FR" dirty="0"/>
+              <a:t>Système de collision</a:t>
+            </a:r>
+          </a:p>
+        </p:txBody>
+      </p:sp>
+      <p:pic>
+        <p:nvPicPr>
+          <p:cNvPr id="6" name="Espace réservé du contenu 5">
+            <a:extLst>
+              <a:ext uri="{FF2B5EF4-FFF2-40B4-BE49-F238E27FC236}">
+                <a16:creationId xmlns:a16="http://schemas.microsoft.com/office/drawing/2014/main" id="{941BE97B-ECEA-4920-A92F-07024DD2968A}"/>
+              </a:ext>
+            </a:extLst>
+          </p:cNvPr>
+          <p:cNvPicPr>
+            <a:picLocks noGrp="1" noChangeAspect="1"/>
+          </p:cNvPicPr>
           <p:nvPr>
             <p:ph idx="1"/>
+          </p:nvPr>
+        </p:nvPicPr>
+        <p:blipFill>
+          <a:blip r:embed="rId2"/>
+          <a:stretch>
+            <a:fillRect/>
+          </a:stretch>
+        </p:blipFill>
+        <p:spPr>
+          <a:xfrm>
+            <a:off x="4437869" y="1321613"/>
+            <a:ext cx="4212909" cy="3395662"/>
+          </a:xfrm>
+        </p:spPr>
+      </p:pic>
+      <p:sp>
+        <p:nvSpPr>
+          <p:cNvPr id="4" name="Espace réservé du texte 3"/>
+          <p:cNvSpPr>
+            <a:spLocks noGrp="1"/>
+          </p:cNvSpPr>
+          <p:nvPr>
+            <p:ph type="body" sz="quarter" idx="13"/>
           </p:nvPr>
         </p:nvSpPr>
         <p:spPr/>
@@ -4534,26 +4879,120 @@
           <a:bodyPr/>
           <a:lstStyle/>
           <a:p>
-            <a:endParaRPr lang="fr-FR"/>
-          </a:p>
-        </p:txBody>
-      </p:sp>
-      <p:sp>
-        <p:nvSpPr>
-          <p:cNvPr id="4" name="Espace réservé du texte 3"/>
-          <p:cNvSpPr>
-            <a:spLocks noGrp="1"/>
-          </p:cNvSpPr>
-          <p:nvPr>
-            <p:ph type="body" sz="quarter" idx="13"/>
-          </p:nvPr>
-        </p:nvSpPr>
-        <p:spPr/>
-        <p:txBody>
-          <a:bodyPr/>
+            <a:r>
+              <a:rPr lang="fr-FR" dirty="0"/>
+              <a:t>Collision cercle-sommet</a:t>
+            </a:r>
+          </a:p>
+        </p:txBody>
+      </p:sp>
+      <p:sp>
+        <p:nvSpPr>
+          <p:cNvPr id="8" name="ZoneTexte 7">
+            <a:extLst>
+              <a:ext uri="{FF2B5EF4-FFF2-40B4-BE49-F238E27FC236}">
+                <a16:creationId xmlns:a16="http://schemas.microsoft.com/office/drawing/2014/main" id="{900CE44B-60FD-4342-8336-52CD2F736EA6}"/>
+              </a:ext>
+            </a:extLst>
+          </p:cNvPr>
+          <p:cNvSpPr txBox="1"/>
+          <p:nvPr/>
+        </p:nvSpPr>
+        <p:spPr>
+          <a:xfrm>
+            <a:off x="237325" y="1500733"/>
+            <a:ext cx="3964727" cy="923330"/>
+          </a:xfrm>
+          <a:prstGeom prst="rect">
+            <a:avLst/>
+          </a:prstGeom>
+          <a:noFill/>
+        </p:spPr>
+        <p:txBody>
+          <a:bodyPr wrap="square" rtlCol="0">
+            <a:spAutoFit/>
+          </a:bodyPr>
           <a:lstStyle/>
           <a:p>
-            <a:endParaRPr lang="fr-FR"/>
+            <a:r>
+              <a:rPr lang="fr-FR" dirty="0">
+                <a:latin typeface="Segoe UI Semilight" panose="020B0402040204020203" pitchFamily="34" charset="0"/>
+                <a:cs typeface="Segoe UI Semilight" panose="020B0402040204020203" pitchFamily="34" charset="0"/>
+              </a:rPr>
+              <a:t>Si </a:t>
+            </a:r>
+            <a:r>
+              <a:rPr lang="fr-FR" dirty="0">
+                <a:solidFill>
+                  <a:srgbClr val="FF0000"/>
+                </a:solidFill>
+                <a:latin typeface="Segoe UI Semilight" panose="020B0402040204020203" pitchFamily="34" charset="0"/>
+                <a:cs typeface="Segoe UI Semilight" panose="020B0402040204020203" pitchFamily="34" charset="0"/>
+              </a:rPr>
+              <a:t>f</a:t>
+            </a:r>
+            <a:r>
+              <a:rPr lang="fr-FR" dirty="0">
+                <a:latin typeface="Segoe UI Semilight" panose="020B0402040204020203" pitchFamily="34" charset="0"/>
+                <a:cs typeface="Segoe UI Semilight" panose="020B0402040204020203" pitchFamily="34" charset="0"/>
+              </a:rPr>
+              <a:t> = r, collision avec A</a:t>
+            </a:r>
+          </a:p>
+          <a:p>
+            <a:r>
+              <a:rPr lang="fr-FR" dirty="0">
+                <a:latin typeface="Segoe UI Semilight" panose="020B0402040204020203" pitchFamily="34" charset="0"/>
+                <a:cs typeface="Segoe UI Semilight" panose="020B0402040204020203" pitchFamily="34" charset="0"/>
+              </a:rPr>
+              <a:t>Si </a:t>
+            </a:r>
+            <a:r>
+              <a:rPr lang="fr-FR" dirty="0">
+                <a:solidFill>
+                  <a:srgbClr val="00B050"/>
+                </a:solidFill>
+                <a:latin typeface="Segoe UI Semilight" panose="020B0402040204020203" pitchFamily="34" charset="0"/>
+                <a:cs typeface="Segoe UI Semilight" panose="020B0402040204020203" pitchFamily="34" charset="0"/>
+              </a:rPr>
+              <a:t>h</a:t>
+            </a:r>
+            <a:r>
+              <a:rPr lang="fr-FR" dirty="0">
+                <a:latin typeface="Segoe UI Semilight" panose="020B0402040204020203" pitchFamily="34" charset="0"/>
+                <a:cs typeface="Segoe UI Semilight" panose="020B0402040204020203" pitchFamily="34" charset="0"/>
+              </a:rPr>
+              <a:t> = r, collision avec C</a:t>
+            </a:r>
+          </a:p>
+          <a:p>
+            <a:r>
+              <a:rPr lang="fr-FR" dirty="0">
+                <a:latin typeface="Segoe UI Semilight" panose="020B0402040204020203" pitchFamily="34" charset="0"/>
+                <a:cs typeface="Segoe UI Semilight" panose="020B0402040204020203" pitchFamily="34" charset="0"/>
+              </a:rPr>
+              <a:t>Si </a:t>
+            </a:r>
+            <a:r>
+              <a:rPr lang="fr-FR" dirty="0">
+                <a:solidFill>
+                  <a:schemeClr val="tx2">
+                    <a:lumMod val="60000"/>
+                    <a:lumOff val="40000"/>
+                  </a:schemeClr>
+                </a:solidFill>
+                <a:latin typeface="Segoe UI Semilight" panose="020B0402040204020203" pitchFamily="34" charset="0"/>
+                <a:cs typeface="Segoe UI Semilight" panose="020B0402040204020203" pitchFamily="34" charset="0"/>
+              </a:rPr>
+              <a:t>g</a:t>
+            </a:r>
+            <a:r>
+              <a:rPr lang="fr-FR" dirty="0">
+                <a:latin typeface="Segoe UI Semilight" panose="020B0402040204020203" pitchFamily="34" charset="0"/>
+                <a:cs typeface="Segoe UI Semilight" panose="020B0402040204020203" pitchFamily="34" charset="0"/>
+              </a:rPr>
+              <a:t> = r, collision avec B</a:t>
+            </a:r>
           </a:p>
         </p:txBody>
       </p:sp>

--- a/Présentation projet/Projet ISN.pptx
+++ b/Présentation projet/Projet ISN.pptx
@@ -5,19 +5,21 @@
     <p:sldMasterId id="2147483648" r:id="rId2"/>
   </p:sldMasterIdLst>
   <p:handoutMasterIdLst>
-    <p:handoutMasterId r:id="rId13"/>
+    <p:handoutMasterId r:id="rId15"/>
   </p:handoutMasterIdLst>
   <p:sldIdLst>
     <p:sldId id="256" r:id="rId3"/>
     <p:sldId id="258" r:id="rId4"/>
     <p:sldId id="261" r:id="rId5"/>
     <p:sldId id="257" r:id="rId6"/>
-    <p:sldId id="259" r:id="rId7"/>
-    <p:sldId id="262" r:id="rId8"/>
-    <p:sldId id="263" r:id="rId9"/>
-    <p:sldId id="264" r:id="rId10"/>
-    <p:sldId id="265" r:id="rId11"/>
-    <p:sldId id="266" r:id="rId12"/>
+    <p:sldId id="267" r:id="rId7"/>
+    <p:sldId id="259" r:id="rId8"/>
+    <p:sldId id="268" r:id="rId9"/>
+    <p:sldId id="262" r:id="rId10"/>
+    <p:sldId id="263" r:id="rId11"/>
+    <p:sldId id="264" r:id="rId12"/>
+    <p:sldId id="265" r:id="rId13"/>
+    <p:sldId id="266" r:id="rId14"/>
   </p:sldIdLst>
   <p:sldSz cx="9144000" cy="5143500" type="screen16x9"/>
   <p:notesSz cx="6858000" cy="9144000"/>
@@ -117,6 +119,26 @@
     </a:lvl9pPr>
   </p:defaultTextStyle>
   <p:extLst>
+    <p:ext uri="{521415D9-36F7-43E2-AB2F-B90AF26B5E84}">
+      <p14:sectionLst xmlns:p14="http://schemas.microsoft.com/office/powerpoint/2010/main">
+        <p14:section name="Section par défaut" id="{3465D6E1-9F55-4D5B-AB37-32487A496132}">
+          <p14:sldIdLst>
+            <p14:sldId id="256"/>
+            <p14:sldId id="258"/>
+            <p14:sldId id="261"/>
+            <p14:sldId id="257"/>
+            <p14:sldId id="267"/>
+            <p14:sldId id="259"/>
+            <p14:sldId id="268"/>
+            <p14:sldId id="262"/>
+            <p14:sldId id="263"/>
+            <p14:sldId id="264"/>
+            <p14:sldId id="265"/>
+            <p14:sldId id="266"/>
+          </p14:sldIdLst>
+        </p14:section>
+      </p14:sectionLst>
+    </p:ext>
     <p:ext uri="{EFAFB233-063F-42B5-8137-9DF3F51BA10A}">
       <p15:sldGuideLst xmlns:p15="http://schemas.microsoft.com/office/powerpoint/2012/main">
         <p15:guide id="1" orient="horz" pos="1620">
@@ -133,6 +155,26 @@
     </p:ext>
   </p:extLst>
 </p:presentation>
+</file>
+
+<file path=ppt/commentAuthors.xml><?xml version="1.0" encoding="utf-8"?>
+<p:cmAuthorLst xmlns:a="http://schemas.openxmlformats.org/drawingml/2006/main" xmlns:r="http://schemas.openxmlformats.org/officeDocument/2006/relationships" xmlns:p="http://schemas.openxmlformats.org/presentationml/2006/main">
+  <p:cmAuthor id="2" name="Auteur" initials="A" lastIdx="1" clrIdx="1"/>
+</p:cmAuthorLst>
+</file>
+
+<file path=ppt/comments/comment1.xml><?xml version="1.0" encoding="utf-8"?>
+<p:cmLst xmlns:a="http://schemas.openxmlformats.org/drawingml/2006/main" xmlns:r="http://schemas.openxmlformats.org/officeDocument/2006/relationships" xmlns:p="http://schemas.openxmlformats.org/presentationml/2006/main">
+  <p:cm authorId="2" dt="2018-02-06T22:18:16.087" idx="1">
+    <p:pos x="5449" y="671"/>
+    <p:text/>
+    <p:extLst>
+      <p:ext uri="{C676402C-5697-4E1C-873F-D02D1690AC5C}">
+        <p15:threadingInfo xmlns:p15="http://schemas.microsoft.com/office/powerpoint/2012/main" timeZoneBias="-60"/>
+      </p:ext>
+    </p:extLst>
+  </p:cm>
+</p:cmLst>
 </file>
 
 <file path=ppt/handoutMasters/handoutMaster1.xml><?xml version="1.0" encoding="utf-8"?>
@@ -4124,6 +4166,154 @@
           <a:chExt cx="0" cy="0"/>
         </a:xfrm>
       </p:grpSpPr>
+    </p:spTree>
+    <p:extLst>
+      <p:ext uri="{BB962C8B-B14F-4D97-AF65-F5344CB8AC3E}">
+        <p14:creationId xmlns:p14="http://schemas.microsoft.com/office/powerpoint/2010/main" val="2639436419"/>
+      </p:ext>
+    </p:extLst>
+  </p:cSld>
+  <p:clrMapOvr>
+    <a:masterClrMapping/>
+  </p:clrMapOvr>
+</p:sld>
+</file>
+
+<file path=ppt/slides/slide11.xml><?xml version="1.0" encoding="utf-8"?>
+<p:sld xmlns:a="http://schemas.openxmlformats.org/drawingml/2006/main" xmlns:r="http://schemas.openxmlformats.org/officeDocument/2006/relationships" xmlns:p="http://schemas.openxmlformats.org/presentationml/2006/main">
+  <p:cSld>
+    <p:spTree>
+      <p:nvGrpSpPr>
+        <p:cNvPr id="1" name=""/>
+        <p:cNvGrpSpPr/>
+        <p:nvPr/>
+      </p:nvGrpSpPr>
+      <p:grpSpPr>
+        <a:xfrm>
+          <a:off x="0" y="0"/>
+          <a:ext cx="0" cy="0"/>
+          <a:chOff x="0" y="0"/>
+          <a:chExt cx="0" cy="0"/>
+        </a:xfrm>
+      </p:grpSpPr>
+      <p:sp>
+        <p:nvSpPr>
+          <p:cNvPr id="2" name="Espace réservé du texte 1"/>
+          <p:cNvSpPr>
+            <a:spLocks noGrp="1"/>
+          </p:cNvSpPr>
+          <p:nvPr>
+            <p:ph type="body" sz="half" idx="2"/>
+          </p:nvPr>
+        </p:nvSpPr>
+        <p:spPr/>
+        <p:txBody>
+          <a:bodyPr/>
+          <a:lstStyle/>
+          <a:p>
+            <a:endParaRPr lang="fr-FR"/>
+          </a:p>
+        </p:txBody>
+      </p:sp>
+      <p:sp>
+        <p:nvSpPr>
+          <p:cNvPr id="3" name="Espace réservé du texte 2"/>
+          <p:cNvSpPr>
+            <a:spLocks noGrp="1"/>
+          </p:cNvSpPr>
+          <p:nvPr>
+            <p:ph type="body" sz="quarter" idx="14"/>
+          </p:nvPr>
+        </p:nvSpPr>
+        <p:spPr/>
+        <p:txBody>
+          <a:bodyPr/>
+          <a:lstStyle/>
+          <a:p>
+            <a:endParaRPr lang="fr-FR"/>
+          </a:p>
+        </p:txBody>
+      </p:sp>
+      <p:sp>
+        <p:nvSpPr>
+          <p:cNvPr id="4" name="Espace réservé du texte 3"/>
+          <p:cNvSpPr>
+            <a:spLocks noGrp="1"/>
+          </p:cNvSpPr>
+          <p:nvPr>
+            <p:ph type="body" sz="quarter" idx="15"/>
+          </p:nvPr>
+        </p:nvSpPr>
+        <p:spPr/>
+        <p:txBody>
+          <a:bodyPr/>
+          <a:lstStyle/>
+          <a:p>
+            <a:endParaRPr lang="fr-FR"/>
+          </a:p>
+        </p:txBody>
+      </p:sp>
+      <p:sp>
+        <p:nvSpPr>
+          <p:cNvPr id="5" name="Espace réservé du texte 4"/>
+          <p:cNvSpPr>
+            <a:spLocks noGrp="1"/>
+          </p:cNvSpPr>
+          <p:nvPr>
+            <p:ph type="body" sz="quarter" idx="17"/>
+          </p:nvPr>
+        </p:nvSpPr>
+        <p:spPr/>
+        <p:txBody>
+          <a:bodyPr/>
+          <a:lstStyle/>
+          <a:p>
+            <a:endParaRPr lang="fr-FR"/>
+          </a:p>
+        </p:txBody>
+      </p:sp>
+      <p:sp>
+        <p:nvSpPr>
+          <p:cNvPr id="6" name="Espace réservé du tableau 5"/>
+          <p:cNvSpPr>
+            <a:spLocks noGrp="1"/>
+          </p:cNvSpPr>
+          <p:nvPr>
+            <p:ph type="tbl" sz="quarter" idx="19"/>
+          </p:nvPr>
+        </p:nvSpPr>
+        <p:spPr/>
+      </p:sp>
+    </p:spTree>
+    <p:extLst>
+      <p:ext uri="{BB962C8B-B14F-4D97-AF65-F5344CB8AC3E}">
+        <p14:creationId xmlns:p14="http://schemas.microsoft.com/office/powerpoint/2010/main" val="2362763898"/>
+      </p:ext>
+    </p:extLst>
+  </p:cSld>
+  <p:clrMapOvr>
+    <a:masterClrMapping/>
+  </p:clrMapOvr>
+</p:sld>
+</file>
+
+<file path=ppt/slides/slide12.xml><?xml version="1.0" encoding="utf-8"?>
+<p:sld xmlns:a="http://schemas.openxmlformats.org/drawingml/2006/main" xmlns:r="http://schemas.openxmlformats.org/officeDocument/2006/relationships" xmlns:p="http://schemas.openxmlformats.org/presentationml/2006/main">
+  <p:cSld>
+    <p:spTree>
+      <p:nvGrpSpPr>
+        <p:cNvPr id="1" name=""/>
+        <p:cNvGrpSpPr/>
+        <p:nvPr/>
+      </p:nvGrpSpPr>
+      <p:grpSpPr>
+        <a:xfrm>
+          <a:off x="0" y="0"/>
+          <a:ext cx="0" cy="0"/>
+          <a:chOff x="0" y="0"/>
+          <a:chExt cx="0" cy="0"/>
+        </a:xfrm>
+      </p:grpSpPr>
       <p:sp>
         <p:nvSpPr>
           <p:cNvPr id="2" name="Titre 1"/>
@@ -4859,7 +5049,7 @@
         </p:blipFill>
         <p:spPr>
           <a:xfrm>
-            <a:off x="4437869" y="1321613"/>
+            <a:off x="2399664" y="1119188"/>
             <a:ext cx="4212909" cy="3395662"/>
           </a:xfrm>
         </p:spPr>
@@ -4881,7 +5071,7 @@
           <a:p>
             <a:r>
               <a:rPr lang="fr-FR" dirty="0"/>
-              <a:t>Collision cercle-sommet</a:t>
+              <a:t>Collision cercle - sommet</a:t>
             </a:r>
           </a:p>
         </p:txBody>
@@ -5028,31 +5218,51 @@
       </p:grpSpPr>
       <p:sp>
         <p:nvSpPr>
-          <p:cNvPr id="5" name="Espace réservé du texte 4"/>
-          <p:cNvSpPr>
-            <a:spLocks noGrp="1"/>
-          </p:cNvSpPr>
-          <p:nvPr>
-            <p:ph type="body" sz="quarter" idx="13"/>
-          </p:nvPr>
-        </p:nvSpPr>
-        <p:spPr/>
+          <p:cNvPr id="2" name="Espace réservé du texte 1">
+            <a:extLst>
+              <a:ext uri="{FF2B5EF4-FFF2-40B4-BE49-F238E27FC236}">
+                <a16:creationId xmlns:a16="http://schemas.microsoft.com/office/drawing/2014/main" id="{0772857D-6530-44EC-91BE-77FBD06192FE}"/>
+              </a:ext>
+            </a:extLst>
+          </p:cNvPr>
+          <p:cNvSpPr>
+            <a:spLocks noGrp="1"/>
+          </p:cNvSpPr>
+          <p:nvPr>
+            <p:ph type="body" sz="quarter" idx="14"/>
+          </p:nvPr>
+        </p:nvSpPr>
+        <p:spPr>
+          <a:xfrm>
+            <a:off x="2657341" y="2281999"/>
+            <a:ext cx="3375159" cy="453402"/>
+          </a:xfrm>
+        </p:spPr>
         <p:txBody>
           <a:bodyPr/>
           <a:lstStyle/>
           <a:p>
-            <a:endParaRPr lang="fr-FR"/>
-          </a:p>
-        </p:txBody>
-      </p:sp>
-      <p:sp>
-        <p:nvSpPr>
-          <p:cNvPr id="3" name="Espace réservé du contenu 2"/>
-          <p:cNvSpPr>
-            <a:spLocks noGrp="1"/>
-          </p:cNvSpPr>
-          <p:nvPr>
-            <p:ph sz="half" idx="1"/>
+            <a:r>
+              <a:rPr lang="fr-FR" dirty="0"/>
+              <a:t>Système de collision</a:t>
+            </a:r>
+          </a:p>
+        </p:txBody>
+      </p:sp>
+      <p:sp>
+        <p:nvSpPr>
+          <p:cNvPr id="3" name="Espace réservé du texte 2">
+            <a:extLst>
+              <a:ext uri="{FF2B5EF4-FFF2-40B4-BE49-F238E27FC236}">
+                <a16:creationId xmlns:a16="http://schemas.microsoft.com/office/drawing/2014/main" id="{04B6B38D-B502-4837-9E93-68CC6E3433AE}"/>
+              </a:ext>
+            </a:extLst>
+          </p:cNvPr>
+          <p:cNvSpPr>
+            <a:spLocks noGrp="1"/>
+          </p:cNvSpPr>
+          <p:nvPr>
+            <p:ph type="body" sz="quarter" idx="15"/>
           </p:nvPr>
         </p:nvSpPr>
         <p:spPr/>
@@ -5060,90 +5270,17 @@
           <a:bodyPr/>
           <a:lstStyle/>
           <a:p>
-            <a:endParaRPr lang="fr-FR"/>
-          </a:p>
-        </p:txBody>
-      </p:sp>
-      <p:sp>
-        <p:nvSpPr>
-          <p:cNvPr id="4" name="Espace réservé du contenu 3"/>
-          <p:cNvSpPr>
-            <a:spLocks noGrp="1"/>
-          </p:cNvSpPr>
-          <p:nvPr>
-            <p:ph sz="half" idx="2"/>
-          </p:nvPr>
-        </p:nvSpPr>
-        <p:spPr/>
-        <p:txBody>
-          <a:bodyPr/>
-          <a:lstStyle/>
-          <a:p>
-            <a:endParaRPr lang="fr-FR"/>
-          </a:p>
-        </p:txBody>
-      </p:sp>
-      <p:sp>
-        <p:nvSpPr>
-          <p:cNvPr id="2" name="Titre 1"/>
-          <p:cNvSpPr>
-            <a:spLocks noGrp="1"/>
-          </p:cNvSpPr>
-          <p:nvPr>
-            <p:ph type="title"/>
-          </p:nvPr>
-        </p:nvSpPr>
-        <p:spPr/>
-        <p:txBody>
-          <a:bodyPr/>
-          <a:lstStyle/>
-          <a:p>
-            <a:endParaRPr lang="fr-FR"/>
-          </a:p>
-        </p:txBody>
-      </p:sp>
-      <p:sp>
-        <p:nvSpPr>
-          <p:cNvPr id="6" name="Espace réservé du texte 5"/>
-          <p:cNvSpPr>
-            <a:spLocks noGrp="1"/>
-          </p:cNvSpPr>
-          <p:nvPr>
-            <p:ph type="body" sz="quarter" idx="15"/>
-          </p:nvPr>
-        </p:nvSpPr>
-        <p:spPr/>
-        <p:txBody>
-          <a:bodyPr/>
-          <a:lstStyle/>
-          <a:p>
-            <a:endParaRPr lang="fr-FR"/>
-          </a:p>
-        </p:txBody>
-      </p:sp>
-      <p:sp>
-        <p:nvSpPr>
-          <p:cNvPr id="7" name="Espace réservé du texte 6"/>
-          <p:cNvSpPr>
-            <a:spLocks noGrp="1"/>
-          </p:cNvSpPr>
-          <p:nvPr>
-            <p:ph type="body" sz="quarter" idx="16"/>
-          </p:nvPr>
-        </p:nvSpPr>
-        <p:spPr/>
-        <p:txBody>
-          <a:bodyPr/>
-          <a:lstStyle/>
-          <a:p>
-            <a:endParaRPr lang="fr-FR"/>
+            <a:r>
+              <a:rPr lang="fr-FR" dirty="0"/>
+              <a:t>Collision cercle - triangle</a:t>
+            </a:r>
           </a:p>
         </p:txBody>
       </p:sp>
     </p:spTree>
     <p:extLst>
       <p:ext uri="{BB962C8B-B14F-4D97-AF65-F5344CB8AC3E}">
-        <p14:creationId xmlns:p14="http://schemas.microsoft.com/office/powerpoint/2010/main" val="1554283246"/>
+        <p14:creationId xmlns:p14="http://schemas.microsoft.com/office/powerpoint/2010/main" val="2882931874"/>
       </p:ext>
     </p:extLst>
   </p:cSld>
@@ -5172,12 +5309,12 @@
       </p:grpSpPr>
       <p:sp>
         <p:nvSpPr>
-          <p:cNvPr id="2" name="Titre 1"/>
-          <p:cNvSpPr>
-            <a:spLocks noGrp="1"/>
-          </p:cNvSpPr>
-          <p:nvPr>
-            <p:ph type="title"/>
+          <p:cNvPr id="5" name="Espace réservé du texte 4"/>
+          <p:cNvSpPr>
+            <a:spLocks noGrp="1"/>
+          </p:cNvSpPr>
+          <p:nvPr>
+            <p:ph type="body" sz="quarter" idx="13"/>
           </p:nvPr>
         </p:nvSpPr>
         <p:spPr/>
@@ -5185,18 +5322,24 @@
           <a:bodyPr/>
           <a:lstStyle/>
           <a:p>
-            <a:endParaRPr lang="fr-FR"/>
-          </a:p>
-        </p:txBody>
-      </p:sp>
-      <p:sp>
-        <p:nvSpPr>
-          <p:cNvPr id="3" name="Espace réservé du texte 2"/>
-          <p:cNvSpPr>
-            <a:spLocks noGrp="1"/>
-          </p:cNvSpPr>
-          <p:nvPr>
-            <p:ph type="body" idx="1"/>
+            <a:r>
+              <a:rPr lang="fr-FR" dirty="0"/>
+              <a:t>Collision cercle - triangle</a:t>
+            </a:r>
+          </a:p>
+          <a:p>
+            <a:endParaRPr lang="fr-FR" dirty="0"/>
+          </a:p>
+        </p:txBody>
+      </p:sp>
+      <p:sp>
+        <p:nvSpPr>
+          <p:cNvPr id="2" name="Titre 1"/>
+          <p:cNvSpPr>
+            <a:spLocks noGrp="1"/>
+          </p:cNvSpPr>
+          <p:nvPr>
+            <p:ph type="title"/>
           </p:nvPr>
         </p:nvSpPr>
         <p:spPr/>
@@ -5204,76 +5347,1089 @@
           <a:bodyPr/>
           <a:lstStyle/>
           <a:p>
-            <a:endParaRPr lang="fr-FR"/>
-          </a:p>
-        </p:txBody>
-      </p:sp>
-      <p:sp>
-        <p:nvSpPr>
-          <p:cNvPr id="4" name="Espace réservé du texte 3"/>
-          <p:cNvSpPr>
-            <a:spLocks noGrp="1"/>
-          </p:cNvSpPr>
-          <p:nvPr>
-            <p:ph type="body" sz="quarter" idx="3"/>
-          </p:nvPr>
-        </p:nvSpPr>
-        <p:spPr/>
+            <a:r>
+              <a:rPr lang="fr-FR" dirty="0"/>
+              <a:t>Système de collision</a:t>
+            </a:r>
+          </a:p>
+        </p:txBody>
+      </p:sp>
+      <p:sp>
+        <p:nvSpPr>
+          <p:cNvPr id="7" name="Espace réservé du texte 6"/>
+          <p:cNvSpPr>
+            <a:spLocks noGrp="1"/>
+          </p:cNvSpPr>
+          <p:nvPr>
+            <p:ph type="body" sz="quarter" idx="16"/>
+          </p:nvPr>
+        </p:nvSpPr>
+        <p:spPr>
+          <a:xfrm>
+            <a:off x="611560" y="1105372"/>
+            <a:ext cx="2588840" cy="589563"/>
+          </a:xfrm>
+        </p:spPr>
         <p:txBody>
           <a:bodyPr/>
           <a:lstStyle/>
           <a:p>
-            <a:endParaRPr lang="fr-FR"/>
-          </a:p>
-        </p:txBody>
-      </p:sp>
-      <p:sp>
-        <p:nvSpPr>
-          <p:cNvPr id="5" name="Espace réservé du texte 4"/>
-          <p:cNvSpPr>
-            <a:spLocks noGrp="1"/>
-          </p:cNvSpPr>
-          <p:nvPr>
-            <p:ph type="body" sz="quarter" idx="14"/>
-          </p:nvPr>
-        </p:nvSpPr>
-        <p:spPr/>
-        <p:txBody>
-          <a:bodyPr/>
-          <a:lstStyle/>
-          <a:p>
-            <a:endParaRPr lang="fr-FR"/>
-          </a:p>
-        </p:txBody>
-      </p:sp>
-      <p:sp>
-        <p:nvSpPr>
-          <p:cNvPr id="6" name="Espace réservé du graphique 5"/>
-          <p:cNvSpPr>
-            <a:spLocks noGrp="1"/>
-          </p:cNvSpPr>
-          <p:nvPr>
-            <p:ph type="chart" sz="quarter" idx="15"/>
-          </p:nvPr>
-        </p:nvSpPr>
-        <p:spPr/>
-      </p:sp>
-      <p:sp>
-        <p:nvSpPr>
-          <p:cNvPr id="7" name="Espace réservé du graphique 6"/>
-          <p:cNvSpPr>
-            <a:spLocks noGrp="1"/>
-          </p:cNvSpPr>
-          <p:nvPr>
-            <p:ph type="chart" sz="quarter" idx="16"/>
-          </p:nvPr>
-        </p:nvSpPr>
-        <p:spPr/>
-      </p:sp>
+            <a:r>
+              <a:rPr lang="fr-FR" dirty="0"/>
+              <a:t>Prérequis</a:t>
+            </a:r>
+          </a:p>
+        </p:txBody>
+      </p:sp>
+      <p:sp>
+        <p:nvSpPr>
+          <p:cNvPr id="8" name="Titre 1">
+            <a:extLst>
+              <a:ext uri="{FF2B5EF4-FFF2-40B4-BE49-F238E27FC236}">
+                <a16:creationId xmlns:a16="http://schemas.microsoft.com/office/drawing/2014/main" id="{8BC60C86-72A6-4753-AE13-53560CD820DF}"/>
+              </a:ext>
+            </a:extLst>
+          </p:cNvPr>
+          <p:cNvSpPr txBox="1">
+            <a:spLocks/>
+          </p:cNvSpPr>
+          <p:nvPr/>
+        </p:nvSpPr>
+        <p:spPr>
+          <a:xfrm>
+            <a:off x="1250151" y="1694935"/>
+            <a:ext cx="1950249" cy="229512"/>
+          </a:xfrm>
+          <a:prstGeom prst="rect">
+            <a:avLst/>
+          </a:prstGeom>
+        </p:spPr>
+        <p:txBody>
+          <a:bodyPr vert="horz" lIns="0" tIns="0" rIns="0" bIns="0" rtlCol="0" anchor="t" anchorCtr="0">
+            <a:noAutofit/>
+          </a:bodyPr>
+          <a:lstStyle>
+            <a:lvl1pPr algn="l" defTabSz="457200" rtl="0" eaLnBrk="1" latinLnBrk="0" hangingPunct="1">
+              <a:lnSpc>
+                <a:spcPts val="1920"/>
+              </a:lnSpc>
+              <a:spcBef>
+                <a:spcPct val="0"/>
+              </a:spcBef>
+              <a:buNone/>
+              <a:defRPr lang="fr-FR" sz="1600" kern="1200">
+                <a:solidFill>
+                  <a:schemeClr val="bg1"/>
+                </a:solidFill>
+                <a:latin typeface="Segoe UI Semilight" panose="020B0402040204020203" pitchFamily="34" charset="0"/>
+                <a:ea typeface="+mj-ea"/>
+                <a:cs typeface="Segoe UI Semilight" panose="020B0402040204020203" pitchFamily="34" charset="0"/>
+              </a:defRPr>
+            </a:lvl1pPr>
+          </a:lstStyle>
+          <a:p>
+            <a:r>
+              <a:rPr lang="fr-FR" sz="1800" dirty="0">
+                <a:solidFill>
+                  <a:srgbClr val="3198E5"/>
+                </a:solidFill>
+              </a:rPr>
+              <a:t>Le produit vectoriel</a:t>
+            </a:r>
+          </a:p>
+        </p:txBody>
+      </p:sp>
+      <mc:AlternateContent xmlns:mc="http://schemas.openxmlformats.org/markup-compatibility/2006">
+        <mc:Choice xmlns:a14="http://schemas.microsoft.com/office/drawing/2010/main" Requires="a14">
+          <p:sp>
+            <p:nvSpPr>
+              <p:cNvPr id="9" name="ZoneTexte 8">
+                <a:extLst>
+                  <a:ext uri="{FF2B5EF4-FFF2-40B4-BE49-F238E27FC236}">
+                    <a16:creationId xmlns:a16="http://schemas.microsoft.com/office/drawing/2014/main" id="{38DFE4F8-F729-473B-8DB1-D5039704D5AD}"/>
+                  </a:ext>
+                </a:extLst>
+              </p:cNvPr>
+              <p:cNvSpPr txBox="1"/>
+              <p:nvPr/>
+            </p:nvSpPr>
+            <p:spPr>
+              <a:xfrm>
+                <a:off x="611560" y="2207275"/>
+                <a:ext cx="3810000" cy="2031325"/>
+              </a:xfrm>
+              <a:prstGeom prst="rect">
+                <a:avLst/>
+              </a:prstGeom>
+              <a:noFill/>
+            </p:spPr>
+            <p:txBody>
+              <a:bodyPr wrap="square" rtlCol="0">
+                <a:spAutoFit/>
+              </a:bodyPr>
+              <a:lstStyle/>
+              <a:p>
+                <a:r>
+                  <a:rPr lang="fr-FR" b="1" dirty="0">
+                    <a:latin typeface="Segoe UI" panose="020B0502040204020203" pitchFamily="34" charset="0"/>
+                    <a:cs typeface="Segoe UI" panose="020B0502040204020203" pitchFamily="34" charset="0"/>
+                  </a:rPr>
+                  <a:t>Définition :</a:t>
+                </a:r>
+                <a:r>
+                  <a:rPr lang="fr-FR" dirty="0">
+                    <a:latin typeface="Segoe UI" panose="020B0502040204020203" pitchFamily="34" charset="0"/>
+                    <a:cs typeface="Segoe UI" panose="020B0502040204020203" pitchFamily="34" charset="0"/>
+                  </a:rPr>
+                  <a:t> </a:t>
+                </a:r>
+                <a:r>
+                  <a:rPr lang="fr-FR" dirty="0">
+                    <a:latin typeface="Segoe UI Semilight" panose="020B0402040204020203" pitchFamily="34" charset="0"/>
+                    <a:cs typeface="Segoe UI Semilight" panose="020B0402040204020203" pitchFamily="34" charset="0"/>
+                  </a:rPr>
+                  <a:t>Le produit vectoriel de deux vecteurs</a:t>
+                </a:r>
+                <a14:m>
+                  <m:oMath xmlns:m="http://schemas.openxmlformats.org/officeDocument/2006/math">
+                    <m:r>
+                      <a:rPr lang="fr-FR" b="0" i="0" smtClean="0">
+                        <a:latin typeface="Cambria Math" panose="02040503050406030204" pitchFamily="18" charset="0"/>
+                        <a:cs typeface="Segoe UI Semilight" panose="020B0402040204020203" pitchFamily="34" charset="0"/>
+                      </a:rPr>
+                      <m:t> </m:t>
+                    </m:r>
+                    <m:acc>
+                      <m:accPr>
+                        <m:chr m:val="⃗"/>
+                        <m:ctrlPr>
+                          <a:rPr lang="fr-FR" b="0" i="1" smtClean="0">
+                            <a:latin typeface="Cambria Math" panose="02040503050406030204" pitchFamily="18" charset="0"/>
+                            <a:cs typeface="Segoe UI Semilight" panose="020B0402040204020203" pitchFamily="34" charset="0"/>
+                          </a:rPr>
+                        </m:ctrlPr>
+                      </m:accPr>
+                      <m:e>
+                        <m:r>
+                          <a:rPr lang="fr-FR" b="0" i="1" smtClean="0">
+                            <a:latin typeface="Cambria Math" panose="02040503050406030204" pitchFamily="18" charset="0"/>
+                            <a:cs typeface="Segoe UI Semilight" panose="020B0402040204020203" pitchFamily="34" charset="0"/>
+                          </a:rPr>
+                          <m:t>𝑢</m:t>
+                        </m:r>
+                      </m:e>
+                    </m:acc>
+                    <m:r>
+                      <a:rPr lang="fr-FR" b="0" i="1" smtClean="0">
+                        <a:latin typeface="Cambria Math" panose="02040503050406030204" pitchFamily="18" charset="0"/>
+                        <a:cs typeface="Segoe UI Semilight" panose="020B0402040204020203" pitchFamily="34" charset="0"/>
+                      </a:rPr>
+                      <m:t> </m:t>
+                    </m:r>
+                    <m:r>
+                      <m:rPr>
+                        <m:nor/>
+                      </m:rPr>
+                      <a:rPr lang="fr-FR" b="0" i="0" smtClean="0">
+                        <a:latin typeface="Segoe UI Semilight" panose="020B0402040204020203" pitchFamily="34" charset="0"/>
+                        <a:cs typeface="Segoe UI Semilight" panose="020B0402040204020203" pitchFamily="34" charset="0"/>
+                      </a:rPr>
+                      <m:t>et</m:t>
+                    </m:r>
+                    <m:r>
+                      <m:rPr>
+                        <m:nor/>
+                      </m:rPr>
+                      <a:rPr lang="fr-FR" b="0" i="0" smtClean="0">
+                        <a:latin typeface="Cambria Math" panose="02040503050406030204" pitchFamily="18" charset="0"/>
+                        <a:cs typeface="Segoe UI Semilight" panose="020B0402040204020203" pitchFamily="34" charset="0"/>
+                      </a:rPr>
+                      <m:t> </m:t>
+                    </m:r>
+                    <m:acc>
+                      <m:accPr>
+                        <m:chr m:val="⃗"/>
+                        <m:ctrlPr>
+                          <a:rPr lang="fr-FR" b="1" dirty="0" smtClean="0">
+                            <a:latin typeface="Cambria Math" panose="02040503050406030204" pitchFamily="18" charset="0"/>
+                          </a:rPr>
+                        </m:ctrlPr>
+                      </m:accPr>
+                      <m:e>
+                        <m:r>
+                          <a:rPr lang="fr-FR" b="1" i="1" dirty="0">
+                            <a:latin typeface="Cambria Math" panose="02040503050406030204" pitchFamily="18" charset="0"/>
+                          </a:rPr>
+                          <m:t>𝑣</m:t>
+                        </m:r>
+                      </m:e>
+                    </m:acc>
+                  </m:oMath>
+                </a14:m>
+                <a:r>
+                  <a:rPr lang="fr-FR" b="1" dirty="0">
+                    <a:latin typeface="Segoe UI" panose="020B0502040204020203" pitchFamily="34" charset="0"/>
+                    <a:cs typeface="Segoe UI" panose="020B0502040204020203" pitchFamily="34" charset="0"/>
+                  </a:rPr>
+                  <a:t> </a:t>
+                </a:r>
+                <a:r>
+                  <a:rPr lang="fr-FR" dirty="0">
+                    <a:latin typeface="Segoe UI Semilight" panose="020B0402040204020203" pitchFamily="34" charset="0"/>
+                    <a:cs typeface="Segoe UI Semilight" panose="020B0402040204020203" pitchFamily="34" charset="0"/>
+                  </a:rPr>
+                  <a:t>se note : </a:t>
+                </a:r>
+                <a:br>
+                  <a:rPr lang="fr-FR" dirty="0">
+                    <a:latin typeface="Segoe UI Semilight" panose="020B0402040204020203" pitchFamily="34" charset="0"/>
+                    <a:cs typeface="Segoe UI Semilight" panose="020B0402040204020203" pitchFamily="34" charset="0"/>
+                  </a:rPr>
+                </a:br>
+                <a14:m>
+                  <m:oMathPara xmlns:m="http://schemas.openxmlformats.org/officeDocument/2006/math">
+                    <m:oMathParaPr>
+                      <m:jc m:val="centerGroup"/>
+                    </m:oMathParaPr>
+                    <m:oMath xmlns:m="http://schemas.openxmlformats.org/officeDocument/2006/math">
+                      <m:acc>
+                        <m:accPr>
+                          <m:chr m:val="⃗"/>
+                          <m:ctrlPr>
+                            <a:rPr lang="fr-FR" i="1" smtClean="0">
+                              <a:solidFill>
+                                <a:schemeClr val="tx1"/>
+                              </a:solidFill>
+                              <a:latin typeface="Cambria Math" panose="02040503050406030204" pitchFamily="18" charset="0"/>
+                            </a:rPr>
+                          </m:ctrlPr>
+                        </m:accPr>
+                        <m:e>
+                          <m:r>
+                            <a:rPr lang="fr-FR" i="1" smtClean="0">
+                              <a:solidFill>
+                                <a:schemeClr val="tx1"/>
+                              </a:solidFill>
+                              <a:latin typeface="Cambria Math" panose="02040503050406030204" pitchFamily="18" charset="0"/>
+                            </a:rPr>
+                            <m:t>𝑤</m:t>
+                          </m:r>
+                        </m:e>
+                      </m:acc>
+                      <m:r>
+                        <a:rPr lang="fr-FR" i="1" smtClean="0">
+                          <a:solidFill>
+                            <a:schemeClr val="tx1"/>
+                          </a:solidFill>
+                          <a:latin typeface="Cambria Math" panose="02040503050406030204" pitchFamily="18" charset="0"/>
+                        </a:rPr>
+                        <m:t>=</m:t>
+                      </m:r>
+                      <m:acc>
+                        <m:accPr>
+                          <m:chr m:val="⃗"/>
+                          <m:ctrlPr>
+                            <a:rPr lang="fr-FR" i="1" smtClean="0">
+                              <a:solidFill>
+                                <a:schemeClr val="tx1"/>
+                              </a:solidFill>
+                              <a:latin typeface="Cambria Math" panose="02040503050406030204" pitchFamily="18" charset="0"/>
+                            </a:rPr>
+                          </m:ctrlPr>
+                        </m:accPr>
+                        <m:e>
+                          <m:r>
+                            <a:rPr lang="fr-FR" i="1" smtClean="0">
+                              <a:solidFill>
+                                <a:schemeClr val="tx1"/>
+                              </a:solidFill>
+                              <a:latin typeface="Cambria Math" panose="02040503050406030204" pitchFamily="18" charset="0"/>
+                            </a:rPr>
+                            <m:t>𝑢</m:t>
+                          </m:r>
+                        </m:e>
+                      </m:acc>
+                      <m:r>
+                        <a:rPr lang="fr-FR" i="1" smtClean="0">
+                          <a:solidFill>
+                            <a:schemeClr val="tx1"/>
+                          </a:solidFill>
+                          <a:latin typeface="Cambria Math" panose="02040503050406030204" pitchFamily="18" charset="0"/>
+                        </a:rPr>
+                        <m:t>∧</m:t>
+                      </m:r>
+                      <m:acc>
+                        <m:accPr>
+                          <m:chr m:val="⃗"/>
+                          <m:ctrlPr>
+                            <a:rPr lang="fr-FR" i="1" smtClean="0">
+                              <a:solidFill>
+                                <a:schemeClr val="tx1"/>
+                              </a:solidFill>
+                              <a:latin typeface="Cambria Math" panose="02040503050406030204" pitchFamily="18" charset="0"/>
+                            </a:rPr>
+                          </m:ctrlPr>
+                        </m:accPr>
+                        <m:e>
+                          <m:r>
+                            <a:rPr lang="fr-FR" i="1" smtClean="0">
+                              <a:solidFill>
+                                <a:schemeClr val="tx1"/>
+                              </a:solidFill>
+                              <a:latin typeface="Cambria Math" panose="02040503050406030204" pitchFamily="18" charset="0"/>
+                            </a:rPr>
+                            <m:t>𝑣</m:t>
+                          </m:r>
+                        </m:e>
+                      </m:acc>
+                    </m:oMath>
+                  </m:oMathPara>
+                </a14:m>
+                <a:endParaRPr lang="fr-FR" b="1" dirty="0">
+                  <a:latin typeface="Segoe UI" panose="020B0502040204020203" pitchFamily="34" charset="0"/>
+                  <a:cs typeface="Segoe UI" panose="020B0502040204020203" pitchFamily="34" charset="0"/>
+                </a:endParaRPr>
+              </a:p>
+              <a:p>
+                <a:endParaRPr lang="fr-FR" dirty="0">
+                  <a:latin typeface="Segoe UI Semilight" panose="020B0402040204020203" pitchFamily="34" charset="0"/>
+                  <a:cs typeface="Segoe UI Semilight" panose="020B0402040204020203" pitchFamily="34" charset="0"/>
+                </a:endParaRPr>
+              </a:p>
+              <a:p>
+                <a:r>
+                  <a:rPr lang="fr-FR" dirty="0">
+                    <a:latin typeface="Segoe UI Semilight" panose="020B0402040204020203" pitchFamily="34" charset="0"/>
+                    <a:cs typeface="Segoe UI Semilight" panose="020B0402040204020203" pitchFamily="34" charset="0"/>
+                  </a:rPr>
+                  <a:t>Le produit vectoriel s’écrit également sous la forme : </a:t>
+                </a:r>
+              </a:p>
+              <a:p>
+                <a14:m>
+                  <m:oMath xmlns:m="http://schemas.openxmlformats.org/officeDocument/2006/math">
+                    <m:d>
+                      <m:dPr>
+                        <m:begChr m:val="‖"/>
+                        <m:endChr m:val="‖"/>
+                        <m:ctrlPr>
+                          <a:rPr lang="fr-FR" i="1" smtClean="0">
+                            <a:solidFill>
+                              <a:srgbClr val="FF0000"/>
+                            </a:solidFill>
+                            <a:latin typeface="Cambria Math" panose="02040503050406030204" pitchFamily="18" charset="0"/>
+                          </a:rPr>
+                        </m:ctrlPr>
+                      </m:dPr>
+                      <m:e>
+                        <m:acc>
+                          <m:accPr>
+                            <m:chr m:val="⃗"/>
+                            <m:ctrlPr>
+                              <a:rPr lang="fr-FR" i="1" smtClean="0">
+                                <a:solidFill>
+                                  <a:srgbClr val="FF0000"/>
+                                </a:solidFill>
+                                <a:latin typeface="Cambria Math" panose="02040503050406030204" pitchFamily="18" charset="0"/>
+                              </a:rPr>
+                            </m:ctrlPr>
+                          </m:accPr>
+                          <m:e>
+                            <m:r>
+                              <a:rPr lang="fr-FR" i="1" smtClean="0">
+                                <a:solidFill>
+                                  <a:srgbClr val="FF0000"/>
+                                </a:solidFill>
+                                <a:latin typeface="Cambria Math" panose="02040503050406030204" pitchFamily="18" charset="0"/>
+                              </a:rPr>
+                              <m:t>𝑤</m:t>
+                            </m:r>
+                          </m:e>
+                        </m:acc>
+                      </m:e>
+                    </m:d>
+                    <m:r>
+                      <a:rPr lang="fr-FR" i="1" smtClean="0">
+                        <a:solidFill>
+                          <a:srgbClr val="FF0000"/>
+                        </a:solidFill>
+                        <a:latin typeface="Cambria Math" panose="02040503050406030204" pitchFamily="18" charset="0"/>
+                      </a:rPr>
+                      <m:t>=</m:t>
+                    </m:r>
+                    <m:d>
+                      <m:dPr>
+                        <m:begChr m:val="‖"/>
+                        <m:endChr m:val="‖"/>
+                        <m:ctrlPr>
+                          <a:rPr lang="fr-FR" i="1" smtClean="0">
+                            <a:solidFill>
+                              <a:srgbClr val="FF0000"/>
+                            </a:solidFill>
+                            <a:latin typeface="Cambria Math" panose="02040503050406030204" pitchFamily="18" charset="0"/>
+                          </a:rPr>
+                        </m:ctrlPr>
+                      </m:dPr>
+                      <m:e>
+                        <m:acc>
+                          <m:accPr>
+                            <m:chr m:val="⃗"/>
+                            <m:ctrlPr>
+                              <a:rPr lang="fr-FR" i="1" smtClean="0">
+                                <a:solidFill>
+                                  <a:srgbClr val="FF0000"/>
+                                </a:solidFill>
+                                <a:latin typeface="Cambria Math" panose="02040503050406030204" pitchFamily="18" charset="0"/>
+                              </a:rPr>
+                            </m:ctrlPr>
+                          </m:accPr>
+                          <m:e>
+                            <m:r>
+                              <a:rPr lang="fr-FR" i="1" smtClean="0">
+                                <a:solidFill>
+                                  <a:srgbClr val="FF0000"/>
+                                </a:solidFill>
+                                <a:latin typeface="Cambria Math" panose="02040503050406030204" pitchFamily="18" charset="0"/>
+                              </a:rPr>
+                              <m:t>𝑢</m:t>
+                            </m:r>
+                          </m:e>
+                        </m:acc>
+                      </m:e>
+                    </m:d>
+                    <m:r>
+                      <a:rPr lang="fr-FR" i="1" smtClean="0">
+                        <a:solidFill>
+                          <a:srgbClr val="FF0000"/>
+                        </a:solidFill>
+                        <a:latin typeface="Cambria Math" panose="02040503050406030204" pitchFamily="18" charset="0"/>
+                      </a:rPr>
+                      <m:t>⋅</m:t>
+                    </m:r>
+                    <m:d>
+                      <m:dPr>
+                        <m:begChr m:val="‖"/>
+                        <m:endChr m:val="‖"/>
+                        <m:ctrlPr>
+                          <a:rPr lang="fr-FR" i="1" smtClean="0">
+                            <a:solidFill>
+                              <a:srgbClr val="FF0000"/>
+                            </a:solidFill>
+                            <a:latin typeface="Cambria Math" panose="02040503050406030204" pitchFamily="18" charset="0"/>
+                          </a:rPr>
+                        </m:ctrlPr>
+                      </m:dPr>
+                      <m:e>
+                        <m:acc>
+                          <m:accPr>
+                            <m:chr m:val="⃗"/>
+                            <m:ctrlPr>
+                              <a:rPr lang="fr-FR" i="1" smtClean="0">
+                                <a:solidFill>
+                                  <a:srgbClr val="FF0000"/>
+                                </a:solidFill>
+                                <a:latin typeface="Cambria Math" panose="02040503050406030204" pitchFamily="18" charset="0"/>
+                              </a:rPr>
+                            </m:ctrlPr>
+                          </m:accPr>
+                          <m:e>
+                            <m:r>
+                              <a:rPr lang="fr-FR" i="1" smtClean="0">
+                                <a:solidFill>
+                                  <a:srgbClr val="FF0000"/>
+                                </a:solidFill>
+                                <a:latin typeface="Cambria Math" panose="02040503050406030204" pitchFamily="18" charset="0"/>
+                              </a:rPr>
+                              <m:t>𝑣</m:t>
+                            </m:r>
+                          </m:e>
+                        </m:acc>
+                      </m:e>
+                    </m:d>
+                    <m:r>
+                      <a:rPr lang="fr-FR" i="1" smtClean="0">
+                        <a:solidFill>
+                          <a:srgbClr val="FF0000"/>
+                        </a:solidFill>
+                        <a:latin typeface="Cambria Math" panose="02040503050406030204" pitchFamily="18" charset="0"/>
+                      </a:rPr>
+                      <m:t>⋅</m:t>
+                    </m:r>
+                  </m:oMath>
+                </a14:m>
+                <a:r>
+                  <a:rPr lang="fr-FR" dirty="0">
+                    <a:solidFill>
+                      <a:srgbClr val="FF0000"/>
+                    </a:solidFill>
+                    <a:latin typeface="Segoe UI Semilight" panose="020B0402040204020203" pitchFamily="34" charset="0"/>
+                    <a:cs typeface="Segoe UI Semilight" panose="020B0402040204020203" pitchFamily="34" charset="0"/>
+                  </a:rPr>
+                  <a:t> </a:t>
+                </a:r>
+                <a14:m>
+                  <m:oMath xmlns:m="http://schemas.openxmlformats.org/officeDocument/2006/math">
+                    <m:d>
+                      <m:dPr>
+                        <m:begChr m:val="|"/>
+                        <m:endChr m:val="|"/>
+                        <m:ctrlPr>
+                          <a:rPr lang="fr-FR" i="1" dirty="0" smtClean="0">
+                            <a:solidFill>
+                              <a:srgbClr val="FF0000"/>
+                            </a:solidFill>
+                            <a:latin typeface="Cambria Math" panose="02040503050406030204" pitchFamily="18" charset="0"/>
+                            <a:cs typeface="Segoe UI Semilight" panose="020B0402040204020203" pitchFamily="34" charset="0"/>
+                          </a:rPr>
+                        </m:ctrlPr>
+                      </m:dPr>
+                      <m:e>
+                        <m:func>
+                          <m:funcPr>
+                            <m:ctrlPr>
+                              <a:rPr lang="fr-FR" i="1" dirty="0" smtClean="0">
+                                <a:solidFill>
+                                  <a:srgbClr val="FF0000"/>
+                                </a:solidFill>
+                                <a:latin typeface="Cambria Math" panose="02040503050406030204" pitchFamily="18" charset="0"/>
+                                <a:cs typeface="Segoe UI Semilight" panose="020B0402040204020203" pitchFamily="34" charset="0"/>
+                              </a:rPr>
+                            </m:ctrlPr>
+                          </m:funcPr>
+                          <m:fName>
+                            <m:r>
+                              <m:rPr>
+                                <m:sty m:val="p"/>
+                              </m:rPr>
+                              <a:rPr lang="fr-FR" i="0" dirty="0" smtClean="0">
+                                <a:solidFill>
+                                  <a:srgbClr val="FF0000"/>
+                                </a:solidFill>
+                                <a:latin typeface="Cambria Math" panose="02040503050406030204" pitchFamily="18" charset="0"/>
+                                <a:cs typeface="Segoe UI Semilight" panose="020B0402040204020203" pitchFamily="34" charset="0"/>
+                              </a:rPr>
+                              <m:t>sin</m:t>
+                            </m:r>
+                          </m:fName>
+                          <m:e>
+                            <m:d>
+                              <m:dPr>
+                                <m:ctrlPr>
+                                  <a:rPr lang="fr-FR" i="1" dirty="0" smtClean="0">
+                                    <a:solidFill>
+                                      <a:srgbClr val="FF0000"/>
+                                    </a:solidFill>
+                                    <a:latin typeface="Cambria Math" panose="02040503050406030204" pitchFamily="18" charset="0"/>
+                                    <a:cs typeface="Segoe UI Semilight" panose="020B0402040204020203" pitchFamily="34" charset="0"/>
+                                  </a:rPr>
+                                </m:ctrlPr>
+                              </m:dPr>
+                              <m:e>
+                                <m:acc>
+                                  <m:accPr>
+                                    <m:chr m:val="⃗"/>
+                                    <m:ctrlPr>
+                                      <a:rPr lang="fr-FR" i="1" dirty="0" smtClean="0">
+                                        <a:solidFill>
+                                          <a:srgbClr val="FF0000"/>
+                                        </a:solidFill>
+                                        <a:latin typeface="Cambria Math" panose="02040503050406030204" pitchFamily="18" charset="0"/>
+                                        <a:cs typeface="Segoe UI Semilight" panose="020B0402040204020203" pitchFamily="34" charset="0"/>
+                                      </a:rPr>
+                                    </m:ctrlPr>
+                                  </m:accPr>
+                                  <m:e>
+                                    <m:r>
+                                      <a:rPr lang="fr-FR" b="0" i="1" dirty="0" smtClean="0">
+                                        <a:solidFill>
+                                          <a:srgbClr val="FF0000"/>
+                                        </a:solidFill>
+                                        <a:latin typeface="Cambria Math" panose="02040503050406030204" pitchFamily="18" charset="0"/>
+                                        <a:cs typeface="Segoe UI Semilight" panose="020B0402040204020203" pitchFamily="34" charset="0"/>
+                                      </a:rPr>
+                                      <m:t>𝑢</m:t>
+                                    </m:r>
+                                  </m:e>
+                                </m:acc>
+                                <m:r>
+                                  <a:rPr lang="fr-FR" i="1" dirty="0" smtClean="0">
+                                    <a:solidFill>
+                                      <a:srgbClr val="FF0000"/>
+                                    </a:solidFill>
+                                    <a:latin typeface="Cambria Math" panose="02040503050406030204" pitchFamily="18" charset="0"/>
+                                    <a:cs typeface="Segoe UI Semilight" panose="020B0402040204020203" pitchFamily="34" charset="0"/>
+                                  </a:rPr>
+                                  <m:t>,</m:t>
+                                </m:r>
+                                <m:acc>
+                                  <m:accPr>
+                                    <m:chr m:val="⃗"/>
+                                    <m:ctrlPr>
+                                      <a:rPr lang="fr-FR" i="1" dirty="0" smtClean="0">
+                                        <a:solidFill>
+                                          <a:srgbClr val="FF0000"/>
+                                        </a:solidFill>
+                                        <a:latin typeface="Cambria Math" panose="02040503050406030204" pitchFamily="18" charset="0"/>
+                                        <a:cs typeface="Segoe UI Semilight" panose="020B0402040204020203" pitchFamily="34" charset="0"/>
+                                      </a:rPr>
+                                    </m:ctrlPr>
+                                  </m:accPr>
+                                  <m:e>
+                                    <m:r>
+                                      <a:rPr lang="fr-FR" b="0" i="1" dirty="0" smtClean="0">
+                                        <a:solidFill>
+                                          <a:srgbClr val="FF0000"/>
+                                        </a:solidFill>
+                                        <a:latin typeface="Cambria Math" panose="02040503050406030204" pitchFamily="18" charset="0"/>
+                                        <a:cs typeface="Segoe UI Semilight" panose="020B0402040204020203" pitchFamily="34" charset="0"/>
+                                      </a:rPr>
+                                      <m:t>𝑣</m:t>
+                                    </m:r>
+                                  </m:e>
+                                </m:acc>
+                              </m:e>
+                            </m:d>
+                          </m:e>
+                        </m:func>
+                      </m:e>
+                    </m:d>
+                  </m:oMath>
+                </a14:m>
+                <a:endParaRPr lang="fr-FR" dirty="0">
+                  <a:solidFill>
+                    <a:srgbClr val="FF0000"/>
+                  </a:solidFill>
+                  <a:latin typeface="Segoe UI Semilight" panose="020B0402040204020203" pitchFamily="34" charset="0"/>
+                  <a:cs typeface="Segoe UI Semilight" panose="020B0402040204020203" pitchFamily="34" charset="0"/>
+                </a:endParaRPr>
+              </a:p>
+            </p:txBody>
+          </p:sp>
+        </mc:Choice>
+        <mc:Fallback>
+          <p:sp>
+            <p:nvSpPr>
+              <p:cNvPr id="9" name="ZoneTexte 8">
+                <a:extLst>
+                  <a:ext uri="{FF2B5EF4-FFF2-40B4-BE49-F238E27FC236}">
+                    <a16:creationId xmlns:a16="http://schemas.microsoft.com/office/drawing/2014/main" id="{38DFE4F8-F729-473B-8DB1-D5039704D5AD}"/>
+                  </a:ext>
+                </a:extLst>
+              </p:cNvPr>
+              <p:cNvSpPr txBox="1">
+                <a:spLocks noRot="1" noChangeAspect="1" noMove="1" noResize="1" noEditPoints="1" noAdjustHandles="1" noChangeArrowheads="1" noChangeShapeType="1" noTextEdit="1"/>
+              </p:cNvSpPr>
+              <p:nvPr/>
+            </p:nvSpPr>
+            <p:spPr>
+              <a:xfrm>
+                <a:off x="611560" y="2207275"/>
+                <a:ext cx="3810000" cy="2031325"/>
+              </a:xfrm>
+              <a:prstGeom prst="rect">
+                <a:avLst/>
+              </a:prstGeom>
+              <a:blipFill>
+                <a:blip r:embed="rId2"/>
+                <a:stretch>
+                  <a:fillRect l="-1280" t="-1201" r="-2560"/>
+                </a:stretch>
+              </a:blipFill>
+            </p:spPr>
+            <p:txBody>
+              <a:bodyPr/>
+              <a:lstStyle/>
+              <a:p>
+                <a:r>
+                  <a:rPr lang="fr-FR">
+                    <a:noFill/>
+                  </a:rPr>
+                  <a:t> </a:t>
+                </a:r>
+              </a:p>
+            </p:txBody>
+          </p:sp>
+        </mc:Fallback>
+      </mc:AlternateContent>
+      <mc:AlternateContent xmlns:mc="http://schemas.openxmlformats.org/markup-compatibility/2006">
+        <mc:Choice xmlns:a14="http://schemas.microsoft.com/office/drawing/2010/main" Requires="a14">
+          <p:sp>
+            <p:nvSpPr>
+              <p:cNvPr id="10" name="ZoneTexte 9">
+                <a:extLst>
+                  <a:ext uri="{FF2B5EF4-FFF2-40B4-BE49-F238E27FC236}">
+                    <a16:creationId xmlns:a16="http://schemas.microsoft.com/office/drawing/2014/main" id="{5830576A-A30B-487A-BF6F-9139641C5159}"/>
+                  </a:ext>
+                </a:extLst>
+              </p:cNvPr>
+              <p:cNvSpPr txBox="1"/>
+              <p:nvPr/>
+            </p:nvSpPr>
+            <p:spPr>
+              <a:xfrm>
+                <a:off x="4972050" y="2207275"/>
+                <a:ext cx="3810000" cy="1651991"/>
+              </a:xfrm>
+              <a:prstGeom prst="rect">
+                <a:avLst/>
+              </a:prstGeom>
+              <a:noFill/>
+            </p:spPr>
+            <p:txBody>
+              <a:bodyPr wrap="square" rtlCol="0">
+                <a:spAutoFit/>
+              </a:bodyPr>
+              <a:lstStyle/>
+              <a:p>
+                <a:r>
+                  <a:rPr lang="fr-FR" b="1" dirty="0">
+                    <a:latin typeface="Segoe UI" panose="020B0502040204020203" pitchFamily="34" charset="0"/>
+                    <a:cs typeface="Segoe UI" panose="020B0502040204020203" pitchFamily="34" charset="0"/>
+                  </a:rPr>
+                  <a:t>Conséquence : </a:t>
+                </a:r>
+                <a:r>
+                  <a:rPr lang="fr-FR" dirty="0">
+                    <a:latin typeface="Segoe UI Semilight" panose="020B0402040204020203" pitchFamily="34" charset="0"/>
+                    <a:cs typeface="Segoe UI Semilight" panose="020B0402040204020203" pitchFamily="34" charset="0"/>
+                  </a:rPr>
+                  <a:t>L’aire d’un parallélogramme ABCD est donnée par la relation : </a:t>
+                </a:r>
+              </a:p>
+              <a:p>
+                <a14:m>
+                  <m:oMath xmlns:m="http://schemas.openxmlformats.org/officeDocument/2006/math">
+                    <m:r>
+                      <a:rPr lang="fr-FR" b="0" i="1" smtClean="0">
+                        <a:latin typeface="Cambria Math" panose="02040503050406030204" pitchFamily="18" charset="0"/>
+                        <a:cs typeface="Segoe UI" panose="020B0502040204020203" pitchFamily="34" charset="0"/>
+                      </a:rPr>
+                      <m:t>𝐴</m:t>
+                    </m:r>
+                    <m:r>
+                      <a:rPr lang="fr-FR" b="0" i="1" smtClean="0">
+                        <a:latin typeface="Cambria Math" panose="02040503050406030204" pitchFamily="18" charset="0"/>
+                        <a:cs typeface="Segoe UI" panose="020B0502040204020203" pitchFamily="34" charset="0"/>
+                      </a:rPr>
+                      <m:t>(</m:t>
+                    </m:r>
+                  </m:oMath>
+                </a14:m>
+                <a:r>
+                  <a:rPr lang="fr-FR" i="1" dirty="0">
+                    <a:latin typeface="Cambria Math" panose="02040503050406030204" pitchFamily="18" charset="0"/>
+                    <a:ea typeface="Cambria Math" panose="02040503050406030204" pitchFamily="18" charset="0"/>
+                    <a:cs typeface="Segoe UI" panose="020B0502040204020203" pitchFamily="34" charset="0"/>
+                  </a:rPr>
+                  <a:t>ABCD)</a:t>
+                </a:r>
+                <a:r>
+                  <a:rPr lang="fr-FR" b="1" i="1" dirty="0">
+                    <a:latin typeface="Segoe UI" panose="020B0502040204020203" pitchFamily="34" charset="0"/>
+                    <a:cs typeface="Segoe UI" panose="020B0502040204020203" pitchFamily="34" charset="0"/>
+                  </a:rPr>
+                  <a:t> </a:t>
+                </a:r>
+                <a:r>
+                  <a:rPr lang="fr-FR" b="1" dirty="0">
+                    <a:latin typeface="Segoe UI" panose="020B0502040204020203" pitchFamily="34" charset="0"/>
+                    <a:cs typeface="Segoe UI" panose="020B0502040204020203" pitchFamily="34" charset="0"/>
+                  </a:rPr>
+                  <a:t>= </a:t>
+                </a:r>
+                <a14:m>
+                  <m:oMath xmlns:m="http://schemas.openxmlformats.org/officeDocument/2006/math">
+                    <m:acc>
+                      <m:accPr>
+                        <m:chr m:val="⃗"/>
+                        <m:ctrlPr>
+                          <a:rPr lang="fr-FR" b="0" i="1" smtClean="0">
+                            <a:latin typeface="Cambria Math" panose="02040503050406030204" pitchFamily="18" charset="0"/>
+                          </a:rPr>
+                        </m:ctrlPr>
+                      </m:accPr>
+                      <m:e>
+                        <m:r>
+                          <a:rPr lang="fr-FR" b="0" i="1" smtClean="0">
+                            <a:latin typeface="Cambria Math" panose="02040503050406030204" pitchFamily="18" charset="0"/>
+                          </a:rPr>
+                          <m:t>𝐴𝐵</m:t>
+                        </m:r>
+                      </m:e>
+                    </m:acc>
+                    <m:r>
+                      <a:rPr lang="fr-FR" b="0" i="1" smtClean="0">
+                        <a:latin typeface="Cambria Math" panose="02040503050406030204" pitchFamily="18" charset="0"/>
+                        <a:ea typeface="Cambria Math" panose="02040503050406030204" pitchFamily="18" charset="0"/>
+                      </a:rPr>
+                      <m:t>∧ </m:t>
+                    </m:r>
+                    <m:acc>
+                      <m:accPr>
+                        <m:chr m:val="⃗"/>
+                        <m:ctrlPr>
+                          <a:rPr lang="fr-FR" b="0" i="1" smtClean="0">
+                            <a:latin typeface="Cambria Math" panose="02040503050406030204" pitchFamily="18" charset="0"/>
+                            <a:ea typeface="Cambria Math" panose="02040503050406030204" pitchFamily="18" charset="0"/>
+                          </a:rPr>
+                        </m:ctrlPr>
+                      </m:accPr>
+                      <m:e>
+                        <m:r>
+                          <a:rPr lang="fr-FR" b="0" i="1" smtClean="0">
+                            <a:latin typeface="Cambria Math" panose="02040503050406030204" pitchFamily="18" charset="0"/>
+                            <a:ea typeface="Cambria Math" panose="02040503050406030204" pitchFamily="18" charset="0"/>
+                          </a:rPr>
+                          <m:t>𝐴𝐷</m:t>
+                        </m:r>
+                      </m:e>
+                    </m:acc>
+                  </m:oMath>
+                </a14:m>
+                <a:r>
+                  <a:rPr lang="fr-FR" b="1" dirty="0">
+                    <a:latin typeface="Segoe UI" panose="020B0502040204020203" pitchFamily="34" charset="0"/>
+                    <a:cs typeface="Segoe UI" panose="020B0502040204020203" pitchFamily="34" charset="0"/>
+                  </a:rPr>
+                  <a:t> </a:t>
+                </a:r>
+                <a:endParaRPr lang="fr-FR" dirty="0">
+                  <a:latin typeface="Segoe UI Semilight" panose="020B0402040204020203" pitchFamily="34" charset="0"/>
+                  <a:cs typeface="Segoe UI Semilight" panose="020B0402040204020203" pitchFamily="34" charset="0"/>
+                </a:endParaRPr>
+              </a:p>
+              <a:p>
+                <a:r>
+                  <a:rPr lang="fr-FR" dirty="0">
+                    <a:solidFill>
+                      <a:srgbClr val="FF0000"/>
+                    </a:solidFill>
+                    <a:latin typeface="Segoe UI Semilight" panose="020B0402040204020203" pitchFamily="34" charset="0"/>
+                    <a:cs typeface="Segoe UI Semilight" panose="020B0402040204020203" pitchFamily="34" charset="0"/>
+                  </a:rPr>
+                  <a:t>Ainsi, </a:t>
+                </a:r>
+                <a14:m>
+                  <m:oMath xmlns:m="http://schemas.openxmlformats.org/officeDocument/2006/math">
+                    <m:r>
+                      <a:rPr lang="fr-FR" b="0" i="1" smtClean="0">
+                        <a:solidFill>
+                          <a:srgbClr val="FF0000"/>
+                        </a:solidFill>
+                        <a:latin typeface="Cambria Math" panose="02040503050406030204" pitchFamily="18" charset="0"/>
+                        <a:cs typeface="Segoe UI Semilight" panose="020B0402040204020203" pitchFamily="34" charset="0"/>
+                      </a:rPr>
+                      <m:t>𝐴</m:t>
+                    </m:r>
+                    <m:d>
+                      <m:dPr>
+                        <m:ctrlPr>
+                          <a:rPr lang="fr-FR" b="0" i="1" smtClean="0">
+                            <a:solidFill>
+                              <a:srgbClr val="FF0000"/>
+                            </a:solidFill>
+                            <a:latin typeface="Cambria Math" panose="02040503050406030204" pitchFamily="18" charset="0"/>
+                            <a:cs typeface="Segoe UI Semilight" panose="020B0402040204020203" pitchFamily="34" charset="0"/>
+                          </a:rPr>
+                        </m:ctrlPr>
+                      </m:dPr>
+                      <m:e>
+                        <m:r>
+                          <a:rPr lang="fr-FR" b="0" i="1" smtClean="0">
+                            <a:solidFill>
+                              <a:srgbClr val="FF0000"/>
+                            </a:solidFill>
+                            <a:latin typeface="Cambria Math" panose="02040503050406030204" pitchFamily="18" charset="0"/>
+                            <a:cs typeface="Segoe UI Semilight" panose="020B0402040204020203" pitchFamily="34" charset="0"/>
+                          </a:rPr>
+                          <m:t>𝐴𝐵𝐶</m:t>
+                        </m:r>
+                      </m:e>
+                    </m:d>
+                    <m:r>
+                      <a:rPr lang="fr-FR" b="0" i="1" smtClean="0">
+                        <a:solidFill>
+                          <a:srgbClr val="FF0000"/>
+                        </a:solidFill>
+                        <a:latin typeface="Cambria Math" panose="02040503050406030204" pitchFamily="18" charset="0"/>
+                        <a:cs typeface="Segoe UI Semilight" panose="020B0402040204020203" pitchFamily="34" charset="0"/>
+                      </a:rPr>
+                      <m:t>=</m:t>
+                    </m:r>
+                    <m:f>
+                      <m:fPr>
+                        <m:ctrlPr>
+                          <a:rPr lang="fr-FR" b="0" i="1" smtClean="0">
+                            <a:solidFill>
+                              <a:srgbClr val="FF0000"/>
+                            </a:solidFill>
+                            <a:latin typeface="Cambria Math" panose="02040503050406030204" pitchFamily="18" charset="0"/>
+                            <a:cs typeface="Segoe UI Semilight" panose="020B0402040204020203" pitchFamily="34" charset="0"/>
+                          </a:rPr>
+                        </m:ctrlPr>
+                      </m:fPr>
+                      <m:num>
+                        <m:r>
+                          <a:rPr lang="fr-FR" b="0" i="1" smtClean="0">
+                            <a:solidFill>
+                              <a:srgbClr val="FF0000"/>
+                            </a:solidFill>
+                            <a:latin typeface="Cambria Math" panose="02040503050406030204" pitchFamily="18" charset="0"/>
+                            <a:cs typeface="Segoe UI Semilight" panose="020B0402040204020203" pitchFamily="34" charset="0"/>
+                          </a:rPr>
+                          <m:t>1</m:t>
+                        </m:r>
+                      </m:num>
+                      <m:den>
+                        <m:r>
+                          <a:rPr lang="fr-FR" b="0" i="1" smtClean="0">
+                            <a:solidFill>
+                              <a:srgbClr val="FF0000"/>
+                            </a:solidFill>
+                            <a:latin typeface="Cambria Math" panose="02040503050406030204" pitchFamily="18" charset="0"/>
+                            <a:cs typeface="Segoe UI Semilight" panose="020B0402040204020203" pitchFamily="34" charset="0"/>
+                          </a:rPr>
+                          <m:t>2</m:t>
+                        </m:r>
+                      </m:den>
+                    </m:f>
+                    <m:r>
+                      <a:rPr lang="fr-FR" b="0" i="1" smtClean="0">
+                        <a:solidFill>
+                          <a:srgbClr val="FF0000"/>
+                        </a:solidFill>
+                        <a:latin typeface="Cambria Math" panose="02040503050406030204" pitchFamily="18" charset="0"/>
+                        <a:cs typeface="Segoe UI Semilight" panose="020B0402040204020203" pitchFamily="34" charset="0"/>
+                      </a:rPr>
+                      <m:t> </m:t>
+                    </m:r>
+                    <m:acc>
+                      <m:accPr>
+                        <m:chr m:val="⃗"/>
+                        <m:ctrlPr>
+                          <a:rPr lang="fr-FR" b="0" i="1" smtClean="0">
+                            <a:solidFill>
+                              <a:srgbClr val="FF0000"/>
+                            </a:solidFill>
+                            <a:latin typeface="Cambria Math" panose="02040503050406030204" pitchFamily="18" charset="0"/>
+                            <a:cs typeface="Segoe UI Semilight" panose="020B0402040204020203" pitchFamily="34" charset="0"/>
+                          </a:rPr>
+                        </m:ctrlPr>
+                      </m:accPr>
+                      <m:e>
+                        <m:r>
+                          <a:rPr lang="fr-FR" b="0" i="1" smtClean="0">
+                            <a:solidFill>
+                              <a:srgbClr val="FF0000"/>
+                            </a:solidFill>
+                            <a:latin typeface="Cambria Math" panose="02040503050406030204" pitchFamily="18" charset="0"/>
+                            <a:cs typeface="Segoe UI Semilight" panose="020B0402040204020203" pitchFamily="34" charset="0"/>
+                          </a:rPr>
+                          <m:t>𝐴𝐵</m:t>
+                        </m:r>
+                      </m:e>
+                    </m:acc>
+                    <m:r>
+                      <a:rPr lang="fr-FR" b="0" i="1" smtClean="0">
+                        <a:solidFill>
+                          <a:srgbClr val="FF0000"/>
+                        </a:solidFill>
+                        <a:latin typeface="Cambria Math" panose="02040503050406030204" pitchFamily="18" charset="0"/>
+                        <a:ea typeface="Cambria Math" panose="02040503050406030204" pitchFamily="18" charset="0"/>
+                        <a:cs typeface="Segoe UI Semilight" panose="020B0402040204020203" pitchFamily="34" charset="0"/>
+                      </a:rPr>
+                      <m:t>∧</m:t>
+                    </m:r>
+                    <m:acc>
+                      <m:accPr>
+                        <m:chr m:val="⃗"/>
+                        <m:ctrlPr>
+                          <a:rPr lang="fr-FR" b="0" i="1" smtClean="0">
+                            <a:solidFill>
+                              <a:srgbClr val="FF0000"/>
+                            </a:solidFill>
+                            <a:latin typeface="Cambria Math" panose="02040503050406030204" pitchFamily="18" charset="0"/>
+                            <a:ea typeface="Cambria Math" panose="02040503050406030204" pitchFamily="18" charset="0"/>
+                            <a:cs typeface="Segoe UI Semilight" panose="020B0402040204020203" pitchFamily="34" charset="0"/>
+                          </a:rPr>
+                        </m:ctrlPr>
+                      </m:accPr>
+                      <m:e>
+                        <m:r>
+                          <a:rPr lang="fr-FR" b="0" i="1" smtClean="0">
+                            <a:solidFill>
+                              <a:srgbClr val="FF0000"/>
+                            </a:solidFill>
+                            <a:latin typeface="Cambria Math" panose="02040503050406030204" pitchFamily="18" charset="0"/>
+                            <a:ea typeface="Cambria Math" panose="02040503050406030204" pitchFamily="18" charset="0"/>
+                            <a:cs typeface="Segoe UI Semilight" panose="020B0402040204020203" pitchFamily="34" charset="0"/>
+                          </a:rPr>
+                          <m:t>𝐴𝐶</m:t>
+                        </m:r>
+                      </m:e>
+                    </m:acc>
+                  </m:oMath>
+                </a14:m>
+                <a:endParaRPr lang="fr-FR" dirty="0">
+                  <a:solidFill>
+                    <a:srgbClr val="FF0000"/>
+                  </a:solidFill>
+                  <a:latin typeface="Segoe UI" panose="020B0502040204020203" pitchFamily="34" charset="0"/>
+                  <a:cs typeface="Segoe UI" panose="020B0502040204020203" pitchFamily="34" charset="0"/>
+                </a:endParaRPr>
+              </a:p>
+            </p:txBody>
+          </p:sp>
+        </mc:Choice>
+        <mc:Fallback>
+          <p:sp>
+            <p:nvSpPr>
+              <p:cNvPr id="10" name="ZoneTexte 9">
+                <a:extLst>
+                  <a:ext uri="{FF2B5EF4-FFF2-40B4-BE49-F238E27FC236}">
+                    <a16:creationId xmlns:a16="http://schemas.microsoft.com/office/drawing/2014/main" id="{5830576A-A30B-487A-BF6F-9139641C5159}"/>
+                  </a:ext>
+                </a:extLst>
+              </p:cNvPr>
+              <p:cNvSpPr txBox="1">
+                <a:spLocks noRot="1" noChangeAspect="1" noMove="1" noResize="1" noEditPoints="1" noAdjustHandles="1" noChangeArrowheads="1" noChangeShapeType="1" noTextEdit="1"/>
+              </p:cNvSpPr>
+              <p:nvPr/>
+            </p:nvSpPr>
+            <p:spPr>
+              <a:xfrm>
+                <a:off x="4972050" y="2207275"/>
+                <a:ext cx="3810000" cy="1651991"/>
+              </a:xfrm>
+              <a:prstGeom prst="rect">
+                <a:avLst/>
+              </a:prstGeom>
+              <a:blipFill>
+                <a:blip r:embed="rId3"/>
+                <a:stretch>
+                  <a:fillRect l="-1440" t="-1476"/>
+                </a:stretch>
+              </a:blipFill>
+            </p:spPr>
+            <p:txBody>
+              <a:bodyPr/>
+              <a:lstStyle/>
+              <a:p>
+                <a:r>
+                  <a:rPr lang="fr-FR">
+                    <a:noFill/>
+                  </a:rPr>
+                  <a:t> </a:t>
+                </a:r>
+              </a:p>
+            </p:txBody>
+          </p:sp>
+        </mc:Fallback>
+      </mc:AlternateContent>
     </p:spTree>
     <p:extLst>
       <p:ext uri="{BB962C8B-B14F-4D97-AF65-F5344CB8AC3E}">
-        <p14:creationId xmlns:p14="http://schemas.microsoft.com/office/powerpoint/2010/main" val="254268587"/>
+        <p14:creationId xmlns:p14="http://schemas.microsoft.com/office/powerpoint/2010/main" val="1554283246"/>
       </p:ext>
     </p:extLst>
   </p:cSld>
@@ -5302,12 +6458,18 @@
       </p:grpSpPr>
       <p:sp>
         <p:nvSpPr>
-          <p:cNvPr id="2" name="Espace réservé du texte 1"/>
-          <p:cNvSpPr>
-            <a:spLocks noGrp="1"/>
-          </p:cNvSpPr>
-          <p:nvPr>
-            <p:ph type="body" sz="quarter" idx="13"/>
+          <p:cNvPr id="3" name="Espace réservé du contenu 2">
+            <a:extLst>
+              <a:ext uri="{FF2B5EF4-FFF2-40B4-BE49-F238E27FC236}">
+                <a16:creationId xmlns:a16="http://schemas.microsoft.com/office/drawing/2014/main" id="{8A4F926F-164A-4375-97A5-C992846E2515}"/>
+              </a:ext>
+            </a:extLst>
+          </p:cNvPr>
+          <p:cNvSpPr>
+            <a:spLocks noGrp="1"/>
+          </p:cNvSpPr>
+          <p:nvPr>
+            <p:ph idx="1"/>
           </p:nvPr>
         </p:nvSpPr>
         <p:spPr/>
@@ -5315,33 +6477,244 @@
           <a:bodyPr/>
           <a:lstStyle/>
           <a:p>
-            <a:endParaRPr lang="fr-FR"/>
-          </a:p>
-        </p:txBody>
-      </p:sp>
-      <p:sp>
-        <p:nvSpPr>
-          <p:cNvPr id="3" name="Espace réservé du texte 2"/>
-          <p:cNvSpPr>
-            <a:spLocks noGrp="1"/>
-          </p:cNvSpPr>
-          <p:nvPr>
-            <p:ph type="body" sz="quarter" idx="14"/>
-          </p:nvPr>
-        </p:nvSpPr>
-        <p:spPr/>
-        <p:txBody>
-          <a:bodyPr/>
-          <a:lstStyle/>
-          <a:p>
-            <a:endParaRPr lang="fr-FR"/>
+            <a:r>
+              <a:rPr lang="fr-FR" dirty="0"/>
+              <a:t>Interprétation graphique : </a:t>
+            </a:r>
+          </a:p>
+        </p:txBody>
+      </p:sp>
+      <p:sp>
+        <p:nvSpPr>
+          <p:cNvPr id="5" name="Espace réservé du texte 4">
+            <a:extLst>
+              <a:ext uri="{FF2B5EF4-FFF2-40B4-BE49-F238E27FC236}">
+                <a16:creationId xmlns:a16="http://schemas.microsoft.com/office/drawing/2014/main" id="{B9D7ADDC-BA62-4539-9A9C-69BAA48A4387}"/>
+              </a:ext>
+            </a:extLst>
+          </p:cNvPr>
+          <p:cNvSpPr txBox="1">
+            <a:spLocks/>
+          </p:cNvSpPr>
+          <p:nvPr/>
+        </p:nvSpPr>
+        <p:spPr>
+          <a:xfrm>
+            <a:off x="317421" y="358311"/>
+            <a:ext cx="3557405" cy="272821"/>
+          </a:xfrm>
+          <a:prstGeom prst="rect">
+            <a:avLst/>
+          </a:prstGeom>
+        </p:spPr>
+        <p:txBody>
+          <a:bodyPr lIns="0" tIns="0" rIns="0" bIns="0">
+            <a:normAutofit/>
+          </a:bodyPr>
+          <a:lstStyle>
+            <a:lvl1pPr marL="0" indent="0" algn="l" defTabSz="457200" rtl="0" eaLnBrk="1" latinLnBrk="0" hangingPunct="1">
+              <a:spcBef>
+                <a:spcPct val="20000"/>
+              </a:spcBef>
+              <a:buFontTx/>
+              <a:buNone/>
+              <a:defRPr sz="1500" kern="1200">
+                <a:solidFill>
+                  <a:schemeClr val="bg1"/>
+                </a:solidFill>
+                <a:latin typeface="Segoe UI Black" panose="020B0A02040204020203" pitchFamily="34" charset="0"/>
+                <a:ea typeface="Segoe UI Black" panose="020B0A02040204020203" pitchFamily="34" charset="0"/>
+                <a:cs typeface="Segoe UI Black" panose="020B0A02040204020203" pitchFamily="34" charset="0"/>
+              </a:defRPr>
+            </a:lvl1pPr>
+            <a:lvl2pPr marL="742950" indent="-285750" algn="l" defTabSz="457200" rtl="0" eaLnBrk="1" latinLnBrk="0" hangingPunct="1">
+              <a:spcBef>
+                <a:spcPct val="20000"/>
+              </a:spcBef>
+              <a:buFont typeface="Arial"/>
+              <a:buChar char="–"/>
+              <a:defRPr sz="2800" kern="1200">
+                <a:solidFill>
+                  <a:schemeClr val="tx1"/>
+                </a:solidFill>
+                <a:latin typeface="+mn-lt"/>
+                <a:ea typeface="+mn-ea"/>
+                <a:cs typeface="+mn-cs"/>
+              </a:defRPr>
+            </a:lvl2pPr>
+            <a:lvl3pPr marL="1143000" indent="-228600" algn="l" defTabSz="457200" rtl="0" eaLnBrk="1" latinLnBrk="0" hangingPunct="1">
+              <a:spcBef>
+                <a:spcPct val="20000"/>
+              </a:spcBef>
+              <a:buFont typeface="Arial"/>
+              <a:buChar char="•"/>
+              <a:defRPr sz="2400" kern="1200">
+                <a:solidFill>
+                  <a:schemeClr val="tx1"/>
+                </a:solidFill>
+                <a:latin typeface="+mn-lt"/>
+                <a:ea typeface="+mn-ea"/>
+                <a:cs typeface="+mn-cs"/>
+              </a:defRPr>
+            </a:lvl3pPr>
+            <a:lvl4pPr marL="1600200" indent="-228600" algn="l" defTabSz="457200" rtl="0" eaLnBrk="1" latinLnBrk="0" hangingPunct="1">
+              <a:spcBef>
+                <a:spcPct val="20000"/>
+              </a:spcBef>
+              <a:buFont typeface="Arial"/>
+              <a:buChar char="–"/>
+              <a:defRPr sz="2000" kern="1200">
+                <a:solidFill>
+                  <a:schemeClr val="tx1"/>
+                </a:solidFill>
+                <a:latin typeface="+mn-lt"/>
+                <a:ea typeface="+mn-ea"/>
+                <a:cs typeface="+mn-cs"/>
+              </a:defRPr>
+            </a:lvl4pPr>
+            <a:lvl5pPr marL="2057400" indent="-228600" algn="l" defTabSz="457200" rtl="0" eaLnBrk="1" latinLnBrk="0" hangingPunct="1">
+              <a:spcBef>
+                <a:spcPct val="20000"/>
+              </a:spcBef>
+              <a:buFont typeface="Arial"/>
+              <a:buChar char="»"/>
+              <a:defRPr sz="2000" kern="1200">
+                <a:solidFill>
+                  <a:schemeClr val="tx1"/>
+                </a:solidFill>
+                <a:latin typeface="+mn-lt"/>
+                <a:ea typeface="+mn-ea"/>
+                <a:cs typeface="+mn-cs"/>
+              </a:defRPr>
+            </a:lvl5pPr>
+            <a:lvl6pPr marL="2514600" indent="-228600" algn="l" defTabSz="457200" rtl="0" eaLnBrk="1" latinLnBrk="0" hangingPunct="1">
+              <a:spcBef>
+                <a:spcPct val="20000"/>
+              </a:spcBef>
+              <a:buFont typeface="Arial"/>
+              <a:buChar char="•"/>
+              <a:defRPr sz="2000" kern="1200">
+                <a:solidFill>
+                  <a:schemeClr val="tx1"/>
+                </a:solidFill>
+                <a:latin typeface="+mn-lt"/>
+                <a:ea typeface="+mn-ea"/>
+                <a:cs typeface="+mn-cs"/>
+              </a:defRPr>
+            </a:lvl6pPr>
+            <a:lvl7pPr marL="2971800" indent="-228600" algn="l" defTabSz="457200" rtl="0" eaLnBrk="1" latinLnBrk="0" hangingPunct="1">
+              <a:spcBef>
+                <a:spcPct val="20000"/>
+              </a:spcBef>
+              <a:buFont typeface="Arial"/>
+              <a:buChar char="•"/>
+              <a:defRPr sz="2000" kern="1200">
+                <a:solidFill>
+                  <a:schemeClr val="tx1"/>
+                </a:solidFill>
+                <a:latin typeface="+mn-lt"/>
+                <a:ea typeface="+mn-ea"/>
+                <a:cs typeface="+mn-cs"/>
+              </a:defRPr>
+            </a:lvl7pPr>
+            <a:lvl8pPr marL="3429000" indent="-228600" algn="l" defTabSz="457200" rtl="0" eaLnBrk="1" latinLnBrk="0" hangingPunct="1">
+              <a:spcBef>
+                <a:spcPct val="20000"/>
+              </a:spcBef>
+              <a:buFont typeface="Arial"/>
+              <a:buChar char="•"/>
+              <a:defRPr sz="2000" kern="1200">
+                <a:solidFill>
+                  <a:schemeClr val="tx1"/>
+                </a:solidFill>
+                <a:latin typeface="+mn-lt"/>
+                <a:ea typeface="+mn-ea"/>
+                <a:cs typeface="+mn-cs"/>
+              </a:defRPr>
+            </a:lvl8pPr>
+            <a:lvl9pPr marL="3886200" indent="-228600" algn="l" defTabSz="457200" rtl="0" eaLnBrk="1" latinLnBrk="0" hangingPunct="1">
+              <a:spcBef>
+                <a:spcPct val="20000"/>
+              </a:spcBef>
+              <a:buFont typeface="Arial"/>
+              <a:buChar char="•"/>
+              <a:defRPr sz="2000" kern="1200">
+                <a:solidFill>
+                  <a:schemeClr val="tx1"/>
+                </a:solidFill>
+                <a:latin typeface="+mn-lt"/>
+                <a:ea typeface="+mn-ea"/>
+                <a:cs typeface="+mn-cs"/>
+              </a:defRPr>
+            </a:lvl9pPr>
+          </a:lstStyle>
+          <a:p>
+            <a:r>
+              <a:rPr lang="fr-FR" dirty="0"/>
+              <a:t>Collision cercle - triangle</a:t>
+            </a:r>
+          </a:p>
+          <a:p>
+            <a:endParaRPr lang="fr-FR" dirty="0"/>
+          </a:p>
+        </p:txBody>
+      </p:sp>
+      <p:sp>
+        <p:nvSpPr>
+          <p:cNvPr id="6" name="Titre 1">
+            <a:extLst>
+              <a:ext uri="{FF2B5EF4-FFF2-40B4-BE49-F238E27FC236}">
+                <a16:creationId xmlns:a16="http://schemas.microsoft.com/office/drawing/2014/main" id="{C43ED212-02B4-41DC-9850-EF05BF4AB9FB}"/>
+              </a:ext>
+            </a:extLst>
+          </p:cNvPr>
+          <p:cNvSpPr txBox="1">
+            <a:spLocks/>
+          </p:cNvSpPr>
+          <p:nvPr/>
+        </p:nvSpPr>
+        <p:spPr>
+          <a:xfrm>
+            <a:off x="314226" y="116388"/>
+            <a:ext cx="2491325" cy="229512"/>
+          </a:xfrm>
+          <a:prstGeom prst="rect">
+            <a:avLst/>
+          </a:prstGeom>
+        </p:spPr>
+        <p:txBody>
+          <a:bodyPr lIns="0" tIns="0" rIns="0" bIns="0" anchor="t" anchorCtr="0">
+            <a:noAutofit/>
+          </a:bodyPr>
+          <a:lstStyle>
+            <a:lvl1pPr algn="l" defTabSz="457200" rtl="0" eaLnBrk="1" latinLnBrk="0" hangingPunct="1">
+              <a:spcBef>
+                <a:spcPct val="0"/>
+              </a:spcBef>
+              <a:buNone/>
+              <a:defRPr sz="1600" kern="1200">
+                <a:solidFill>
+                  <a:schemeClr val="bg1"/>
+                </a:solidFill>
+                <a:latin typeface="Segoe UI Semilight" panose="020B0402040204020203" pitchFamily="34" charset="0"/>
+                <a:ea typeface="+mj-ea"/>
+                <a:cs typeface="Segoe UI Semilight" panose="020B0402040204020203" pitchFamily="34" charset="0"/>
+              </a:defRPr>
+            </a:lvl1pPr>
+          </a:lstStyle>
+          <a:p>
+            <a:r>
+              <a:rPr lang="fr-FR"/>
+              <a:t>Système de collision</a:t>
+            </a:r>
+            <a:endParaRPr lang="fr-FR" dirty="0"/>
           </a:p>
         </p:txBody>
       </p:sp>
     </p:spTree>
     <p:extLst>
       <p:ext uri="{BB962C8B-B14F-4D97-AF65-F5344CB8AC3E}">
-        <p14:creationId xmlns:p14="http://schemas.microsoft.com/office/powerpoint/2010/main" val="1592037520"/>
+        <p14:creationId xmlns:p14="http://schemas.microsoft.com/office/powerpoint/2010/main" val="3251470011"/>
       </p:ext>
     </p:extLst>
   </p:cSld>
@@ -5368,10 +6741,126 @@
           <a:chExt cx="0" cy="0"/>
         </a:xfrm>
       </p:grpSpPr>
+      <p:sp>
+        <p:nvSpPr>
+          <p:cNvPr id="2" name="Titre 1"/>
+          <p:cNvSpPr>
+            <a:spLocks noGrp="1"/>
+          </p:cNvSpPr>
+          <p:nvPr>
+            <p:ph type="title"/>
+          </p:nvPr>
+        </p:nvSpPr>
+        <p:spPr>
+          <a:xfrm>
+            <a:off x="317421" y="109206"/>
+            <a:ext cx="1784429" cy="225959"/>
+          </a:xfrm>
+        </p:spPr>
+        <p:txBody>
+          <a:bodyPr>
+            <a:noAutofit/>
+          </a:bodyPr>
+          <a:lstStyle/>
+          <a:p>
+            <a:r>
+              <a:rPr lang="fr-FR" dirty="0"/>
+              <a:t>Système de collision</a:t>
+            </a:r>
+          </a:p>
+        </p:txBody>
+      </p:sp>
+      <p:sp>
+        <p:nvSpPr>
+          <p:cNvPr id="3" name="Espace réservé du texte 2"/>
+          <p:cNvSpPr>
+            <a:spLocks noGrp="1"/>
+          </p:cNvSpPr>
+          <p:nvPr>
+            <p:ph type="body" idx="1"/>
+          </p:nvPr>
+        </p:nvSpPr>
+        <p:spPr/>
+        <p:txBody>
+          <a:bodyPr/>
+          <a:lstStyle/>
+          <a:p>
+            <a:r>
+              <a:rPr lang="fr-FR" dirty="0"/>
+              <a:t>Définition des points</a:t>
+            </a:r>
+          </a:p>
+        </p:txBody>
+      </p:sp>
+      <p:sp>
+        <p:nvSpPr>
+          <p:cNvPr id="4" name="Espace réservé du texte 3"/>
+          <p:cNvSpPr>
+            <a:spLocks noGrp="1"/>
+          </p:cNvSpPr>
+          <p:nvPr>
+            <p:ph type="body" sz="quarter" idx="3"/>
+          </p:nvPr>
+        </p:nvSpPr>
+        <p:spPr/>
+        <p:txBody>
+          <a:bodyPr/>
+          <a:lstStyle/>
+          <a:p>
+            <a:endParaRPr lang="fr-FR"/>
+          </a:p>
+        </p:txBody>
+      </p:sp>
+      <p:sp>
+        <p:nvSpPr>
+          <p:cNvPr id="5" name="Espace réservé du texte 4"/>
+          <p:cNvSpPr>
+            <a:spLocks noGrp="1"/>
+          </p:cNvSpPr>
+          <p:nvPr>
+            <p:ph type="body" sz="quarter" idx="14"/>
+          </p:nvPr>
+        </p:nvSpPr>
+        <p:spPr/>
+        <p:txBody>
+          <a:bodyPr/>
+          <a:lstStyle/>
+          <a:p>
+            <a:r>
+              <a:rPr lang="fr-FR" dirty="0"/>
+              <a:t>Collision cercle - triangle</a:t>
+            </a:r>
+          </a:p>
+        </p:txBody>
+      </p:sp>
+      <p:sp>
+        <p:nvSpPr>
+          <p:cNvPr id="6" name="Espace réservé du graphique 5"/>
+          <p:cNvSpPr>
+            <a:spLocks noGrp="1"/>
+          </p:cNvSpPr>
+          <p:nvPr>
+            <p:ph type="chart" sz="quarter" idx="15"/>
+          </p:nvPr>
+        </p:nvSpPr>
+        <p:spPr/>
+      </p:sp>
+      <p:sp>
+        <p:nvSpPr>
+          <p:cNvPr id="7" name="Espace réservé du graphique 6"/>
+          <p:cNvSpPr>
+            <a:spLocks noGrp="1"/>
+          </p:cNvSpPr>
+          <p:nvPr>
+            <p:ph type="chart" sz="quarter" idx="16"/>
+          </p:nvPr>
+        </p:nvSpPr>
+        <p:spPr/>
+      </p:sp>
     </p:spTree>
     <p:extLst>
       <p:ext uri="{BB962C8B-B14F-4D97-AF65-F5344CB8AC3E}">
-        <p14:creationId xmlns:p14="http://schemas.microsoft.com/office/powerpoint/2010/main" val="2639436419"/>
+        <p14:creationId xmlns:p14="http://schemas.microsoft.com/office/powerpoint/2010/main" val="254268587"/>
       </p:ext>
     </p:extLst>
   </p:cSld>
@@ -5405,7 +6894,7 @@
             <a:spLocks noGrp="1"/>
           </p:cNvSpPr>
           <p:nvPr>
-            <p:ph type="body" sz="half" idx="2"/>
+            <p:ph type="body" sz="quarter" idx="13"/>
           </p:nvPr>
         </p:nvSpPr>
         <p:spPr/>
@@ -5435,61 +6924,11 @@
             <a:endParaRPr lang="fr-FR"/>
           </a:p>
         </p:txBody>
-      </p:sp>
-      <p:sp>
-        <p:nvSpPr>
-          <p:cNvPr id="4" name="Espace réservé du texte 3"/>
-          <p:cNvSpPr>
-            <a:spLocks noGrp="1"/>
-          </p:cNvSpPr>
-          <p:nvPr>
-            <p:ph type="body" sz="quarter" idx="15"/>
-          </p:nvPr>
-        </p:nvSpPr>
-        <p:spPr/>
-        <p:txBody>
-          <a:bodyPr/>
-          <a:lstStyle/>
-          <a:p>
-            <a:endParaRPr lang="fr-FR"/>
-          </a:p>
-        </p:txBody>
-      </p:sp>
-      <p:sp>
-        <p:nvSpPr>
-          <p:cNvPr id="5" name="Espace réservé du texte 4"/>
-          <p:cNvSpPr>
-            <a:spLocks noGrp="1"/>
-          </p:cNvSpPr>
-          <p:nvPr>
-            <p:ph type="body" sz="quarter" idx="17"/>
-          </p:nvPr>
-        </p:nvSpPr>
-        <p:spPr/>
-        <p:txBody>
-          <a:bodyPr/>
-          <a:lstStyle/>
-          <a:p>
-            <a:endParaRPr lang="fr-FR"/>
-          </a:p>
-        </p:txBody>
-      </p:sp>
-      <p:sp>
-        <p:nvSpPr>
-          <p:cNvPr id="6" name="Espace réservé du tableau 5"/>
-          <p:cNvSpPr>
-            <a:spLocks noGrp="1"/>
-          </p:cNvSpPr>
-          <p:nvPr>
-            <p:ph type="tbl" sz="quarter" idx="19"/>
-          </p:nvPr>
-        </p:nvSpPr>
-        <p:spPr/>
       </p:sp>
     </p:spTree>
     <p:extLst>
       <p:ext uri="{BB962C8B-B14F-4D97-AF65-F5344CB8AC3E}">
-        <p14:creationId xmlns:p14="http://schemas.microsoft.com/office/powerpoint/2010/main" val="2362763898"/>
+        <p14:creationId xmlns:p14="http://schemas.microsoft.com/office/powerpoint/2010/main" val="1592037520"/>
       </p:ext>
     </p:extLst>
   </p:cSld>

--- a/Présentation projet/Projet ISN.pptx
+++ b/Présentation projet/Projet ISN.pptx
@@ -163,20 +163,6 @@
 </p:cmAuthorLst>
 </file>
 
-<file path=ppt/comments/comment1.xml><?xml version="1.0" encoding="utf-8"?>
-<p:cmLst xmlns:a="http://schemas.openxmlformats.org/drawingml/2006/main" xmlns:r="http://schemas.openxmlformats.org/officeDocument/2006/relationships" xmlns:p="http://schemas.openxmlformats.org/presentationml/2006/main">
-  <p:cm authorId="2" dt="2018-02-06T22:18:16.087" idx="1">
-    <p:pos x="5449" y="671"/>
-    <p:text/>
-    <p:extLst>
-      <p:ext uri="{C676402C-5697-4E1C-873F-D02D1690AC5C}">
-        <p15:threadingInfo xmlns:p15="http://schemas.microsoft.com/office/powerpoint/2012/main" timeZoneBias="-60"/>
-      </p:ext>
-    </p:extLst>
-  </p:cm>
-</p:cmLst>
-</file>
-
 <file path=ppt/handoutMasters/handoutMaster1.xml><?xml version="1.0" encoding="utf-8"?>
 <p:handoutMaster xmlns:a="http://schemas.openxmlformats.org/drawingml/2006/main" xmlns:r="http://schemas.openxmlformats.org/officeDocument/2006/relationships" xmlns:p="http://schemas.openxmlformats.org/presentationml/2006/main">
   <p:cSld>
@@ -258,7 +244,7 @@
           </a:lstStyle>
           <a:p>
             <a:fld id="{4B230A23-3E98-F64D-859B-DE462771A158}" type="datetimeFigureOut">
-              <a:t>06/02/2018</a:t>
+              <a:t>07/02/2018</a:t>
             </a:fld>
             <a:endParaRPr lang="fr-FR"/>
           </a:p>
@@ -571,7 +557,7 @@
             <a:fld id="{5BBF241E-D95D-F947-BD40-BA0B1092A59D}" type="datetimeFigureOut">
               <a:rPr lang="fr-FR" smtClean="0"/>
               <a:pPr/>
-              <a:t>06/02/2018</a:t>
+              <a:t>07/02/2018</a:t>
             </a:fld>
             <a:endParaRPr lang="fr-FR"/>
           </a:p>
@@ -843,7 +829,7 @@
             <a:fld id="{5BBF241E-D95D-F947-BD40-BA0B1092A59D}" type="datetimeFigureOut">
               <a:rPr lang="fr-FR" smtClean="0"/>
               <a:pPr/>
-              <a:t>06/02/2018</a:t>
+              <a:t>07/02/2018</a:t>
             </a:fld>
             <a:endParaRPr lang="fr-FR"/>
           </a:p>
@@ -1116,7 +1102,7 @@
             <a:fld id="{5BBF241E-D95D-F947-BD40-BA0B1092A59D}" type="datetimeFigureOut">
               <a:rPr lang="fr-FR" smtClean="0"/>
               <a:pPr/>
-              <a:t>06/02/2018</a:t>
+              <a:t>07/02/2018</a:t>
             </a:fld>
             <a:endParaRPr lang="fr-FR"/>
           </a:p>
@@ -1346,7 +1332,7 @@
             <a:fld id="{5BBF241E-D95D-F947-BD40-BA0B1092A59D}" type="datetimeFigureOut">
               <a:rPr lang="fr-FR" smtClean="0"/>
               <a:pPr/>
-              <a:t>06/02/2018</a:t>
+              <a:t>07/02/2018</a:t>
             </a:fld>
             <a:endParaRPr lang="fr-FR"/>
           </a:p>
@@ -1721,7 +1707,7 @@
             <a:fld id="{5BBF241E-D95D-F947-BD40-BA0B1092A59D}" type="datetimeFigureOut">
               <a:rPr lang="fr-FR" smtClean="0"/>
               <a:pPr/>
-              <a:t>06/02/2018</a:t>
+              <a:t>07/02/2018</a:t>
             </a:fld>
             <a:endParaRPr lang="fr-FR"/>
           </a:p>
@@ -2065,7 +2051,7 @@
             <a:fld id="{5BBF241E-D95D-F947-BD40-BA0B1092A59D}" type="datetimeFigureOut">
               <a:rPr lang="fr-FR" smtClean="0"/>
               <a:pPr/>
-              <a:t>06/02/2018</a:t>
+              <a:t>07/02/2018</a:t>
             </a:fld>
             <a:endParaRPr lang="fr-FR"/>
           </a:p>
@@ -2584,7 +2570,7 @@
             <a:fld id="{5BBF241E-D95D-F947-BD40-BA0B1092A59D}" type="datetimeFigureOut">
               <a:rPr lang="fr-FR" smtClean="0"/>
               <a:pPr/>
-              <a:t>06/02/2018</a:t>
+              <a:t>07/02/2018</a:t>
             </a:fld>
             <a:endParaRPr lang="fr-FR"/>
           </a:p>
@@ -2859,7 +2845,7 @@
             <a:fld id="{5BBF241E-D95D-F947-BD40-BA0B1092A59D}" type="datetimeFigureOut">
               <a:rPr lang="fr-FR" smtClean="0"/>
               <a:pPr/>
-              <a:t>06/02/2018</a:t>
+              <a:t>07/02/2018</a:t>
             </a:fld>
             <a:endParaRPr lang="fr-FR"/>
           </a:p>
@@ -3100,7 +3086,7 @@
             <a:fld id="{5BBF241E-D95D-F947-BD40-BA0B1092A59D}" type="datetimeFigureOut">
               <a:rPr lang="fr-FR" smtClean="0"/>
               <a:pPr/>
-              <a:t>06/02/2018</a:t>
+              <a:t>07/02/2018</a:t>
             </a:fld>
             <a:endParaRPr lang="fr-FR"/>
           </a:p>
@@ -3282,7 +3268,7 @@
             <a:fld id="{5BBF241E-D95D-F947-BD40-BA0B1092A59D}" type="datetimeFigureOut">
               <a:rPr lang="fr-FR" smtClean="0"/>
               <a:pPr/>
-              <a:t>06/02/2018</a:t>
+              <a:t>07/02/2018</a:t>
             </a:fld>
             <a:endParaRPr lang="fr-FR"/>
           </a:p>
@@ -3629,7 +3615,7 @@
             <a:fld id="{5BBF241E-D95D-F947-BD40-BA0B1092A59D}" type="datetimeFigureOut">
               <a:rPr lang="fr-FR" smtClean="0"/>
               <a:pPr/>
-              <a:t>06/02/2018</a:t>
+              <a:t>07/02/2018</a:t>
             </a:fld>
             <a:endParaRPr lang="fr-FR"/>
           </a:p>
@@ -5049,7 +5035,7 @@
         </p:blipFill>
         <p:spPr>
           <a:xfrm>
-            <a:off x="2399664" y="1119188"/>
+            <a:off x="3874826" y="1265238"/>
             <a:ext cx="4212909" cy="3395662"/>
           </a:xfrm>
         </p:spPr>
@@ -5439,8 +5425,8 @@
           </a:p>
         </p:txBody>
       </p:sp>
-      <mc:AlternateContent xmlns:mc="http://schemas.openxmlformats.org/markup-compatibility/2006">
-        <mc:Choice xmlns:a14="http://schemas.microsoft.com/office/drawing/2010/main" Requires="a14">
+      <mc:AlternateContent xmlns:mc="http://schemas.openxmlformats.org/markup-compatibility/2006" xmlns:a14="http://schemas.microsoft.com/office/drawing/2010/main">
+        <mc:Choice Requires="a14">
           <p:sp>
             <p:nvSpPr>
               <p:cNvPr id="9" name="ZoneTexte 8">
@@ -5469,6 +5455,7 @@
               </a:bodyPr>
               <a:lstStyle/>
               <a:p>
+                <a:pPr/>
                 <a:r>
                   <a:rPr lang="fr-FR" b="1" dirty="0">
                     <a:latin typeface="Segoe UI" panose="020B0502040204020203" pitchFamily="34" charset="0"/>
@@ -5550,7 +5537,7 @@
                       <m:accPr>
                         <m:chr m:val="⃗"/>
                         <m:ctrlPr>
-                          <a:rPr lang="fr-FR" b="1" dirty="0" smtClean="0">
+                          <a:rPr lang="fr-FR" b="1" i="1" dirty="0" smtClean="0">
                             <a:latin typeface="Cambria Math" panose="02040503050406030204" pitchFamily="18" charset="0"/>
                           </a:rPr>
                         </m:ctrlPr>
@@ -6006,7 +5993,7 @@
             </p:txBody>
           </p:sp>
         </mc:Choice>
-        <mc:Fallback>
+        <mc:Fallback xmlns="">
           <p:sp>
             <p:nvSpPr>
               <p:cNvPr id="9" name="ZoneTexte 8">
@@ -6068,7 +6055,7 @@
             <p:spPr>
               <a:xfrm>
                 <a:off x="4972050" y="2207275"/>
-                <a:ext cx="3810000" cy="1651991"/>
+                <a:ext cx="3810000" cy="1649169"/>
               </a:xfrm>
               <a:prstGeom prst="rect">
                 <a:avLst/>
@@ -6139,66 +6126,86 @@
                 </a:r>
                 <a14:m>
                   <m:oMath xmlns:m="http://schemas.openxmlformats.org/officeDocument/2006/math">
-                    <m:acc>
-                      <m:accPr>
-                        <m:chr m:val="⃗"/>
+                    <m:d>
+                      <m:dPr>
+                        <m:begChr m:val="‖"/>
+                        <m:endChr m:val="‖"/>
                         <m:ctrlPr>
                           <a:rPr lang="fr-FR" b="0" i="1" smtClean="0">
                             <a:latin typeface="Cambria Math" panose="02040503050406030204" pitchFamily="18" charset="0"/>
                           </a:rPr>
                         </m:ctrlPr>
-                      </m:accPr>
+                      </m:dPr>
                       <m:e>
+                        <m:acc>
+                          <m:accPr>
+                            <m:chr m:val="⃗"/>
+                            <m:ctrlPr>
+                              <a:rPr lang="fr-FR" b="0" i="1" smtClean="0">
+                                <a:latin typeface="Cambria Math" panose="02040503050406030204" pitchFamily="18" charset="0"/>
+                              </a:rPr>
+                            </m:ctrlPr>
+                          </m:accPr>
+                          <m:e>
+                            <m:r>
+                              <a:rPr lang="fr-FR" b="0" i="1" smtClean="0">
+                                <a:latin typeface="Cambria Math" panose="02040503050406030204" pitchFamily="18" charset="0"/>
+                              </a:rPr>
+                              <m:t>𝐴𝐵</m:t>
+                            </m:r>
+                          </m:e>
+                        </m:acc>
                         <m:r>
                           <a:rPr lang="fr-FR" b="0" i="1" smtClean="0">
                             <a:latin typeface="Cambria Math" panose="02040503050406030204" pitchFamily="18" charset="0"/>
                           </a:rPr>
-                          <m:t>𝐴𝐵</m:t>
+                          <m:t> </m:t>
                         </m:r>
+                        <m:r>
+                          <a:rPr lang="fr-FR" b="0" i="1" smtClean="0">
+                            <a:latin typeface="Cambria Math" panose="02040503050406030204" pitchFamily="18" charset="0"/>
+                            <a:ea typeface="Cambria Math" panose="02040503050406030204" pitchFamily="18" charset="0"/>
+                          </a:rPr>
+                          <m:t>∧</m:t>
+                        </m:r>
+                        <m:acc>
+                          <m:accPr>
+                            <m:chr m:val="⃗"/>
+                            <m:ctrlPr>
+                              <a:rPr lang="fr-FR" i="1">
+                                <a:latin typeface="Cambria Math" panose="02040503050406030204" pitchFamily="18" charset="0"/>
+                                <a:ea typeface="Cambria Math" panose="02040503050406030204" pitchFamily="18" charset="0"/>
+                              </a:rPr>
+                            </m:ctrlPr>
+                          </m:accPr>
+                          <m:e>
+                            <m:r>
+                              <a:rPr lang="fr-FR" i="1">
+                                <a:latin typeface="Cambria Math" panose="02040503050406030204" pitchFamily="18" charset="0"/>
+                                <a:ea typeface="Cambria Math" panose="02040503050406030204" pitchFamily="18" charset="0"/>
+                              </a:rPr>
+                              <m:t>𝐴𝐷</m:t>
+                            </m:r>
+                          </m:e>
+                        </m:acc>
                       </m:e>
-                    </m:acc>
+                    </m:d>
                     <m:r>
                       <a:rPr lang="fr-FR" b="0" i="1" smtClean="0">
                         <a:latin typeface="Cambria Math" panose="02040503050406030204" pitchFamily="18" charset="0"/>
                         <a:ea typeface="Cambria Math" panose="02040503050406030204" pitchFamily="18" charset="0"/>
                       </a:rPr>
-                      <m:t>∧ </m:t>
+                      <m:t> </m:t>
                     </m:r>
-                    <m:acc>
-                      <m:accPr>
-                        <m:chr m:val="⃗"/>
-                        <m:ctrlPr>
-                          <a:rPr lang="fr-FR" b="0" i="1" smtClean="0">
-                            <a:latin typeface="Cambria Math" panose="02040503050406030204" pitchFamily="18" charset="0"/>
-                            <a:ea typeface="Cambria Math" panose="02040503050406030204" pitchFamily="18" charset="0"/>
-                          </a:rPr>
-                        </m:ctrlPr>
-                      </m:accPr>
-                      <m:e>
-                        <m:r>
-                          <a:rPr lang="fr-FR" b="0" i="1" smtClean="0">
-                            <a:latin typeface="Cambria Math" panose="02040503050406030204" pitchFamily="18" charset="0"/>
-                            <a:ea typeface="Cambria Math" panose="02040503050406030204" pitchFamily="18" charset="0"/>
-                          </a:rPr>
-                          <m:t>𝐴𝐷</m:t>
-                        </m:r>
-                      </m:e>
-                    </m:acc>
                   </m:oMath>
                 </a14:m>
                 <a:r>
-                  <a:rPr lang="fr-FR" b="1" dirty="0">
-                    <a:latin typeface="Segoe UI" panose="020B0502040204020203" pitchFamily="34" charset="0"/>
-                    <a:cs typeface="Segoe UI" panose="020B0502040204020203" pitchFamily="34" charset="0"/>
+                  <a:rPr lang="fr-FR" dirty="0">
+                    <a:latin typeface="Segoe UI Semilight" panose="020B0402040204020203" pitchFamily="34" charset="0"/>
+                    <a:cs typeface="Segoe UI Semilight" panose="020B0402040204020203" pitchFamily="34" charset="0"/>
                   </a:rPr>
-                  <a:t> </a:t>
+                  <a:t>Ainsi,</a:t>
                 </a:r>
-                <a:endParaRPr lang="fr-FR" dirty="0">
-                  <a:latin typeface="Segoe UI Semilight" panose="020B0402040204020203" pitchFamily="34" charset="0"/>
-                  <a:cs typeface="Segoe UI Semilight" panose="020B0402040204020203" pitchFamily="34" charset="0"/>
-                </a:endParaRPr>
-              </a:p>
-              <a:p>
                 <a:r>
                   <a:rPr lang="fr-FR" dirty="0">
                     <a:solidFill>
@@ -6207,7 +6214,7 @@
                     <a:latin typeface="Segoe UI Semilight" panose="020B0402040204020203" pitchFamily="34" charset="0"/>
                     <a:cs typeface="Segoe UI Semilight" panose="020B0402040204020203" pitchFamily="34" charset="0"/>
                   </a:rPr>
-                  <a:t>Ainsi, </a:t>
+                  <a:t> </a:t>
                 </a:r>
                 <a14:m>
                   <m:oMath xmlns:m="http://schemas.openxmlformats.org/officeDocument/2006/math">
@@ -6242,7 +6249,17 @@
                             <a:latin typeface="Cambria Math" panose="02040503050406030204" pitchFamily="18" charset="0"/>
                             <a:cs typeface="Segoe UI Semilight" panose="020B0402040204020203" pitchFamily="34" charset="0"/>
                           </a:rPr>
-                          <m:t>𝐴𝐵𝐶</m:t>
+                          <m:t>𝐴𝐵</m:t>
+                        </m:r>
+                        <m:r>
+                          <a:rPr lang="fr-FR" b="0" i="1" smtClean="0">
+                            <a:solidFill>
+                              <a:srgbClr val="FF0000"/>
+                            </a:solidFill>
+                            <a:latin typeface="Cambria Math" panose="02040503050406030204" pitchFamily="18" charset="0"/>
+                            <a:cs typeface="Segoe UI Semilight" panose="020B0402040204020203" pitchFamily="34" charset="0"/>
+                          </a:rPr>
+                          <m:t>𝐷</m:t>
                         </m:r>
                       </m:e>
                     </m:d>
@@ -6303,46 +6320,10 @@
                       </a:rPr>
                       <m:t> </m:t>
                     </m:r>
-                    <m:acc>
-                      <m:accPr>
-                        <m:chr m:val="⃗"/>
-                        <m:ctrlPr>
-                          <a:rPr lang="fr-FR" b="0" i="1" smtClean="0">
-                            <a:solidFill>
-                              <a:srgbClr val="FF0000"/>
-                            </a:solidFill>
-                            <a:latin typeface="Cambria Math" panose="02040503050406030204" pitchFamily="18" charset="0"/>
-                            <a:cs typeface="Segoe UI Semilight" panose="020B0402040204020203" pitchFamily="34" charset="0"/>
-                          </a:rPr>
-                        </m:ctrlPr>
-                      </m:accPr>
-                      <m:e>
-                        <m:r>
-                          <a:rPr lang="fr-FR" b="0" i="1" smtClean="0">
-                            <a:solidFill>
-                              <a:srgbClr val="FF0000"/>
-                            </a:solidFill>
-                            <a:latin typeface="Cambria Math" panose="02040503050406030204" pitchFamily="18" charset="0"/>
-                            <a:cs typeface="Segoe UI Semilight" panose="020B0402040204020203" pitchFamily="34" charset="0"/>
-                          </a:rPr>
-                          <m:t>𝐴𝐵</m:t>
-                        </m:r>
-                      </m:e>
-                    </m:acc>
-                    <m:r>
-                      <a:rPr lang="fr-FR" b="0" i="1" smtClean="0">
-                        <a:solidFill>
-                          <a:srgbClr val="FF0000"/>
-                        </a:solidFill>
-                        <a:latin typeface="Cambria Math" panose="02040503050406030204" pitchFamily="18" charset="0"/>
-                        <a:ea typeface="Cambria Math" panose="02040503050406030204" pitchFamily="18" charset="0"/>
-                        <a:cs typeface="Segoe UI Semilight" panose="020B0402040204020203" pitchFamily="34" charset="0"/>
-                      </a:rPr>
-                      <m:t>∧</m:t>
-                    </m:r>
-                    <m:acc>
-                      <m:accPr>
-                        <m:chr m:val="⃗"/>
+                    <m:d>
+                      <m:dPr>
+                        <m:begChr m:val="‖"/>
+                        <m:endChr m:val="‖"/>
                         <m:ctrlPr>
                           <a:rPr lang="fr-FR" b="0" i="1" smtClean="0">
                             <a:solidFill>
@@ -6353,10 +6334,36 @@
                             <a:cs typeface="Segoe UI Semilight" panose="020B0402040204020203" pitchFamily="34" charset="0"/>
                           </a:rPr>
                         </m:ctrlPr>
-                      </m:accPr>
+                      </m:dPr>
                       <m:e>
+                        <m:acc>
+                          <m:accPr>
+                            <m:chr m:val="⃗"/>
+                            <m:ctrlPr>
+                              <a:rPr lang="fr-FR" i="1">
+                                <a:solidFill>
+                                  <a:srgbClr val="FF0000"/>
+                                </a:solidFill>
+                                <a:latin typeface="Cambria Math" panose="02040503050406030204" pitchFamily="18" charset="0"/>
+                                <a:cs typeface="Segoe UI Semilight" panose="020B0402040204020203" pitchFamily="34" charset="0"/>
+                              </a:rPr>
+                            </m:ctrlPr>
+                          </m:accPr>
+                          <m:e>
+                            <m:r>
+                              <a:rPr lang="fr-FR" i="1">
+                                <a:solidFill>
+                                  <a:srgbClr val="FF0000"/>
+                                </a:solidFill>
+                                <a:latin typeface="Cambria Math" panose="02040503050406030204" pitchFamily="18" charset="0"/>
+                                <a:cs typeface="Segoe UI Semilight" panose="020B0402040204020203" pitchFamily="34" charset="0"/>
+                              </a:rPr>
+                              <m:t>𝐴𝐵</m:t>
+                            </m:r>
+                          </m:e>
+                        </m:acc>
                         <m:r>
-                          <a:rPr lang="fr-FR" b="0" i="1" smtClean="0">
+                          <a:rPr lang="fr-FR" i="1">
                             <a:solidFill>
                               <a:srgbClr val="FF0000"/>
                             </a:solidFill>
@@ -6364,10 +6371,49 @@
                             <a:ea typeface="Cambria Math" panose="02040503050406030204" pitchFamily="18" charset="0"/>
                             <a:cs typeface="Segoe UI Semilight" panose="020B0402040204020203" pitchFamily="34" charset="0"/>
                           </a:rPr>
-                          <m:t>𝐴𝐶</m:t>
+                          <m:t>∧</m:t>
                         </m:r>
+                        <m:acc>
+                          <m:accPr>
+                            <m:chr m:val="⃗"/>
+                            <m:ctrlPr>
+                              <a:rPr lang="fr-FR" i="1">
+                                <a:solidFill>
+                                  <a:srgbClr val="FF0000"/>
+                                </a:solidFill>
+                                <a:latin typeface="Cambria Math" panose="02040503050406030204" pitchFamily="18" charset="0"/>
+                                <a:ea typeface="Cambria Math" panose="02040503050406030204" pitchFamily="18" charset="0"/>
+                                <a:cs typeface="Segoe UI Semilight" panose="020B0402040204020203" pitchFamily="34" charset="0"/>
+                              </a:rPr>
+                            </m:ctrlPr>
+                          </m:accPr>
+                          <m:e>
+                            <m:r>
+                              <a:rPr lang="fr-FR" i="1">
+                                <a:solidFill>
+                                  <a:srgbClr val="FF0000"/>
+                                </a:solidFill>
+                                <a:latin typeface="Cambria Math" panose="02040503050406030204" pitchFamily="18" charset="0"/>
+                                <a:ea typeface="Cambria Math" panose="02040503050406030204" pitchFamily="18" charset="0"/>
+                                <a:cs typeface="Segoe UI Semilight" panose="020B0402040204020203" pitchFamily="34" charset="0"/>
+                              </a:rPr>
+                              <m:t>𝐴</m:t>
+                            </m:r>
+                            <m:r>
+                              <a:rPr lang="fr-FR" b="0" i="1" smtClean="0">
+                                <a:solidFill>
+                                  <a:srgbClr val="FF0000"/>
+                                </a:solidFill>
+                                <a:latin typeface="Cambria Math" panose="02040503050406030204" pitchFamily="18" charset="0"/>
+                                <a:ea typeface="Cambria Math" panose="02040503050406030204" pitchFamily="18" charset="0"/>
+                                <a:cs typeface="Segoe UI Semilight" panose="020B0402040204020203" pitchFamily="34" charset="0"/>
+                              </a:rPr>
+                              <m:t>𝐷</m:t>
+                            </m:r>
+                          </m:e>
+                        </m:acc>
                       </m:e>
-                    </m:acc>
+                    </m:d>
                   </m:oMath>
                 </a14:m>
                 <a:endParaRPr lang="fr-FR" dirty="0">
@@ -6399,7 +6445,7 @@
             <p:spPr>
               <a:xfrm>
                 <a:off x="4972050" y="2207275"/>
-                <a:ext cx="3810000" cy="1651991"/>
+                <a:ext cx="3810000" cy="1649169"/>
               </a:xfrm>
               <a:prstGeom prst="rect">
                 <a:avLst/>
@@ -6711,6 +6757,476 @@
           </a:p>
         </p:txBody>
       </p:sp>
+      <mc:AlternateContent xmlns:mc="http://schemas.openxmlformats.org/markup-compatibility/2006">
+        <mc:Choice xmlns:a14="http://schemas.microsoft.com/office/drawing/2010/main" Requires="a14">
+          <p:sp>
+            <p:nvSpPr>
+              <p:cNvPr id="8" name="ZoneTexte 7">
+                <a:extLst>
+                  <a:ext uri="{FF2B5EF4-FFF2-40B4-BE49-F238E27FC236}">
+                    <a16:creationId xmlns:a16="http://schemas.microsoft.com/office/drawing/2014/main" id="{373DB1EC-986F-4DB1-80D2-BB84F0D29861}"/>
+                  </a:ext>
+                </a:extLst>
+              </p:cNvPr>
+              <p:cNvSpPr txBox="1"/>
+              <p:nvPr/>
+            </p:nvSpPr>
+            <p:spPr>
+              <a:xfrm>
+                <a:off x="5238750" y="1936750"/>
+                <a:ext cx="3591024" cy="1222642"/>
+              </a:xfrm>
+              <a:prstGeom prst="rect">
+                <a:avLst/>
+              </a:prstGeom>
+              <a:noFill/>
+            </p:spPr>
+            <p:txBody>
+              <a:bodyPr wrap="square" rtlCol="0">
+                <a:spAutoFit/>
+              </a:bodyPr>
+              <a:lstStyle/>
+              <a:p>
+                <a14:m>
+                  <m:oMath xmlns:m="http://schemas.openxmlformats.org/officeDocument/2006/math">
+                    <m:r>
+                      <a:rPr lang="fr-FR" i="1" smtClean="0">
+                        <a:latin typeface="Cambria Math" panose="02040503050406030204" pitchFamily="18" charset="0"/>
+                        <a:cs typeface="Segoe UI" panose="020B0502040204020203" pitchFamily="34" charset="0"/>
+                      </a:rPr>
+                      <m:t>𝐴</m:t>
+                    </m:r>
+                    <m:r>
+                      <a:rPr lang="fr-FR" i="1" smtClean="0">
+                        <a:latin typeface="Cambria Math" panose="02040503050406030204" pitchFamily="18" charset="0"/>
+                        <a:cs typeface="Segoe UI" panose="020B0502040204020203" pitchFamily="34" charset="0"/>
+                      </a:rPr>
+                      <m:t>(</m:t>
+                    </m:r>
+                  </m:oMath>
+                </a14:m>
+                <a:r>
+                  <a:rPr lang="fr-FR" i="1" dirty="0">
+                    <a:latin typeface="Cambria Math" panose="02040503050406030204" pitchFamily="18" charset="0"/>
+                    <a:ea typeface="Cambria Math" panose="02040503050406030204" pitchFamily="18" charset="0"/>
+                    <a:cs typeface="Segoe UI" panose="020B0502040204020203" pitchFamily="34" charset="0"/>
+                  </a:rPr>
+                  <a:t>ABCD)</a:t>
+                </a:r>
+                <a:r>
+                  <a:rPr lang="fr-FR" b="1" i="1" dirty="0">
+                    <a:latin typeface="Segoe UI" panose="020B0502040204020203" pitchFamily="34" charset="0"/>
+                    <a:cs typeface="Segoe UI" panose="020B0502040204020203" pitchFamily="34" charset="0"/>
+                  </a:rPr>
+                  <a:t> </a:t>
+                </a:r>
+                <a:r>
+                  <a:rPr lang="fr-FR" b="1" dirty="0">
+                    <a:latin typeface="Segoe UI" panose="020B0502040204020203" pitchFamily="34" charset="0"/>
+                    <a:cs typeface="Segoe UI" panose="020B0502040204020203" pitchFamily="34" charset="0"/>
+                  </a:rPr>
+                  <a:t>= </a:t>
+                </a:r>
+                <a14:m>
+                  <m:oMath xmlns:m="http://schemas.openxmlformats.org/officeDocument/2006/math">
+                    <m:d>
+                      <m:dPr>
+                        <m:begChr m:val="‖"/>
+                        <m:endChr m:val="‖"/>
+                        <m:ctrlPr>
+                          <a:rPr lang="fr-FR" i="1">
+                            <a:latin typeface="Cambria Math" panose="02040503050406030204" pitchFamily="18" charset="0"/>
+                          </a:rPr>
+                        </m:ctrlPr>
+                      </m:dPr>
+                      <m:e>
+                        <m:acc>
+                          <m:accPr>
+                            <m:chr m:val="⃗"/>
+                            <m:ctrlPr>
+                              <a:rPr lang="fr-FR" i="1">
+                                <a:latin typeface="Cambria Math" panose="02040503050406030204" pitchFamily="18" charset="0"/>
+                              </a:rPr>
+                            </m:ctrlPr>
+                          </m:accPr>
+                          <m:e>
+                            <m:r>
+                              <a:rPr lang="fr-FR" i="1">
+                                <a:latin typeface="Cambria Math" panose="02040503050406030204" pitchFamily="18" charset="0"/>
+                              </a:rPr>
+                              <m:t>𝐴𝐵</m:t>
+                            </m:r>
+                          </m:e>
+                        </m:acc>
+                        <m:r>
+                          <a:rPr lang="fr-FR" i="1">
+                            <a:latin typeface="Cambria Math" panose="02040503050406030204" pitchFamily="18" charset="0"/>
+                          </a:rPr>
+                          <m:t> </m:t>
+                        </m:r>
+                        <m:r>
+                          <a:rPr lang="fr-FR" i="1">
+                            <a:latin typeface="Cambria Math" panose="02040503050406030204" pitchFamily="18" charset="0"/>
+                            <a:ea typeface="Cambria Math" panose="02040503050406030204" pitchFamily="18" charset="0"/>
+                          </a:rPr>
+                          <m:t>∧</m:t>
+                        </m:r>
+                        <m:acc>
+                          <m:accPr>
+                            <m:chr m:val="⃗"/>
+                            <m:ctrlPr>
+                              <a:rPr lang="fr-FR" i="1">
+                                <a:latin typeface="Cambria Math" panose="02040503050406030204" pitchFamily="18" charset="0"/>
+                                <a:ea typeface="Cambria Math" panose="02040503050406030204" pitchFamily="18" charset="0"/>
+                              </a:rPr>
+                            </m:ctrlPr>
+                          </m:accPr>
+                          <m:e>
+                            <m:r>
+                              <a:rPr lang="fr-FR" i="1">
+                                <a:latin typeface="Cambria Math" panose="02040503050406030204" pitchFamily="18" charset="0"/>
+                                <a:ea typeface="Cambria Math" panose="02040503050406030204" pitchFamily="18" charset="0"/>
+                              </a:rPr>
+                              <m:t>𝐴𝐷</m:t>
+                            </m:r>
+                          </m:e>
+                        </m:acc>
+                      </m:e>
+                    </m:d>
+                  </m:oMath>
+                </a14:m>
+                <a:endParaRPr lang="fr-FR" i="1" dirty="0">
+                  <a:latin typeface="Cambria Math" panose="02040503050406030204" pitchFamily="18" charset="0"/>
+                  <a:ea typeface="Cambria Math" panose="02040503050406030204" pitchFamily="18" charset="0"/>
+                </a:endParaRPr>
+              </a:p>
+              <a:p>
+                <a:pPr/>
+                <a:endParaRPr lang="fr-FR" i="1" dirty="0">
+                  <a:solidFill>
+                    <a:srgbClr val="FF0000"/>
+                  </a:solidFill>
+                  <a:latin typeface="Cambria Math" panose="02040503050406030204" pitchFamily="18" charset="0"/>
+                  <a:cs typeface="Segoe UI Semilight" panose="020B0402040204020203" pitchFamily="34" charset="0"/>
+                </a:endParaRPr>
+              </a:p>
+              <a:p>
+                <a:pPr/>
+                <a14:m>
+                  <m:oMathPara xmlns:m="http://schemas.openxmlformats.org/officeDocument/2006/math">
+                    <m:oMathParaPr>
+                      <m:jc m:val="left"/>
+                    </m:oMathParaPr>
+                    <m:oMath xmlns:m="http://schemas.openxmlformats.org/officeDocument/2006/math">
+                      <m:r>
+                        <a:rPr lang="fr-FR" i="1">
+                          <a:solidFill>
+                            <a:srgbClr val="FF0000"/>
+                          </a:solidFill>
+                          <a:latin typeface="Cambria Math" panose="02040503050406030204" pitchFamily="18" charset="0"/>
+                          <a:cs typeface="Segoe UI Semilight" panose="020B0402040204020203" pitchFamily="34" charset="0"/>
+                        </a:rPr>
+                        <m:t>𝐴</m:t>
+                      </m:r>
+                      <m:d>
+                        <m:dPr>
+                          <m:ctrlPr>
+                            <a:rPr lang="fr-FR" i="1">
+                              <a:solidFill>
+                                <a:srgbClr val="FF0000"/>
+                              </a:solidFill>
+                              <a:latin typeface="Cambria Math" panose="02040503050406030204" pitchFamily="18" charset="0"/>
+                              <a:cs typeface="Segoe UI Semilight" panose="020B0402040204020203" pitchFamily="34" charset="0"/>
+                            </a:rPr>
+                          </m:ctrlPr>
+                        </m:dPr>
+                        <m:e>
+                          <m:r>
+                            <a:rPr lang="fr-FR" i="1">
+                              <a:solidFill>
+                                <a:srgbClr val="FF0000"/>
+                              </a:solidFill>
+                              <a:latin typeface="Cambria Math" panose="02040503050406030204" pitchFamily="18" charset="0"/>
+                              <a:cs typeface="Segoe UI Semilight" panose="020B0402040204020203" pitchFamily="34" charset="0"/>
+                            </a:rPr>
+                            <m:t>𝐴𝐵</m:t>
+                          </m:r>
+                          <m:r>
+                            <a:rPr lang="fr-FR" b="0" i="1" smtClean="0">
+                              <a:solidFill>
+                                <a:srgbClr val="FF0000"/>
+                              </a:solidFill>
+                              <a:latin typeface="Cambria Math" panose="02040503050406030204" pitchFamily="18" charset="0"/>
+                              <a:cs typeface="Segoe UI Semilight" panose="020B0402040204020203" pitchFamily="34" charset="0"/>
+                            </a:rPr>
+                            <m:t>𝐷</m:t>
+                          </m:r>
+                        </m:e>
+                      </m:d>
+                      <m:r>
+                        <a:rPr lang="fr-FR" i="1">
+                          <a:solidFill>
+                            <a:srgbClr val="FF0000"/>
+                          </a:solidFill>
+                          <a:latin typeface="Cambria Math" panose="02040503050406030204" pitchFamily="18" charset="0"/>
+                          <a:cs typeface="Segoe UI Semilight" panose="020B0402040204020203" pitchFamily="34" charset="0"/>
+                        </a:rPr>
+                        <m:t>=</m:t>
+                      </m:r>
+                      <m:f>
+                        <m:fPr>
+                          <m:ctrlPr>
+                            <a:rPr lang="fr-FR" i="1">
+                              <a:solidFill>
+                                <a:srgbClr val="FF0000"/>
+                              </a:solidFill>
+                              <a:latin typeface="Cambria Math" panose="02040503050406030204" pitchFamily="18" charset="0"/>
+                              <a:cs typeface="Segoe UI Semilight" panose="020B0402040204020203" pitchFamily="34" charset="0"/>
+                            </a:rPr>
+                          </m:ctrlPr>
+                        </m:fPr>
+                        <m:num>
+                          <m:r>
+                            <a:rPr lang="fr-FR" i="1">
+                              <a:solidFill>
+                                <a:srgbClr val="FF0000"/>
+                              </a:solidFill>
+                              <a:latin typeface="Cambria Math" panose="02040503050406030204" pitchFamily="18" charset="0"/>
+                              <a:cs typeface="Segoe UI Semilight" panose="020B0402040204020203" pitchFamily="34" charset="0"/>
+                            </a:rPr>
+                            <m:t>1</m:t>
+                          </m:r>
+                        </m:num>
+                        <m:den>
+                          <m:r>
+                            <a:rPr lang="fr-FR" i="1">
+                              <a:solidFill>
+                                <a:srgbClr val="FF0000"/>
+                              </a:solidFill>
+                              <a:latin typeface="Cambria Math" panose="02040503050406030204" pitchFamily="18" charset="0"/>
+                              <a:cs typeface="Segoe UI Semilight" panose="020B0402040204020203" pitchFamily="34" charset="0"/>
+                            </a:rPr>
+                            <m:t>2</m:t>
+                          </m:r>
+                        </m:den>
+                      </m:f>
+                      <m:r>
+                        <a:rPr lang="fr-FR" i="1">
+                          <a:solidFill>
+                            <a:srgbClr val="FF0000"/>
+                          </a:solidFill>
+                          <a:latin typeface="Cambria Math" panose="02040503050406030204" pitchFamily="18" charset="0"/>
+                          <a:cs typeface="Segoe UI Semilight" panose="020B0402040204020203" pitchFamily="34" charset="0"/>
+                        </a:rPr>
+                        <m:t> </m:t>
+                      </m:r>
+                      <m:d>
+                        <m:dPr>
+                          <m:begChr m:val="‖"/>
+                          <m:endChr m:val="‖"/>
+                          <m:ctrlPr>
+                            <a:rPr lang="fr-FR" i="1">
+                              <a:solidFill>
+                                <a:srgbClr val="FF0000"/>
+                              </a:solidFill>
+                              <a:latin typeface="Cambria Math" panose="02040503050406030204" pitchFamily="18" charset="0"/>
+                              <a:ea typeface="Cambria Math" panose="02040503050406030204" pitchFamily="18" charset="0"/>
+                              <a:cs typeface="Segoe UI Semilight" panose="020B0402040204020203" pitchFamily="34" charset="0"/>
+                            </a:rPr>
+                          </m:ctrlPr>
+                        </m:dPr>
+                        <m:e>
+                          <m:acc>
+                            <m:accPr>
+                              <m:chr m:val="⃗"/>
+                              <m:ctrlPr>
+                                <a:rPr lang="fr-FR" i="1">
+                                  <a:solidFill>
+                                    <a:srgbClr val="FF0000"/>
+                                  </a:solidFill>
+                                  <a:latin typeface="Cambria Math" panose="02040503050406030204" pitchFamily="18" charset="0"/>
+                                  <a:cs typeface="Segoe UI Semilight" panose="020B0402040204020203" pitchFamily="34" charset="0"/>
+                                </a:rPr>
+                              </m:ctrlPr>
+                            </m:accPr>
+                            <m:e>
+                              <m:r>
+                                <a:rPr lang="fr-FR" i="1">
+                                  <a:solidFill>
+                                    <a:srgbClr val="FF0000"/>
+                                  </a:solidFill>
+                                  <a:latin typeface="Cambria Math" panose="02040503050406030204" pitchFamily="18" charset="0"/>
+                                  <a:cs typeface="Segoe UI Semilight" panose="020B0402040204020203" pitchFamily="34" charset="0"/>
+                                </a:rPr>
+                                <m:t>𝐴𝐵</m:t>
+                              </m:r>
+                            </m:e>
+                          </m:acc>
+                          <m:r>
+                            <a:rPr lang="fr-FR" i="1">
+                              <a:solidFill>
+                                <a:srgbClr val="FF0000"/>
+                              </a:solidFill>
+                              <a:latin typeface="Cambria Math" panose="02040503050406030204" pitchFamily="18" charset="0"/>
+                              <a:ea typeface="Cambria Math" panose="02040503050406030204" pitchFamily="18" charset="0"/>
+                              <a:cs typeface="Segoe UI Semilight" panose="020B0402040204020203" pitchFamily="34" charset="0"/>
+                            </a:rPr>
+                            <m:t>∧</m:t>
+                          </m:r>
+                          <m:acc>
+                            <m:accPr>
+                              <m:chr m:val="⃗"/>
+                              <m:ctrlPr>
+                                <a:rPr lang="fr-FR" i="1">
+                                  <a:solidFill>
+                                    <a:srgbClr val="FF0000"/>
+                                  </a:solidFill>
+                                  <a:latin typeface="Cambria Math" panose="02040503050406030204" pitchFamily="18" charset="0"/>
+                                  <a:ea typeface="Cambria Math" panose="02040503050406030204" pitchFamily="18" charset="0"/>
+                                  <a:cs typeface="Segoe UI Semilight" panose="020B0402040204020203" pitchFamily="34" charset="0"/>
+                                </a:rPr>
+                              </m:ctrlPr>
+                            </m:accPr>
+                            <m:e>
+                              <m:r>
+                                <a:rPr lang="fr-FR" i="1">
+                                  <a:solidFill>
+                                    <a:srgbClr val="FF0000"/>
+                                  </a:solidFill>
+                                  <a:latin typeface="Cambria Math" panose="02040503050406030204" pitchFamily="18" charset="0"/>
+                                  <a:ea typeface="Cambria Math" panose="02040503050406030204" pitchFamily="18" charset="0"/>
+                                  <a:cs typeface="Segoe UI Semilight" panose="020B0402040204020203" pitchFamily="34" charset="0"/>
+                                </a:rPr>
+                                <m:t>𝐴</m:t>
+                              </m:r>
+                              <m:r>
+                                <a:rPr lang="fr-FR" b="0" i="1" smtClean="0">
+                                  <a:solidFill>
+                                    <a:srgbClr val="FF0000"/>
+                                  </a:solidFill>
+                                  <a:latin typeface="Cambria Math" panose="02040503050406030204" pitchFamily="18" charset="0"/>
+                                  <a:ea typeface="Cambria Math" panose="02040503050406030204" pitchFamily="18" charset="0"/>
+                                  <a:cs typeface="Segoe UI Semilight" panose="020B0402040204020203" pitchFamily="34" charset="0"/>
+                                </a:rPr>
+                                <m:t>𝐷</m:t>
+                              </m:r>
+                            </m:e>
+                          </m:acc>
+                        </m:e>
+                      </m:d>
+                    </m:oMath>
+                  </m:oMathPara>
+                </a14:m>
+                <a:endParaRPr lang="fr-FR" dirty="0"/>
+              </a:p>
+            </p:txBody>
+          </p:sp>
+        </mc:Choice>
+        <mc:Fallback>
+          <p:sp>
+            <p:nvSpPr>
+              <p:cNvPr id="8" name="ZoneTexte 7">
+                <a:extLst>
+                  <a:ext uri="{FF2B5EF4-FFF2-40B4-BE49-F238E27FC236}">
+                    <a16:creationId xmlns:a16="http://schemas.microsoft.com/office/drawing/2014/main" id="{373DB1EC-986F-4DB1-80D2-BB84F0D29861}"/>
+                  </a:ext>
+                </a:extLst>
+              </p:cNvPr>
+              <p:cNvSpPr txBox="1">
+                <a:spLocks noRot="1" noChangeAspect="1" noMove="1" noResize="1" noEditPoints="1" noAdjustHandles="1" noChangeArrowheads="1" noChangeShapeType="1" noTextEdit="1"/>
+              </p:cNvSpPr>
+              <p:nvPr/>
+            </p:nvSpPr>
+            <p:spPr>
+              <a:xfrm>
+                <a:off x="5238750" y="1936750"/>
+                <a:ext cx="3591024" cy="1222642"/>
+              </a:xfrm>
+              <a:prstGeom prst="rect">
+                <a:avLst/>
+              </a:prstGeom>
+              <a:blipFill>
+                <a:blip r:embed="rId2"/>
+                <a:stretch>
+                  <a:fillRect t="-500"/>
+                </a:stretch>
+              </a:blipFill>
+            </p:spPr>
+            <p:txBody>
+              <a:bodyPr/>
+              <a:lstStyle/>
+              <a:p>
+                <a:r>
+                  <a:rPr lang="fr-FR">
+                    <a:noFill/>
+                  </a:rPr>
+                  <a:t> </a:t>
+                </a:r>
+              </a:p>
+            </p:txBody>
+          </p:sp>
+        </mc:Fallback>
+      </mc:AlternateContent>
+      <p:pic>
+        <p:nvPicPr>
+          <p:cNvPr id="10" name="Image 9">
+            <a:extLst>
+              <a:ext uri="{FF2B5EF4-FFF2-40B4-BE49-F238E27FC236}">
+                <a16:creationId xmlns:a16="http://schemas.microsoft.com/office/drawing/2014/main" id="{B55FC0C7-A812-4E99-9852-4B89568BA064}"/>
+              </a:ext>
+            </a:extLst>
+          </p:cNvPr>
+          <p:cNvPicPr>
+            <a:picLocks noChangeAspect="1"/>
+          </p:cNvPicPr>
+          <p:nvPr/>
+        </p:nvPicPr>
+        <p:blipFill>
+          <a:blip r:embed="rId3"/>
+          <a:stretch>
+            <a:fillRect/>
+          </a:stretch>
+        </p:blipFill>
+        <p:spPr>
+          <a:xfrm>
+            <a:off x="280647" y="1735172"/>
+            <a:ext cx="4959365" cy="2848439"/>
+          </a:xfrm>
+          <a:prstGeom prst="rect">
+            <a:avLst/>
+          </a:prstGeom>
+        </p:spPr>
+      </p:pic>
+      <p:pic>
+        <p:nvPicPr>
+          <p:cNvPr id="12" name="Image 11">
+            <a:extLst>
+              <a:ext uri="{FF2B5EF4-FFF2-40B4-BE49-F238E27FC236}">
+                <a16:creationId xmlns:a16="http://schemas.microsoft.com/office/drawing/2014/main" id="{502C9213-10EF-48C7-9CE8-A9C1C96E70BE}"/>
+              </a:ext>
+            </a:extLst>
+          </p:cNvPr>
+          <p:cNvPicPr>
+            <a:picLocks noChangeAspect="1"/>
+          </p:cNvPicPr>
+          <p:nvPr/>
+        </p:nvPicPr>
+        <p:blipFill>
+          <a:blip r:embed="rId4"/>
+          <a:stretch>
+            <a:fillRect/>
+          </a:stretch>
+        </p:blipFill>
+        <p:spPr>
+          <a:xfrm>
+            <a:off x="6211229" y="3360970"/>
+            <a:ext cx="2238917" cy="1492611"/>
+          </a:xfrm>
+          <a:prstGeom prst="rect">
+            <a:avLst/>
+          </a:prstGeom>
+        </p:spPr>
+      </p:pic>
     </p:spTree>
     <p:extLst>
       <p:ext uri="{BB962C8B-B14F-4D97-AF65-F5344CB8AC3E}">
@@ -6787,19 +7303,24 @@
           <a:p>
             <a:r>
               <a:rPr lang="fr-FR" dirty="0"/>
-              <a:t>Définition des points</a:t>
-            </a:r>
-          </a:p>
-        </p:txBody>
-      </p:sp>
-      <p:sp>
-        <p:nvSpPr>
-          <p:cNvPr id="4" name="Espace réservé du texte 3"/>
-          <p:cNvSpPr>
-            <a:spLocks noGrp="1"/>
-          </p:cNvSpPr>
-          <p:nvPr>
-            <p:ph type="body" sz="quarter" idx="3"/>
+              <a:t>Modèle </a:t>
+            </a:r>
+            <a:r>
+              <a:rPr lang="fr-FR" dirty="0" err="1"/>
+              <a:t>Geogebra</a:t>
+            </a:r>
+            <a:endParaRPr lang="fr-FR" dirty="0"/>
+          </a:p>
+        </p:txBody>
+      </p:sp>
+      <p:sp>
+        <p:nvSpPr>
+          <p:cNvPr id="5" name="Espace réservé du texte 4"/>
+          <p:cNvSpPr>
+            <a:spLocks noGrp="1"/>
+          </p:cNvSpPr>
+          <p:nvPr>
+            <p:ph type="body" sz="quarter" idx="14"/>
           </p:nvPr>
         </p:nvSpPr>
         <p:spPr/>
@@ -6807,55 +7328,12 @@
           <a:bodyPr/>
           <a:lstStyle/>
           <a:p>
-            <a:endParaRPr lang="fr-FR"/>
-          </a:p>
-        </p:txBody>
-      </p:sp>
-      <p:sp>
-        <p:nvSpPr>
-          <p:cNvPr id="5" name="Espace réservé du texte 4"/>
-          <p:cNvSpPr>
-            <a:spLocks noGrp="1"/>
-          </p:cNvSpPr>
-          <p:nvPr>
-            <p:ph type="body" sz="quarter" idx="14"/>
-          </p:nvPr>
-        </p:nvSpPr>
-        <p:spPr/>
-        <p:txBody>
-          <a:bodyPr/>
-          <a:lstStyle/>
-          <a:p>
             <a:r>
               <a:rPr lang="fr-FR" dirty="0"/>
               <a:t>Collision cercle - triangle</a:t>
             </a:r>
           </a:p>
         </p:txBody>
-      </p:sp>
-      <p:sp>
-        <p:nvSpPr>
-          <p:cNvPr id="6" name="Espace réservé du graphique 5"/>
-          <p:cNvSpPr>
-            <a:spLocks noGrp="1"/>
-          </p:cNvSpPr>
-          <p:nvPr>
-            <p:ph type="chart" sz="quarter" idx="15"/>
-          </p:nvPr>
-        </p:nvSpPr>
-        <p:spPr/>
-      </p:sp>
-      <p:sp>
-        <p:nvSpPr>
-          <p:cNvPr id="7" name="Espace réservé du graphique 6"/>
-          <p:cNvSpPr>
-            <a:spLocks noGrp="1"/>
-          </p:cNvSpPr>
-          <p:nvPr>
-            <p:ph type="chart" sz="quarter" idx="16"/>
-          </p:nvPr>
-        </p:nvSpPr>
-        <p:spPr/>
       </p:sp>
     </p:spTree>
     <p:extLst>

--- a/Présentation projet/Projet ISN.pptx
+++ b/Présentation projet/Projet ISN.pptx
@@ -5,7 +5,7 @@
     <p:sldMasterId id="2147483648" r:id="rId2"/>
   </p:sldMasterIdLst>
   <p:handoutMasterIdLst>
-    <p:handoutMasterId r:id="rId15"/>
+    <p:handoutMasterId r:id="rId19"/>
   </p:handoutMasterIdLst>
   <p:sldIdLst>
     <p:sldId id="256" r:id="rId3"/>
@@ -17,9 +17,13 @@
     <p:sldId id="268" r:id="rId9"/>
     <p:sldId id="262" r:id="rId10"/>
     <p:sldId id="263" r:id="rId11"/>
-    <p:sldId id="264" r:id="rId12"/>
-    <p:sldId id="265" r:id="rId13"/>
-    <p:sldId id="266" r:id="rId14"/>
+    <p:sldId id="269" r:id="rId12"/>
+    <p:sldId id="270" r:id="rId13"/>
+    <p:sldId id="271" r:id="rId14"/>
+    <p:sldId id="272" r:id="rId15"/>
+    <p:sldId id="273" r:id="rId16"/>
+    <p:sldId id="274" r:id="rId17"/>
+    <p:sldId id="275" r:id="rId18"/>
   </p:sldIdLst>
   <p:sldSz cx="9144000" cy="5143500" type="screen16x9"/>
   <p:notesSz cx="6858000" cy="9144000"/>
@@ -132,9 +136,13 @@
             <p14:sldId id="268"/>
             <p14:sldId id="262"/>
             <p14:sldId id="263"/>
-            <p14:sldId id="264"/>
-            <p14:sldId id="265"/>
-            <p14:sldId id="266"/>
+            <p14:sldId id="269"/>
+            <p14:sldId id="270"/>
+            <p14:sldId id="271"/>
+            <p14:sldId id="272"/>
+            <p14:sldId id="273"/>
+            <p14:sldId id="274"/>
+            <p14:sldId id="275"/>
           </p14:sldIdLst>
         </p14:section>
       </p14:sectionLst>
@@ -244,7 +252,7 @@
           </a:lstStyle>
           <a:p>
             <a:fld id="{4B230A23-3E98-F64D-859B-DE462771A158}" type="datetimeFigureOut">
-              <a:t>07/02/2018</a:t>
+              <a:t>08/02/2018</a:t>
             </a:fld>
             <a:endParaRPr lang="fr-FR"/>
           </a:p>
@@ -557,7 +565,7 @@
             <a:fld id="{5BBF241E-D95D-F947-BD40-BA0B1092A59D}" type="datetimeFigureOut">
               <a:rPr lang="fr-FR" smtClean="0"/>
               <a:pPr/>
-              <a:t>07/02/2018</a:t>
+              <a:t>08/02/2018</a:t>
             </a:fld>
             <a:endParaRPr lang="fr-FR"/>
           </a:p>
@@ -829,7 +837,7 @@
             <a:fld id="{5BBF241E-D95D-F947-BD40-BA0B1092A59D}" type="datetimeFigureOut">
               <a:rPr lang="fr-FR" smtClean="0"/>
               <a:pPr/>
-              <a:t>07/02/2018</a:t>
+              <a:t>08/02/2018</a:t>
             </a:fld>
             <a:endParaRPr lang="fr-FR"/>
           </a:p>
@@ -1102,7 +1110,7 @@
             <a:fld id="{5BBF241E-D95D-F947-BD40-BA0B1092A59D}" type="datetimeFigureOut">
               <a:rPr lang="fr-FR" smtClean="0"/>
               <a:pPr/>
-              <a:t>07/02/2018</a:t>
+              <a:t>08/02/2018</a:t>
             </a:fld>
             <a:endParaRPr lang="fr-FR"/>
           </a:p>
@@ -1332,7 +1340,7 @@
             <a:fld id="{5BBF241E-D95D-F947-BD40-BA0B1092A59D}" type="datetimeFigureOut">
               <a:rPr lang="fr-FR" smtClean="0"/>
               <a:pPr/>
-              <a:t>07/02/2018</a:t>
+              <a:t>08/02/2018</a:t>
             </a:fld>
             <a:endParaRPr lang="fr-FR"/>
           </a:p>
@@ -1707,7 +1715,7 @@
             <a:fld id="{5BBF241E-D95D-F947-BD40-BA0B1092A59D}" type="datetimeFigureOut">
               <a:rPr lang="fr-FR" smtClean="0"/>
               <a:pPr/>
-              <a:t>07/02/2018</a:t>
+              <a:t>08/02/2018</a:t>
             </a:fld>
             <a:endParaRPr lang="fr-FR"/>
           </a:p>
@@ -2051,7 +2059,7 @@
             <a:fld id="{5BBF241E-D95D-F947-BD40-BA0B1092A59D}" type="datetimeFigureOut">
               <a:rPr lang="fr-FR" smtClean="0"/>
               <a:pPr/>
-              <a:t>07/02/2018</a:t>
+              <a:t>08/02/2018</a:t>
             </a:fld>
             <a:endParaRPr lang="fr-FR"/>
           </a:p>
@@ -2570,7 +2578,7 @@
             <a:fld id="{5BBF241E-D95D-F947-BD40-BA0B1092A59D}" type="datetimeFigureOut">
               <a:rPr lang="fr-FR" smtClean="0"/>
               <a:pPr/>
-              <a:t>07/02/2018</a:t>
+              <a:t>08/02/2018</a:t>
             </a:fld>
             <a:endParaRPr lang="fr-FR"/>
           </a:p>
@@ -2845,7 +2853,7 @@
             <a:fld id="{5BBF241E-D95D-F947-BD40-BA0B1092A59D}" type="datetimeFigureOut">
               <a:rPr lang="fr-FR" smtClean="0"/>
               <a:pPr/>
-              <a:t>07/02/2018</a:t>
+              <a:t>08/02/2018</a:t>
             </a:fld>
             <a:endParaRPr lang="fr-FR"/>
           </a:p>
@@ -3086,7 +3094,7 @@
             <a:fld id="{5BBF241E-D95D-F947-BD40-BA0B1092A59D}" type="datetimeFigureOut">
               <a:rPr lang="fr-FR" smtClean="0"/>
               <a:pPr/>
-              <a:t>07/02/2018</a:t>
+              <a:t>08/02/2018</a:t>
             </a:fld>
             <a:endParaRPr lang="fr-FR"/>
           </a:p>
@@ -3268,7 +3276,7 @@
             <a:fld id="{5BBF241E-D95D-F947-BD40-BA0B1092A59D}" type="datetimeFigureOut">
               <a:rPr lang="fr-FR" smtClean="0"/>
               <a:pPr/>
-              <a:t>07/02/2018</a:t>
+              <a:t>08/02/2018</a:t>
             </a:fld>
             <a:endParaRPr lang="fr-FR"/>
           </a:p>
@@ -3615,7 +3623,7 @@
             <a:fld id="{5BBF241E-D95D-F947-BD40-BA0B1092A59D}" type="datetimeFigureOut">
               <a:rPr lang="fr-FR" smtClean="0"/>
               <a:pPr/>
-              <a:t>07/02/2018</a:t>
+              <a:t>08/02/2018</a:t>
             </a:fld>
             <a:endParaRPr lang="fr-FR"/>
           </a:p>
@@ -4152,10 +4160,66 @@
           <a:chExt cx="0" cy="0"/>
         </a:xfrm>
       </p:grpSpPr>
+      <p:sp>
+        <p:nvSpPr>
+          <p:cNvPr id="2" name="Espace réservé du texte 1">
+            <a:extLst>
+              <a:ext uri="{FF2B5EF4-FFF2-40B4-BE49-F238E27FC236}">
+                <a16:creationId xmlns:a16="http://schemas.microsoft.com/office/drawing/2014/main" id="{6033CA9A-E735-41B6-AD72-B3C5565EAF01}"/>
+              </a:ext>
+            </a:extLst>
+          </p:cNvPr>
+          <p:cNvSpPr>
+            <a:spLocks noGrp="1"/>
+          </p:cNvSpPr>
+          <p:nvPr>
+            <p:ph type="body" sz="quarter" idx="14"/>
+          </p:nvPr>
+        </p:nvSpPr>
+        <p:spPr/>
+        <p:txBody>
+          <a:bodyPr/>
+          <a:lstStyle/>
+          <a:p>
+            <a:r>
+              <a:rPr lang="fr-FR" dirty="0"/>
+              <a:t>Déplacements</a:t>
+            </a:r>
+          </a:p>
+        </p:txBody>
+      </p:sp>
+      <p:sp>
+        <p:nvSpPr>
+          <p:cNvPr id="3" name="Espace réservé du texte 2">
+            <a:extLst>
+              <a:ext uri="{FF2B5EF4-FFF2-40B4-BE49-F238E27FC236}">
+                <a16:creationId xmlns:a16="http://schemas.microsoft.com/office/drawing/2014/main" id="{297BCD56-AB32-4E9E-8CA2-6808FFEBCC66}"/>
+              </a:ext>
+            </a:extLst>
+          </p:cNvPr>
+          <p:cNvSpPr>
+            <a:spLocks noGrp="1"/>
+          </p:cNvSpPr>
+          <p:nvPr>
+            <p:ph type="body" sz="quarter" idx="15"/>
+          </p:nvPr>
+        </p:nvSpPr>
+        <p:spPr/>
+        <p:txBody>
+          <a:bodyPr/>
+          <a:lstStyle/>
+          <a:p>
+            <a:r>
+              <a:rPr lang="fr-FR" dirty="0"/>
+              <a:t>Utilisation clavier / souris</a:t>
+            </a:r>
+          </a:p>
+        </p:txBody>
+      </p:sp>
     </p:spTree>
     <p:extLst>
       <p:ext uri="{BB962C8B-B14F-4D97-AF65-F5344CB8AC3E}">
-        <p14:creationId xmlns:p14="http://schemas.microsoft.com/office/powerpoint/2010/main" val="2639436419"/>
+        <p14:creationId xmlns:p14="http://schemas.microsoft.com/office/powerpoint/2010/main" val="4046697733"/>
       </p:ext>
     </p:extLst>
   </p:cSld>
@@ -4184,12 +4248,18 @@
       </p:grpSpPr>
       <p:sp>
         <p:nvSpPr>
-          <p:cNvPr id="2" name="Espace réservé du texte 1"/>
+          <p:cNvPr id="2" name="Titre 1">
+            <a:extLst>
+              <a:ext uri="{FF2B5EF4-FFF2-40B4-BE49-F238E27FC236}">
+                <a16:creationId xmlns:a16="http://schemas.microsoft.com/office/drawing/2014/main" id="{74AA4054-7C74-4728-BFB8-5F95F857C32F}"/>
+              </a:ext>
+            </a:extLst>
+          </p:cNvPr>
           <p:cNvSpPr>
             <a:spLocks noGrp="1"/>
           </p:cNvSpPr>
           <p:nvPr>
-            <p:ph type="body" sz="half" idx="2"/>
+            <p:ph type="title"/>
           </p:nvPr>
         </p:nvSpPr>
         <p:spPr/>
@@ -4197,18 +4267,56 @@
           <a:bodyPr/>
           <a:lstStyle/>
           <a:p>
-            <a:endParaRPr lang="fr-FR"/>
-          </a:p>
-        </p:txBody>
-      </p:sp>
-      <p:sp>
-        <p:nvSpPr>
-          <p:cNvPr id="3" name="Espace réservé du texte 2"/>
+            <a:r>
+              <a:rPr lang="fr-FR" dirty="0"/>
+              <a:t>Déplacement</a:t>
+            </a:r>
+          </a:p>
+        </p:txBody>
+      </p:sp>
+      <p:pic>
+        <p:nvPicPr>
+          <p:cNvPr id="6" name="Espace réservé du contenu 5">
+            <a:extLst>
+              <a:ext uri="{FF2B5EF4-FFF2-40B4-BE49-F238E27FC236}">
+                <a16:creationId xmlns:a16="http://schemas.microsoft.com/office/drawing/2014/main" id="{9BAA5AD2-736D-4616-A58B-F520E3AEC2E6}"/>
+              </a:ext>
+            </a:extLst>
+          </p:cNvPr>
+          <p:cNvPicPr>
+            <a:picLocks noGrp="1" noChangeAspect="1"/>
+          </p:cNvPicPr>
+          <p:nvPr>
+            <p:ph idx="1"/>
+          </p:nvPr>
+        </p:nvPicPr>
+        <p:blipFill>
+          <a:blip r:embed="rId2"/>
+          <a:stretch>
+            <a:fillRect/>
+          </a:stretch>
+        </p:blipFill>
+        <p:spPr>
+          <a:xfrm>
+            <a:off x="107871" y="1229147"/>
+            <a:ext cx="5493752" cy="3311989"/>
+          </a:xfrm>
+        </p:spPr>
+      </p:pic>
+      <p:sp>
+        <p:nvSpPr>
+          <p:cNvPr id="4" name="Espace réservé du texte 3">
+            <a:extLst>
+              <a:ext uri="{FF2B5EF4-FFF2-40B4-BE49-F238E27FC236}">
+                <a16:creationId xmlns:a16="http://schemas.microsoft.com/office/drawing/2014/main" id="{7641D3CB-7E53-455F-822C-5FA8B8DB2E90}"/>
+              </a:ext>
+            </a:extLst>
+          </p:cNvPr>
           <p:cNvSpPr>
             <a:spLocks noGrp="1"/>
           </p:cNvSpPr>
           <p:nvPr>
-            <p:ph type="body" sz="quarter" idx="14"/>
+            <p:ph type="body" sz="quarter" idx="13"/>
           </p:nvPr>
         </p:nvSpPr>
         <p:spPr/>
@@ -4216,64 +4324,139 @@
           <a:bodyPr/>
           <a:lstStyle/>
           <a:p>
-            <a:endParaRPr lang="fr-FR"/>
-          </a:p>
-        </p:txBody>
-      </p:sp>
-      <p:sp>
-        <p:nvSpPr>
-          <p:cNvPr id="4" name="Espace réservé du texte 3"/>
-          <p:cNvSpPr>
-            <a:spLocks noGrp="1"/>
-          </p:cNvSpPr>
-          <p:nvPr>
-            <p:ph type="body" sz="quarter" idx="15"/>
-          </p:nvPr>
-        </p:nvSpPr>
-        <p:spPr/>
-        <p:txBody>
-          <a:bodyPr/>
+            <a:r>
+              <a:rPr lang="fr-FR" dirty="0"/>
+              <a:t>Utilisation du clavier</a:t>
+            </a:r>
+          </a:p>
+        </p:txBody>
+      </p:sp>
+      <p:sp>
+        <p:nvSpPr>
+          <p:cNvPr id="7" name="ZoneTexte 6">
+            <a:extLst>
+              <a:ext uri="{FF2B5EF4-FFF2-40B4-BE49-F238E27FC236}">
+                <a16:creationId xmlns:a16="http://schemas.microsoft.com/office/drawing/2014/main" id="{6AD853F6-8516-4AA4-AC3D-C8A8B7B4E739}"/>
+              </a:ext>
+            </a:extLst>
+          </p:cNvPr>
+          <p:cNvSpPr txBox="1"/>
+          <p:nvPr/>
+        </p:nvSpPr>
+        <p:spPr>
+          <a:xfrm>
+            <a:off x="5905500" y="1489670"/>
+            <a:ext cx="3130629" cy="923330"/>
+          </a:xfrm>
+          <a:prstGeom prst="rect">
+            <a:avLst/>
+          </a:prstGeom>
+          <a:noFill/>
+        </p:spPr>
+        <p:txBody>
+          <a:bodyPr wrap="square" rtlCol="0">
+            <a:spAutoFit/>
+          </a:bodyPr>
           <a:lstStyle/>
           <a:p>
-            <a:endParaRPr lang="fr-FR"/>
-          </a:p>
-        </p:txBody>
-      </p:sp>
-      <p:sp>
-        <p:nvSpPr>
-          <p:cNvPr id="5" name="Espace réservé du texte 4"/>
-          <p:cNvSpPr>
-            <a:spLocks noGrp="1"/>
-          </p:cNvSpPr>
-          <p:nvPr>
-            <p:ph type="body" sz="quarter" idx="17"/>
-          </p:nvPr>
-        </p:nvSpPr>
-        <p:spPr/>
-        <p:txBody>
-          <a:bodyPr/>
+            <a:r>
+              <a:rPr lang="fr-FR" dirty="0">
+                <a:latin typeface="Segoe UI Semilight" panose="020B0402040204020203" pitchFamily="34" charset="0"/>
+                <a:cs typeface="Segoe UI Semilight" panose="020B0402040204020203" pitchFamily="34" charset="0"/>
+              </a:rPr>
+              <a:t>Structure switch / case = </a:t>
+            </a:r>
+          </a:p>
+          <a:p>
+            <a:r>
+              <a:rPr lang="fr-FR" dirty="0">
+                <a:latin typeface="Segoe UI Semilight" panose="020B0402040204020203" pitchFamily="34" charset="0"/>
+                <a:cs typeface="Segoe UI Semilight" panose="020B0402040204020203" pitchFamily="34" charset="0"/>
+              </a:rPr>
+              <a:t>If (32) {espace=</a:t>
+            </a:r>
+            <a:r>
+              <a:rPr lang="fr-FR" dirty="0" err="1">
+                <a:latin typeface="Segoe UI Semilight" panose="020B0402040204020203" pitchFamily="34" charset="0"/>
+                <a:cs typeface="Segoe UI Semilight" panose="020B0402040204020203" pitchFamily="34" charset="0"/>
+              </a:rPr>
+              <a:t>true</a:t>
+            </a:r>
+            <a:r>
+              <a:rPr lang="fr-FR" dirty="0">
+                <a:latin typeface="Segoe UI Semilight" panose="020B0402040204020203" pitchFamily="34" charset="0"/>
+                <a:cs typeface="Segoe UI Semilight" panose="020B0402040204020203" pitchFamily="34" charset="0"/>
+              </a:rPr>
+              <a:t>}</a:t>
+            </a:r>
+          </a:p>
+          <a:p>
+            <a:r>
+              <a:rPr lang="fr-FR" dirty="0">
+                <a:latin typeface="Segoe UI Semilight" panose="020B0402040204020203" pitchFamily="34" charset="0"/>
+                <a:cs typeface="Segoe UI Semilight" panose="020B0402040204020203" pitchFamily="34" charset="0"/>
+              </a:rPr>
+              <a:t>If (UP) {up=</a:t>
+            </a:r>
+            <a:r>
+              <a:rPr lang="fr-FR" dirty="0" err="1">
+                <a:latin typeface="Segoe UI Semilight" panose="020B0402040204020203" pitchFamily="34" charset="0"/>
+                <a:cs typeface="Segoe UI Semilight" panose="020B0402040204020203" pitchFamily="34" charset="0"/>
+              </a:rPr>
+              <a:t>true</a:t>
+            </a:r>
+            <a:r>
+              <a:rPr lang="fr-FR" dirty="0">
+                <a:latin typeface="Segoe UI Semilight" panose="020B0402040204020203" pitchFamily="34" charset="0"/>
+                <a:cs typeface="Segoe UI Semilight" panose="020B0402040204020203" pitchFamily="34" charset="0"/>
+              </a:rPr>
+              <a:t>} …</a:t>
+            </a:r>
+          </a:p>
+        </p:txBody>
+      </p:sp>
+      <p:sp>
+        <p:nvSpPr>
+          <p:cNvPr id="8" name="ZoneTexte 7">
+            <a:extLst>
+              <a:ext uri="{FF2B5EF4-FFF2-40B4-BE49-F238E27FC236}">
+                <a16:creationId xmlns:a16="http://schemas.microsoft.com/office/drawing/2014/main" id="{902A8D83-1F96-4AF4-91AF-29A92726A242}"/>
+              </a:ext>
+            </a:extLst>
+          </p:cNvPr>
+          <p:cNvSpPr txBox="1"/>
+          <p:nvPr/>
+        </p:nvSpPr>
+        <p:spPr>
+          <a:xfrm>
+            <a:off x="5905500" y="2891491"/>
+            <a:ext cx="2774950" cy="923330"/>
+          </a:xfrm>
+          <a:prstGeom prst="rect">
+            <a:avLst/>
+          </a:prstGeom>
+          <a:noFill/>
+        </p:spPr>
+        <p:txBody>
+          <a:bodyPr wrap="square" rtlCol="0">
+            <a:spAutoFit/>
+          </a:bodyPr>
           <a:lstStyle/>
           <a:p>
-            <a:endParaRPr lang="fr-FR"/>
-          </a:p>
-        </p:txBody>
-      </p:sp>
-      <p:sp>
-        <p:nvSpPr>
-          <p:cNvPr id="6" name="Espace réservé du tableau 5"/>
-          <p:cNvSpPr>
-            <a:spLocks noGrp="1"/>
-          </p:cNvSpPr>
-          <p:nvPr>
-            <p:ph type="tbl" sz="quarter" idx="19"/>
-          </p:nvPr>
-        </p:nvSpPr>
-        <p:spPr/>
+            <a:r>
+              <a:rPr lang="fr-FR" dirty="0">
+                <a:latin typeface="Segoe UI Semilight" panose="020B0402040204020203" pitchFamily="34" charset="0"/>
+                <a:cs typeface="Segoe UI Semilight" panose="020B0402040204020203" pitchFamily="34" charset="0"/>
+              </a:rPr>
+              <a:t>On passe par des variables pour détecter les touches appuyés</a:t>
+            </a:r>
+          </a:p>
+        </p:txBody>
       </p:sp>
     </p:spTree>
     <p:extLst>
       <p:ext uri="{BB962C8B-B14F-4D97-AF65-F5344CB8AC3E}">
-        <p14:creationId xmlns:p14="http://schemas.microsoft.com/office/powerpoint/2010/main" val="2362763898"/>
+        <p14:creationId xmlns:p14="http://schemas.microsoft.com/office/powerpoint/2010/main" val="1189941622"/>
       </p:ext>
     </p:extLst>
   </p:cSld>
@@ -4302,7 +4485,13 @@
       </p:grpSpPr>
       <p:sp>
         <p:nvSpPr>
-          <p:cNvPr id="2" name="Titre 1"/>
+          <p:cNvPr id="2" name="Titre 1">
+            <a:extLst>
+              <a:ext uri="{FF2B5EF4-FFF2-40B4-BE49-F238E27FC236}">
+                <a16:creationId xmlns:a16="http://schemas.microsoft.com/office/drawing/2014/main" id="{89DA2851-D2AC-4A4E-802E-6262B8B4A1B4}"/>
+              </a:ext>
+            </a:extLst>
+          </p:cNvPr>
           <p:cNvSpPr>
             <a:spLocks noGrp="1"/>
           </p:cNvSpPr>
@@ -4315,30 +4504,56 @@
           <a:bodyPr/>
           <a:lstStyle/>
           <a:p>
-            <a:endParaRPr lang="fr-FR"/>
-          </a:p>
-        </p:txBody>
-      </p:sp>
-      <p:sp>
-        <p:nvSpPr>
-          <p:cNvPr id="3" name="Espace réservé pour une image  2"/>
+            <a:r>
+              <a:rPr lang="fr-FR" dirty="0"/>
+              <a:t>Déplacements</a:t>
+            </a:r>
+          </a:p>
+        </p:txBody>
+      </p:sp>
+      <p:pic>
+        <p:nvPicPr>
+          <p:cNvPr id="6" name="Espace réservé du contenu 5">
+            <a:extLst>
+              <a:ext uri="{FF2B5EF4-FFF2-40B4-BE49-F238E27FC236}">
+                <a16:creationId xmlns:a16="http://schemas.microsoft.com/office/drawing/2014/main" id="{2BE7278A-88B9-45C9-BA01-0B9728E399F3}"/>
+              </a:ext>
+            </a:extLst>
+          </p:cNvPr>
+          <p:cNvPicPr>
+            <a:picLocks noGrp="1" noChangeAspect="1"/>
+          </p:cNvPicPr>
+          <p:nvPr>
+            <p:ph idx="1"/>
+          </p:nvPr>
+        </p:nvPicPr>
+        <p:blipFill>
+          <a:blip r:embed="rId2"/>
+          <a:stretch>
+            <a:fillRect/>
+          </a:stretch>
+        </p:blipFill>
+        <p:spPr>
+          <a:xfrm>
+            <a:off x="253921" y="875185"/>
+            <a:ext cx="6540580" cy="3606430"/>
+          </a:xfrm>
+        </p:spPr>
+      </p:pic>
+      <p:sp>
+        <p:nvSpPr>
+          <p:cNvPr id="4" name="Espace réservé du texte 3">
+            <a:extLst>
+              <a:ext uri="{FF2B5EF4-FFF2-40B4-BE49-F238E27FC236}">
+                <a16:creationId xmlns:a16="http://schemas.microsoft.com/office/drawing/2014/main" id="{66A9E613-3F4E-436C-A0DC-238CC5BC4D4E}"/>
+              </a:ext>
+            </a:extLst>
+          </p:cNvPr>
           <p:cNvSpPr>
             <a:spLocks noGrp="1"/>
           </p:cNvSpPr>
           <p:nvPr>
-            <p:ph type="pic" idx="1"/>
-          </p:nvPr>
-        </p:nvSpPr>
-        <p:spPr/>
-      </p:sp>
-      <p:sp>
-        <p:nvSpPr>
-          <p:cNvPr id="4" name="Espace réservé du texte 3"/>
-          <p:cNvSpPr>
-            <a:spLocks noGrp="1"/>
-          </p:cNvSpPr>
-          <p:nvPr>
-            <p:ph type="body" sz="half" idx="2"/>
+            <p:ph type="body" sz="quarter" idx="13"/>
           </p:nvPr>
         </p:nvSpPr>
         <p:spPr/>
@@ -4346,13 +4561,395 @@
           <a:bodyPr/>
           <a:lstStyle/>
           <a:p>
-            <a:endParaRPr lang="fr-FR" dirty="0"/>
-          </a:p>
-        </p:txBody>
-      </p:sp>
-      <p:sp>
-        <p:nvSpPr>
-          <p:cNvPr id="5" name="Espace réservé du texte 4"/>
+            <a:r>
+              <a:rPr lang="fr-FR" dirty="0"/>
+              <a:t>Utilisation de la souris</a:t>
+            </a:r>
+          </a:p>
+        </p:txBody>
+      </p:sp>
+      <p:sp>
+        <p:nvSpPr>
+          <p:cNvPr id="8" name="Arc 7">
+            <a:extLst>
+              <a:ext uri="{FF2B5EF4-FFF2-40B4-BE49-F238E27FC236}">
+                <a16:creationId xmlns:a16="http://schemas.microsoft.com/office/drawing/2014/main" id="{59DC3A70-6817-4F8E-B31D-099C41EAF9AC}"/>
+              </a:ext>
+            </a:extLst>
+          </p:cNvPr>
+          <p:cNvSpPr/>
+          <p:nvPr/>
+        </p:nvSpPr>
+        <p:spPr>
+          <a:xfrm>
+            <a:off x="5607051" y="1073150"/>
+            <a:ext cx="152400" cy="596900"/>
+          </a:xfrm>
+          <a:prstGeom prst="arc">
+            <a:avLst>
+              <a:gd name="adj1" fmla="val 16200000"/>
+              <a:gd name="adj2" fmla="val 5302731"/>
+            </a:avLst>
+          </a:prstGeom>
+        </p:spPr>
+        <p:style>
+          <a:lnRef idx="2">
+            <a:schemeClr val="accent1"/>
+          </a:lnRef>
+          <a:fillRef idx="0">
+            <a:schemeClr val="accent1"/>
+          </a:fillRef>
+          <a:effectRef idx="1">
+            <a:schemeClr val="accent1"/>
+          </a:effectRef>
+          <a:fontRef idx="minor">
+            <a:schemeClr val="tx1"/>
+          </a:fontRef>
+        </p:style>
+        <p:txBody>
+          <a:bodyPr rtlCol="0" anchor="ctr"/>
+          <a:lstStyle/>
+          <a:p>
+            <a:pPr algn="ctr"/>
+            <a:endParaRPr lang="fr-FR"/>
+          </a:p>
+        </p:txBody>
+      </p:sp>
+      <p:sp>
+        <p:nvSpPr>
+          <p:cNvPr id="9" name="Flèche : droite 8">
+            <a:extLst>
+              <a:ext uri="{FF2B5EF4-FFF2-40B4-BE49-F238E27FC236}">
+                <a16:creationId xmlns:a16="http://schemas.microsoft.com/office/drawing/2014/main" id="{D712C1CE-5215-4243-A0D7-EC5C1EFB9ACC}"/>
+              </a:ext>
+            </a:extLst>
+          </p:cNvPr>
+          <p:cNvSpPr/>
+          <p:nvPr/>
+        </p:nvSpPr>
+        <p:spPr>
+          <a:xfrm>
+            <a:off x="5880100" y="1146175"/>
+            <a:ext cx="914401" cy="450850"/>
+          </a:xfrm>
+          <a:prstGeom prst="rightArrow">
+            <a:avLst/>
+          </a:prstGeom>
+        </p:spPr>
+        <p:style>
+          <a:lnRef idx="1">
+            <a:schemeClr val="accent1"/>
+          </a:lnRef>
+          <a:fillRef idx="3">
+            <a:schemeClr val="accent1"/>
+          </a:fillRef>
+          <a:effectRef idx="2">
+            <a:schemeClr val="accent1"/>
+          </a:effectRef>
+          <a:fontRef idx="minor">
+            <a:schemeClr val="lt1"/>
+          </a:fontRef>
+        </p:style>
+        <p:txBody>
+          <a:bodyPr rtlCol="0" anchor="ctr"/>
+          <a:lstStyle/>
+          <a:p>
+            <a:pPr algn="ctr"/>
+            <a:endParaRPr lang="fr-FR"/>
+          </a:p>
+        </p:txBody>
+      </p:sp>
+      <p:sp>
+        <p:nvSpPr>
+          <p:cNvPr id="10" name="ZoneTexte 9">
+            <a:extLst>
+              <a:ext uri="{FF2B5EF4-FFF2-40B4-BE49-F238E27FC236}">
+                <a16:creationId xmlns:a16="http://schemas.microsoft.com/office/drawing/2014/main" id="{3FA58EA9-ADA4-440C-ACA7-533398E022FA}"/>
+              </a:ext>
+            </a:extLst>
+          </p:cNvPr>
+          <p:cNvSpPr txBox="1"/>
+          <p:nvPr/>
+        </p:nvSpPr>
+        <p:spPr>
+          <a:xfrm>
+            <a:off x="6915150" y="867720"/>
+            <a:ext cx="2070100" cy="923330"/>
+          </a:xfrm>
+          <a:prstGeom prst="rect">
+            <a:avLst/>
+          </a:prstGeom>
+          <a:noFill/>
+        </p:spPr>
+        <p:txBody>
+          <a:bodyPr wrap="square" rtlCol="0">
+            <a:spAutoFit/>
+          </a:bodyPr>
+          <a:lstStyle/>
+          <a:p>
+            <a:r>
+              <a:rPr lang="fr-FR" dirty="0">
+                <a:latin typeface="Segoe UI Semilight" panose="020B0402040204020203" pitchFamily="34" charset="0"/>
+                <a:cs typeface="Segoe UI Semilight" panose="020B0402040204020203" pitchFamily="34" charset="0"/>
+              </a:rPr>
+              <a:t>Acquisition de l’emplacement de la souris</a:t>
+            </a:r>
+          </a:p>
+        </p:txBody>
+      </p:sp>
+      <p:sp>
+        <p:nvSpPr>
+          <p:cNvPr id="11" name="Arc 10">
+            <a:extLst>
+              <a:ext uri="{FF2B5EF4-FFF2-40B4-BE49-F238E27FC236}">
+                <a16:creationId xmlns:a16="http://schemas.microsoft.com/office/drawing/2014/main" id="{5D04575B-B2CE-4676-AC66-48F4867DE204}"/>
+              </a:ext>
+            </a:extLst>
+          </p:cNvPr>
+          <p:cNvSpPr/>
+          <p:nvPr/>
+        </p:nvSpPr>
+        <p:spPr>
+          <a:xfrm>
+            <a:off x="5092701" y="1791050"/>
+            <a:ext cx="196850" cy="780700"/>
+          </a:xfrm>
+          <a:prstGeom prst="arc">
+            <a:avLst>
+              <a:gd name="adj1" fmla="val 16200000"/>
+              <a:gd name="adj2" fmla="val 5487048"/>
+            </a:avLst>
+          </a:prstGeom>
+        </p:spPr>
+        <p:style>
+          <a:lnRef idx="2">
+            <a:schemeClr val="accent1"/>
+          </a:lnRef>
+          <a:fillRef idx="0">
+            <a:schemeClr val="accent1"/>
+          </a:fillRef>
+          <a:effectRef idx="1">
+            <a:schemeClr val="accent1"/>
+          </a:effectRef>
+          <a:fontRef idx="minor">
+            <a:schemeClr val="tx1"/>
+          </a:fontRef>
+        </p:style>
+        <p:txBody>
+          <a:bodyPr rtlCol="0" anchor="ctr"/>
+          <a:lstStyle/>
+          <a:p>
+            <a:pPr algn="ctr"/>
+            <a:endParaRPr lang="fr-FR"/>
+          </a:p>
+        </p:txBody>
+      </p:sp>
+      <p:sp>
+        <p:nvSpPr>
+          <p:cNvPr id="12" name="Flèche : droite 11">
+            <a:extLst>
+              <a:ext uri="{FF2B5EF4-FFF2-40B4-BE49-F238E27FC236}">
+                <a16:creationId xmlns:a16="http://schemas.microsoft.com/office/drawing/2014/main" id="{D1E0FC1A-0E00-4E28-A750-D472E31BBEBC}"/>
+              </a:ext>
+            </a:extLst>
+          </p:cNvPr>
+          <p:cNvSpPr/>
+          <p:nvPr/>
+        </p:nvSpPr>
+        <p:spPr>
+          <a:xfrm>
+            <a:off x="5492750" y="2038350"/>
+            <a:ext cx="1301751" cy="450850"/>
+          </a:xfrm>
+          <a:prstGeom prst="rightArrow">
+            <a:avLst/>
+          </a:prstGeom>
+        </p:spPr>
+        <p:style>
+          <a:lnRef idx="1">
+            <a:schemeClr val="accent1"/>
+          </a:lnRef>
+          <a:fillRef idx="3">
+            <a:schemeClr val="accent1"/>
+          </a:fillRef>
+          <a:effectRef idx="2">
+            <a:schemeClr val="accent1"/>
+          </a:effectRef>
+          <a:fontRef idx="minor">
+            <a:schemeClr val="lt1"/>
+          </a:fontRef>
+        </p:style>
+        <p:txBody>
+          <a:bodyPr rtlCol="0" anchor="ctr"/>
+          <a:lstStyle/>
+          <a:p>
+            <a:pPr algn="ctr"/>
+            <a:endParaRPr lang="fr-FR"/>
+          </a:p>
+        </p:txBody>
+      </p:sp>
+      <p:sp>
+        <p:nvSpPr>
+          <p:cNvPr id="13" name="ZoneTexte 12">
+            <a:extLst>
+              <a:ext uri="{FF2B5EF4-FFF2-40B4-BE49-F238E27FC236}">
+                <a16:creationId xmlns:a16="http://schemas.microsoft.com/office/drawing/2014/main" id="{974FF19F-14F6-443C-AF81-CC0D58A8866D}"/>
+              </a:ext>
+            </a:extLst>
+          </p:cNvPr>
+          <p:cNvSpPr txBox="1"/>
+          <p:nvPr/>
+        </p:nvSpPr>
+        <p:spPr>
+          <a:xfrm>
+            <a:off x="6915150" y="1860550"/>
+            <a:ext cx="2070100" cy="646331"/>
+          </a:xfrm>
+          <a:prstGeom prst="rect">
+            <a:avLst/>
+          </a:prstGeom>
+          <a:noFill/>
+        </p:spPr>
+        <p:txBody>
+          <a:bodyPr wrap="square" rtlCol="0">
+            <a:spAutoFit/>
+          </a:bodyPr>
+          <a:lstStyle/>
+          <a:p>
+            <a:r>
+              <a:rPr lang="fr-FR" dirty="0">
+                <a:latin typeface="Segoe UI Semilight" panose="020B0402040204020203" pitchFamily="34" charset="0"/>
+                <a:cs typeface="Segoe UI Semilight" panose="020B0402040204020203" pitchFamily="34" charset="0"/>
+              </a:rPr>
+              <a:t>Affichage des barres de réglage</a:t>
+            </a:r>
+          </a:p>
+        </p:txBody>
+      </p:sp>
+      <p:sp>
+        <p:nvSpPr>
+          <p:cNvPr id="14" name="Arc 13">
+            <a:extLst>
+              <a:ext uri="{FF2B5EF4-FFF2-40B4-BE49-F238E27FC236}">
+                <a16:creationId xmlns:a16="http://schemas.microsoft.com/office/drawing/2014/main" id="{FE24FFBA-B847-4DA7-B21D-4E7DA99A5AF2}"/>
+              </a:ext>
+            </a:extLst>
+          </p:cNvPr>
+          <p:cNvSpPr/>
+          <p:nvPr/>
+        </p:nvSpPr>
+        <p:spPr>
+          <a:xfrm>
+            <a:off x="6608766" y="2775414"/>
+            <a:ext cx="168274" cy="725217"/>
+          </a:xfrm>
+          <a:prstGeom prst="arc">
+            <a:avLst>
+              <a:gd name="adj1" fmla="val 16200000"/>
+              <a:gd name="adj2" fmla="val 5302731"/>
+            </a:avLst>
+          </a:prstGeom>
+        </p:spPr>
+        <p:style>
+          <a:lnRef idx="2">
+            <a:schemeClr val="accent1"/>
+          </a:lnRef>
+          <a:fillRef idx="0">
+            <a:schemeClr val="accent1"/>
+          </a:fillRef>
+          <a:effectRef idx="1">
+            <a:schemeClr val="accent1"/>
+          </a:effectRef>
+          <a:fontRef idx="minor">
+            <a:schemeClr val="tx1"/>
+          </a:fontRef>
+        </p:style>
+        <p:txBody>
+          <a:bodyPr rtlCol="0" anchor="ctr"/>
+          <a:lstStyle/>
+          <a:p>
+            <a:pPr algn="ctr"/>
+            <a:endParaRPr lang="fr-FR"/>
+          </a:p>
+        </p:txBody>
+      </p:sp>
+      <p:sp>
+        <p:nvSpPr>
+          <p:cNvPr id="15" name="ZoneTexte 14">
+            <a:extLst>
+              <a:ext uri="{FF2B5EF4-FFF2-40B4-BE49-F238E27FC236}">
+                <a16:creationId xmlns:a16="http://schemas.microsoft.com/office/drawing/2014/main" id="{5CC7F262-5C4D-4960-A007-9172007EEAB2}"/>
+              </a:ext>
+            </a:extLst>
+          </p:cNvPr>
+          <p:cNvSpPr txBox="1"/>
+          <p:nvPr/>
+        </p:nvSpPr>
+        <p:spPr>
+          <a:xfrm>
+            <a:off x="6897689" y="2636620"/>
+            <a:ext cx="2070100" cy="923330"/>
+          </a:xfrm>
+          <a:prstGeom prst="rect">
+            <a:avLst/>
+          </a:prstGeom>
+          <a:noFill/>
+        </p:spPr>
+        <p:txBody>
+          <a:bodyPr wrap="square" rtlCol="0">
+            <a:spAutoFit/>
+          </a:bodyPr>
+          <a:lstStyle/>
+          <a:p>
+            <a:r>
+              <a:rPr lang="fr-FR" dirty="0">
+                <a:latin typeface="Segoe UI Semilight" panose="020B0402040204020203" pitchFamily="34" charset="0"/>
+                <a:cs typeface="Segoe UI Semilight" panose="020B0402040204020203" pitchFamily="34" charset="0"/>
+              </a:rPr>
+              <a:t>Récupération des informations issues des barres</a:t>
+            </a:r>
+          </a:p>
+        </p:txBody>
+      </p:sp>
+    </p:spTree>
+    <p:extLst>
+      <p:ext uri="{BB962C8B-B14F-4D97-AF65-F5344CB8AC3E}">
+        <p14:creationId xmlns:p14="http://schemas.microsoft.com/office/powerpoint/2010/main" val="3422536742"/>
+      </p:ext>
+    </p:extLst>
+  </p:cSld>
+  <p:clrMapOvr>
+    <a:masterClrMapping/>
+  </p:clrMapOvr>
+</p:sld>
+</file>
+
+<file path=ppt/slides/slide13.xml><?xml version="1.0" encoding="utf-8"?>
+<p:sld xmlns:a="http://schemas.openxmlformats.org/drawingml/2006/main" xmlns:r="http://schemas.openxmlformats.org/officeDocument/2006/relationships" xmlns:p="http://schemas.openxmlformats.org/presentationml/2006/main">
+  <p:cSld>
+    <p:spTree>
+      <p:nvGrpSpPr>
+        <p:cNvPr id="1" name=""/>
+        <p:cNvGrpSpPr/>
+        <p:nvPr/>
+      </p:nvGrpSpPr>
+      <p:grpSpPr>
+        <a:xfrm>
+          <a:off x="0" y="0"/>
+          <a:ext cx="0" cy="0"/>
+          <a:chOff x="0" y="0"/>
+          <a:chExt cx="0" cy="0"/>
+        </a:xfrm>
+      </p:grpSpPr>
+      <p:sp>
+        <p:nvSpPr>
+          <p:cNvPr id="2" name="Espace réservé du texte 1">
+            <a:extLst>
+              <a:ext uri="{FF2B5EF4-FFF2-40B4-BE49-F238E27FC236}">
+                <a16:creationId xmlns:a16="http://schemas.microsoft.com/office/drawing/2014/main" id="{B0CFA57A-0F3B-485B-B97E-1A143D4EE21D}"/>
+              </a:ext>
+            </a:extLst>
+          </p:cNvPr>
           <p:cNvSpPr>
             <a:spLocks noGrp="1"/>
           </p:cNvSpPr>
@@ -4365,13 +4962,22 @@
           <a:bodyPr/>
           <a:lstStyle/>
           <a:p>
-            <a:endParaRPr lang="fr-FR"/>
-          </a:p>
-        </p:txBody>
-      </p:sp>
-      <p:sp>
-        <p:nvSpPr>
-          <p:cNvPr id="6" name="Espace réservé du texte 5"/>
+            <a:r>
+              <a:rPr lang="fr-FR" dirty="0"/>
+              <a:t>Menus</a:t>
+            </a:r>
+          </a:p>
+        </p:txBody>
+      </p:sp>
+      <p:sp>
+        <p:nvSpPr>
+          <p:cNvPr id="3" name="Espace réservé du texte 2">
+            <a:extLst>
+              <a:ext uri="{FF2B5EF4-FFF2-40B4-BE49-F238E27FC236}">
+                <a16:creationId xmlns:a16="http://schemas.microsoft.com/office/drawing/2014/main" id="{73DA76C1-BA05-465F-9B63-C8E57CA3A75F}"/>
+              </a:ext>
+            </a:extLst>
+          </p:cNvPr>
           <p:cNvSpPr>
             <a:spLocks noGrp="1"/>
           </p:cNvSpPr>
@@ -4379,19 +4985,1027 @@
             <p:ph type="body" sz="quarter" idx="15"/>
           </p:nvPr>
         </p:nvSpPr>
-        <p:spPr/>
+        <p:spPr>
+          <a:xfrm>
+            <a:off x="3168606" y="2770738"/>
+            <a:ext cx="4406944" cy="1064662"/>
+          </a:xfrm>
+        </p:spPr>
         <p:txBody>
           <a:bodyPr/>
           <a:lstStyle/>
           <a:p>
-            <a:endParaRPr lang="fr-FR"/>
+            <a:r>
+              <a:rPr lang="fr-FR" dirty="0"/>
+              <a:t>Menu des options et barres de réglage</a:t>
+            </a:r>
           </a:p>
         </p:txBody>
       </p:sp>
     </p:spTree>
     <p:extLst>
       <p:ext uri="{BB962C8B-B14F-4D97-AF65-F5344CB8AC3E}">
-        <p14:creationId xmlns:p14="http://schemas.microsoft.com/office/powerpoint/2010/main" val="3298095456"/>
+        <p14:creationId xmlns:p14="http://schemas.microsoft.com/office/powerpoint/2010/main" val="2900019678"/>
+      </p:ext>
+    </p:extLst>
+  </p:cSld>
+  <p:clrMapOvr>
+    <a:masterClrMapping/>
+  </p:clrMapOvr>
+</p:sld>
+</file>
+
+<file path=ppt/slides/slide14.xml><?xml version="1.0" encoding="utf-8"?>
+<p:sld xmlns:a="http://schemas.openxmlformats.org/drawingml/2006/main" xmlns:r="http://schemas.openxmlformats.org/officeDocument/2006/relationships" xmlns:p="http://schemas.openxmlformats.org/presentationml/2006/main">
+  <p:cSld>
+    <p:spTree>
+      <p:nvGrpSpPr>
+        <p:cNvPr id="1" name=""/>
+        <p:cNvGrpSpPr/>
+        <p:nvPr/>
+      </p:nvGrpSpPr>
+      <p:grpSpPr>
+        <a:xfrm>
+          <a:off x="0" y="0"/>
+          <a:ext cx="0" cy="0"/>
+          <a:chOff x="0" y="0"/>
+          <a:chExt cx="0" cy="0"/>
+        </a:xfrm>
+      </p:grpSpPr>
+      <p:sp>
+        <p:nvSpPr>
+          <p:cNvPr id="2" name="Espace réservé du texte 1">
+            <a:extLst>
+              <a:ext uri="{FF2B5EF4-FFF2-40B4-BE49-F238E27FC236}">
+                <a16:creationId xmlns:a16="http://schemas.microsoft.com/office/drawing/2014/main" id="{592FF3E2-BEA2-48EF-904E-BA12E0A1A7DE}"/>
+              </a:ext>
+            </a:extLst>
+          </p:cNvPr>
+          <p:cNvSpPr>
+            <a:spLocks noGrp="1"/>
+          </p:cNvSpPr>
+          <p:nvPr>
+            <p:ph type="body" sz="quarter" idx="13"/>
+          </p:nvPr>
+        </p:nvSpPr>
+        <p:spPr>
+          <a:xfrm>
+            <a:off x="317421" y="358311"/>
+            <a:ext cx="3714829" cy="272821"/>
+          </a:xfrm>
+        </p:spPr>
+        <p:txBody>
+          <a:bodyPr>
+            <a:normAutofit/>
+          </a:bodyPr>
+          <a:lstStyle/>
+          <a:p>
+            <a:r>
+              <a:rPr lang="fr-FR" dirty="0"/>
+              <a:t>Menu des options et barres de réglage</a:t>
+            </a:r>
+          </a:p>
+        </p:txBody>
+      </p:sp>
+      <p:sp>
+        <p:nvSpPr>
+          <p:cNvPr id="3" name="Espace réservé du texte 2">
+            <a:extLst>
+              <a:ext uri="{FF2B5EF4-FFF2-40B4-BE49-F238E27FC236}">
+                <a16:creationId xmlns:a16="http://schemas.microsoft.com/office/drawing/2014/main" id="{87BC9DCC-E82B-49D5-9980-2FF7CDC00578}"/>
+              </a:ext>
+            </a:extLst>
+          </p:cNvPr>
+          <p:cNvSpPr>
+            <a:spLocks noGrp="1"/>
+          </p:cNvSpPr>
+          <p:nvPr>
+            <p:ph type="body" sz="quarter" idx="14"/>
+          </p:nvPr>
+        </p:nvSpPr>
+        <p:spPr/>
+        <p:txBody>
+          <a:bodyPr/>
+          <a:lstStyle/>
+          <a:p>
+            <a:r>
+              <a:rPr lang="fr-FR" dirty="0"/>
+              <a:t>Menus</a:t>
+            </a:r>
+          </a:p>
+        </p:txBody>
+      </p:sp>
+      <p:pic>
+        <p:nvPicPr>
+          <p:cNvPr id="5" name="Image 4">
+            <a:extLst>
+              <a:ext uri="{FF2B5EF4-FFF2-40B4-BE49-F238E27FC236}">
+                <a16:creationId xmlns:a16="http://schemas.microsoft.com/office/drawing/2014/main" id="{E98E8F67-C68F-4893-8C8F-A37CDB914C54}"/>
+              </a:ext>
+            </a:extLst>
+          </p:cNvPr>
+          <p:cNvPicPr>
+            <a:picLocks noChangeAspect="1"/>
+          </p:cNvPicPr>
+          <p:nvPr/>
+        </p:nvPicPr>
+        <p:blipFill>
+          <a:blip r:embed="rId2"/>
+          <a:stretch>
+            <a:fillRect/>
+          </a:stretch>
+        </p:blipFill>
+        <p:spPr>
+          <a:xfrm>
+            <a:off x="317421" y="1168400"/>
+            <a:ext cx="4425425" cy="3316310"/>
+          </a:xfrm>
+          <a:prstGeom prst="rect">
+            <a:avLst/>
+          </a:prstGeom>
+        </p:spPr>
+      </p:pic>
+      <p:sp>
+        <p:nvSpPr>
+          <p:cNvPr id="6" name="ZoneTexte 5">
+            <a:extLst>
+              <a:ext uri="{FF2B5EF4-FFF2-40B4-BE49-F238E27FC236}">
+                <a16:creationId xmlns:a16="http://schemas.microsoft.com/office/drawing/2014/main" id="{D8F7D0BA-BE62-4505-8065-6EA8579FBE5A}"/>
+              </a:ext>
+            </a:extLst>
+          </p:cNvPr>
+          <p:cNvSpPr txBox="1"/>
+          <p:nvPr/>
+        </p:nvSpPr>
+        <p:spPr>
+          <a:xfrm>
+            <a:off x="5332033" y="1531034"/>
+            <a:ext cx="3448050" cy="646331"/>
+          </a:xfrm>
+          <a:prstGeom prst="rect">
+            <a:avLst/>
+          </a:prstGeom>
+          <a:noFill/>
+        </p:spPr>
+        <p:txBody>
+          <a:bodyPr wrap="square" rtlCol="0">
+            <a:spAutoFit/>
+          </a:bodyPr>
+          <a:lstStyle/>
+          <a:p>
+            <a:r>
+              <a:rPr lang="fr-FR" dirty="0">
+                <a:latin typeface="Segoe UI Semilight" panose="020B0402040204020203" pitchFamily="34" charset="0"/>
+                <a:cs typeface="Segoe UI Semilight" panose="020B0402040204020203" pitchFamily="34" charset="0"/>
+              </a:rPr>
+              <a:t>Actualisation automatique de la taille des ennemis et du vaisseau</a:t>
+            </a:r>
+          </a:p>
+        </p:txBody>
+      </p:sp>
+      <p:sp>
+        <p:nvSpPr>
+          <p:cNvPr id="7" name="Arc 6">
+            <a:extLst>
+              <a:ext uri="{FF2B5EF4-FFF2-40B4-BE49-F238E27FC236}">
+                <a16:creationId xmlns:a16="http://schemas.microsoft.com/office/drawing/2014/main" id="{81C788E2-5121-48BC-91B2-FEAC8B08DCD3}"/>
+              </a:ext>
+            </a:extLst>
+          </p:cNvPr>
+          <p:cNvSpPr/>
+          <p:nvPr/>
+        </p:nvSpPr>
+        <p:spPr>
+          <a:xfrm>
+            <a:off x="4694617" y="1377950"/>
+            <a:ext cx="216504" cy="990600"/>
+          </a:xfrm>
+          <a:prstGeom prst="arc">
+            <a:avLst>
+              <a:gd name="adj1" fmla="val 16200000"/>
+              <a:gd name="adj2" fmla="val 5252065"/>
+            </a:avLst>
+          </a:prstGeom>
+        </p:spPr>
+        <p:style>
+          <a:lnRef idx="2">
+            <a:schemeClr val="accent1"/>
+          </a:lnRef>
+          <a:fillRef idx="0">
+            <a:schemeClr val="accent1"/>
+          </a:fillRef>
+          <a:effectRef idx="1">
+            <a:schemeClr val="accent1"/>
+          </a:effectRef>
+          <a:fontRef idx="minor">
+            <a:schemeClr val="tx1"/>
+          </a:fontRef>
+        </p:style>
+        <p:txBody>
+          <a:bodyPr rtlCol="0" anchor="ctr"/>
+          <a:lstStyle/>
+          <a:p>
+            <a:pPr algn="ctr"/>
+            <a:endParaRPr lang="fr-FR"/>
+          </a:p>
+        </p:txBody>
+      </p:sp>
+      <p:sp>
+        <p:nvSpPr>
+          <p:cNvPr id="8" name="Flèche : droite 7">
+            <a:extLst>
+              <a:ext uri="{FF2B5EF4-FFF2-40B4-BE49-F238E27FC236}">
+                <a16:creationId xmlns:a16="http://schemas.microsoft.com/office/drawing/2014/main" id="{E7633119-F7D4-4628-9197-59BEA784FCFB}"/>
+              </a:ext>
+            </a:extLst>
+          </p:cNvPr>
+          <p:cNvSpPr/>
+          <p:nvPr/>
+        </p:nvSpPr>
+        <p:spPr>
+          <a:xfrm>
+            <a:off x="4972050" y="1682750"/>
+            <a:ext cx="285750" cy="342900"/>
+          </a:xfrm>
+          <a:prstGeom prst="rightArrow">
+            <a:avLst/>
+          </a:prstGeom>
+        </p:spPr>
+        <p:style>
+          <a:lnRef idx="1">
+            <a:schemeClr val="accent1"/>
+          </a:lnRef>
+          <a:fillRef idx="3">
+            <a:schemeClr val="accent1"/>
+          </a:fillRef>
+          <a:effectRef idx="2">
+            <a:schemeClr val="accent1"/>
+          </a:effectRef>
+          <a:fontRef idx="minor">
+            <a:schemeClr val="lt1"/>
+          </a:fontRef>
+        </p:style>
+        <p:txBody>
+          <a:bodyPr rtlCol="0" anchor="ctr"/>
+          <a:lstStyle/>
+          <a:p>
+            <a:pPr algn="ctr"/>
+            <a:endParaRPr lang="fr-FR"/>
+          </a:p>
+        </p:txBody>
+      </p:sp>
+      <p:sp>
+        <p:nvSpPr>
+          <p:cNvPr id="9" name="Arc 8">
+            <a:extLst>
+              <a:ext uri="{FF2B5EF4-FFF2-40B4-BE49-F238E27FC236}">
+                <a16:creationId xmlns:a16="http://schemas.microsoft.com/office/drawing/2014/main" id="{CE871637-BF16-4B7A-BF28-E94AC75030AA}"/>
+              </a:ext>
+            </a:extLst>
+          </p:cNvPr>
+          <p:cNvSpPr/>
+          <p:nvPr/>
+        </p:nvSpPr>
+        <p:spPr>
+          <a:xfrm>
+            <a:off x="4694617" y="2429568"/>
+            <a:ext cx="216504" cy="1374082"/>
+          </a:xfrm>
+          <a:prstGeom prst="arc">
+            <a:avLst>
+              <a:gd name="adj1" fmla="val 16200000"/>
+              <a:gd name="adj2" fmla="val 5252065"/>
+            </a:avLst>
+          </a:prstGeom>
+        </p:spPr>
+        <p:style>
+          <a:lnRef idx="2">
+            <a:schemeClr val="accent1"/>
+          </a:lnRef>
+          <a:fillRef idx="0">
+            <a:schemeClr val="accent1"/>
+          </a:fillRef>
+          <a:effectRef idx="1">
+            <a:schemeClr val="accent1"/>
+          </a:effectRef>
+          <a:fontRef idx="minor">
+            <a:schemeClr val="tx1"/>
+          </a:fontRef>
+        </p:style>
+        <p:txBody>
+          <a:bodyPr rtlCol="0" anchor="ctr"/>
+          <a:lstStyle/>
+          <a:p>
+            <a:pPr algn="ctr"/>
+            <a:endParaRPr lang="fr-FR"/>
+          </a:p>
+        </p:txBody>
+      </p:sp>
+      <p:sp>
+        <p:nvSpPr>
+          <p:cNvPr id="10" name="Flèche : droite 9">
+            <a:extLst>
+              <a:ext uri="{FF2B5EF4-FFF2-40B4-BE49-F238E27FC236}">
+                <a16:creationId xmlns:a16="http://schemas.microsoft.com/office/drawing/2014/main" id="{535FFAE8-9FEB-44CC-8655-66D2536236BE}"/>
+              </a:ext>
+            </a:extLst>
+          </p:cNvPr>
+          <p:cNvSpPr/>
+          <p:nvPr/>
+        </p:nvSpPr>
+        <p:spPr>
+          <a:xfrm>
+            <a:off x="4972050" y="2734368"/>
+            <a:ext cx="285750" cy="342900"/>
+          </a:xfrm>
+          <a:prstGeom prst="rightArrow">
+            <a:avLst/>
+          </a:prstGeom>
+        </p:spPr>
+        <p:style>
+          <a:lnRef idx="1">
+            <a:schemeClr val="accent1"/>
+          </a:lnRef>
+          <a:fillRef idx="3">
+            <a:schemeClr val="accent1"/>
+          </a:fillRef>
+          <a:effectRef idx="2">
+            <a:schemeClr val="accent1"/>
+          </a:effectRef>
+          <a:fontRef idx="minor">
+            <a:schemeClr val="lt1"/>
+          </a:fontRef>
+        </p:style>
+        <p:txBody>
+          <a:bodyPr rtlCol="0" anchor="ctr"/>
+          <a:lstStyle/>
+          <a:p>
+            <a:pPr algn="ctr"/>
+            <a:endParaRPr lang="fr-FR"/>
+          </a:p>
+        </p:txBody>
+      </p:sp>
+      <p:sp>
+        <p:nvSpPr>
+          <p:cNvPr id="11" name="ZoneTexte 10">
+            <a:extLst>
+              <a:ext uri="{FF2B5EF4-FFF2-40B4-BE49-F238E27FC236}">
+                <a16:creationId xmlns:a16="http://schemas.microsoft.com/office/drawing/2014/main" id="{B1EA9BC4-89DF-4570-9C2A-D105B22461AE}"/>
+              </a:ext>
+            </a:extLst>
+          </p:cNvPr>
+          <p:cNvSpPr txBox="1"/>
+          <p:nvPr/>
+        </p:nvSpPr>
+        <p:spPr>
+          <a:xfrm>
+            <a:off x="5454650" y="2429568"/>
+            <a:ext cx="3325433" cy="923330"/>
+          </a:xfrm>
+          <a:prstGeom prst="rect">
+            <a:avLst/>
+          </a:prstGeom>
+          <a:noFill/>
+        </p:spPr>
+        <p:txBody>
+          <a:bodyPr wrap="square" rtlCol="0">
+            <a:spAutoFit/>
+          </a:bodyPr>
+          <a:lstStyle/>
+          <a:p>
+            <a:r>
+              <a:rPr lang="fr-FR" dirty="0">
+                <a:latin typeface="Segoe UI Semilight" panose="020B0402040204020203" pitchFamily="34" charset="0"/>
+                <a:cs typeface="Segoe UI Semilight" panose="020B0402040204020203" pitchFamily="34" charset="0"/>
+              </a:rPr>
+              <a:t>Réglage des vitesses, du volume et de la chance d’apparition des ennemis</a:t>
+            </a:r>
+          </a:p>
+        </p:txBody>
+      </p:sp>
+    </p:spTree>
+    <p:extLst>
+      <p:ext uri="{BB962C8B-B14F-4D97-AF65-F5344CB8AC3E}">
+        <p14:creationId xmlns:p14="http://schemas.microsoft.com/office/powerpoint/2010/main" val="79871001"/>
+      </p:ext>
+    </p:extLst>
+  </p:cSld>
+  <p:clrMapOvr>
+    <a:masterClrMapping/>
+  </p:clrMapOvr>
+</p:sld>
+</file>
+
+<file path=ppt/slides/slide15.xml><?xml version="1.0" encoding="utf-8"?>
+<p:sld xmlns:a="http://schemas.openxmlformats.org/drawingml/2006/main" xmlns:r="http://schemas.openxmlformats.org/officeDocument/2006/relationships" xmlns:p="http://schemas.openxmlformats.org/presentationml/2006/main">
+  <p:cSld>
+    <p:spTree>
+      <p:nvGrpSpPr>
+        <p:cNvPr id="1" name=""/>
+        <p:cNvGrpSpPr/>
+        <p:nvPr/>
+      </p:nvGrpSpPr>
+      <p:grpSpPr>
+        <a:xfrm>
+          <a:off x="0" y="0"/>
+          <a:ext cx="0" cy="0"/>
+          <a:chOff x="0" y="0"/>
+          <a:chExt cx="0" cy="0"/>
+        </a:xfrm>
+      </p:grpSpPr>
+      <p:sp>
+        <p:nvSpPr>
+          <p:cNvPr id="2" name="Espace réservé du texte 1">
+            <a:extLst>
+              <a:ext uri="{FF2B5EF4-FFF2-40B4-BE49-F238E27FC236}">
+                <a16:creationId xmlns:a16="http://schemas.microsoft.com/office/drawing/2014/main" id="{BC675E1C-12D2-4045-823D-89B92FB90760}"/>
+              </a:ext>
+            </a:extLst>
+          </p:cNvPr>
+          <p:cNvSpPr>
+            <a:spLocks noGrp="1"/>
+          </p:cNvSpPr>
+          <p:nvPr>
+            <p:ph type="body" sz="quarter" idx="14"/>
+          </p:nvPr>
+        </p:nvSpPr>
+        <p:spPr/>
+        <p:txBody>
+          <a:bodyPr/>
+          <a:lstStyle/>
+          <a:p>
+            <a:r>
+              <a:rPr lang="fr-FR" dirty="0"/>
+              <a:t>Sons</a:t>
+            </a:r>
+          </a:p>
+        </p:txBody>
+      </p:sp>
+      <p:sp>
+        <p:nvSpPr>
+          <p:cNvPr id="3" name="Espace réservé du texte 2">
+            <a:extLst>
+              <a:ext uri="{FF2B5EF4-FFF2-40B4-BE49-F238E27FC236}">
+                <a16:creationId xmlns:a16="http://schemas.microsoft.com/office/drawing/2014/main" id="{674CC750-301A-47EE-A88A-625443A8AC50}"/>
+              </a:ext>
+            </a:extLst>
+          </p:cNvPr>
+          <p:cNvSpPr>
+            <a:spLocks noGrp="1"/>
+          </p:cNvSpPr>
+          <p:nvPr>
+            <p:ph type="body" sz="quarter" idx="15"/>
+          </p:nvPr>
+        </p:nvSpPr>
+        <p:spPr/>
+        <p:txBody>
+          <a:bodyPr/>
+          <a:lstStyle/>
+          <a:p>
+            <a:r>
+              <a:rPr lang="fr-FR" dirty="0"/>
+              <a:t>Mise en place du son</a:t>
+            </a:r>
+          </a:p>
+        </p:txBody>
+      </p:sp>
+    </p:spTree>
+    <p:extLst>
+      <p:ext uri="{BB962C8B-B14F-4D97-AF65-F5344CB8AC3E}">
+        <p14:creationId xmlns:p14="http://schemas.microsoft.com/office/powerpoint/2010/main" val="3413748671"/>
+      </p:ext>
+    </p:extLst>
+  </p:cSld>
+  <p:clrMapOvr>
+    <a:masterClrMapping/>
+  </p:clrMapOvr>
+</p:sld>
+</file>
+
+<file path=ppt/slides/slide16.xml><?xml version="1.0" encoding="utf-8"?>
+<p:sld xmlns:a="http://schemas.openxmlformats.org/drawingml/2006/main" xmlns:r="http://schemas.openxmlformats.org/officeDocument/2006/relationships" xmlns:p="http://schemas.openxmlformats.org/presentationml/2006/main">
+  <p:cSld>
+    <p:spTree>
+      <p:nvGrpSpPr>
+        <p:cNvPr id="1" name=""/>
+        <p:cNvGrpSpPr/>
+        <p:nvPr/>
+      </p:nvGrpSpPr>
+      <p:grpSpPr>
+        <a:xfrm>
+          <a:off x="0" y="0"/>
+          <a:ext cx="0" cy="0"/>
+          <a:chOff x="0" y="0"/>
+          <a:chExt cx="0" cy="0"/>
+        </a:xfrm>
+      </p:grpSpPr>
+      <p:sp>
+        <p:nvSpPr>
+          <p:cNvPr id="2" name="Titre 1">
+            <a:extLst>
+              <a:ext uri="{FF2B5EF4-FFF2-40B4-BE49-F238E27FC236}">
+                <a16:creationId xmlns:a16="http://schemas.microsoft.com/office/drawing/2014/main" id="{2DF97D45-6AE9-47CC-A197-A12C0CDD411C}"/>
+              </a:ext>
+            </a:extLst>
+          </p:cNvPr>
+          <p:cNvSpPr>
+            <a:spLocks noGrp="1"/>
+          </p:cNvSpPr>
+          <p:nvPr>
+            <p:ph type="title"/>
+          </p:nvPr>
+        </p:nvSpPr>
+        <p:spPr/>
+        <p:txBody>
+          <a:bodyPr/>
+          <a:lstStyle/>
+          <a:p>
+            <a:r>
+              <a:rPr lang="fr-FR" dirty="0"/>
+              <a:t>Sons</a:t>
+            </a:r>
+          </a:p>
+        </p:txBody>
+      </p:sp>
+      <p:pic>
+        <p:nvPicPr>
+          <p:cNvPr id="6" name="Espace réservé du contenu 5">
+            <a:extLst>
+              <a:ext uri="{FF2B5EF4-FFF2-40B4-BE49-F238E27FC236}">
+                <a16:creationId xmlns:a16="http://schemas.microsoft.com/office/drawing/2014/main" id="{65ABD27D-2D49-4145-A64F-D6705D828B8C}"/>
+              </a:ext>
+            </a:extLst>
+          </p:cNvPr>
+          <p:cNvPicPr>
+            <a:picLocks noGrp="1" noChangeAspect="1"/>
+          </p:cNvPicPr>
+          <p:nvPr>
+            <p:ph idx="1"/>
+          </p:nvPr>
+        </p:nvPicPr>
+        <p:blipFill>
+          <a:blip r:embed="rId2"/>
+          <a:stretch>
+            <a:fillRect/>
+          </a:stretch>
+        </p:blipFill>
+        <p:spPr>
+          <a:xfrm>
+            <a:off x="480600" y="1118924"/>
+            <a:ext cx="1781424" cy="171474"/>
+          </a:xfrm>
+        </p:spPr>
+      </p:pic>
+      <p:sp>
+        <p:nvSpPr>
+          <p:cNvPr id="4" name="Espace réservé du texte 3">
+            <a:extLst>
+              <a:ext uri="{FF2B5EF4-FFF2-40B4-BE49-F238E27FC236}">
+                <a16:creationId xmlns:a16="http://schemas.microsoft.com/office/drawing/2014/main" id="{2AFBD6B0-566E-43AB-BF83-05FB4049BE83}"/>
+              </a:ext>
+            </a:extLst>
+          </p:cNvPr>
+          <p:cNvSpPr>
+            <a:spLocks noGrp="1"/>
+          </p:cNvSpPr>
+          <p:nvPr>
+            <p:ph type="body" sz="quarter" idx="13"/>
+          </p:nvPr>
+        </p:nvSpPr>
+        <p:spPr/>
+        <p:txBody>
+          <a:bodyPr/>
+          <a:lstStyle/>
+          <a:p>
+            <a:r>
+              <a:rPr lang="fr-FR" dirty="0"/>
+              <a:t>Mise en place de son</a:t>
+            </a:r>
+          </a:p>
+        </p:txBody>
+      </p:sp>
+      <p:pic>
+        <p:nvPicPr>
+          <p:cNvPr id="8" name="Image 7">
+            <a:extLst>
+              <a:ext uri="{FF2B5EF4-FFF2-40B4-BE49-F238E27FC236}">
+                <a16:creationId xmlns:a16="http://schemas.microsoft.com/office/drawing/2014/main" id="{96CFE3A1-485D-43FC-9C1F-AE9A51CE7543}"/>
+              </a:ext>
+            </a:extLst>
+          </p:cNvPr>
+          <p:cNvPicPr>
+            <a:picLocks noChangeAspect="1"/>
+          </p:cNvPicPr>
+          <p:nvPr/>
+        </p:nvPicPr>
+        <p:blipFill>
+          <a:blip r:embed="rId3"/>
+          <a:stretch>
+            <a:fillRect/>
+          </a:stretch>
+        </p:blipFill>
+        <p:spPr>
+          <a:xfrm>
+            <a:off x="480600" y="1508967"/>
+            <a:ext cx="1295581" cy="295316"/>
+          </a:xfrm>
+          <a:prstGeom prst="rect">
+            <a:avLst/>
+          </a:prstGeom>
+        </p:spPr>
+      </p:pic>
+      <p:pic>
+        <p:nvPicPr>
+          <p:cNvPr id="10" name="Image 9">
+            <a:extLst>
+              <a:ext uri="{FF2B5EF4-FFF2-40B4-BE49-F238E27FC236}">
+                <a16:creationId xmlns:a16="http://schemas.microsoft.com/office/drawing/2014/main" id="{8474FA70-2D57-4E58-8606-AA7A2C6B1AEE}"/>
+              </a:ext>
+            </a:extLst>
+          </p:cNvPr>
+          <p:cNvPicPr>
+            <a:picLocks noChangeAspect="1"/>
+          </p:cNvPicPr>
+          <p:nvPr/>
+        </p:nvPicPr>
+        <p:blipFill>
+          <a:blip r:embed="rId4"/>
+          <a:stretch>
+            <a:fillRect/>
+          </a:stretch>
+        </p:blipFill>
+        <p:spPr>
+          <a:xfrm>
+            <a:off x="428205" y="2133539"/>
+            <a:ext cx="3667637" cy="876422"/>
+          </a:xfrm>
+          <a:prstGeom prst="rect">
+            <a:avLst/>
+          </a:prstGeom>
+        </p:spPr>
+      </p:pic>
+      <p:pic>
+        <p:nvPicPr>
+          <p:cNvPr id="12" name="Image 11">
+            <a:extLst>
+              <a:ext uri="{FF2B5EF4-FFF2-40B4-BE49-F238E27FC236}">
+                <a16:creationId xmlns:a16="http://schemas.microsoft.com/office/drawing/2014/main" id="{3904A7AA-0DAB-40CD-A939-CD7F845A8388}"/>
+              </a:ext>
+            </a:extLst>
+          </p:cNvPr>
+          <p:cNvPicPr>
+            <a:picLocks noChangeAspect="1"/>
+          </p:cNvPicPr>
+          <p:nvPr/>
+        </p:nvPicPr>
+        <p:blipFill>
+          <a:blip r:embed="rId5"/>
+          <a:stretch>
+            <a:fillRect/>
+          </a:stretch>
+        </p:blipFill>
+        <p:spPr>
+          <a:xfrm>
+            <a:off x="428205" y="3223038"/>
+            <a:ext cx="4296375" cy="819264"/>
+          </a:xfrm>
+          <a:prstGeom prst="rect">
+            <a:avLst/>
+          </a:prstGeom>
+        </p:spPr>
+      </p:pic>
+      <p:sp>
+        <p:nvSpPr>
+          <p:cNvPr id="13" name="Flèche : droite 12">
+            <a:extLst>
+              <a:ext uri="{FF2B5EF4-FFF2-40B4-BE49-F238E27FC236}">
+                <a16:creationId xmlns:a16="http://schemas.microsoft.com/office/drawing/2014/main" id="{8D7318B1-C419-417C-A385-BFA399644045}"/>
+              </a:ext>
+            </a:extLst>
+          </p:cNvPr>
+          <p:cNvSpPr/>
+          <p:nvPr/>
+        </p:nvSpPr>
+        <p:spPr>
+          <a:xfrm>
+            <a:off x="2654300" y="1118924"/>
+            <a:ext cx="1441542" cy="125676"/>
+          </a:xfrm>
+          <a:prstGeom prst="rightArrow">
+            <a:avLst/>
+          </a:prstGeom>
+        </p:spPr>
+        <p:style>
+          <a:lnRef idx="1">
+            <a:schemeClr val="accent1"/>
+          </a:lnRef>
+          <a:fillRef idx="3">
+            <a:schemeClr val="accent1"/>
+          </a:fillRef>
+          <a:effectRef idx="2">
+            <a:schemeClr val="accent1"/>
+          </a:effectRef>
+          <a:fontRef idx="minor">
+            <a:schemeClr val="lt1"/>
+          </a:fontRef>
+        </p:style>
+        <p:txBody>
+          <a:bodyPr rtlCol="0" anchor="ctr"/>
+          <a:lstStyle/>
+          <a:p>
+            <a:pPr algn="ctr"/>
+            <a:endParaRPr lang="fr-FR"/>
+          </a:p>
+        </p:txBody>
+      </p:sp>
+      <p:sp>
+        <p:nvSpPr>
+          <p:cNvPr id="14" name="ZoneTexte 13">
+            <a:extLst>
+              <a:ext uri="{FF2B5EF4-FFF2-40B4-BE49-F238E27FC236}">
+                <a16:creationId xmlns:a16="http://schemas.microsoft.com/office/drawing/2014/main" id="{C459F848-B313-4D1B-A472-588F4230CDDD}"/>
+              </a:ext>
+            </a:extLst>
+          </p:cNvPr>
+          <p:cNvSpPr txBox="1"/>
+          <p:nvPr/>
+        </p:nvSpPr>
+        <p:spPr>
+          <a:xfrm>
+            <a:off x="4572000" y="997096"/>
+            <a:ext cx="3981450" cy="369332"/>
+          </a:xfrm>
+          <a:prstGeom prst="rect">
+            <a:avLst/>
+          </a:prstGeom>
+          <a:noFill/>
+        </p:spPr>
+        <p:txBody>
+          <a:bodyPr wrap="square" rtlCol="0">
+            <a:spAutoFit/>
+          </a:bodyPr>
+          <a:lstStyle/>
+          <a:p>
+            <a:r>
+              <a:rPr lang="fr-FR" dirty="0">
+                <a:latin typeface="Segoe UI Semilight" panose="020B0402040204020203" pitchFamily="34" charset="0"/>
+                <a:cs typeface="Segoe UI Semilight" panose="020B0402040204020203" pitchFamily="34" charset="0"/>
+              </a:rPr>
+              <a:t>Importation de la librairie</a:t>
+            </a:r>
+          </a:p>
+        </p:txBody>
+      </p:sp>
+      <p:sp>
+        <p:nvSpPr>
+          <p:cNvPr id="15" name="Flèche : droite 14">
+            <a:extLst>
+              <a:ext uri="{FF2B5EF4-FFF2-40B4-BE49-F238E27FC236}">
+                <a16:creationId xmlns:a16="http://schemas.microsoft.com/office/drawing/2014/main" id="{80005B76-0783-4CB1-9C59-128A7ACFC2A4}"/>
+              </a:ext>
+            </a:extLst>
+          </p:cNvPr>
+          <p:cNvSpPr/>
+          <p:nvPr/>
+        </p:nvSpPr>
+        <p:spPr>
+          <a:xfrm>
+            <a:off x="2262024" y="1581150"/>
+            <a:ext cx="1833818" cy="125676"/>
+          </a:xfrm>
+          <a:prstGeom prst="rightArrow">
+            <a:avLst/>
+          </a:prstGeom>
+        </p:spPr>
+        <p:style>
+          <a:lnRef idx="1">
+            <a:schemeClr val="accent1"/>
+          </a:lnRef>
+          <a:fillRef idx="3">
+            <a:schemeClr val="accent1"/>
+          </a:fillRef>
+          <a:effectRef idx="2">
+            <a:schemeClr val="accent1"/>
+          </a:effectRef>
+          <a:fontRef idx="minor">
+            <a:schemeClr val="lt1"/>
+          </a:fontRef>
+        </p:style>
+        <p:txBody>
+          <a:bodyPr rtlCol="0" anchor="ctr"/>
+          <a:lstStyle/>
+          <a:p>
+            <a:pPr algn="ctr"/>
+            <a:endParaRPr lang="fr-FR"/>
+          </a:p>
+        </p:txBody>
+      </p:sp>
+      <p:sp>
+        <p:nvSpPr>
+          <p:cNvPr id="16" name="ZoneTexte 15">
+            <a:extLst>
+              <a:ext uri="{FF2B5EF4-FFF2-40B4-BE49-F238E27FC236}">
+                <a16:creationId xmlns:a16="http://schemas.microsoft.com/office/drawing/2014/main" id="{339F9012-0CEA-4598-94DB-E832C00F3DCD}"/>
+              </a:ext>
+            </a:extLst>
+          </p:cNvPr>
+          <p:cNvSpPr txBox="1"/>
+          <p:nvPr/>
+        </p:nvSpPr>
+        <p:spPr>
+          <a:xfrm>
+            <a:off x="4581685" y="1394839"/>
+            <a:ext cx="2749550" cy="369332"/>
+          </a:xfrm>
+          <a:prstGeom prst="rect">
+            <a:avLst/>
+          </a:prstGeom>
+          <a:noFill/>
+        </p:spPr>
+        <p:txBody>
+          <a:bodyPr wrap="square" rtlCol="0">
+            <a:spAutoFit/>
+          </a:bodyPr>
+          <a:lstStyle/>
+          <a:p>
+            <a:r>
+              <a:rPr lang="fr-FR" dirty="0">
+                <a:latin typeface="Segoe UI Semilight" panose="020B0402040204020203" pitchFamily="34" charset="0"/>
+                <a:cs typeface="Segoe UI Semilight" panose="020B0402040204020203" pitchFamily="34" charset="0"/>
+              </a:rPr>
+              <a:t>Déclaration des variables</a:t>
+            </a:r>
+          </a:p>
+        </p:txBody>
+      </p:sp>
+      <p:sp>
+        <p:nvSpPr>
+          <p:cNvPr id="17" name="Flèche : droite 16">
+            <a:extLst>
+              <a:ext uri="{FF2B5EF4-FFF2-40B4-BE49-F238E27FC236}">
+                <a16:creationId xmlns:a16="http://schemas.microsoft.com/office/drawing/2014/main" id="{F35D71D7-8616-4B21-A7A3-9DBB6A0A0DB9}"/>
+              </a:ext>
+            </a:extLst>
+          </p:cNvPr>
+          <p:cNvSpPr/>
+          <p:nvPr/>
+        </p:nvSpPr>
+        <p:spPr>
+          <a:xfrm>
+            <a:off x="4400550" y="2432050"/>
+            <a:ext cx="577850" cy="369332"/>
+          </a:xfrm>
+          <a:prstGeom prst="rightArrow">
+            <a:avLst/>
+          </a:prstGeom>
+        </p:spPr>
+        <p:style>
+          <a:lnRef idx="1">
+            <a:schemeClr val="accent1"/>
+          </a:lnRef>
+          <a:fillRef idx="3">
+            <a:schemeClr val="accent1"/>
+          </a:fillRef>
+          <a:effectRef idx="2">
+            <a:schemeClr val="accent1"/>
+          </a:effectRef>
+          <a:fontRef idx="minor">
+            <a:schemeClr val="lt1"/>
+          </a:fontRef>
+        </p:style>
+        <p:txBody>
+          <a:bodyPr rtlCol="0" anchor="ctr"/>
+          <a:lstStyle/>
+          <a:p>
+            <a:pPr algn="ctr"/>
+            <a:endParaRPr lang="fr-FR"/>
+          </a:p>
+        </p:txBody>
+      </p:sp>
+      <p:sp>
+        <p:nvSpPr>
+          <p:cNvPr id="18" name="ZoneTexte 17">
+            <a:extLst>
+              <a:ext uri="{FF2B5EF4-FFF2-40B4-BE49-F238E27FC236}">
+                <a16:creationId xmlns:a16="http://schemas.microsoft.com/office/drawing/2014/main" id="{946AE6A7-B708-4286-A32A-D71A9FE0284C}"/>
+              </a:ext>
+            </a:extLst>
+          </p:cNvPr>
+          <p:cNvSpPr txBox="1"/>
+          <p:nvPr/>
+        </p:nvSpPr>
+        <p:spPr>
+          <a:xfrm>
+            <a:off x="5283108" y="2293550"/>
+            <a:ext cx="3200492" cy="646331"/>
+          </a:xfrm>
+          <a:prstGeom prst="rect">
+            <a:avLst/>
+          </a:prstGeom>
+          <a:noFill/>
+        </p:spPr>
+        <p:txBody>
+          <a:bodyPr wrap="square" rtlCol="0">
+            <a:spAutoFit/>
+          </a:bodyPr>
+          <a:lstStyle/>
+          <a:p>
+            <a:r>
+              <a:rPr lang="fr-FR" dirty="0">
+                <a:latin typeface="Segoe UI Semilight" panose="020B0402040204020203" pitchFamily="34" charset="0"/>
+                <a:cs typeface="Segoe UI Semilight" panose="020B0402040204020203" pitchFamily="34" charset="0"/>
+              </a:rPr>
+              <a:t>Chargement des fichiers audio et réglage du son par défaut</a:t>
+            </a:r>
+          </a:p>
+        </p:txBody>
+      </p:sp>
+      <p:sp>
+        <p:nvSpPr>
+          <p:cNvPr id="19" name="Flèche : droite 18">
+            <a:extLst>
+              <a:ext uri="{FF2B5EF4-FFF2-40B4-BE49-F238E27FC236}">
+                <a16:creationId xmlns:a16="http://schemas.microsoft.com/office/drawing/2014/main" id="{3A606105-CEF3-4587-ABCA-5CE5748179A6}"/>
+              </a:ext>
+            </a:extLst>
+          </p:cNvPr>
+          <p:cNvSpPr/>
+          <p:nvPr/>
+        </p:nvSpPr>
+        <p:spPr>
+          <a:xfrm>
+            <a:off x="4927600" y="3536950"/>
+            <a:ext cx="520700" cy="369332"/>
+          </a:xfrm>
+          <a:prstGeom prst="rightArrow">
+            <a:avLst/>
+          </a:prstGeom>
+        </p:spPr>
+        <p:style>
+          <a:lnRef idx="1">
+            <a:schemeClr val="accent1"/>
+          </a:lnRef>
+          <a:fillRef idx="3">
+            <a:schemeClr val="accent1"/>
+          </a:fillRef>
+          <a:effectRef idx="2">
+            <a:schemeClr val="accent1"/>
+          </a:effectRef>
+          <a:fontRef idx="minor">
+            <a:schemeClr val="lt1"/>
+          </a:fontRef>
+        </p:style>
+        <p:txBody>
+          <a:bodyPr rtlCol="0" anchor="ctr"/>
+          <a:lstStyle/>
+          <a:p>
+            <a:pPr algn="ctr"/>
+            <a:endParaRPr lang="fr-FR"/>
+          </a:p>
+        </p:txBody>
+      </p:sp>
+      <p:sp>
+        <p:nvSpPr>
+          <p:cNvPr id="20" name="ZoneTexte 19">
+            <a:extLst>
+              <a:ext uri="{FF2B5EF4-FFF2-40B4-BE49-F238E27FC236}">
+                <a16:creationId xmlns:a16="http://schemas.microsoft.com/office/drawing/2014/main" id="{97A00670-B702-4282-9547-CEAB95AD90DA}"/>
+              </a:ext>
+            </a:extLst>
+          </p:cNvPr>
+          <p:cNvSpPr txBox="1"/>
+          <p:nvPr/>
+        </p:nvSpPr>
+        <p:spPr>
+          <a:xfrm>
+            <a:off x="5575300" y="3309504"/>
+            <a:ext cx="3200492" cy="646331"/>
+          </a:xfrm>
+          <a:prstGeom prst="rect">
+            <a:avLst/>
+          </a:prstGeom>
+          <a:noFill/>
+        </p:spPr>
+        <p:txBody>
+          <a:bodyPr wrap="square" rtlCol="0">
+            <a:spAutoFit/>
+          </a:bodyPr>
+          <a:lstStyle/>
+          <a:p>
+            <a:r>
+              <a:rPr lang="fr-FR" dirty="0">
+                <a:latin typeface="Segoe UI Semilight" panose="020B0402040204020203" pitchFamily="34" charset="0"/>
+                <a:cs typeface="Segoe UI Semilight" panose="020B0402040204020203" pitchFamily="34" charset="0"/>
+              </a:rPr>
+              <a:t>Récupération du réglage des options pour régler le son</a:t>
+            </a:r>
+          </a:p>
+        </p:txBody>
+      </p:sp>
+    </p:spTree>
+    <p:extLst>
+      <p:ext uri="{BB962C8B-B14F-4D97-AF65-F5344CB8AC3E}">
+        <p14:creationId xmlns:p14="http://schemas.microsoft.com/office/powerpoint/2010/main" val="1882800158"/>
       </p:ext>
     </p:extLst>
   </p:cSld>
@@ -6038,8 +7652,8 @@
           </p:sp>
         </mc:Fallback>
       </mc:AlternateContent>
-      <mc:AlternateContent xmlns:mc="http://schemas.openxmlformats.org/markup-compatibility/2006">
-        <mc:Choice xmlns:a14="http://schemas.microsoft.com/office/drawing/2010/main" Requires="a14">
+      <mc:AlternateContent xmlns:mc="http://schemas.openxmlformats.org/markup-compatibility/2006" xmlns:a14="http://schemas.microsoft.com/office/drawing/2010/main">
+        <mc:Choice Requires="a14">
           <p:sp>
             <p:nvSpPr>
               <p:cNvPr id="10" name="ZoneTexte 9">
@@ -6249,17 +7863,7 @@
                             <a:latin typeface="Cambria Math" panose="02040503050406030204" pitchFamily="18" charset="0"/>
                             <a:cs typeface="Segoe UI Semilight" panose="020B0402040204020203" pitchFamily="34" charset="0"/>
                           </a:rPr>
-                          <m:t>𝐴𝐵</m:t>
-                        </m:r>
-                        <m:r>
-                          <a:rPr lang="fr-FR" b="0" i="1" smtClean="0">
-                            <a:solidFill>
-                              <a:srgbClr val="FF0000"/>
-                            </a:solidFill>
-                            <a:latin typeface="Cambria Math" panose="02040503050406030204" pitchFamily="18" charset="0"/>
-                            <a:cs typeface="Segoe UI Semilight" panose="020B0402040204020203" pitchFamily="34" charset="0"/>
-                          </a:rPr>
-                          <m:t>𝐷</m:t>
+                          <m:t>𝐴𝐵𝐷</m:t>
                         </m:r>
                       </m:e>
                     </m:d>
@@ -6427,7 +8031,7 @@
             </p:txBody>
           </p:sp>
         </mc:Choice>
-        <mc:Fallback>
+        <mc:Fallback xmlns="">
           <p:sp>
             <p:nvSpPr>
               <p:cNvPr id="10" name="ZoneTexte 9">
@@ -6757,8 +8361,8 @@
           </a:p>
         </p:txBody>
       </p:sp>
-      <mc:AlternateContent xmlns:mc="http://schemas.openxmlformats.org/markup-compatibility/2006">
-        <mc:Choice xmlns:a14="http://schemas.microsoft.com/office/drawing/2010/main" Requires="a14">
+      <mc:AlternateContent xmlns:mc="http://schemas.openxmlformats.org/markup-compatibility/2006" xmlns:a14="http://schemas.microsoft.com/office/drawing/2010/main">
+        <mc:Choice Requires="a14">
           <p:sp>
             <p:nvSpPr>
               <p:cNvPr id="8" name="ZoneTexte 7">
@@ -6901,7 +8505,6 @@
                 </a:endParaRPr>
               </a:p>
               <a:p>
-                <a:pPr/>
                 <a:endParaRPr lang="fr-FR" i="1" dirty="0">
                   <a:solidFill>
                     <a:srgbClr val="FF0000"/>
@@ -7122,7 +8725,7 @@
             </p:txBody>
           </p:sp>
         </mc:Choice>
-        <mc:Fallback>
+        <mc:Fallback xmlns="">
           <p:sp>
             <p:nvSpPr>
               <p:cNvPr id="8" name="ZoneTexte 7">
@@ -7303,13 +8906,8 @@
           <a:p>
             <a:r>
               <a:rPr lang="fr-FR" dirty="0"/>
-              <a:t>Modèle </a:t>
-            </a:r>
-            <a:r>
-              <a:rPr lang="fr-FR" dirty="0" err="1"/>
-              <a:t>Geogebra</a:t>
-            </a:r>
-            <a:endParaRPr lang="fr-FR" dirty="0"/>
+              <a:t>Modèle Geogebra</a:t>
+            </a:r>
           </a:p>
         </p:txBody>
       </p:sp>
@@ -7335,6 +8933,174 @@
           </a:p>
         </p:txBody>
       </p:sp>
+      <p:pic>
+        <p:nvPicPr>
+          <p:cNvPr id="6" name="Image 5">
+            <a:extLst>
+              <a:ext uri="{FF2B5EF4-FFF2-40B4-BE49-F238E27FC236}">
+                <a16:creationId xmlns:a16="http://schemas.microsoft.com/office/drawing/2014/main" id="{B3E0E6AE-B1D6-4EDC-AA24-CFC41578AEC7}"/>
+              </a:ext>
+            </a:extLst>
+          </p:cNvPr>
+          <p:cNvPicPr>
+            <a:picLocks noChangeAspect="1"/>
+          </p:cNvPicPr>
+          <p:nvPr/>
+        </p:nvPicPr>
+        <p:blipFill>
+          <a:blip r:embed="rId2"/>
+          <a:stretch>
+            <a:fillRect/>
+          </a:stretch>
+        </p:blipFill>
+        <p:spPr>
+          <a:xfrm>
+            <a:off x="457200" y="1849816"/>
+            <a:ext cx="3772649" cy="2995234"/>
+          </a:xfrm>
+          <a:prstGeom prst="rect">
+            <a:avLst/>
+          </a:prstGeom>
+        </p:spPr>
+      </p:pic>
+      <mc:AlternateContent xmlns:mc="http://schemas.openxmlformats.org/markup-compatibility/2006" xmlns:a14="http://schemas.microsoft.com/office/drawing/2010/main">
+        <mc:Choice Requires="a14">
+          <p:sp>
+            <p:nvSpPr>
+              <p:cNvPr id="7" name="ZoneTexte 6">
+                <a:extLst>
+                  <a:ext uri="{FF2B5EF4-FFF2-40B4-BE49-F238E27FC236}">
+                    <a16:creationId xmlns:a16="http://schemas.microsoft.com/office/drawing/2014/main" id="{77D75249-662B-4CA1-9B69-61EE24DC380D}"/>
+                  </a:ext>
+                </a:extLst>
+              </p:cNvPr>
+              <p:cNvSpPr txBox="1"/>
+              <p:nvPr/>
+            </p:nvSpPr>
+            <p:spPr>
+              <a:xfrm>
+                <a:off x="4497388" y="1849816"/>
+                <a:ext cx="4197350" cy="681790"/>
+              </a:xfrm>
+              <a:prstGeom prst="rect">
+                <a:avLst/>
+              </a:prstGeom>
+              <a:noFill/>
+            </p:spPr>
+            <p:txBody>
+              <a:bodyPr wrap="square" rtlCol="0">
+                <a:spAutoFit/>
+              </a:bodyPr>
+              <a:lstStyle/>
+              <a:p>
+                <a:r>
+                  <a:rPr lang="fr-FR" dirty="0">
+                    <a:latin typeface="Segoe UI Semilight" panose="020B0402040204020203" pitchFamily="34" charset="0"/>
+                    <a:cs typeface="Segoe UI Semilight" panose="020B0402040204020203" pitchFamily="34" charset="0"/>
+                  </a:rPr>
+                  <a:t>G = centre de gravité du triangle</a:t>
+                </a:r>
+              </a:p>
+              <a:p>
+                <a14:m>
+                  <m:oMath xmlns:m="http://schemas.openxmlformats.org/officeDocument/2006/math">
+                    <m:r>
+                      <a:rPr lang="fr-FR" i="1" smtClean="0">
+                        <a:latin typeface="Cambria Math" panose="02040503050406030204" pitchFamily="18" charset="0"/>
+                        <a:ea typeface="Cambria Math" panose="02040503050406030204" pitchFamily="18" charset="0"/>
+                        <a:cs typeface="Segoe UI Semilight" panose="020B0402040204020203" pitchFamily="34" charset="0"/>
+                      </a:rPr>
+                      <m:t>𝛼</m:t>
+                    </m:r>
+                  </m:oMath>
+                </a14:m>
+                <a:r>
+                  <a:rPr lang="fr-FR" dirty="0">
+                    <a:latin typeface="Segoe UI Semilight" panose="020B0402040204020203" pitchFamily="34" charset="0"/>
+                    <a:cs typeface="Segoe UI Semilight" panose="020B0402040204020203" pitchFamily="34" charset="0"/>
+                  </a:rPr>
+                  <a:t> = angle entre </a:t>
+                </a:r>
+                <a14:m>
+                  <m:oMath xmlns:m="http://schemas.openxmlformats.org/officeDocument/2006/math">
+                    <m:acc>
+                      <m:accPr>
+                        <m:chr m:val="⃗"/>
+                        <m:ctrlPr>
+                          <a:rPr lang="fr-FR" i="1" smtClean="0">
+                            <a:latin typeface="Cambria Math" panose="02040503050406030204" pitchFamily="18" charset="0"/>
+                            <a:cs typeface="Segoe UI Semilight" panose="020B0402040204020203" pitchFamily="34" charset="0"/>
+                          </a:rPr>
+                        </m:ctrlPr>
+                      </m:accPr>
+                      <m:e>
+                        <m:r>
+                          <a:rPr lang="fr-FR" b="0" i="1" smtClean="0">
+                            <a:latin typeface="Cambria Math" panose="02040503050406030204" pitchFamily="18" charset="0"/>
+                            <a:cs typeface="Segoe UI Semilight" panose="020B0402040204020203" pitchFamily="34" charset="0"/>
+                          </a:rPr>
+                          <m:t>𝑂𝐺</m:t>
+                        </m:r>
+                      </m:e>
+                    </m:acc>
+                  </m:oMath>
+                </a14:m>
+                <a:r>
+                  <a:rPr lang="fr-FR" dirty="0">
+                    <a:latin typeface="Segoe UI Semilight" panose="020B0402040204020203" pitchFamily="34" charset="0"/>
+                    <a:cs typeface="Segoe UI Semilight" panose="020B0402040204020203" pitchFamily="34" charset="0"/>
+                  </a:rPr>
+                  <a:t> et l’axe des abscisses</a:t>
+                </a:r>
+              </a:p>
+            </p:txBody>
+          </p:sp>
+        </mc:Choice>
+        <mc:Fallback xmlns="">
+          <p:sp>
+            <p:nvSpPr>
+              <p:cNvPr id="7" name="ZoneTexte 6">
+                <a:extLst>
+                  <a:ext uri="{FF2B5EF4-FFF2-40B4-BE49-F238E27FC236}">
+                    <a16:creationId xmlns:a16="http://schemas.microsoft.com/office/drawing/2014/main" id="{77D75249-662B-4CA1-9B69-61EE24DC380D}"/>
+                  </a:ext>
+                </a:extLst>
+              </p:cNvPr>
+              <p:cNvSpPr txBox="1">
+                <a:spLocks noRot="1" noChangeAspect="1" noMove="1" noResize="1" noEditPoints="1" noAdjustHandles="1" noChangeArrowheads="1" noChangeShapeType="1" noTextEdit="1"/>
+              </p:cNvSpPr>
+              <p:nvPr/>
+            </p:nvSpPr>
+            <p:spPr>
+              <a:xfrm>
+                <a:off x="4497388" y="1849816"/>
+                <a:ext cx="4197350" cy="681790"/>
+              </a:xfrm>
+              <a:prstGeom prst="rect">
+                <a:avLst/>
+              </a:prstGeom>
+              <a:blipFill>
+                <a:blip r:embed="rId3"/>
+                <a:stretch>
+                  <a:fillRect l="-1308" t="-3571" r="-872" b="-13393"/>
+                </a:stretch>
+              </a:blipFill>
+            </p:spPr>
+            <p:txBody>
+              <a:bodyPr/>
+              <a:lstStyle/>
+              <a:p>
+                <a:r>
+                  <a:rPr lang="fr-FR">
+                    <a:noFill/>
+                  </a:rPr>
+                  <a:t> </a:t>
+                </a:r>
+              </a:p>
+            </p:txBody>
+          </p:sp>
+        </mc:Fallback>
+      </mc:AlternateContent>
     </p:spTree>
     <p:extLst>
       <p:ext uri="{BB962C8B-B14F-4D97-AF65-F5344CB8AC3E}">
@@ -7380,7 +9146,10 @@
           <a:bodyPr/>
           <a:lstStyle/>
           <a:p>
-            <a:endParaRPr lang="fr-FR"/>
+            <a:r>
+              <a:rPr lang="fr-FR" dirty="0"/>
+              <a:t>Collision cercle – triangle </a:t>
+            </a:r>
           </a:p>
         </p:txBody>
       </p:sp>
@@ -7399,7 +9168,427 @@
           <a:bodyPr/>
           <a:lstStyle/>
           <a:p>
+            <a:r>
+              <a:rPr lang="fr-FR" dirty="0"/>
+              <a:t>Système de collision</a:t>
+            </a:r>
+          </a:p>
+        </p:txBody>
+      </p:sp>
+      <p:pic>
+        <p:nvPicPr>
+          <p:cNvPr id="8" name="Image 7">
+            <a:extLst>
+              <a:ext uri="{FF2B5EF4-FFF2-40B4-BE49-F238E27FC236}">
+                <a16:creationId xmlns:a16="http://schemas.microsoft.com/office/drawing/2014/main" id="{8DF1DE53-8786-4CE9-9593-DE96F9AAC383}"/>
+              </a:ext>
+            </a:extLst>
+          </p:cNvPr>
+          <p:cNvPicPr>
+            <a:picLocks noChangeAspect="1"/>
+          </p:cNvPicPr>
+          <p:nvPr/>
+        </p:nvPicPr>
+        <p:blipFill>
+          <a:blip r:embed="rId2"/>
+          <a:stretch>
+            <a:fillRect/>
+          </a:stretch>
+        </p:blipFill>
+        <p:spPr>
+          <a:xfrm>
+            <a:off x="314912" y="792140"/>
+            <a:ext cx="3387148" cy="4235450"/>
+          </a:xfrm>
+          <a:prstGeom prst="rect">
+            <a:avLst/>
+          </a:prstGeom>
+        </p:spPr>
+      </p:pic>
+      <p:sp>
+        <p:nvSpPr>
+          <p:cNvPr id="9" name="Flèche : droite 8">
+            <a:extLst>
+              <a:ext uri="{FF2B5EF4-FFF2-40B4-BE49-F238E27FC236}">
+                <a16:creationId xmlns:a16="http://schemas.microsoft.com/office/drawing/2014/main" id="{BBF05672-6C19-41E2-99EB-79FEDED0C957}"/>
+              </a:ext>
+            </a:extLst>
+          </p:cNvPr>
+          <p:cNvSpPr/>
+          <p:nvPr/>
+        </p:nvSpPr>
+        <p:spPr>
+          <a:xfrm>
+            <a:off x="3771920" y="1881970"/>
+            <a:ext cx="1739882" cy="336550"/>
+          </a:xfrm>
+          <a:prstGeom prst="rightArrow">
+            <a:avLst/>
+          </a:prstGeom>
+        </p:spPr>
+        <p:style>
+          <a:lnRef idx="1">
+            <a:schemeClr val="accent2"/>
+          </a:lnRef>
+          <a:fillRef idx="3">
+            <a:schemeClr val="accent2"/>
+          </a:fillRef>
+          <a:effectRef idx="2">
+            <a:schemeClr val="accent2"/>
+          </a:effectRef>
+          <a:fontRef idx="minor">
+            <a:schemeClr val="lt1"/>
+          </a:fontRef>
+        </p:style>
+        <p:txBody>
+          <a:bodyPr rtlCol="0" anchor="ctr"/>
+          <a:lstStyle/>
+          <a:p>
+            <a:pPr algn="ctr"/>
+            <a:endParaRPr lang="fr-FR" dirty="0"/>
+          </a:p>
+        </p:txBody>
+      </p:sp>
+      <p:sp>
+        <p:nvSpPr>
+          <p:cNvPr id="10" name="Flèche : droite 9">
+            <a:extLst>
+              <a:ext uri="{FF2B5EF4-FFF2-40B4-BE49-F238E27FC236}">
+                <a16:creationId xmlns:a16="http://schemas.microsoft.com/office/drawing/2014/main" id="{9B1B02A4-FE7C-4765-99FA-23E12275EACD}"/>
+              </a:ext>
+            </a:extLst>
+          </p:cNvPr>
+          <p:cNvSpPr/>
+          <p:nvPr/>
+        </p:nvSpPr>
+        <p:spPr>
+          <a:xfrm>
+            <a:off x="3771920" y="3408363"/>
+            <a:ext cx="1739882" cy="336550"/>
+          </a:xfrm>
+          <a:prstGeom prst="rightArrow">
+            <a:avLst/>
+          </a:prstGeom>
+        </p:spPr>
+        <p:style>
+          <a:lnRef idx="1">
+            <a:schemeClr val="accent2"/>
+          </a:lnRef>
+          <a:fillRef idx="3">
+            <a:schemeClr val="accent2"/>
+          </a:fillRef>
+          <a:effectRef idx="2">
+            <a:schemeClr val="accent2"/>
+          </a:effectRef>
+          <a:fontRef idx="minor">
+            <a:schemeClr val="lt1"/>
+          </a:fontRef>
+        </p:style>
+        <p:txBody>
+          <a:bodyPr rtlCol="0" anchor="ctr"/>
+          <a:lstStyle/>
+          <a:p>
+            <a:pPr algn="ctr"/>
             <a:endParaRPr lang="fr-FR"/>
+          </a:p>
+        </p:txBody>
+      </p:sp>
+      <p:sp>
+        <p:nvSpPr>
+          <p:cNvPr id="11" name="Flèche : droite 10">
+            <a:extLst>
+              <a:ext uri="{FF2B5EF4-FFF2-40B4-BE49-F238E27FC236}">
+                <a16:creationId xmlns:a16="http://schemas.microsoft.com/office/drawing/2014/main" id="{0D406C3E-734C-49C2-8037-4C47321F6850}"/>
+              </a:ext>
+            </a:extLst>
+          </p:cNvPr>
+          <p:cNvSpPr/>
+          <p:nvPr/>
+        </p:nvSpPr>
+        <p:spPr>
+          <a:xfrm>
+            <a:off x="3771920" y="4241800"/>
+            <a:ext cx="1739882" cy="336550"/>
+          </a:xfrm>
+          <a:prstGeom prst="rightArrow">
+            <a:avLst/>
+          </a:prstGeom>
+        </p:spPr>
+        <p:style>
+          <a:lnRef idx="1">
+            <a:schemeClr val="accent2"/>
+          </a:lnRef>
+          <a:fillRef idx="3">
+            <a:schemeClr val="accent2"/>
+          </a:fillRef>
+          <a:effectRef idx="2">
+            <a:schemeClr val="accent2"/>
+          </a:effectRef>
+          <a:fontRef idx="minor">
+            <a:schemeClr val="lt1"/>
+          </a:fontRef>
+        </p:style>
+        <p:txBody>
+          <a:bodyPr rtlCol="0" anchor="ctr"/>
+          <a:lstStyle/>
+          <a:p>
+            <a:pPr algn="ctr"/>
+            <a:endParaRPr lang="fr-FR" dirty="0"/>
+          </a:p>
+        </p:txBody>
+      </p:sp>
+      <p:sp>
+        <p:nvSpPr>
+          <p:cNvPr id="12" name="Arc 11">
+            <a:extLst>
+              <a:ext uri="{FF2B5EF4-FFF2-40B4-BE49-F238E27FC236}">
+                <a16:creationId xmlns:a16="http://schemas.microsoft.com/office/drawing/2014/main" id="{D21EA86F-C2CE-4831-8707-18506D862C16}"/>
+              </a:ext>
+            </a:extLst>
+          </p:cNvPr>
+          <p:cNvSpPr/>
+          <p:nvPr/>
+        </p:nvSpPr>
+        <p:spPr>
+          <a:xfrm>
+            <a:off x="3473450" y="792140"/>
+            <a:ext cx="298470" cy="2516210"/>
+          </a:xfrm>
+          <a:prstGeom prst="arc">
+            <a:avLst>
+              <a:gd name="adj1" fmla="val 16199568"/>
+              <a:gd name="adj2" fmla="val 5380377"/>
+            </a:avLst>
+          </a:prstGeom>
+        </p:spPr>
+        <p:style>
+          <a:lnRef idx="2">
+            <a:schemeClr val="accent2"/>
+          </a:lnRef>
+          <a:fillRef idx="0">
+            <a:schemeClr val="accent2"/>
+          </a:fillRef>
+          <a:effectRef idx="1">
+            <a:schemeClr val="accent2"/>
+          </a:effectRef>
+          <a:fontRef idx="minor">
+            <a:schemeClr val="tx1"/>
+          </a:fontRef>
+        </p:style>
+        <p:txBody>
+          <a:bodyPr rtlCol="0" anchor="ctr"/>
+          <a:lstStyle/>
+          <a:p>
+            <a:pPr algn="ctr"/>
+            <a:endParaRPr lang="fr-FR"/>
+          </a:p>
+        </p:txBody>
+      </p:sp>
+      <p:sp>
+        <p:nvSpPr>
+          <p:cNvPr id="13" name="Arc 12">
+            <a:extLst>
+              <a:ext uri="{FF2B5EF4-FFF2-40B4-BE49-F238E27FC236}">
+                <a16:creationId xmlns:a16="http://schemas.microsoft.com/office/drawing/2014/main" id="{3C6A39C8-A4CE-41E0-B359-C1E6866CEF0A}"/>
+              </a:ext>
+            </a:extLst>
+          </p:cNvPr>
+          <p:cNvSpPr/>
+          <p:nvPr/>
+        </p:nvSpPr>
+        <p:spPr>
+          <a:xfrm>
+            <a:off x="3599154" y="3438526"/>
+            <a:ext cx="172766" cy="276224"/>
+          </a:xfrm>
+          <a:prstGeom prst="arc">
+            <a:avLst>
+              <a:gd name="adj1" fmla="val 16200000"/>
+              <a:gd name="adj2" fmla="val 5505259"/>
+            </a:avLst>
+          </a:prstGeom>
+        </p:spPr>
+        <p:style>
+          <a:lnRef idx="2">
+            <a:schemeClr val="accent2"/>
+          </a:lnRef>
+          <a:fillRef idx="0">
+            <a:schemeClr val="accent2"/>
+          </a:fillRef>
+          <a:effectRef idx="1">
+            <a:schemeClr val="accent2"/>
+          </a:effectRef>
+          <a:fontRef idx="minor">
+            <a:schemeClr val="tx1"/>
+          </a:fontRef>
+        </p:style>
+        <p:txBody>
+          <a:bodyPr rtlCol="0" anchor="ctr"/>
+          <a:lstStyle/>
+          <a:p>
+            <a:pPr algn="ctr"/>
+            <a:endParaRPr lang="fr-FR"/>
+          </a:p>
+        </p:txBody>
+      </p:sp>
+      <p:sp>
+        <p:nvSpPr>
+          <p:cNvPr id="14" name="Arc 13">
+            <a:extLst>
+              <a:ext uri="{FF2B5EF4-FFF2-40B4-BE49-F238E27FC236}">
+                <a16:creationId xmlns:a16="http://schemas.microsoft.com/office/drawing/2014/main" id="{543DDBBD-4862-4593-BACC-3F9EEBF6E765}"/>
+              </a:ext>
+            </a:extLst>
+          </p:cNvPr>
+          <p:cNvSpPr/>
+          <p:nvPr/>
+        </p:nvSpPr>
+        <p:spPr>
+          <a:xfrm>
+            <a:off x="3519779" y="3866747"/>
+            <a:ext cx="252141" cy="1086656"/>
+          </a:xfrm>
+          <a:prstGeom prst="arc">
+            <a:avLst>
+              <a:gd name="adj1" fmla="val 16200000"/>
+              <a:gd name="adj2" fmla="val 5404933"/>
+            </a:avLst>
+          </a:prstGeom>
+        </p:spPr>
+        <p:style>
+          <a:lnRef idx="2">
+            <a:schemeClr val="accent2"/>
+          </a:lnRef>
+          <a:fillRef idx="0">
+            <a:schemeClr val="accent2"/>
+          </a:fillRef>
+          <a:effectRef idx="1">
+            <a:schemeClr val="accent2"/>
+          </a:effectRef>
+          <a:fontRef idx="minor">
+            <a:schemeClr val="tx1"/>
+          </a:fontRef>
+        </p:style>
+        <p:txBody>
+          <a:bodyPr rtlCol="0" anchor="ctr"/>
+          <a:lstStyle/>
+          <a:p>
+            <a:pPr algn="ctr"/>
+            <a:endParaRPr lang="fr-FR"/>
+          </a:p>
+        </p:txBody>
+      </p:sp>
+      <p:sp>
+        <p:nvSpPr>
+          <p:cNvPr id="16" name="ZoneTexte 15">
+            <a:extLst>
+              <a:ext uri="{FF2B5EF4-FFF2-40B4-BE49-F238E27FC236}">
+                <a16:creationId xmlns:a16="http://schemas.microsoft.com/office/drawing/2014/main" id="{27324883-E396-446C-819C-23541BC26145}"/>
+              </a:ext>
+            </a:extLst>
+          </p:cNvPr>
+          <p:cNvSpPr txBox="1"/>
+          <p:nvPr/>
+        </p:nvSpPr>
+        <p:spPr>
+          <a:xfrm>
+            <a:off x="5810250" y="1727079"/>
+            <a:ext cx="3018838" cy="646331"/>
+          </a:xfrm>
+          <a:prstGeom prst="rect">
+            <a:avLst/>
+          </a:prstGeom>
+          <a:noFill/>
+        </p:spPr>
+        <p:txBody>
+          <a:bodyPr wrap="square" rtlCol="0">
+            <a:spAutoFit/>
+          </a:bodyPr>
+          <a:lstStyle/>
+          <a:p>
+            <a:r>
+              <a:rPr lang="fr-FR" dirty="0">
+                <a:latin typeface="Segoe UI Semilight" panose="020B0402040204020203" pitchFamily="34" charset="0"/>
+                <a:cs typeface="Segoe UI Semilight" panose="020B0402040204020203" pitchFamily="34" charset="0"/>
+              </a:rPr>
+              <a:t>Test de la collision selon le modèle précédent</a:t>
+            </a:r>
+          </a:p>
+        </p:txBody>
+      </p:sp>
+      <p:sp>
+        <p:nvSpPr>
+          <p:cNvPr id="17" name="ZoneTexte 16">
+            <a:extLst>
+              <a:ext uri="{FF2B5EF4-FFF2-40B4-BE49-F238E27FC236}">
+                <a16:creationId xmlns:a16="http://schemas.microsoft.com/office/drawing/2014/main" id="{D1939CD3-A963-4DDB-8C74-5F296458DF33}"/>
+              </a:ext>
+            </a:extLst>
+          </p:cNvPr>
+          <p:cNvSpPr txBox="1"/>
+          <p:nvPr/>
+        </p:nvSpPr>
+        <p:spPr>
+          <a:xfrm>
+            <a:off x="5683250" y="3253472"/>
+            <a:ext cx="3145838" cy="646331"/>
+          </a:xfrm>
+          <a:prstGeom prst="rect">
+            <a:avLst/>
+          </a:prstGeom>
+          <a:noFill/>
+        </p:spPr>
+        <p:txBody>
+          <a:bodyPr wrap="square" rtlCol="0">
+            <a:spAutoFit/>
+          </a:bodyPr>
+          <a:lstStyle/>
+          <a:p>
+            <a:r>
+              <a:rPr lang="fr-FR" dirty="0">
+                <a:latin typeface="Segoe UI Semilight" panose="020B0402040204020203" pitchFamily="34" charset="0"/>
+                <a:cs typeface="Segoe UI Semilight" panose="020B0402040204020203" pitchFamily="34" charset="0"/>
+              </a:rPr>
+              <a:t>Test de la collision entre l’un des sommets et l’objet</a:t>
+            </a:r>
+          </a:p>
+        </p:txBody>
+      </p:sp>
+      <p:sp>
+        <p:nvSpPr>
+          <p:cNvPr id="18" name="ZoneTexte 17">
+            <a:extLst>
+              <a:ext uri="{FF2B5EF4-FFF2-40B4-BE49-F238E27FC236}">
+                <a16:creationId xmlns:a16="http://schemas.microsoft.com/office/drawing/2014/main" id="{9C247F9C-BD0B-457D-8A31-2A88AD5318BA}"/>
+              </a:ext>
+            </a:extLst>
+          </p:cNvPr>
+          <p:cNvSpPr txBox="1"/>
+          <p:nvPr/>
+        </p:nvSpPr>
+        <p:spPr>
+          <a:xfrm>
+            <a:off x="5719469" y="4086909"/>
+            <a:ext cx="3200400" cy="646331"/>
+          </a:xfrm>
+          <a:prstGeom prst="rect">
+            <a:avLst/>
+          </a:prstGeom>
+          <a:noFill/>
+        </p:spPr>
+        <p:txBody>
+          <a:bodyPr wrap="square" rtlCol="0">
+            <a:spAutoFit/>
+          </a:bodyPr>
+          <a:lstStyle/>
+          <a:p>
+            <a:r>
+              <a:rPr lang="fr-FR" dirty="0">
+                <a:latin typeface="Segoe UI Semilight" panose="020B0402040204020203" pitchFamily="34" charset="0"/>
+                <a:cs typeface="Segoe UI Semilight" panose="020B0402040204020203" pitchFamily="34" charset="0"/>
+              </a:rPr>
+              <a:t>Aire du triangle (avec le produit vectoriel)</a:t>
+            </a:r>
           </a:p>
         </p:txBody>
       </p:sp>

--- a/Présentation projet/Projet ISN.pptx
+++ b/Présentation projet/Projet ISN.pptx
@@ -4,8 +4,11 @@
   <p:sldMasterIdLst>
     <p:sldMasterId id="2147483648" r:id="rId2"/>
   </p:sldMasterIdLst>
+  <p:notesMasterIdLst>
+    <p:notesMasterId r:id="rId19"/>
+  </p:notesMasterIdLst>
   <p:handoutMasterIdLst>
-    <p:handoutMasterId r:id="rId19"/>
+    <p:handoutMasterId r:id="rId20"/>
   </p:handoutMasterIdLst>
   <p:sldIdLst>
     <p:sldId id="256" r:id="rId3"/>
@@ -332,6 +335,439 @@
   </p:cSld>
   <p:clrMap bg1="lt1" tx1="dk1" bg2="lt2" tx2="dk2" accent1="accent1" accent2="accent2" accent3="accent3" accent4="accent4" accent5="accent5" accent6="accent6" hlink="hlink" folHlink="folHlink"/>
 </p:handoutMaster>
+</file>
+
+<file path=ppt/notesMasters/notesMaster1.xml><?xml version="1.0" encoding="utf-8"?>
+<p:notesMaster xmlns:a="http://schemas.openxmlformats.org/drawingml/2006/main" xmlns:r="http://schemas.openxmlformats.org/officeDocument/2006/relationships" xmlns:p="http://schemas.openxmlformats.org/presentationml/2006/main">
+  <p:cSld>
+    <p:bg>
+      <p:bgRef idx="1001">
+        <a:schemeClr val="bg1"/>
+      </p:bgRef>
+    </p:bg>
+    <p:spTree>
+      <p:nvGrpSpPr>
+        <p:cNvPr id="1" name=""/>
+        <p:cNvGrpSpPr/>
+        <p:nvPr/>
+      </p:nvGrpSpPr>
+      <p:grpSpPr>
+        <a:xfrm>
+          <a:off x="0" y="0"/>
+          <a:ext cx="0" cy="0"/>
+          <a:chOff x="0" y="0"/>
+          <a:chExt cx="0" cy="0"/>
+        </a:xfrm>
+      </p:grpSpPr>
+      <p:sp>
+        <p:nvSpPr>
+          <p:cNvPr id="2" name="Espace réservé de l'en-tête 1"/>
+          <p:cNvSpPr>
+            <a:spLocks noGrp="1"/>
+          </p:cNvSpPr>
+          <p:nvPr>
+            <p:ph type="hdr" sz="quarter"/>
+          </p:nvPr>
+        </p:nvSpPr>
+        <p:spPr>
+          <a:xfrm>
+            <a:off x="0" y="0"/>
+            <a:ext cx="2971800" cy="458788"/>
+          </a:xfrm>
+          <a:prstGeom prst="rect">
+            <a:avLst/>
+          </a:prstGeom>
+        </p:spPr>
+        <p:txBody>
+          <a:bodyPr vert="horz" lIns="91440" tIns="45720" rIns="91440" bIns="45720" rtlCol="0"/>
+          <a:lstStyle>
+            <a:lvl1pPr algn="l">
+              <a:defRPr sz="1200"/>
+            </a:lvl1pPr>
+          </a:lstStyle>
+          <a:p>
+            <a:endParaRPr lang="fr-FR"/>
+          </a:p>
+        </p:txBody>
+      </p:sp>
+      <p:sp>
+        <p:nvSpPr>
+          <p:cNvPr id="3" name="Espace réservé de la date 2"/>
+          <p:cNvSpPr>
+            <a:spLocks noGrp="1"/>
+          </p:cNvSpPr>
+          <p:nvPr>
+            <p:ph type="dt" idx="1"/>
+          </p:nvPr>
+        </p:nvSpPr>
+        <p:spPr>
+          <a:xfrm>
+            <a:off x="3884613" y="0"/>
+            <a:ext cx="2971800" cy="458788"/>
+          </a:xfrm>
+          <a:prstGeom prst="rect">
+            <a:avLst/>
+          </a:prstGeom>
+        </p:spPr>
+        <p:txBody>
+          <a:bodyPr vert="horz" lIns="91440" tIns="45720" rIns="91440" bIns="45720" rtlCol="0"/>
+          <a:lstStyle>
+            <a:lvl1pPr algn="r">
+              <a:defRPr sz="1200"/>
+            </a:lvl1pPr>
+          </a:lstStyle>
+          <a:p>
+            <a:fld id="{2C302D12-07F6-48BB-B207-191DEEBA8E9C}" type="datetimeFigureOut">
+              <a:rPr lang="fr-FR" smtClean="0"/>
+              <a:t>08/02/2018</a:t>
+            </a:fld>
+            <a:endParaRPr lang="fr-FR"/>
+          </a:p>
+        </p:txBody>
+      </p:sp>
+      <p:sp>
+        <p:nvSpPr>
+          <p:cNvPr id="4" name="Espace réservé de l'image des diapositives 3"/>
+          <p:cNvSpPr>
+            <a:spLocks noGrp="1" noRot="1" noChangeAspect="1"/>
+          </p:cNvSpPr>
+          <p:nvPr>
+            <p:ph type="sldImg" idx="2"/>
+          </p:nvPr>
+        </p:nvSpPr>
+        <p:spPr>
+          <a:xfrm>
+            <a:off x="685800" y="1143000"/>
+            <a:ext cx="5486400" cy="3086100"/>
+          </a:xfrm>
+          <a:prstGeom prst="rect">
+            <a:avLst/>
+          </a:prstGeom>
+          <a:noFill/>
+          <a:ln w="12700">
+            <a:solidFill>
+              <a:prstClr val="black"/>
+            </a:solidFill>
+          </a:ln>
+        </p:spPr>
+        <p:txBody>
+          <a:bodyPr vert="horz" lIns="91440" tIns="45720" rIns="91440" bIns="45720" rtlCol="0" anchor="ctr"/>
+          <a:lstStyle/>
+          <a:p>
+            <a:endParaRPr lang="fr-FR"/>
+          </a:p>
+        </p:txBody>
+      </p:sp>
+      <p:sp>
+        <p:nvSpPr>
+          <p:cNvPr id="5" name="Espace réservé des notes 4"/>
+          <p:cNvSpPr>
+            <a:spLocks noGrp="1"/>
+          </p:cNvSpPr>
+          <p:nvPr>
+            <p:ph type="body" sz="quarter" idx="3"/>
+          </p:nvPr>
+        </p:nvSpPr>
+        <p:spPr>
+          <a:xfrm>
+            <a:off x="685800" y="4400550"/>
+            <a:ext cx="5486400" cy="3600450"/>
+          </a:xfrm>
+          <a:prstGeom prst="rect">
+            <a:avLst/>
+          </a:prstGeom>
+        </p:spPr>
+        <p:txBody>
+          <a:bodyPr vert="horz" lIns="91440" tIns="45720" rIns="91440" bIns="45720" rtlCol="0"/>
+          <a:lstStyle/>
+          <a:p>
+            <a:pPr lvl="0"/>
+            <a:r>
+              <a:rPr lang="fr-FR"/>
+              <a:t>Modifier les styles du texte du masque</a:t>
+            </a:r>
+          </a:p>
+          <a:p>
+            <a:pPr lvl="1"/>
+            <a:r>
+              <a:rPr lang="fr-FR"/>
+              <a:t>Deuxième niveau</a:t>
+            </a:r>
+          </a:p>
+          <a:p>
+            <a:pPr lvl="2"/>
+            <a:r>
+              <a:rPr lang="fr-FR"/>
+              <a:t>Troisième niveau</a:t>
+            </a:r>
+          </a:p>
+          <a:p>
+            <a:pPr lvl="3"/>
+            <a:r>
+              <a:rPr lang="fr-FR"/>
+              <a:t>Quatrième niveau</a:t>
+            </a:r>
+          </a:p>
+          <a:p>
+            <a:pPr lvl="4"/>
+            <a:r>
+              <a:rPr lang="fr-FR"/>
+              <a:t>Cinquième niveau</a:t>
+            </a:r>
+          </a:p>
+        </p:txBody>
+      </p:sp>
+      <p:sp>
+        <p:nvSpPr>
+          <p:cNvPr id="6" name="Espace réservé du pied de page 5"/>
+          <p:cNvSpPr>
+            <a:spLocks noGrp="1"/>
+          </p:cNvSpPr>
+          <p:nvPr>
+            <p:ph type="ftr" sz="quarter" idx="4"/>
+          </p:nvPr>
+        </p:nvSpPr>
+        <p:spPr>
+          <a:xfrm>
+            <a:off x="0" y="8685213"/>
+            <a:ext cx="2971800" cy="458787"/>
+          </a:xfrm>
+          <a:prstGeom prst="rect">
+            <a:avLst/>
+          </a:prstGeom>
+        </p:spPr>
+        <p:txBody>
+          <a:bodyPr vert="horz" lIns="91440" tIns="45720" rIns="91440" bIns="45720" rtlCol="0" anchor="b"/>
+          <a:lstStyle>
+            <a:lvl1pPr algn="l">
+              <a:defRPr sz="1200"/>
+            </a:lvl1pPr>
+          </a:lstStyle>
+          <a:p>
+            <a:endParaRPr lang="fr-FR"/>
+          </a:p>
+        </p:txBody>
+      </p:sp>
+      <p:sp>
+        <p:nvSpPr>
+          <p:cNvPr id="7" name="Espace réservé du numéro de diapositive 6"/>
+          <p:cNvSpPr>
+            <a:spLocks noGrp="1"/>
+          </p:cNvSpPr>
+          <p:nvPr>
+            <p:ph type="sldNum" sz="quarter" idx="5"/>
+          </p:nvPr>
+        </p:nvSpPr>
+        <p:spPr>
+          <a:xfrm>
+            <a:off x="3884613" y="8685213"/>
+            <a:ext cx="2971800" cy="458787"/>
+          </a:xfrm>
+          <a:prstGeom prst="rect">
+            <a:avLst/>
+          </a:prstGeom>
+        </p:spPr>
+        <p:txBody>
+          <a:bodyPr vert="horz" lIns="91440" tIns="45720" rIns="91440" bIns="45720" rtlCol="0" anchor="b"/>
+          <a:lstStyle>
+            <a:lvl1pPr algn="r">
+              <a:defRPr sz="1200"/>
+            </a:lvl1pPr>
+          </a:lstStyle>
+          <a:p>
+            <a:fld id="{66641530-902D-4C06-9450-78EBD7B0878A}" type="slidenum">
+              <a:rPr lang="fr-FR" smtClean="0"/>
+              <a:t>‹N°›</a:t>
+            </a:fld>
+            <a:endParaRPr lang="fr-FR"/>
+          </a:p>
+        </p:txBody>
+      </p:sp>
+    </p:spTree>
+    <p:extLst>
+      <p:ext uri="{BB962C8B-B14F-4D97-AF65-F5344CB8AC3E}">
+        <p14:creationId xmlns:p14="http://schemas.microsoft.com/office/powerpoint/2010/main" val="2525033244"/>
+      </p:ext>
+    </p:extLst>
+  </p:cSld>
+  <p:clrMap bg1="lt1" tx1="dk1" bg2="lt2" tx2="dk2" accent1="accent1" accent2="accent2" accent3="accent3" accent4="accent4" accent5="accent5" accent6="accent6" hlink="hlink" folHlink="folHlink"/>
+  <p:notesStyle>
+    <a:lvl1pPr marL="0" algn="l" defTabSz="914400" rtl="0" eaLnBrk="1" latinLnBrk="0" hangingPunct="1">
+      <a:defRPr sz="1200" kern="1200">
+        <a:solidFill>
+          <a:schemeClr val="tx1"/>
+        </a:solidFill>
+        <a:latin typeface="+mn-lt"/>
+        <a:ea typeface="+mn-ea"/>
+        <a:cs typeface="+mn-cs"/>
+      </a:defRPr>
+    </a:lvl1pPr>
+    <a:lvl2pPr marL="457200" algn="l" defTabSz="914400" rtl="0" eaLnBrk="1" latinLnBrk="0" hangingPunct="1">
+      <a:defRPr sz="1200" kern="1200">
+        <a:solidFill>
+          <a:schemeClr val="tx1"/>
+        </a:solidFill>
+        <a:latin typeface="+mn-lt"/>
+        <a:ea typeface="+mn-ea"/>
+        <a:cs typeface="+mn-cs"/>
+      </a:defRPr>
+    </a:lvl2pPr>
+    <a:lvl3pPr marL="914400" algn="l" defTabSz="914400" rtl="0" eaLnBrk="1" latinLnBrk="0" hangingPunct="1">
+      <a:defRPr sz="1200" kern="1200">
+        <a:solidFill>
+          <a:schemeClr val="tx1"/>
+        </a:solidFill>
+        <a:latin typeface="+mn-lt"/>
+        <a:ea typeface="+mn-ea"/>
+        <a:cs typeface="+mn-cs"/>
+      </a:defRPr>
+    </a:lvl3pPr>
+    <a:lvl4pPr marL="1371600" algn="l" defTabSz="914400" rtl="0" eaLnBrk="1" latinLnBrk="0" hangingPunct="1">
+      <a:defRPr sz="1200" kern="1200">
+        <a:solidFill>
+          <a:schemeClr val="tx1"/>
+        </a:solidFill>
+        <a:latin typeface="+mn-lt"/>
+        <a:ea typeface="+mn-ea"/>
+        <a:cs typeface="+mn-cs"/>
+      </a:defRPr>
+    </a:lvl4pPr>
+    <a:lvl5pPr marL="1828800" algn="l" defTabSz="914400" rtl="0" eaLnBrk="1" latinLnBrk="0" hangingPunct="1">
+      <a:defRPr sz="1200" kern="1200">
+        <a:solidFill>
+          <a:schemeClr val="tx1"/>
+        </a:solidFill>
+        <a:latin typeface="+mn-lt"/>
+        <a:ea typeface="+mn-ea"/>
+        <a:cs typeface="+mn-cs"/>
+      </a:defRPr>
+    </a:lvl5pPr>
+    <a:lvl6pPr marL="2286000" algn="l" defTabSz="914400" rtl="0" eaLnBrk="1" latinLnBrk="0" hangingPunct="1">
+      <a:defRPr sz="1200" kern="1200">
+        <a:solidFill>
+          <a:schemeClr val="tx1"/>
+        </a:solidFill>
+        <a:latin typeface="+mn-lt"/>
+        <a:ea typeface="+mn-ea"/>
+        <a:cs typeface="+mn-cs"/>
+      </a:defRPr>
+    </a:lvl6pPr>
+    <a:lvl7pPr marL="2743200" algn="l" defTabSz="914400" rtl="0" eaLnBrk="1" latinLnBrk="0" hangingPunct="1">
+      <a:defRPr sz="1200" kern="1200">
+        <a:solidFill>
+          <a:schemeClr val="tx1"/>
+        </a:solidFill>
+        <a:latin typeface="+mn-lt"/>
+        <a:ea typeface="+mn-ea"/>
+        <a:cs typeface="+mn-cs"/>
+      </a:defRPr>
+    </a:lvl7pPr>
+    <a:lvl8pPr marL="3200400" algn="l" defTabSz="914400" rtl="0" eaLnBrk="1" latinLnBrk="0" hangingPunct="1">
+      <a:defRPr sz="1200" kern="1200">
+        <a:solidFill>
+          <a:schemeClr val="tx1"/>
+        </a:solidFill>
+        <a:latin typeface="+mn-lt"/>
+        <a:ea typeface="+mn-ea"/>
+        <a:cs typeface="+mn-cs"/>
+      </a:defRPr>
+    </a:lvl8pPr>
+    <a:lvl9pPr marL="3657600" algn="l" defTabSz="914400" rtl="0" eaLnBrk="1" latinLnBrk="0" hangingPunct="1">
+      <a:defRPr sz="1200" kern="1200">
+        <a:solidFill>
+          <a:schemeClr val="tx1"/>
+        </a:solidFill>
+        <a:latin typeface="+mn-lt"/>
+        <a:ea typeface="+mn-ea"/>
+        <a:cs typeface="+mn-cs"/>
+      </a:defRPr>
+    </a:lvl9pPr>
+  </p:notesStyle>
+</p:notesMaster>
+</file>
+
+<file path=ppt/notesSlides/notesSlide1.xml><?xml version="1.0" encoding="utf-8"?>
+<p:notes xmlns:a="http://schemas.openxmlformats.org/drawingml/2006/main" xmlns:r="http://schemas.openxmlformats.org/officeDocument/2006/relationships" xmlns:p="http://schemas.openxmlformats.org/presentationml/2006/main">
+  <p:cSld>
+    <p:spTree>
+      <p:nvGrpSpPr>
+        <p:cNvPr id="1" name=""/>
+        <p:cNvGrpSpPr/>
+        <p:nvPr/>
+      </p:nvGrpSpPr>
+      <p:grpSpPr>
+        <a:xfrm>
+          <a:off x="0" y="0"/>
+          <a:ext cx="0" cy="0"/>
+          <a:chOff x="0" y="0"/>
+          <a:chExt cx="0" cy="0"/>
+        </a:xfrm>
+      </p:grpSpPr>
+      <p:sp>
+        <p:nvSpPr>
+          <p:cNvPr id="2" name="Espace réservé de l'image des diapositives 1"/>
+          <p:cNvSpPr>
+            <a:spLocks noGrp="1" noRot="1" noChangeAspect="1"/>
+          </p:cNvSpPr>
+          <p:nvPr>
+            <p:ph type="sldImg"/>
+          </p:nvPr>
+        </p:nvSpPr>
+        <p:spPr/>
+      </p:sp>
+      <p:sp>
+        <p:nvSpPr>
+          <p:cNvPr id="3" name="Espace réservé des notes 2"/>
+          <p:cNvSpPr>
+            <a:spLocks noGrp="1"/>
+          </p:cNvSpPr>
+          <p:nvPr>
+            <p:ph type="body" idx="1"/>
+          </p:nvPr>
+        </p:nvSpPr>
+        <p:spPr/>
+        <p:txBody>
+          <a:bodyPr/>
+          <a:lstStyle/>
+          <a:p>
+            <a:endParaRPr lang="fr-FR" dirty="0"/>
+          </a:p>
+        </p:txBody>
+      </p:sp>
+      <p:sp>
+        <p:nvSpPr>
+          <p:cNvPr id="4" name="Espace réservé du numéro de diapositive 3"/>
+          <p:cNvSpPr>
+            <a:spLocks noGrp="1"/>
+          </p:cNvSpPr>
+          <p:nvPr>
+            <p:ph type="sldNum" sz="quarter" idx="10"/>
+          </p:nvPr>
+        </p:nvSpPr>
+        <p:spPr/>
+        <p:txBody>
+          <a:bodyPr/>
+          <a:lstStyle/>
+          <a:p>
+            <a:fld id="{66641530-902D-4C06-9450-78EBD7B0878A}" type="slidenum">
+              <a:rPr lang="fr-FR" smtClean="0"/>
+              <a:t>1</a:t>
+            </a:fld>
+            <a:endParaRPr lang="fr-FR"/>
+          </a:p>
+        </p:txBody>
+      </p:sp>
+    </p:spTree>
+    <p:extLst>
+      <p:ext uri="{BB962C8B-B14F-4D97-AF65-F5344CB8AC3E}">
+        <p14:creationId xmlns:p14="http://schemas.microsoft.com/office/powerpoint/2010/main" val="2039035942"/>
+      </p:ext>
+    </p:extLst>
+  </p:cSld>
+  <p:clrMapOvr>
+    <a:masterClrMapping/>
+  </p:clrMapOvr>
+</p:notes>
 </file>
 
 <file path=ppt/slideLayouts/slideLayout1.xml><?xml version="1.0" encoding="utf-8"?>
@@ -4077,7 +4513,7 @@
           <p:nvPr/>
         </p:nvPicPr>
         <p:blipFill>
-          <a:blip r:embed="rId2"/>
+          <a:blip r:embed="rId3"/>
           <a:stretch>
             <a:fillRect/>
           </a:stretch>
@@ -6726,7 +7162,7 @@
                 <a:latin typeface="Segoe UI Semilight" panose="020B0402040204020203" pitchFamily="34" charset="0"/>
                 <a:cs typeface="Segoe UI Semilight" panose="020B0402040204020203" pitchFamily="34" charset="0"/>
               </a:rPr>
-              <a:t> = r, collision avec A</a:t>
+              <a:t> &lt; r, collision avec A</a:t>
             </a:r>
           </a:p>
           <a:p>
@@ -6752,7 +7188,7 @@
                 <a:latin typeface="Segoe UI Semilight" panose="020B0402040204020203" pitchFamily="34" charset="0"/>
                 <a:cs typeface="Segoe UI Semilight" panose="020B0402040204020203" pitchFamily="34" charset="0"/>
               </a:rPr>
-              <a:t> = r, collision avec C</a:t>
+              <a:t> &lt; r, collision avec C</a:t>
             </a:r>
           </a:p>
           <a:p>
@@ -6781,7 +7217,7 @@
                 <a:latin typeface="Segoe UI Semilight" panose="020B0402040204020203" pitchFamily="34" charset="0"/>
                 <a:cs typeface="Segoe UI Semilight" panose="020B0402040204020203" pitchFamily="34" charset="0"/>
               </a:rPr>
-              <a:t> = r, collision avec B</a:t>
+              <a:t> &lt; r, collision avec B</a:t>
             </a:r>
           </a:p>
         </p:txBody>
@@ -9933,6 +10369,301 @@
 <file path=ppt/theme/theme2.xml><?xml version="1.0" encoding="utf-8"?>
 <a:theme xmlns:a="http://schemas.openxmlformats.org/drawingml/2006/main" name="Thème Office">
   <a:themeElements>
+    <a:clrScheme name="Office">
+      <a:dk1>
+        <a:sysClr val="windowText" lastClr="000000"/>
+      </a:dk1>
+      <a:lt1>
+        <a:sysClr val="window" lastClr="FFFFFF"/>
+      </a:lt1>
+      <a:dk2>
+        <a:srgbClr val="44546A"/>
+      </a:dk2>
+      <a:lt2>
+        <a:srgbClr val="E7E6E6"/>
+      </a:lt2>
+      <a:accent1>
+        <a:srgbClr val="4472C4"/>
+      </a:accent1>
+      <a:accent2>
+        <a:srgbClr val="ED7D31"/>
+      </a:accent2>
+      <a:accent3>
+        <a:srgbClr val="A5A5A5"/>
+      </a:accent3>
+      <a:accent4>
+        <a:srgbClr val="FFC000"/>
+      </a:accent4>
+      <a:accent5>
+        <a:srgbClr val="5B9BD5"/>
+      </a:accent5>
+      <a:accent6>
+        <a:srgbClr val="70AD47"/>
+      </a:accent6>
+      <a:hlink>
+        <a:srgbClr val="0563C1"/>
+      </a:hlink>
+      <a:folHlink>
+        <a:srgbClr val="954F72"/>
+      </a:folHlink>
+    </a:clrScheme>
+    <a:fontScheme name="Office">
+      <a:majorFont>
+        <a:latin typeface="Calibri Light" panose="020F0302020204030204"/>
+        <a:ea typeface=""/>
+        <a:cs typeface=""/>
+        <a:font script="Jpan" typeface="游ゴシック Light"/>
+        <a:font script="Hang" typeface="맑은 고딕"/>
+        <a:font script="Hans" typeface="等线 Light"/>
+        <a:font script="Hant" typeface="新細明體"/>
+        <a:font script="Arab" typeface="Times New Roman"/>
+        <a:font script="Hebr" typeface="Times New Roman"/>
+        <a:font script="Thai" typeface="Angsana New"/>
+        <a:font script="Ethi" typeface="Nyala"/>
+        <a:font script="Beng" typeface="Vrinda"/>
+        <a:font script="Gujr" typeface="Shruti"/>
+        <a:font script="Khmr" typeface="MoolBoran"/>
+        <a:font script="Knda" typeface="Tunga"/>
+        <a:font script="Guru" typeface="Raavi"/>
+        <a:font script="Cans" typeface="Euphemia"/>
+        <a:font script="Cher" typeface="Plantagenet Cherokee"/>
+        <a:font script="Yiii" typeface="Microsoft Yi Baiti"/>
+        <a:font script="Tibt" typeface="Microsoft Himalaya"/>
+        <a:font script="Thaa" typeface="MV Boli"/>
+        <a:font script="Deva" typeface="Mangal"/>
+        <a:font script="Telu" typeface="Gautami"/>
+        <a:font script="Taml" typeface="Latha"/>
+        <a:font script="Syrc" typeface="Estrangelo Edessa"/>
+        <a:font script="Orya" typeface="Kalinga"/>
+        <a:font script="Mlym" typeface="Kartika"/>
+        <a:font script="Laoo" typeface="DokChampa"/>
+        <a:font script="Sinh" typeface="Iskoola Pota"/>
+        <a:font script="Mong" typeface="Mongolian Baiti"/>
+        <a:font script="Viet" typeface="Times New Roman"/>
+        <a:font script="Uigh" typeface="Microsoft Uighur"/>
+        <a:font script="Geor" typeface="Sylfaen"/>
+        <a:font script="Armn" typeface="Arial"/>
+        <a:font script="Bugi" typeface="Leelawadee UI"/>
+        <a:font script="Bopo" typeface="Microsoft JhengHei"/>
+        <a:font script="Java" typeface="Javanese Text"/>
+        <a:font script="Lisu" typeface="Segoe UI"/>
+        <a:font script="Mymr" typeface="Myanmar Text"/>
+        <a:font script="Nkoo" typeface="Ebrima"/>
+        <a:font script="Olck" typeface="Nirmala UI"/>
+        <a:font script="Osma" typeface="Ebrima"/>
+        <a:font script="Phag" typeface="Phagspa"/>
+        <a:font script="Syrn" typeface="Estrangelo Edessa"/>
+        <a:font script="Syrj" typeface="Estrangelo Edessa"/>
+        <a:font script="Syre" typeface="Estrangelo Edessa"/>
+        <a:font script="Sora" typeface="Nirmala UI"/>
+        <a:font script="Tale" typeface="Microsoft Tai Le"/>
+        <a:font script="Talu" typeface="Microsoft New Tai Lue"/>
+        <a:font script="Tfng" typeface="Ebrima"/>
+      </a:majorFont>
+      <a:minorFont>
+        <a:latin typeface="Calibri" panose="020F0502020204030204"/>
+        <a:ea typeface=""/>
+        <a:cs typeface=""/>
+        <a:font script="Jpan" typeface="游ゴシック"/>
+        <a:font script="Hang" typeface="맑은 고딕"/>
+        <a:font script="Hans" typeface="等线"/>
+        <a:font script="Hant" typeface="新細明體"/>
+        <a:font script="Arab" typeface="Arial"/>
+        <a:font script="Hebr" typeface="Arial"/>
+        <a:font script="Thai" typeface="Cordia New"/>
+        <a:font script="Ethi" typeface="Nyala"/>
+        <a:font script="Beng" typeface="Vrinda"/>
+        <a:font script="Gujr" typeface="Shruti"/>
+        <a:font script="Khmr" typeface="DaunPenh"/>
+        <a:font script="Knda" typeface="Tunga"/>
+        <a:font script="Guru" typeface="Raavi"/>
+        <a:font script="Cans" typeface="Euphemia"/>
+        <a:font script="Cher" typeface="Plantagenet Cherokee"/>
+        <a:font script="Yiii" typeface="Microsoft Yi Baiti"/>
+        <a:font script="Tibt" typeface="Microsoft Himalaya"/>
+        <a:font script="Thaa" typeface="MV Boli"/>
+        <a:font script="Deva" typeface="Mangal"/>
+        <a:font script="Telu" typeface="Gautami"/>
+        <a:font script="Taml" typeface="Latha"/>
+        <a:font script="Syrc" typeface="Estrangelo Edessa"/>
+        <a:font script="Orya" typeface="Kalinga"/>
+        <a:font script="Mlym" typeface="Kartika"/>
+        <a:font script="Laoo" typeface="DokChampa"/>
+        <a:font script="Sinh" typeface="Iskoola Pota"/>
+        <a:font script="Mong" typeface="Mongolian Baiti"/>
+        <a:font script="Viet" typeface="Arial"/>
+        <a:font script="Uigh" typeface="Microsoft Uighur"/>
+        <a:font script="Geor" typeface="Sylfaen"/>
+        <a:font script="Armn" typeface="Arial"/>
+        <a:font script="Bugi" typeface="Leelawadee UI"/>
+        <a:font script="Bopo" typeface="Microsoft JhengHei"/>
+        <a:font script="Java" typeface="Javanese Text"/>
+        <a:font script="Lisu" typeface="Segoe UI"/>
+        <a:font script="Mymr" typeface="Myanmar Text"/>
+        <a:font script="Nkoo" typeface="Ebrima"/>
+        <a:font script="Olck" typeface="Nirmala UI"/>
+        <a:font script="Osma" typeface="Ebrima"/>
+        <a:font script="Phag" typeface="Phagspa"/>
+        <a:font script="Syrn" typeface="Estrangelo Edessa"/>
+        <a:font script="Syrj" typeface="Estrangelo Edessa"/>
+        <a:font script="Syre" typeface="Estrangelo Edessa"/>
+        <a:font script="Sora" typeface="Nirmala UI"/>
+        <a:font script="Tale" typeface="Microsoft Tai Le"/>
+        <a:font script="Talu" typeface="Microsoft New Tai Lue"/>
+        <a:font script="Tfng" typeface="Ebrima"/>
+      </a:minorFont>
+    </a:fontScheme>
+    <a:fmtScheme name="Office">
+      <a:fillStyleLst>
+        <a:solidFill>
+          <a:schemeClr val="phClr"/>
+        </a:solidFill>
+        <a:gradFill rotWithShape="1">
+          <a:gsLst>
+            <a:gs pos="0">
+              <a:schemeClr val="phClr">
+                <a:lumMod val="110000"/>
+                <a:satMod val="105000"/>
+                <a:tint val="67000"/>
+              </a:schemeClr>
+            </a:gs>
+            <a:gs pos="50000">
+              <a:schemeClr val="phClr">
+                <a:lumMod val="105000"/>
+                <a:satMod val="103000"/>
+                <a:tint val="73000"/>
+              </a:schemeClr>
+            </a:gs>
+            <a:gs pos="100000">
+              <a:schemeClr val="phClr">
+                <a:lumMod val="105000"/>
+                <a:satMod val="109000"/>
+                <a:tint val="81000"/>
+              </a:schemeClr>
+            </a:gs>
+          </a:gsLst>
+          <a:lin ang="5400000" scaled="0"/>
+        </a:gradFill>
+        <a:gradFill rotWithShape="1">
+          <a:gsLst>
+            <a:gs pos="0">
+              <a:schemeClr val="phClr">
+                <a:satMod val="103000"/>
+                <a:lumMod val="102000"/>
+                <a:tint val="94000"/>
+              </a:schemeClr>
+            </a:gs>
+            <a:gs pos="50000">
+              <a:schemeClr val="phClr">
+                <a:satMod val="110000"/>
+                <a:lumMod val="100000"/>
+                <a:shade val="100000"/>
+              </a:schemeClr>
+            </a:gs>
+            <a:gs pos="100000">
+              <a:schemeClr val="phClr">
+                <a:lumMod val="99000"/>
+                <a:satMod val="120000"/>
+                <a:shade val="78000"/>
+              </a:schemeClr>
+            </a:gs>
+          </a:gsLst>
+          <a:lin ang="5400000" scaled="0"/>
+        </a:gradFill>
+      </a:fillStyleLst>
+      <a:lnStyleLst>
+        <a:ln w="6350" cap="flat" cmpd="sng" algn="ctr">
+          <a:solidFill>
+            <a:schemeClr val="phClr"/>
+          </a:solidFill>
+          <a:prstDash val="solid"/>
+          <a:miter lim="800000"/>
+        </a:ln>
+        <a:ln w="12700" cap="flat" cmpd="sng" algn="ctr">
+          <a:solidFill>
+            <a:schemeClr val="phClr"/>
+          </a:solidFill>
+          <a:prstDash val="solid"/>
+          <a:miter lim="800000"/>
+        </a:ln>
+        <a:ln w="19050" cap="flat" cmpd="sng" algn="ctr">
+          <a:solidFill>
+            <a:schemeClr val="phClr"/>
+          </a:solidFill>
+          <a:prstDash val="solid"/>
+          <a:miter lim="800000"/>
+        </a:ln>
+      </a:lnStyleLst>
+      <a:effectStyleLst>
+        <a:effectStyle>
+          <a:effectLst/>
+        </a:effectStyle>
+        <a:effectStyle>
+          <a:effectLst/>
+        </a:effectStyle>
+        <a:effectStyle>
+          <a:effectLst>
+            <a:outerShdw blurRad="57150" dist="19050" dir="5400000" algn="ctr" rotWithShape="0">
+              <a:srgbClr val="000000">
+                <a:alpha val="63000"/>
+              </a:srgbClr>
+            </a:outerShdw>
+          </a:effectLst>
+        </a:effectStyle>
+      </a:effectStyleLst>
+      <a:bgFillStyleLst>
+        <a:solidFill>
+          <a:schemeClr val="phClr"/>
+        </a:solidFill>
+        <a:solidFill>
+          <a:schemeClr val="phClr">
+            <a:tint val="95000"/>
+            <a:satMod val="170000"/>
+          </a:schemeClr>
+        </a:solidFill>
+        <a:gradFill rotWithShape="1">
+          <a:gsLst>
+            <a:gs pos="0">
+              <a:schemeClr val="phClr">
+                <a:tint val="93000"/>
+                <a:satMod val="150000"/>
+                <a:shade val="98000"/>
+                <a:lumMod val="102000"/>
+              </a:schemeClr>
+            </a:gs>
+            <a:gs pos="50000">
+              <a:schemeClr val="phClr">
+                <a:tint val="98000"/>
+                <a:satMod val="130000"/>
+                <a:shade val="90000"/>
+                <a:lumMod val="103000"/>
+              </a:schemeClr>
+            </a:gs>
+            <a:gs pos="100000">
+              <a:schemeClr val="phClr">
+                <a:shade val="63000"/>
+                <a:satMod val="120000"/>
+              </a:schemeClr>
+            </a:gs>
+          </a:gsLst>
+          <a:lin ang="5400000" scaled="0"/>
+        </a:gradFill>
+      </a:bgFillStyleLst>
+    </a:fmtScheme>
+  </a:themeElements>
+  <a:objectDefaults/>
+  <a:extraClrSchemeLst/>
+  <a:extLst>
+    <a:ext uri="{05A4C25C-085E-4340-85A3-A5531E510DB2}">
+      <thm15:themeFamily xmlns:thm15="http://schemas.microsoft.com/office/thememl/2012/main" name="Office Theme" id="{62F939B6-93AF-4DB8-9C6B-D6C7DFDC589F}" vid="{4A3C46E8-61CC-4603-A589-7422A47A8E4A}"/>
+    </a:ext>
+  </a:extLst>
+</a:theme>
+</file>
+
+<file path=ppt/theme/theme3.xml><?xml version="1.0" encoding="utf-8"?>
+<a:theme xmlns:a="http://schemas.openxmlformats.org/drawingml/2006/main" name="Thème Office">
+  <a:themeElements>
     <a:clrScheme name="Bureau">
       <a:dk1>
         <a:sysClr val="windowText" lastClr="000000"/>

--- a/Présentation projet/Projet ISN.pptx
+++ b/Présentation projet/Projet ISN.pptx
@@ -5,10 +5,10 @@
     <p:sldMasterId id="2147483648" r:id="rId2"/>
   </p:sldMasterIdLst>
   <p:notesMasterIdLst>
-    <p:notesMasterId r:id="rId19"/>
+    <p:notesMasterId r:id="rId20"/>
   </p:notesMasterIdLst>
   <p:handoutMasterIdLst>
-    <p:handoutMasterId r:id="rId20"/>
+    <p:handoutMasterId r:id="rId21"/>
   </p:handoutMasterIdLst>
   <p:sldIdLst>
     <p:sldId id="256" r:id="rId3"/>
@@ -24,9 +24,10 @@
     <p:sldId id="270" r:id="rId13"/>
     <p:sldId id="271" r:id="rId14"/>
     <p:sldId id="272" r:id="rId15"/>
-    <p:sldId id="273" r:id="rId16"/>
-    <p:sldId id="274" r:id="rId17"/>
-    <p:sldId id="275" r:id="rId18"/>
+    <p:sldId id="276" r:id="rId16"/>
+    <p:sldId id="273" r:id="rId17"/>
+    <p:sldId id="274" r:id="rId18"/>
+    <p:sldId id="275" r:id="rId19"/>
   </p:sldIdLst>
   <p:sldSz cx="9144000" cy="5143500" type="screen16x9"/>
   <p:notesSz cx="6858000" cy="9144000"/>
@@ -143,6 +144,7 @@
             <p14:sldId id="270"/>
             <p14:sldId id="271"/>
             <p14:sldId id="272"/>
+            <p14:sldId id="276"/>
             <p14:sldId id="273"/>
             <p14:sldId id="274"/>
             <p14:sldId id="275"/>
@@ -730,7 +732,10 @@
           <a:bodyPr/>
           <a:lstStyle/>
           <a:p>
-            <a:endParaRPr lang="fr-FR" dirty="0"/>
+            <a:r>
+              <a:rPr lang="fr-FR" dirty="0"/>
+              <a:t>Clément V.</a:t>
+            </a:r>
           </a:p>
         </p:txBody>
       </p:sp>
@@ -761,6 +766,267 @@
     <p:extLst>
       <p:ext uri="{BB962C8B-B14F-4D97-AF65-F5344CB8AC3E}">
         <p14:creationId xmlns:p14="http://schemas.microsoft.com/office/powerpoint/2010/main" val="2039035942"/>
+      </p:ext>
+    </p:extLst>
+  </p:cSld>
+  <p:clrMapOvr>
+    <a:masterClrMapping/>
+  </p:clrMapOvr>
+</p:notes>
+</file>
+
+<file path=ppt/notesSlides/notesSlide2.xml><?xml version="1.0" encoding="utf-8"?>
+<p:notes xmlns:a="http://schemas.openxmlformats.org/drawingml/2006/main" xmlns:r="http://schemas.openxmlformats.org/officeDocument/2006/relationships" xmlns:p="http://schemas.openxmlformats.org/presentationml/2006/main">
+  <p:cSld>
+    <p:spTree>
+      <p:nvGrpSpPr>
+        <p:cNvPr id="1" name=""/>
+        <p:cNvGrpSpPr/>
+        <p:nvPr/>
+      </p:nvGrpSpPr>
+      <p:grpSpPr>
+        <a:xfrm>
+          <a:off x="0" y="0"/>
+          <a:ext cx="0" cy="0"/>
+          <a:chOff x="0" y="0"/>
+          <a:chExt cx="0" cy="0"/>
+        </a:xfrm>
+      </p:grpSpPr>
+      <p:sp>
+        <p:nvSpPr>
+          <p:cNvPr id="2" name="Espace réservé de l'image des diapositives 1"/>
+          <p:cNvSpPr>
+            <a:spLocks noGrp="1" noRot="1" noChangeAspect="1"/>
+          </p:cNvSpPr>
+          <p:nvPr>
+            <p:ph type="sldImg"/>
+          </p:nvPr>
+        </p:nvSpPr>
+        <p:spPr/>
+      </p:sp>
+      <p:sp>
+        <p:nvSpPr>
+          <p:cNvPr id="3" name="Espace réservé des notes 2"/>
+          <p:cNvSpPr>
+            <a:spLocks noGrp="1"/>
+          </p:cNvSpPr>
+          <p:nvPr>
+            <p:ph type="body" idx="1"/>
+          </p:nvPr>
+        </p:nvSpPr>
+        <p:spPr/>
+        <p:txBody>
+          <a:bodyPr/>
+          <a:lstStyle/>
+          <a:p>
+            <a:r>
+              <a:rPr lang="fr-FR" dirty="0"/>
+              <a:t>Clément G. / Clément V.</a:t>
+            </a:r>
+          </a:p>
+        </p:txBody>
+      </p:sp>
+      <p:sp>
+        <p:nvSpPr>
+          <p:cNvPr id="4" name="Espace réservé du numéro de diapositive 3"/>
+          <p:cNvSpPr>
+            <a:spLocks noGrp="1"/>
+          </p:cNvSpPr>
+          <p:nvPr>
+            <p:ph type="sldNum" sz="quarter" idx="10"/>
+          </p:nvPr>
+        </p:nvSpPr>
+        <p:spPr/>
+        <p:txBody>
+          <a:bodyPr/>
+          <a:lstStyle/>
+          <a:p>
+            <a:fld id="{66641530-902D-4C06-9450-78EBD7B0878A}" type="slidenum">
+              <a:rPr lang="fr-FR" smtClean="0"/>
+              <a:t>2</a:t>
+            </a:fld>
+            <a:endParaRPr lang="fr-FR"/>
+          </a:p>
+        </p:txBody>
+      </p:sp>
+    </p:spTree>
+    <p:extLst>
+      <p:ext uri="{BB962C8B-B14F-4D97-AF65-F5344CB8AC3E}">
+        <p14:creationId xmlns:p14="http://schemas.microsoft.com/office/powerpoint/2010/main" val="453538282"/>
+      </p:ext>
+    </p:extLst>
+  </p:cSld>
+  <p:clrMapOvr>
+    <a:masterClrMapping/>
+  </p:clrMapOvr>
+</p:notes>
+</file>
+
+<file path=ppt/notesSlides/notesSlide3.xml><?xml version="1.0" encoding="utf-8"?>
+<p:notes xmlns:a="http://schemas.openxmlformats.org/drawingml/2006/main" xmlns:r="http://schemas.openxmlformats.org/officeDocument/2006/relationships" xmlns:p="http://schemas.openxmlformats.org/presentationml/2006/main">
+  <p:cSld>
+    <p:spTree>
+      <p:nvGrpSpPr>
+        <p:cNvPr id="1" name=""/>
+        <p:cNvGrpSpPr/>
+        <p:nvPr/>
+      </p:nvGrpSpPr>
+      <p:grpSpPr>
+        <a:xfrm>
+          <a:off x="0" y="0"/>
+          <a:ext cx="0" cy="0"/>
+          <a:chOff x="0" y="0"/>
+          <a:chExt cx="0" cy="0"/>
+        </a:xfrm>
+      </p:grpSpPr>
+      <p:sp>
+        <p:nvSpPr>
+          <p:cNvPr id="2" name="Espace réservé de l'image des diapositives 1"/>
+          <p:cNvSpPr>
+            <a:spLocks noGrp="1" noRot="1" noChangeAspect="1"/>
+          </p:cNvSpPr>
+          <p:nvPr>
+            <p:ph type="sldImg"/>
+          </p:nvPr>
+        </p:nvSpPr>
+        <p:spPr/>
+      </p:sp>
+      <p:sp>
+        <p:nvSpPr>
+          <p:cNvPr id="3" name="Espace réservé des notes 2"/>
+          <p:cNvSpPr>
+            <a:spLocks noGrp="1"/>
+          </p:cNvSpPr>
+          <p:nvPr>
+            <p:ph type="body" idx="1"/>
+          </p:nvPr>
+        </p:nvSpPr>
+        <p:spPr/>
+        <p:txBody>
+          <a:bodyPr/>
+          <a:lstStyle/>
+          <a:p>
+            <a:r>
+              <a:rPr lang="fr-FR" dirty="0"/>
+              <a:t>Vincent</a:t>
+            </a:r>
+          </a:p>
+        </p:txBody>
+      </p:sp>
+      <p:sp>
+        <p:nvSpPr>
+          <p:cNvPr id="4" name="Espace réservé du numéro de diapositive 3"/>
+          <p:cNvSpPr>
+            <a:spLocks noGrp="1"/>
+          </p:cNvSpPr>
+          <p:nvPr>
+            <p:ph type="sldNum" sz="quarter" idx="10"/>
+          </p:nvPr>
+        </p:nvSpPr>
+        <p:spPr/>
+        <p:txBody>
+          <a:bodyPr/>
+          <a:lstStyle/>
+          <a:p>
+            <a:fld id="{66641530-902D-4C06-9450-78EBD7B0878A}" type="slidenum">
+              <a:rPr lang="fr-FR" smtClean="0"/>
+              <a:t>3</a:t>
+            </a:fld>
+            <a:endParaRPr lang="fr-FR"/>
+          </a:p>
+        </p:txBody>
+      </p:sp>
+    </p:spTree>
+    <p:extLst>
+      <p:ext uri="{BB962C8B-B14F-4D97-AF65-F5344CB8AC3E}">
+        <p14:creationId xmlns:p14="http://schemas.microsoft.com/office/powerpoint/2010/main" val="1498374207"/>
+      </p:ext>
+    </p:extLst>
+  </p:cSld>
+  <p:clrMapOvr>
+    <a:masterClrMapping/>
+  </p:clrMapOvr>
+</p:notes>
+</file>
+
+<file path=ppt/notesSlides/notesSlide4.xml><?xml version="1.0" encoding="utf-8"?>
+<p:notes xmlns:a="http://schemas.openxmlformats.org/drawingml/2006/main" xmlns:r="http://schemas.openxmlformats.org/officeDocument/2006/relationships" xmlns:p="http://schemas.openxmlformats.org/presentationml/2006/main">
+  <p:cSld>
+    <p:spTree>
+      <p:nvGrpSpPr>
+        <p:cNvPr id="1" name=""/>
+        <p:cNvGrpSpPr/>
+        <p:nvPr/>
+      </p:nvGrpSpPr>
+      <p:grpSpPr>
+        <a:xfrm>
+          <a:off x="0" y="0"/>
+          <a:ext cx="0" cy="0"/>
+          <a:chOff x="0" y="0"/>
+          <a:chExt cx="0" cy="0"/>
+        </a:xfrm>
+      </p:grpSpPr>
+      <p:sp>
+        <p:nvSpPr>
+          <p:cNvPr id="2" name="Espace réservé de l'image des diapositives 1"/>
+          <p:cNvSpPr>
+            <a:spLocks noGrp="1" noRot="1" noChangeAspect="1"/>
+          </p:cNvSpPr>
+          <p:nvPr>
+            <p:ph type="sldImg"/>
+          </p:nvPr>
+        </p:nvSpPr>
+        <p:spPr/>
+      </p:sp>
+      <p:sp>
+        <p:nvSpPr>
+          <p:cNvPr id="3" name="Espace réservé des notes 2"/>
+          <p:cNvSpPr>
+            <a:spLocks noGrp="1"/>
+          </p:cNvSpPr>
+          <p:nvPr>
+            <p:ph type="body" idx="1"/>
+          </p:nvPr>
+        </p:nvSpPr>
+        <p:spPr/>
+        <p:txBody>
+          <a:bodyPr/>
+          <a:lstStyle/>
+          <a:p>
+            <a:r>
+              <a:rPr lang="fr-FR" dirty="0"/>
+              <a:t>Vincent. Collision simplifié</a:t>
+            </a:r>
+          </a:p>
+        </p:txBody>
+      </p:sp>
+      <p:sp>
+        <p:nvSpPr>
+          <p:cNvPr id="4" name="Espace réservé du numéro de diapositive 3"/>
+          <p:cNvSpPr>
+            <a:spLocks noGrp="1"/>
+          </p:cNvSpPr>
+          <p:nvPr>
+            <p:ph type="sldNum" sz="quarter" idx="10"/>
+          </p:nvPr>
+        </p:nvSpPr>
+        <p:spPr/>
+        <p:txBody>
+          <a:bodyPr/>
+          <a:lstStyle/>
+          <a:p>
+            <a:fld id="{66641530-902D-4C06-9450-78EBD7B0878A}" type="slidenum">
+              <a:rPr lang="fr-FR" smtClean="0"/>
+              <a:t>4</a:t>
+            </a:fld>
+            <a:endParaRPr lang="fr-FR"/>
+          </a:p>
+        </p:txBody>
+      </p:sp>
+    </p:spTree>
+    <p:extLst>
+      <p:ext uri="{BB962C8B-B14F-4D97-AF65-F5344CB8AC3E}">
+        <p14:creationId xmlns:p14="http://schemas.microsoft.com/office/powerpoint/2010/main" val="3954143336"/>
       </p:ext>
     </p:extLst>
   </p:cSld>
@@ -4454,7 +4720,7 @@
           <a:lstStyle/>
           <a:p>
             <a:r>
-              <a:rPr lang="fr-FR" dirty="0"/>
+              <a:rPr lang="fr-FR" u="sng" dirty="0"/>
               <a:t>Projet ISN : Un premier jeu</a:t>
             </a:r>
           </a:p>
@@ -4476,23 +4742,23 @@
           <a:lstStyle/>
           <a:p>
             <a:r>
-              <a:rPr lang="fr-FR" dirty="0"/>
+              <a:rPr lang="fr-FR" u="sng" dirty="0"/>
               <a:t>Revisite du mythique « </a:t>
             </a:r>
             <a:r>
-              <a:rPr lang="fr-FR" dirty="0" err="1"/>
+              <a:rPr lang="fr-FR" u="sng" dirty="0" err="1"/>
               <a:t>Space</a:t>
             </a:r>
             <a:r>
-              <a:rPr lang="fr-FR" dirty="0"/>
+              <a:rPr lang="fr-FR" u="sng" dirty="0"/>
               <a:t> </a:t>
             </a:r>
             <a:r>
-              <a:rPr lang="fr-FR" dirty="0" err="1"/>
+              <a:rPr lang="fr-FR" u="sng" dirty="0" err="1"/>
               <a:t>Invaders</a:t>
             </a:r>
             <a:r>
-              <a:rPr lang="fr-FR" dirty="0"/>
+              <a:rPr lang="fr-FR" u="sng" dirty="0"/>
               <a:t> »</a:t>
             </a:r>
           </a:p>
@@ -4526,6 +4792,7 @@
           <a:prstGeom prst="rect">
             <a:avLst/>
           </a:prstGeom>
+          <a:noFill/>
         </p:spPr>
       </p:pic>
       <p:sp>
@@ -4561,7 +4828,7 @@
                 <a:latin typeface="Segoe UI Semilight" panose="020B0402040204020203" pitchFamily="34" charset="0"/>
                 <a:cs typeface="Segoe UI Semilight" panose="020B0402040204020203" pitchFamily="34" charset="0"/>
               </a:rPr>
-              <a:t>Fig. 1 : Ecran d’accueil</a:t>
+              <a:t>Ecran d’accueil</a:t>
             </a:r>
           </a:p>
         </p:txBody>
@@ -5470,10 +5737,10 @@
       </p:grpSpPr>
       <p:sp>
         <p:nvSpPr>
-          <p:cNvPr id="2" name="Espace réservé du texte 1">
+          <p:cNvPr id="2" name="Titre 1">
             <a:extLst>
               <a:ext uri="{FF2B5EF4-FFF2-40B4-BE49-F238E27FC236}">
-                <a16:creationId xmlns:a16="http://schemas.microsoft.com/office/drawing/2014/main" id="{592FF3E2-BEA2-48EF-904E-BA12E0A1A7DE}"/>
+                <a16:creationId xmlns:a16="http://schemas.microsoft.com/office/drawing/2014/main" id="{B588647B-03D1-4728-A2B8-02DAB37AD1BD}"/>
               </a:ext>
             </a:extLst>
           </p:cNvPr>
@@ -5481,34 +5748,56 @@
             <a:spLocks noGrp="1"/>
           </p:cNvSpPr>
           <p:nvPr>
-            <p:ph type="body" sz="quarter" idx="13"/>
-          </p:nvPr>
-        </p:nvSpPr>
-        <p:spPr>
-          <a:xfrm>
-            <a:off x="317421" y="358311"/>
-            <a:ext cx="3714829" cy="272821"/>
-          </a:xfrm>
-        </p:spPr>
-        <p:txBody>
-          <a:bodyPr>
-            <a:normAutofit/>
-          </a:bodyPr>
+            <p:ph type="title"/>
+          </p:nvPr>
+        </p:nvSpPr>
+        <p:spPr/>
+        <p:txBody>
+          <a:bodyPr/>
           <a:lstStyle/>
           <a:p>
             <a:r>
               <a:rPr lang="fr-FR" dirty="0"/>
-              <a:t>Menu des options et barres de réglage</a:t>
-            </a:r>
-          </a:p>
-        </p:txBody>
-      </p:sp>
-      <p:sp>
-        <p:nvSpPr>
-          <p:cNvPr id="3" name="Espace réservé du texte 2">
+              <a:t>Menus</a:t>
+            </a:r>
+          </a:p>
+        </p:txBody>
+      </p:sp>
+      <p:pic>
+        <p:nvPicPr>
+          <p:cNvPr id="6" name="Espace réservé du contenu 5">
             <a:extLst>
               <a:ext uri="{FF2B5EF4-FFF2-40B4-BE49-F238E27FC236}">
-                <a16:creationId xmlns:a16="http://schemas.microsoft.com/office/drawing/2014/main" id="{87BC9DCC-E82B-49D5-9980-2FF7CDC00578}"/>
+                <a16:creationId xmlns:a16="http://schemas.microsoft.com/office/drawing/2014/main" id="{59E57518-0809-4053-8E5E-3C23F282236A}"/>
+              </a:ext>
+            </a:extLst>
+          </p:cNvPr>
+          <p:cNvPicPr>
+            <a:picLocks noGrp="1" noChangeAspect="1"/>
+          </p:cNvPicPr>
+          <p:nvPr>
+            <p:ph idx="1"/>
+          </p:nvPr>
+        </p:nvPicPr>
+        <p:blipFill>
+          <a:blip r:embed="rId2"/>
+          <a:stretch>
+            <a:fillRect/>
+          </a:stretch>
+        </p:blipFill>
+        <p:spPr>
+          <a:xfrm>
+            <a:off x="179310" y="857667"/>
+            <a:ext cx="1352739" cy="181000"/>
+          </a:xfrm>
+        </p:spPr>
+      </p:pic>
+      <p:sp>
+        <p:nvSpPr>
+          <p:cNvPr id="4" name="Espace réservé du texte 3">
+            <a:extLst>
+              <a:ext uri="{FF2B5EF4-FFF2-40B4-BE49-F238E27FC236}">
+                <a16:creationId xmlns:a16="http://schemas.microsoft.com/office/drawing/2014/main" id="{2FD3F4CB-A094-4D9A-8A51-3EDC6D1BDEDA}"/>
               </a:ext>
             </a:extLst>
           </p:cNvPr>
@@ -5516,7 +5805,7 @@
             <a:spLocks noGrp="1"/>
           </p:cNvSpPr>
           <p:nvPr>
-            <p:ph type="body" sz="quarter" idx="14"/>
+            <p:ph type="body" sz="quarter" idx="13"/>
           </p:nvPr>
         </p:nvSpPr>
         <p:spPr/>
@@ -5526,17 +5815,17 @@
           <a:p>
             <a:r>
               <a:rPr lang="fr-FR" dirty="0"/>
-              <a:t>Menus</a:t>
+              <a:t>Barres de réglages</a:t>
             </a:r>
           </a:p>
         </p:txBody>
       </p:sp>
       <p:pic>
         <p:nvPicPr>
-          <p:cNvPr id="5" name="Image 4">
+          <p:cNvPr id="8" name="Image 7">
             <a:extLst>
               <a:ext uri="{FF2B5EF4-FFF2-40B4-BE49-F238E27FC236}">
-                <a16:creationId xmlns:a16="http://schemas.microsoft.com/office/drawing/2014/main" id="{E98E8F67-C68F-4893-8C8F-A37CDB914C54}"/>
+                <a16:creationId xmlns:a16="http://schemas.microsoft.com/office/drawing/2014/main" id="{7B76A3B4-76B0-4521-BFC9-49096DB8FD90}"/>
               </a:ext>
             </a:extLst>
           </p:cNvPr>
@@ -5546,65 +5835,87 @@
           <p:nvPr/>
         </p:nvPicPr>
         <p:blipFill>
-          <a:blip r:embed="rId2"/>
+          <a:blip r:embed="rId3"/>
           <a:stretch>
             <a:fillRect/>
           </a:stretch>
         </p:blipFill>
         <p:spPr>
           <a:xfrm>
-            <a:off x="317421" y="1168400"/>
-            <a:ext cx="4425425" cy="3316310"/>
+            <a:off x="179310" y="1139261"/>
+            <a:ext cx="4392690" cy="1126920"/>
           </a:xfrm>
           <a:prstGeom prst="rect">
             <a:avLst/>
           </a:prstGeom>
         </p:spPr>
       </p:pic>
-      <p:sp>
-        <p:nvSpPr>
-          <p:cNvPr id="6" name="ZoneTexte 5">
+      <p:pic>
+        <p:nvPicPr>
+          <p:cNvPr id="10" name="Image 9">
             <a:extLst>
               <a:ext uri="{FF2B5EF4-FFF2-40B4-BE49-F238E27FC236}">
-                <a16:creationId xmlns:a16="http://schemas.microsoft.com/office/drawing/2014/main" id="{D8F7D0BA-BE62-4505-8065-6EA8579FBE5A}"/>
+                <a16:creationId xmlns:a16="http://schemas.microsoft.com/office/drawing/2014/main" id="{2BBADFE1-709C-4451-B48F-A301E8F45A7F}"/>
               </a:ext>
             </a:extLst>
           </p:cNvPr>
-          <p:cNvSpPr txBox="1"/>
+          <p:cNvPicPr>
+            <a:picLocks noChangeAspect="1"/>
+          </p:cNvPicPr>
           <p:nvPr/>
-        </p:nvSpPr>
-        <p:spPr>
-          <a:xfrm>
-            <a:off x="5332033" y="1531034"/>
-            <a:ext cx="3448050" cy="646331"/>
+        </p:nvPicPr>
+        <p:blipFill>
+          <a:blip r:embed="rId4"/>
+          <a:stretch>
+            <a:fillRect/>
+          </a:stretch>
+        </p:blipFill>
+        <p:spPr>
+          <a:xfrm>
+            <a:off x="197663" y="2500302"/>
+            <a:ext cx="3677163" cy="142895"/>
           </a:xfrm>
           <a:prstGeom prst="rect">
             <a:avLst/>
           </a:prstGeom>
-          <a:noFill/>
-        </p:spPr>
-        <p:txBody>
-          <a:bodyPr wrap="square" rtlCol="0">
-            <a:spAutoFit/>
-          </a:bodyPr>
-          <a:lstStyle/>
-          <a:p>
-            <a:r>
-              <a:rPr lang="fr-FR" dirty="0">
-                <a:latin typeface="Segoe UI Semilight" panose="020B0402040204020203" pitchFamily="34" charset="0"/>
-                <a:cs typeface="Segoe UI Semilight" panose="020B0402040204020203" pitchFamily="34" charset="0"/>
-              </a:rPr>
-              <a:t>Actualisation automatique de la taille des ennemis et du vaisseau</a:t>
-            </a:r>
-          </a:p>
-        </p:txBody>
-      </p:sp>
-      <p:sp>
-        <p:nvSpPr>
-          <p:cNvPr id="7" name="Arc 6">
+        </p:spPr>
+      </p:pic>
+      <p:pic>
+        <p:nvPicPr>
+          <p:cNvPr id="12" name="Image 11">
             <a:extLst>
               <a:ext uri="{FF2B5EF4-FFF2-40B4-BE49-F238E27FC236}">
-                <a16:creationId xmlns:a16="http://schemas.microsoft.com/office/drawing/2014/main" id="{81C788E2-5121-48BC-91B2-FEAC8B08DCD3}"/>
+                <a16:creationId xmlns:a16="http://schemas.microsoft.com/office/drawing/2014/main" id="{4A85E829-C25A-4ECE-A185-D6DE89208119}"/>
+              </a:ext>
+            </a:extLst>
+          </p:cNvPr>
+          <p:cNvPicPr>
+            <a:picLocks noChangeAspect="1"/>
+          </p:cNvPicPr>
+          <p:nvPr/>
+        </p:nvPicPr>
+        <p:blipFill>
+          <a:blip r:embed="rId5"/>
+          <a:stretch>
+            <a:fillRect/>
+          </a:stretch>
+        </p:blipFill>
+        <p:spPr>
+          <a:xfrm>
+            <a:off x="179310" y="3028065"/>
+            <a:ext cx="3487768" cy="1904911"/>
+          </a:xfrm>
+          <a:prstGeom prst="rect">
+            <a:avLst/>
+          </a:prstGeom>
+        </p:spPr>
+      </p:pic>
+      <p:sp>
+        <p:nvSpPr>
+          <p:cNvPr id="13" name="Arc 12">
+            <a:extLst>
+              <a:ext uri="{FF2B5EF4-FFF2-40B4-BE49-F238E27FC236}">
+                <a16:creationId xmlns:a16="http://schemas.microsoft.com/office/drawing/2014/main" id="{8B011D02-6B6C-4CA1-B39C-5D43108F25DD}"/>
               </a:ext>
             </a:extLst>
           </p:cNvPr>
@@ -5613,13 +5924,13 @@
         </p:nvSpPr>
         <p:spPr>
           <a:xfrm>
-            <a:off x="4694617" y="1377950"/>
-            <a:ext cx="216504" cy="990600"/>
+            <a:off x="4619999" y="857667"/>
+            <a:ext cx="315071" cy="1408514"/>
           </a:xfrm>
           <a:prstGeom prst="arc">
             <a:avLst>
               <a:gd name="adj1" fmla="val 16200000"/>
-              <a:gd name="adj2" fmla="val 5252065"/>
+              <a:gd name="adj2" fmla="val 5487048"/>
             </a:avLst>
           </a:prstGeom>
         </p:spPr>
@@ -5648,10 +5959,10 @@
       </p:sp>
       <p:sp>
         <p:nvSpPr>
-          <p:cNvPr id="8" name="Flèche : droite 7">
+          <p:cNvPr id="14" name="Flèche : droite 13">
             <a:extLst>
               <a:ext uri="{FF2B5EF4-FFF2-40B4-BE49-F238E27FC236}">
-                <a16:creationId xmlns:a16="http://schemas.microsoft.com/office/drawing/2014/main" id="{E7633119-F7D4-4628-9197-59BEA784FCFB}"/>
+                <a16:creationId xmlns:a16="http://schemas.microsoft.com/office/drawing/2014/main" id="{74953C55-D2F0-4374-91FA-924F73AE9BD2}"/>
               </a:ext>
             </a:extLst>
           </p:cNvPr>
@@ -5660,8 +5971,8 @@
         </p:nvSpPr>
         <p:spPr>
           <a:xfrm>
-            <a:off x="4972050" y="1682750"/>
-            <a:ext cx="285750" cy="342900"/>
+            <a:off x="5058898" y="1361053"/>
+            <a:ext cx="380437" cy="401741"/>
           </a:xfrm>
           <a:prstGeom prst="rightArrow">
             <a:avLst/>
@@ -5692,10 +6003,48 @@
       </p:sp>
       <p:sp>
         <p:nvSpPr>
-          <p:cNvPr id="9" name="Arc 8">
+          <p:cNvPr id="15" name="ZoneTexte 14">
             <a:extLst>
               <a:ext uri="{FF2B5EF4-FFF2-40B4-BE49-F238E27FC236}">
-                <a16:creationId xmlns:a16="http://schemas.microsoft.com/office/drawing/2014/main" id="{CE871637-BF16-4B7A-BF28-E94AC75030AA}"/>
+                <a16:creationId xmlns:a16="http://schemas.microsoft.com/office/drawing/2014/main" id="{7965C026-DF12-469E-A4FF-DAA787A5CEC5}"/>
+              </a:ext>
+            </a:extLst>
+          </p:cNvPr>
+          <p:cNvSpPr txBox="1"/>
+          <p:nvPr/>
+        </p:nvSpPr>
+        <p:spPr>
+          <a:xfrm>
+            <a:off x="5895023" y="1238757"/>
+            <a:ext cx="2879183" cy="646331"/>
+          </a:xfrm>
+          <a:prstGeom prst="rect">
+            <a:avLst/>
+          </a:prstGeom>
+          <a:noFill/>
+        </p:spPr>
+        <p:txBody>
+          <a:bodyPr wrap="square" rtlCol="0">
+            <a:spAutoFit/>
+          </a:bodyPr>
+          <a:lstStyle/>
+          <a:p>
+            <a:r>
+              <a:rPr lang="fr-FR" dirty="0">
+                <a:latin typeface="Segoe UI Semilight" panose="020B0402040204020203" pitchFamily="34" charset="0"/>
+                <a:cs typeface="Segoe UI Semilight" panose="020B0402040204020203" pitchFamily="34" charset="0"/>
+              </a:rPr>
+              <a:t>Importation de la librairie et initialisation des barres</a:t>
+            </a:r>
+          </a:p>
+        </p:txBody>
+      </p:sp>
+      <p:sp>
+        <p:nvSpPr>
+          <p:cNvPr id="16" name="Flèche : droite 15">
+            <a:extLst>
+              <a:ext uri="{FF2B5EF4-FFF2-40B4-BE49-F238E27FC236}">
+                <a16:creationId xmlns:a16="http://schemas.microsoft.com/office/drawing/2014/main" id="{47771C2A-DAF4-48C5-89FA-9488A94E04E8}"/>
               </a:ext>
             </a:extLst>
           </p:cNvPr>
@@ -5704,55 +6053,8 @@
         </p:nvSpPr>
         <p:spPr>
           <a:xfrm>
-            <a:off x="4694617" y="2429568"/>
-            <a:ext cx="216504" cy="1374082"/>
-          </a:xfrm>
-          <a:prstGeom prst="arc">
-            <a:avLst>
-              <a:gd name="adj1" fmla="val 16200000"/>
-              <a:gd name="adj2" fmla="val 5252065"/>
-            </a:avLst>
-          </a:prstGeom>
-        </p:spPr>
-        <p:style>
-          <a:lnRef idx="2">
-            <a:schemeClr val="accent1"/>
-          </a:lnRef>
-          <a:fillRef idx="0">
-            <a:schemeClr val="accent1"/>
-          </a:fillRef>
-          <a:effectRef idx="1">
-            <a:schemeClr val="accent1"/>
-          </a:effectRef>
-          <a:fontRef idx="minor">
-            <a:schemeClr val="tx1"/>
-          </a:fontRef>
-        </p:style>
-        <p:txBody>
-          <a:bodyPr rtlCol="0" anchor="ctr"/>
-          <a:lstStyle/>
-          <a:p>
-            <a:pPr algn="ctr"/>
-            <a:endParaRPr lang="fr-FR"/>
-          </a:p>
-        </p:txBody>
-      </p:sp>
-      <p:sp>
-        <p:nvSpPr>
-          <p:cNvPr id="10" name="Flèche : droite 9">
-            <a:extLst>
-              <a:ext uri="{FF2B5EF4-FFF2-40B4-BE49-F238E27FC236}">
-                <a16:creationId xmlns:a16="http://schemas.microsoft.com/office/drawing/2014/main" id="{535FFAE8-9FEB-44CC-8655-66D2536236BE}"/>
-              </a:ext>
-            </a:extLst>
-          </p:cNvPr>
-          <p:cNvSpPr/>
-          <p:nvPr/>
-        </p:nvSpPr>
-        <p:spPr>
-          <a:xfrm>
-            <a:off x="4972050" y="2734368"/>
-            <a:ext cx="285750" cy="342900"/>
+            <a:off x="4235820" y="2372569"/>
+            <a:ext cx="1203515" cy="401741"/>
           </a:xfrm>
           <a:prstGeom prst="rightArrow">
             <a:avLst/>
@@ -5783,10 +6085,10 @@
       </p:sp>
       <p:sp>
         <p:nvSpPr>
-          <p:cNvPr id="11" name="ZoneTexte 10">
+          <p:cNvPr id="17" name="ZoneTexte 16">
             <a:extLst>
               <a:ext uri="{FF2B5EF4-FFF2-40B4-BE49-F238E27FC236}">
-                <a16:creationId xmlns:a16="http://schemas.microsoft.com/office/drawing/2014/main" id="{B1EA9BC4-89DF-4570-9C2A-D105B22461AE}"/>
+                <a16:creationId xmlns:a16="http://schemas.microsoft.com/office/drawing/2014/main" id="{CC443031-3F97-4449-A77C-0B9FB68B9013}"/>
               </a:ext>
             </a:extLst>
           </p:cNvPr>
@@ -5795,8 +6097,8 @@
         </p:nvSpPr>
         <p:spPr>
           <a:xfrm>
-            <a:off x="5454650" y="2429568"/>
-            <a:ext cx="3325433" cy="923330"/>
+            <a:off x="5762065" y="2383892"/>
+            <a:ext cx="3321424" cy="646331"/>
           </a:xfrm>
           <a:prstGeom prst="rect">
             <a:avLst/>
@@ -5814,7 +6116,184 @@
                 <a:latin typeface="Segoe UI Semilight" panose="020B0402040204020203" pitchFamily="34" charset="0"/>
                 <a:cs typeface="Segoe UI Semilight" panose="020B0402040204020203" pitchFamily="34" charset="0"/>
               </a:rPr>
-              <a:t>Réglage des vitesses, du volume et de la chance d’apparition des ennemis</a:t>
+              <a:t>Affichage des barres lors de l’affichage du menu des options</a:t>
+            </a:r>
+          </a:p>
+        </p:txBody>
+      </p:sp>
+      <p:sp>
+        <p:nvSpPr>
+          <p:cNvPr id="18" name="Flèche : droite 17">
+            <a:extLst>
+              <a:ext uri="{FF2B5EF4-FFF2-40B4-BE49-F238E27FC236}">
+                <a16:creationId xmlns:a16="http://schemas.microsoft.com/office/drawing/2014/main" id="{5C1DBF73-913E-4811-80A1-E30A1C542757}"/>
+              </a:ext>
+            </a:extLst>
+          </p:cNvPr>
+          <p:cNvSpPr/>
+          <p:nvPr/>
+        </p:nvSpPr>
+        <p:spPr>
+          <a:xfrm>
+            <a:off x="3859866" y="3779649"/>
+            <a:ext cx="1579469" cy="401741"/>
+          </a:xfrm>
+          <a:prstGeom prst="rightArrow">
+            <a:avLst/>
+          </a:prstGeom>
+        </p:spPr>
+        <p:style>
+          <a:lnRef idx="1">
+            <a:schemeClr val="accent1"/>
+          </a:lnRef>
+          <a:fillRef idx="3">
+            <a:schemeClr val="accent1"/>
+          </a:fillRef>
+          <a:effectRef idx="2">
+            <a:schemeClr val="accent1"/>
+          </a:effectRef>
+          <a:fontRef idx="minor">
+            <a:schemeClr val="lt1"/>
+          </a:fontRef>
+        </p:style>
+        <p:txBody>
+          <a:bodyPr rtlCol="0" anchor="ctr"/>
+          <a:lstStyle/>
+          <a:p>
+            <a:pPr algn="ctr"/>
+            <a:endParaRPr lang="fr-FR"/>
+          </a:p>
+        </p:txBody>
+      </p:sp>
+      <p:sp>
+        <p:nvSpPr>
+          <p:cNvPr id="19" name="ZoneTexte 18">
+            <a:extLst>
+              <a:ext uri="{FF2B5EF4-FFF2-40B4-BE49-F238E27FC236}">
+                <a16:creationId xmlns:a16="http://schemas.microsoft.com/office/drawing/2014/main" id="{06565327-49DA-4DF3-8C5A-9FC3E80C3752}"/>
+              </a:ext>
+            </a:extLst>
+          </p:cNvPr>
+          <p:cNvSpPr txBox="1"/>
+          <p:nvPr/>
+        </p:nvSpPr>
+        <p:spPr>
+          <a:xfrm>
+            <a:off x="5647765" y="3294529"/>
+            <a:ext cx="3316925" cy="1477328"/>
+          </a:xfrm>
+          <a:prstGeom prst="rect">
+            <a:avLst/>
+          </a:prstGeom>
+          <a:noFill/>
+        </p:spPr>
+        <p:txBody>
+          <a:bodyPr wrap="square" rtlCol="0">
+            <a:spAutoFit/>
+          </a:bodyPr>
+          <a:lstStyle/>
+          <a:p>
+            <a:r>
+              <a:rPr lang="fr-FR" dirty="0">
+                <a:latin typeface="Segoe UI Semilight" panose="020B0402040204020203" pitchFamily="34" charset="0"/>
+                <a:cs typeface="Segoe UI Semilight" panose="020B0402040204020203" pitchFamily="34" charset="0"/>
+              </a:rPr>
+              <a:t>Récupération des valeurs : </a:t>
+            </a:r>
+          </a:p>
+          <a:p>
+            <a:pPr marL="285750" indent="-285750">
+              <a:buFontTx/>
+              <a:buChar char="-"/>
+            </a:pPr>
+            <a:r>
+              <a:rPr lang="fr-FR" dirty="0" err="1">
+                <a:latin typeface="Segoe UI Semilight" panose="020B0402040204020203" pitchFamily="34" charset="0"/>
+                <a:cs typeface="Segoe UI Semilight" panose="020B0402040204020203" pitchFamily="34" charset="0"/>
+              </a:rPr>
+              <a:t>tEnnemis</a:t>
+            </a:r>
+            <a:r>
+              <a:rPr lang="fr-FR" dirty="0">
+                <a:latin typeface="Segoe UI Semilight" panose="020B0402040204020203" pitchFamily="34" charset="0"/>
+                <a:cs typeface="Segoe UI Semilight" panose="020B0402040204020203" pitchFamily="34" charset="0"/>
+              </a:rPr>
+              <a:t> et </a:t>
+            </a:r>
+            <a:r>
+              <a:rPr lang="fr-FR" dirty="0" err="1">
+                <a:latin typeface="Segoe UI Semilight" panose="020B0402040204020203" pitchFamily="34" charset="0"/>
+                <a:cs typeface="Segoe UI Semilight" panose="020B0402040204020203" pitchFamily="34" charset="0"/>
+              </a:rPr>
+              <a:t>tVaisseau</a:t>
+            </a:r>
+            <a:r>
+              <a:rPr lang="fr-FR" dirty="0">
+                <a:latin typeface="Segoe UI Semilight" panose="020B0402040204020203" pitchFamily="34" charset="0"/>
+                <a:cs typeface="Segoe UI Semilight" panose="020B0402040204020203" pitchFamily="34" charset="0"/>
+              </a:rPr>
+              <a:t> pour afficher un aperçu</a:t>
+            </a:r>
+          </a:p>
+          <a:p>
+            <a:pPr marL="285750" indent="-285750">
+              <a:buFontTx/>
+              <a:buChar char="-"/>
+            </a:pPr>
+            <a:endParaRPr lang="fr-FR" dirty="0">
+              <a:latin typeface="Segoe UI Semilight" panose="020B0402040204020203" pitchFamily="34" charset="0"/>
+              <a:cs typeface="Segoe UI Semilight" panose="020B0402040204020203" pitchFamily="34" charset="0"/>
+            </a:endParaRPr>
+          </a:p>
+          <a:p>
+            <a:pPr marL="285750" indent="-285750">
+              <a:buFontTx/>
+              <a:buChar char="-"/>
+            </a:pPr>
+            <a:r>
+              <a:rPr lang="fr-FR" dirty="0">
+                <a:latin typeface="Segoe UI Semilight" panose="020B0402040204020203" pitchFamily="34" charset="0"/>
+                <a:cs typeface="Segoe UI Semilight" panose="020B0402040204020203" pitchFamily="34" charset="0"/>
+              </a:rPr>
+              <a:t>Du volume</a:t>
+            </a:r>
+          </a:p>
+        </p:txBody>
+      </p:sp>
+      <p:sp>
+        <p:nvSpPr>
+          <p:cNvPr id="20" name="ZoneTexte 19">
+            <a:extLst>
+              <a:ext uri="{FF2B5EF4-FFF2-40B4-BE49-F238E27FC236}">
+                <a16:creationId xmlns:a16="http://schemas.microsoft.com/office/drawing/2014/main" id="{DCD353B4-4B2E-4943-93BC-FAB5B89C6A9F}"/>
+              </a:ext>
+            </a:extLst>
+          </p:cNvPr>
+          <p:cNvSpPr txBox="1"/>
+          <p:nvPr/>
+        </p:nvSpPr>
+        <p:spPr>
+          <a:xfrm>
+            <a:off x="5762065" y="1949824"/>
+            <a:ext cx="3107382" cy="369332"/>
+          </a:xfrm>
+          <a:prstGeom prst="rect">
+            <a:avLst/>
+          </a:prstGeom>
+          <a:noFill/>
+        </p:spPr>
+        <p:txBody>
+          <a:bodyPr wrap="square" rtlCol="0">
+            <a:spAutoFit/>
+          </a:bodyPr>
+          <a:lstStyle/>
+          <a:p>
+            <a:r>
+              <a:rPr lang="fr-FR" b="1" u="sng" dirty="0">
+                <a:latin typeface="Segoe UI Semilight" panose="020B0402040204020203" pitchFamily="34" charset="0"/>
+                <a:cs typeface="Segoe UI Semilight" panose="020B0402040204020203" pitchFamily="34" charset="0"/>
+              </a:rPr>
+              <a:t>A chaque actualisation :</a:t>
             </a:r>
           </a:p>
         </p:txBody>
@@ -5822,7 +6301,7 @@
     </p:spTree>
     <p:extLst>
       <p:ext uri="{BB962C8B-B14F-4D97-AF65-F5344CB8AC3E}">
-        <p14:creationId xmlns:p14="http://schemas.microsoft.com/office/powerpoint/2010/main" val="79871001"/>
+        <p14:creationId xmlns:p14="http://schemas.microsoft.com/office/powerpoint/2010/main" val="546876735"/>
       </p:ext>
     </p:extLst>
   </p:cSld>
@@ -5854,6 +6333,387 @@
           <p:cNvPr id="2" name="Espace réservé du texte 1">
             <a:extLst>
               <a:ext uri="{FF2B5EF4-FFF2-40B4-BE49-F238E27FC236}">
+                <a16:creationId xmlns:a16="http://schemas.microsoft.com/office/drawing/2014/main" id="{592FF3E2-BEA2-48EF-904E-BA12E0A1A7DE}"/>
+              </a:ext>
+            </a:extLst>
+          </p:cNvPr>
+          <p:cNvSpPr>
+            <a:spLocks noGrp="1"/>
+          </p:cNvSpPr>
+          <p:nvPr>
+            <p:ph type="body" sz="quarter" idx="13"/>
+          </p:nvPr>
+        </p:nvSpPr>
+        <p:spPr>
+          <a:xfrm>
+            <a:off x="317421" y="358311"/>
+            <a:ext cx="3714829" cy="272821"/>
+          </a:xfrm>
+        </p:spPr>
+        <p:txBody>
+          <a:bodyPr>
+            <a:normAutofit/>
+          </a:bodyPr>
+          <a:lstStyle/>
+          <a:p>
+            <a:r>
+              <a:rPr lang="fr-FR" dirty="0"/>
+              <a:t>Menu des options et barres de réglage</a:t>
+            </a:r>
+          </a:p>
+        </p:txBody>
+      </p:sp>
+      <p:sp>
+        <p:nvSpPr>
+          <p:cNvPr id="3" name="Espace réservé du texte 2">
+            <a:extLst>
+              <a:ext uri="{FF2B5EF4-FFF2-40B4-BE49-F238E27FC236}">
+                <a16:creationId xmlns:a16="http://schemas.microsoft.com/office/drawing/2014/main" id="{87BC9DCC-E82B-49D5-9980-2FF7CDC00578}"/>
+              </a:ext>
+            </a:extLst>
+          </p:cNvPr>
+          <p:cNvSpPr>
+            <a:spLocks noGrp="1"/>
+          </p:cNvSpPr>
+          <p:nvPr>
+            <p:ph type="body" sz="quarter" idx="14"/>
+          </p:nvPr>
+        </p:nvSpPr>
+        <p:spPr/>
+        <p:txBody>
+          <a:bodyPr/>
+          <a:lstStyle/>
+          <a:p>
+            <a:r>
+              <a:rPr lang="fr-FR" dirty="0"/>
+              <a:t>Menus</a:t>
+            </a:r>
+          </a:p>
+        </p:txBody>
+      </p:sp>
+      <p:pic>
+        <p:nvPicPr>
+          <p:cNvPr id="5" name="Image 4">
+            <a:extLst>
+              <a:ext uri="{FF2B5EF4-FFF2-40B4-BE49-F238E27FC236}">
+                <a16:creationId xmlns:a16="http://schemas.microsoft.com/office/drawing/2014/main" id="{E98E8F67-C68F-4893-8C8F-A37CDB914C54}"/>
+              </a:ext>
+            </a:extLst>
+          </p:cNvPr>
+          <p:cNvPicPr>
+            <a:picLocks noChangeAspect="1"/>
+          </p:cNvPicPr>
+          <p:nvPr/>
+        </p:nvPicPr>
+        <p:blipFill>
+          <a:blip r:embed="rId2"/>
+          <a:stretch>
+            <a:fillRect/>
+          </a:stretch>
+        </p:blipFill>
+        <p:spPr>
+          <a:xfrm>
+            <a:off x="317421" y="1168400"/>
+            <a:ext cx="4425425" cy="3316310"/>
+          </a:xfrm>
+          <a:prstGeom prst="rect">
+            <a:avLst/>
+          </a:prstGeom>
+        </p:spPr>
+      </p:pic>
+      <p:sp>
+        <p:nvSpPr>
+          <p:cNvPr id="6" name="ZoneTexte 5">
+            <a:extLst>
+              <a:ext uri="{FF2B5EF4-FFF2-40B4-BE49-F238E27FC236}">
+                <a16:creationId xmlns:a16="http://schemas.microsoft.com/office/drawing/2014/main" id="{D8F7D0BA-BE62-4505-8065-6EA8579FBE5A}"/>
+              </a:ext>
+            </a:extLst>
+          </p:cNvPr>
+          <p:cNvSpPr txBox="1"/>
+          <p:nvPr/>
+        </p:nvSpPr>
+        <p:spPr>
+          <a:xfrm>
+            <a:off x="5332033" y="1531034"/>
+            <a:ext cx="3448050" cy="646331"/>
+          </a:xfrm>
+          <a:prstGeom prst="rect">
+            <a:avLst/>
+          </a:prstGeom>
+          <a:noFill/>
+        </p:spPr>
+        <p:txBody>
+          <a:bodyPr wrap="square" rtlCol="0">
+            <a:spAutoFit/>
+          </a:bodyPr>
+          <a:lstStyle/>
+          <a:p>
+            <a:r>
+              <a:rPr lang="fr-FR" dirty="0">
+                <a:latin typeface="Segoe UI Semilight" panose="020B0402040204020203" pitchFamily="34" charset="0"/>
+                <a:cs typeface="Segoe UI Semilight" panose="020B0402040204020203" pitchFamily="34" charset="0"/>
+              </a:rPr>
+              <a:t>Actualisation automatique de la taille des ennemis et du vaisseau</a:t>
+            </a:r>
+          </a:p>
+        </p:txBody>
+      </p:sp>
+      <p:sp>
+        <p:nvSpPr>
+          <p:cNvPr id="7" name="Arc 6">
+            <a:extLst>
+              <a:ext uri="{FF2B5EF4-FFF2-40B4-BE49-F238E27FC236}">
+                <a16:creationId xmlns:a16="http://schemas.microsoft.com/office/drawing/2014/main" id="{81C788E2-5121-48BC-91B2-FEAC8B08DCD3}"/>
+              </a:ext>
+            </a:extLst>
+          </p:cNvPr>
+          <p:cNvSpPr/>
+          <p:nvPr/>
+        </p:nvSpPr>
+        <p:spPr>
+          <a:xfrm>
+            <a:off x="4694617" y="1377950"/>
+            <a:ext cx="216504" cy="990600"/>
+          </a:xfrm>
+          <a:prstGeom prst="arc">
+            <a:avLst>
+              <a:gd name="adj1" fmla="val 16200000"/>
+              <a:gd name="adj2" fmla="val 5252065"/>
+            </a:avLst>
+          </a:prstGeom>
+        </p:spPr>
+        <p:style>
+          <a:lnRef idx="2">
+            <a:schemeClr val="accent1"/>
+          </a:lnRef>
+          <a:fillRef idx="0">
+            <a:schemeClr val="accent1"/>
+          </a:fillRef>
+          <a:effectRef idx="1">
+            <a:schemeClr val="accent1"/>
+          </a:effectRef>
+          <a:fontRef idx="minor">
+            <a:schemeClr val="tx1"/>
+          </a:fontRef>
+        </p:style>
+        <p:txBody>
+          <a:bodyPr rtlCol="0" anchor="ctr"/>
+          <a:lstStyle/>
+          <a:p>
+            <a:pPr algn="ctr"/>
+            <a:endParaRPr lang="fr-FR"/>
+          </a:p>
+        </p:txBody>
+      </p:sp>
+      <p:sp>
+        <p:nvSpPr>
+          <p:cNvPr id="8" name="Flèche : droite 7">
+            <a:extLst>
+              <a:ext uri="{FF2B5EF4-FFF2-40B4-BE49-F238E27FC236}">
+                <a16:creationId xmlns:a16="http://schemas.microsoft.com/office/drawing/2014/main" id="{E7633119-F7D4-4628-9197-59BEA784FCFB}"/>
+              </a:ext>
+            </a:extLst>
+          </p:cNvPr>
+          <p:cNvSpPr/>
+          <p:nvPr/>
+        </p:nvSpPr>
+        <p:spPr>
+          <a:xfrm>
+            <a:off x="4972050" y="1682750"/>
+            <a:ext cx="285750" cy="342900"/>
+          </a:xfrm>
+          <a:prstGeom prst="rightArrow">
+            <a:avLst/>
+          </a:prstGeom>
+        </p:spPr>
+        <p:style>
+          <a:lnRef idx="1">
+            <a:schemeClr val="accent1"/>
+          </a:lnRef>
+          <a:fillRef idx="3">
+            <a:schemeClr val="accent1"/>
+          </a:fillRef>
+          <a:effectRef idx="2">
+            <a:schemeClr val="accent1"/>
+          </a:effectRef>
+          <a:fontRef idx="minor">
+            <a:schemeClr val="lt1"/>
+          </a:fontRef>
+        </p:style>
+        <p:txBody>
+          <a:bodyPr rtlCol="0" anchor="ctr"/>
+          <a:lstStyle/>
+          <a:p>
+            <a:pPr algn="ctr"/>
+            <a:endParaRPr lang="fr-FR"/>
+          </a:p>
+        </p:txBody>
+      </p:sp>
+      <p:sp>
+        <p:nvSpPr>
+          <p:cNvPr id="9" name="Arc 8">
+            <a:extLst>
+              <a:ext uri="{FF2B5EF4-FFF2-40B4-BE49-F238E27FC236}">
+                <a16:creationId xmlns:a16="http://schemas.microsoft.com/office/drawing/2014/main" id="{CE871637-BF16-4B7A-BF28-E94AC75030AA}"/>
+              </a:ext>
+            </a:extLst>
+          </p:cNvPr>
+          <p:cNvSpPr/>
+          <p:nvPr/>
+        </p:nvSpPr>
+        <p:spPr>
+          <a:xfrm>
+            <a:off x="4694617" y="2429568"/>
+            <a:ext cx="216504" cy="1374082"/>
+          </a:xfrm>
+          <a:prstGeom prst="arc">
+            <a:avLst>
+              <a:gd name="adj1" fmla="val 16200000"/>
+              <a:gd name="adj2" fmla="val 5252065"/>
+            </a:avLst>
+          </a:prstGeom>
+        </p:spPr>
+        <p:style>
+          <a:lnRef idx="2">
+            <a:schemeClr val="accent1"/>
+          </a:lnRef>
+          <a:fillRef idx="0">
+            <a:schemeClr val="accent1"/>
+          </a:fillRef>
+          <a:effectRef idx="1">
+            <a:schemeClr val="accent1"/>
+          </a:effectRef>
+          <a:fontRef idx="minor">
+            <a:schemeClr val="tx1"/>
+          </a:fontRef>
+        </p:style>
+        <p:txBody>
+          <a:bodyPr rtlCol="0" anchor="ctr"/>
+          <a:lstStyle/>
+          <a:p>
+            <a:pPr algn="ctr"/>
+            <a:endParaRPr lang="fr-FR"/>
+          </a:p>
+        </p:txBody>
+      </p:sp>
+      <p:sp>
+        <p:nvSpPr>
+          <p:cNvPr id="10" name="Flèche : droite 9">
+            <a:extLst>
+              <a:ext uri="{FF2B5EF4-FFF2-40B4-BE49-F238E27FC236}">
+                <a16:creationId xmlns:a16="http://schemas.microsoft.com/office/drawing/2014/main" id="{535FFAE8-9FEB-44CC-8655-66D2536236BE}"/>
+              </a:ext>
+            </a:extLst>
+          </p:cNvPr>
+          <p:cNvSpPr/>
+          <p:nvPr/>
+        </p:nvSpPr>
+        <p:spPr>
+          <a:xfrm>
+            <a:off x="4972050" y="2734368"/>
+            <a:ext cx="285750" cy="342900"/>
+          </a:xfrm>
+          <a:prstGeom prst="rightArrow">
+            <a:avLst/>
+          </a:prstGeom>
+        </p:spPr>
+        <p:style>
+          <a:lnRef idx="1">
+            <a:schemeClr val="accent1"/>
+          </a:lnRef>
+          <a:fillRef idx="3">
+            <a:schemeClr val="accent1"/>
+          </a:fillRef>
+          <a:effectRef idx="2">
+            <a:schemeClr val="accent1"/>
+          </a:effectRef>
+          <a:fontRef idx="minor">
+            <a:schemeClr val="lt1"/>
+          </a:fontRef>
+        </p:style>
+        <p:txBody>
+          <a:bodyPr rtlCol="0" anchor="ctr"/>
+          <a:lstStyle/>
+          <a:p>
+            <a:pPr algn="ctr"/>
+            <a:endParaRPr lang="fr-FR"/>
+          </a:p>
+        </p:txBody>
+      </p:sp>
+      <p:sp>
+        <p:nvSpPr>
+          <p:cNvPr id="11" name="ZoneTexte 10">
+            <a:extLst>
+              <a:ext uri="{FF2B5EF4-FFF2-40B4-BE49-F238E27FC236}">
+                <a16:creationId xmlns:a16="http://schemas.microsoft.com/office/drawing/2014/main" id="{B1EA9BC4-89DF-4570-9C2A-D105B22461AE}"/>
+              </a:ext>
+            </a:extLst>
+          </p:cNvPr>
+          <p:cNvSpPr txBox="1"/>
+          <p:nvPr/>
+        </p:nvSpPr>
+        <p:spPr>
+          <a:xfrm>
+            <a:off x="5454650" y="2429568"/>
+            <a:ext cx="3325433" cy="923330"/>
+          </a:xfrm>
+          <a:prstGeom prst="rect">
+            <a:avLst/>
+          </a:prstGeom>
+          <a:noFill/>
+        </p:spPr>
+        <p:txBody>
+          <a:bodyPr wrap="square" rtlCol="0">
+            <a:spAutoFit/>
+          </a:bodyPr>
+          <a:lstStyle/>
+          <a:p>
+            <a:r>
+              <a:rPr lang="fr-FR" dirty="0">
+                <a:latin typeface="Segoe UI Semilight" panose="020B0402040204020203" pitchFamily="34" charset="0"/>
+                <a:cs typeface="Segoe UI Semilight" panose="020B0402040204020203" pitchFamily="34" charset="0"/>
+              </a:rPr>
+              <a:t>Réglage des vitesses, du volume et de la chance d’apparition des ennemis</a:t>
+            </a:r>
+          </a:p>
+        </p:txBody>
+      </p:sp>
+    </p:spTree>
+    <p:extLst>
+      <p:ext uri="{BB962C8B-B14F-4D97-AF65-F5344CB8AC3E}">
+        <p14:creationId xmlns:p14="http://schemas.microsoft.com/office/powerpoint/2010/main" val="79871001"/>
+      </p:ext>
+    </p:extLst>
+  </p:cSld>
+  <p:clrMapOvr>
+    <a:masterClrMapping/>
+  </p:clrMapOvr>
+</p:sld>
+</file>
+
+<file path=ppt/slides/slide16.xml><?xml version="1.0" encoding="utf-8"?>
+<p:sld xmlns:a="http://schemas.openxmlformats.org/drawingml/2006/main" xmlns:r="http://schemas.openxmlformats.org/officeDocument/2006/relationships" xmlns:p="http://schemas.openxmlformats.org/presentationml/2006/main">
+  <p:cSld>
+    <p:spTree>
+      <p:nvGrpSpPr>
+        <p:cNvPr id="1" name=""/>
+        <p:cNvGrpSpPr/>
+        <p:nvPr/>
+      </p:nvGrpSpPr>
+      <p:grpSpPr>
+        <a:xfrm>
+          <a:off x="0" y="0"/>
+          <a:ext cx="0" cy="0"/>
+          <a:chOff x="0" y="0"/>
+          <a:chExt cx="0" cy="0"/>
+        </a:xfrm>
+      </p:grpSpPr>
+      <p:sp>
+        <p:nvSpPr>
+          <p:cNvPr id="2" name="Espace réservé du texte 1">
+            <a:extLst>
+              <a:ext uri="{FF2B5EF4-FFF2-40B4-BE49-F238E27FC236}">
                 <a16:creationId xmlns:a16="http://schemas.microsoft.com/office/drawing/2014/main" id="{BC675E1C-12D2-4045-823D-89B92FB90760}"/>
               </a:ext>
             </a:extLst>
@@ -5918,7 +6778,7 @@
 </p:sld>
 </file>
 
-<file path=ppt/slides/slide16.xml><?xml version="1.0" encoding="utf-8"?>
+<file path=ppt/slides/slide17.xml><?xml version="1.0" encoding="utf-8"?>
 <p:sld xmlns:a="http://schemas.openxmlformats.org/drawingml/2006/main" xmlns:r="http://schemas.openxmlformats.org/officeDocument/2006/relationships" xmlns:p="http://schemas.openxmlformats.org/presentationml/2006/main">
   <p:cSld>
     <p:spTree>
@@ -6617,7 +7477,7 @@
                 <a:latin typeface="Segoe UI Semilight" panose="020B0402040204020203" pitchFamily="34" charset="0"/>
                 <a:cs typeface="Segoe UI Semilight" panose="020B0402040204020203" pitchFamily="34" charset="0"/>
               </a:rPr>
-              <a:t>Gestion des menus : </a:t>
+              <a:t>Gestion / conception des menus : </a:t>
             </a:r>
             <a:r>
               <a:rPr lang="fr-FR" dirty="0">
@@ -7078,7 +7938,7 @@
           </p:nvPr>
         </p:nvPicPr>
         <p:blipFill>
-          <a:blip r:embed="rId2"/>
+          <a:blip r:embed="rId3"/>
           <a:stretch>
             <a:fillRect/>
           </a:stretch>

--- a/Présentation projet/Projet ISN.pptx
+++ b/Présentation projet/Projet ISN.pptx
@@ -775,6 +775,702 @@
 </p:notes>
 </file>
 
+<file path=ppt/notesSlides/notesSlide10.xml><?xml version="1.0" encoding="utf-8"?>
+<p:notes xmlns:a="http://schemas.openxmlformats.org/drawingml/2006/main" xmlns:r="http://schemas.openxmlformats.org/officeDocument/2006/relationships" xmlns:p="http://schemas.openxmlformats.org/presentationml/2006/main">
+  <p:cSld>
+    <p:spTree>
+      <p:nvGrpSpPr>
+        <p:cNvPr id="1" name=""/>
+        <p:cNvGrpSpPr/>
+        <p:nvPr/>
+      </p:nvGrpSpPr>
+      <p:grpSpPr>
+        <a:xfrm>
+          <a:off x="0" y="0"/>
+          <a:ext cx="0" cy="0"/>
+          <a:chOff x="0" y="0"/>
+          <a:chExt cx="0" cy="0"/>
+        </a:xfrm>
+      </p:grpSpPr>
+      <p:sp>
+        <p:nvSpPr>
+          <p:cNvPr id="2" name="Espace réservé de l'image des diapositives 1"/>
+          <p:cNvSpPr>
+            <a:spLocks noGrp="1" noRot="1" noChangeAspect="1"/>
+          </p:cNvSpPr>
+          <p:nvPr>
+            <p:ph type="sldImg"/>
+          </p:nvPr>
+        </p:nvSpPr>
+        <p:spPr/>
+      </p:sp>
+      <p:sp>
+        <p:nvSpPr>
+          <p:cNvPr id="3" name="Espace réservé des notes 2"/>
+          <p:cNvSpPr>
+            <a:spLocks noGrp="1"/>
+          </p:cNvSpPr>
+          <p:nvPr>
+            <p:ph type="body" idx="1"/>
+          </p:nvPr>
+        </p:nvSpPr>
+        <p:spPr/>
+        <p:txBody>
+          <a:bodyPr/>
+          <a:lstStyle/>
+          <a:p>
+            <a:r>
+              <a:rPr lang="fr-FR" dirty="0"/>
+              <a:t>Vincent</a:t>
+            </a:r>
+          </a:p>
+        </p:txBody>
+      </p:sp>
+      <p:sp>
+        <p:nvSpPr>
+          <p:cNvPr id="4" name="Espace réservé du numéro de diapositive 3"/>
+          <p:cNvSpPr>
+            <a:spLocks noGrp="1"/>
+          </p:cNvSpPr>
+          <p:nvPr>
+            <p:ph type="sldNum" sz="quarter" idx="10"/>
+          </p:nvPr>
+        </p:nvSpPr>
+        <p:spPr/>
+        <p:txBody>
+          <a:bodyPr/>
+          <a:lstStyle/>
+          <a:p>
+            <a:fld id="{66641530-902D-4C06-9450-78EBD7B0878A}" type="slidenum">
+              <a:rPr lang="fr-FR" smtClean="0"/>
+              <a:t>10</a:t>
+            </a:fld>
+            <a:endParaRPr lang="fr-FR"/>
+          </a:p>
+        </p:txBody>
+      </p:sp>
+    </p:spTree>
+    <p:extLst>
+      <p:ext uri="{BB962C8B-B14F-4D97-AF65-F5344CB8AC3E}">
+        <p14:creationId xmlns:p14="http://schemas.microsoft.com/office/powerpoint/2010/main" val="1252402359"/>
+      </p:ext>
+    </p:extLst>
+  </p:cSld>
+  <p:clrMapOvr>
+    <a:masterClrMapping/>
+  </p:clrMapOvr>
+</p:notes>
+</file>
+
+<file path=ppt/notesSlides/notesSlide11.xml><?xml version="1.0" encoding="utf-8"?>
+<p:notes xmlns:a="http://schemas.openxmlformats.org/drawingml/2006/main" xmlns:r="http://schemas.openxmlformats.org/officeDocument/2006/relationships" xmlns:p="http://schemas.openxmlformats.org/presentationml/2006/main">
+  <p:cSld>
+    <p:spTree>
+      <p:nvGrpSpPr>
+        <p:cNvPr id="1" name=""/>
+        <p:cNvGrpSpPr/>
+        <p:nvPr/>
+      </p:nvGrpSpPr>
+      <p:grpSpPr>
+        <a:xfrm>
+          <a:off x="0" y="0"/>
+          <a:ext cx="0" cy="0"/>
+          <a:chOff x="0" y="0"/>
+          <a:chExt cx="0" cy="0"/>
+        </a:xfrm>
+      </p:grpSpPr>
+      <p:sp>
+        <p:nvSpPr>
+          <p:cNvPr id="2" name="Espace réservé de l'image des diapositives 1"/>
+          <p:cNvSpPr>
+            <a:spLocks noGrp="1" noRot="1" noChangeAspect="1"/>
+          </p:cNvSpPr>
+          <p:nvPr>
+            <p:ph type="sldImg"/>
+          </p:nvPr>
+        </p:nvSpPr>
+        <p:spPr/>
+      </p:sp>
+      <p:sp>
+        <p:nvSpPr>
+          <p:cNvPr id="3" name="Espace réservé des notes 2"/>
+          <p:cNvSpPr>
+            <a:spLocks noGrp="1"/>
+          </p:cNvSpPr>
+          <p:nvPr>
+            <p:ph type="body" idx="1"/>
+          </p:nvPr>
+        </p:nvSpPr>
+        <p:spPr/>
+        <p:txBody>
+          <a:bodyPr/>
+          <a:lstStyle/>
+          <a:p>
+            <a:r>
+              <a:rPr lang="fr-FR" dirty="0"/>
+              <a:t>Vincent .Expliquer la structure switch / case</a:t>
+            </a:r>
+          </a:p>
+        </p:txBody>
+      </p:sp>
+      <p:sp>
+        <p:nvSpPr>
+          <p:cNvPr id="4" name="Espace réservé du numéro de diapositive 3"/>
+          <p:cNvSpPr>
+            <a:spLocks noGrp="1"/>
+          </p:cNvSpPr>
+          <p:nvPr>
+            <p:ph type="sldNum" sz="quarter" idx="10"/>
+          </p:nvPr>
+        </p:nvSpPr>
+        <p:spPr/>
+        <p:txBody>
+          <a:bodyPr/>
+          <a:lstStyle/>
+          <a:p>
+            <a:fld id="{66641530-902D-4C06-9450-78EBD7B0878A}" type="slidenum">
+              <a:rPr lang="fr-FR" smtClean="0"/>
+              <a:t>11</a:t>
+            </a:fld>
+            <a:endParaRPr lang="fr-FR"/>
+          </a:p>
+        </p:txBody>
+      </p:sp>
+    </p:spTree>
+    <p:extLst>
+      <p:ext uri="{BB962C8B-B14F-4D97-AF65-F5344CB8AC3E}">
+        <p14:creationId xmlns:p14="http://schemas.microsoft.com/office/powerpoint/2010/main" val="4079761013"/>
+      </p:ext>
+    </p:extLst>
+  </p:cSld>
+  <p:clrMapOvr>
+    <a:masterClrMapping/>
+  </p:clrMapOvr>
+</p:notes>
+</file>
+
+<file path=ppt/notesSlides/notesSlide12.xml><?xml version="1.0" encoding="utf-8"?>
+<p:notes xmlns:a="http://schemas.openxmlformats.org/drawingml/2006/main" xmlns:r="http://schemas.openxmlformats.org/officeDocument/2006/relationships" xmlns:p="http://schemas.openxmlformats.org/presentationml/2006/main">
+  <p:cSld>
+    <p:spTree>
+      <p:nvGrpSpPr>
+        <p:cNvPr id="1" name=""/>
+        <p:cNvGrpSpPr/>
+        <p:nvPr/>
+      </p:nvGrpSpPr>
+      <p:grpSpPr>
+        <a:xfrm>
+          <a:off x="0" y="0"/>
+          <a:ext cx="0" cy="0"/>
+          <a:chOff x="0" y="0"/>
+          <a:chExt cx="0" cy="0"/>
+        </a:xfrm>
+      </p:grpSpPr>
+      <p:sp>
+        <p:nvSpPr>
+          <p:cNvPr id="2" name="Espace réservé de l'image des diapositives 1"/>
+          <p:cNvSpPr>
+            <a:spLocks noGrp="1" noRot="1" noChangeAspect="1"/>
+          </p:cNvSpPr>
+          <p:nvPr>
+            <p:ph type="sldImg"/>
+          </p:nvPr>
+        </p:nvSpPr>
+        <p:spPr/>
+      </p:sp>
+      <p:sp>
+        <p:nvSpPr>
+          <p:cNvPr id="3" name="Espace réservé des notes 2"/>
+          <p:cNvSpPr>
+            <a:spLocks noGrp="1"/>
+          </p:cNvSpPr>
+          <p:nvPr>
+            <p:ph type="body" idx="1"/>
+          </p:nvPr>
+        </p:nvSpPr>
+        <p:spPr/>
+        <p:txBody>
+          <a:bodyPr/>
+          <a:lstStyle/>
+          <a:p>
+            <a:r>
+              <a:rPr lang="fr-FR" dirty="0"/>
+              <a:t>Vincent</a:t>
+            </a:r>
+          </a:p>
+        </p:txBody>
+      </p:sp>
+      <p:sp>
+        <p:nvSpPr>
+          <p:cNvPr id="4" name="Espace réservé du numéro de diapositive 3"/>
+          <p:cNvSpPr>
+            <a:spLocks noGrp="1"/>
+          </p:cNvSpPr>
+          <p:nvPr>
+            <p:ph type="sldNum" sz="quarter" idx="10"/>
+          </p:nvPr>
+        </p:nvSpPr>
+        <p:spPr/>
+        <p:txBody>
+          <a:bodyPr/>
+          <a:lstStyle/>
+          <a:p>
+            <a:fld id="{66641530-902D-4C06-9450-78EBD7B0878A}" type="slidenum">
+              <a:rPr lang="fr-FR" smtClean="0"/>
+              <a:t>12</a:t>
+            </a:fld>
+            <a:endParaRPr lang="fr-FR"/>
+          </a:p>
+        </p:txBody>
+      </p:sp>
+    </p:spTree>
+    <p:extLst>
+      <p:ext uri="{BB962C8B-B14F-4D97-AF65-F5344CB8AC3E}">
+        <p14:creationId xmlns:p14="http://schemas.microsoft.com/office/powerpoint/2010/main" val="2221255080"/>
+      </p:ext>
+    </p:extLst>
+  </p:cSld>
+  <p:clrMapOvr>
+    <a:masterClrMapping/>
+  </p:clrMapOvr>
+</p:notes>
+</file>
+
+<file path=ppt/notesSlides/notesSlide13.xml><?xml version="1.0" encoding="utf-8"?>
+<p:notes xmlns:a="http://schemas.openxmlformats.org/drawingml/2006/main" xmlns:r="http://schemas.openxmlformats.org/officeDocument/2006/relationships" xmlns:p="http://schemas.openxmlformats.org/presentationml/2006/main">
+  <p:cSld>
+    <p:spTree>
+      <p:nvGrpSpPr>
+        <p:cNvPr id="1" name=""/>
+        <p:cNvGrpSpPr/>
+        <p:nvPr/>
+      </p:nvGrpSpPr>
+      <p:grpSpPr>
+        <a:xfrm>
+          <a:off x="0" y="0"/>
+          <a:ext cx="0" cy="0"/>
+          <a:chOff x="0" y="0"/>
+          <a:chExt cx="0" cy="0"/>
+        </a:xfrm>
+      </p:grpSpPr>
+      <p:sp>
+        <p:nvSpPr>
+          <p:cNvPr id="2" name="Espace réservé de l'image des diapositives 1"/>
+          <p:cNvSpPr>
+            <a:spLocks noGrp="1" noRot="1" noChangeAspect="1"/>
+          </p:cNvSpPr>
+          <p:nvPr>
+            <p:ph type="sldImg"/>
+          </p:nvPr>
+        </p:nvSpPr>
+        <p:spPr/>
+      </p:sp>
+      <p:sp>
+        <p:nvSpPr>
+          <p:cNvPr id="3" name="Espace réservé des notes 2"/>
+          <p:cNvSpPr>
+            <a:spLocks noGrp="1"/>
+          </p:cNvSpPr>
+          <p:nvPr>
+            <p:ph type="body" idx="1"/>
+          </p:nvPr>
+        </p:nvSpPr>
+        <p:spPr/>
+        <p:txBody>
+          <a:bodyPr/>
+          <a:lstStyle/>
+          <a:p>
+            <a:r>
+              <a:rPr lang="fr-FR" dirty="0"/>
+              <a:t>Clément G.</a:t>
+            </a:r>
+          </a:p>
+        </p:txBody>
+      </p:sp>
+      <p:sp>
+        <p:nvSpPr>
+          <p:cNvPr id="4" name="Espace réservé du numéro de diapositive 3"/>
+          <p:cNvSpPr>
+            <a:spLocks noGrp="1"/>
+          </p:cNvSpPr>
+          <p:nvPr>
+            <p:ph type="sldNum" sz="quarter" idx="10"/>
+          </p:nvPr>
+        </p:nvSpPr>
+        <p:spPr/>
+        <p:txBody>
+          <a:bodyPr/>
+          <a:lstStyle/>
+          <a:p>
+            <a:fld id="{66641530-902D-4C06-9450-78EBD7B0878A}" type="slidenum">
+              <a:rPr lang="fr-FR" smtClean="0"/>
+              <a:t>13</a:t>
+            </a:fld>
+            <a:endParaRPr lang="fr-FR"/>
+          </a:p>
+        </p:txBody>
+      </p:sp>
+    </p:spTree>
+    <p:extLst>
+      <p:ext uri="{BB962C8B-B14F-4D97-AF65-F5344CB8AC3E}">
+        <p14:creationId xmlns:p14="http://schemas.microsoft.com/office/powerpoint/2010/main" val="2408402993"/>
+      </p:ext>
+    </p:extLst>
+  </p:cSld>
+  <p:clrMapOvr>
+    <a:masterClrMapping/>
+  </p:clrMapOvr>
+</p:notes>
+</file>
+
+<file path=ppt/notesSlides/notesSlide14.xml><?xml version="1.0" encoding="utf-8"?>
+<p:notes xmlns:a="http://schemas.openxmlformats.org/drawingml/2006/main" xmlns:r="http://schemas.openxmlformats.org/officeDocument/2006/relationships" xmlns:p="http://schemas.openxmlformats.org/presentationml/2006/main">
+  <p:cSld>
+    <p:spTree>
+      <p:nvGrpSpPr>
+        <p:cNvPr id="1" name=""/>
+        <p:cNvGrpSpPr/>
+        <p:nvPr/>
+      </p:nvGrpSpPr>
+      <p:grpSpPr>
+        <a:xfrm>
+          <a:off x="0" y="0"/>
+          <a:ext cx="0" cy="0"/>
+          <a:chOff x="0" y="0"/>
+          <a:chExt cx="0" cy="0"/>
+        </a:xfrm>
+      </p:grpSpPr>
+      <p:sp>
+        <p:nvSpPr>
+          <p:cNvPr id="2" name="Espace réservé de l'image des diapositives 1"/>
+          <p:cNvSpPr>
+            <a:spLocks noGrp="1" noRot="1" noChangeAspect="1"/>
+          </p:cNvSpPr>
+          <p:nvPr>
+            <p:ph type="sldImg"/>
+          </p:nvPr>
+        </p:nvSpPr>
+        <p:spPr/>
+      </p:sp>
+      <p:sp>
+        <p:nvSpPr>
+          <p:cNvPr id="3" name="Espace réservé des notes 2"/>
+          <p:cNvSpPr>
+            <a:spLocks noGrp="1"/>
+          </p:cNvSpPr>
+          <p:nvPr>
+            <p:ph type="body" idx="1"/>
+          </p:nvPr>
+        </p:nvSpPr>
+        <p:spPr/>
+        <p:txBody>
+          <a:bodyPr/>
+          <a:lstStyle/>
+          <a:p>
+            <a:r>
+              <a:rPr lang="fr-FR" dirty="0"/>
+              <a:t>Clément G. Préciser que cela se passe A CHAQUE FRAME</a:t>
+            </a:r>
+          </a:p>
+        </p:txBody>
+      </p:sp>
+      <p:sp>
+        <p:nvSpPr>
+          <p:cNvPr id="4" name="Espace réservé du numéro de diapositive 3"/>
+          <p:cNvSpPr>
+            <a:spLocks noGrp="1"/>
+          </p:cNvSpPr>
+          <p:nvPr>
+            <p:ph type="sldNum" sz="quarter" idx="10"/>
+          </p:nvPr>
+        </p:nvSpPr>
+        <p:spPr/>
+        <p:txBody>
+          <a:bodyPr/>
+          <a:lstStyle/>
+          <a:p>
+            <a:fld id="{66641530-902D-4C06-9450-78EBD7B0878A}" type="slidenum">
+              <a:rPr lang="fr-FR" smtClean="0"/>
+              <a:t>14</a:t>
+            </a:fld>
+            <a:endParaRPr lang="fr-FR"/>
+          </a:p>
+        </p:txBody>
+      </p:sp>
+    </p:spTree>
+    <p:extLst>
+      <p:ext uri="{BB962C8B-B14F-4D97-AF65-F5344CB8AC3E}">
+        <p14:creationId xmlns:p14="http://schemas.microsoft.com/office/powerpoint/2010/main" val="2045649775"/>
+      </p:ext>
+    </p:extLst>
+  </p:cSld>
+  <p:clrMapOvr>
+    <a:masterClrMapping/>
+  </p:clrMapOvr>
+</p:notes>
+</file>
+
+<file path=ppt/notesSlides/notesSlide15.xml><?xml version="1.0" encoding="utf-8"?>
+<p:notes xmlns:a="http://schemas.openxmlformats.org/drawingml/2006/main" xmlns:r="http://schemas.openxmlformats.org/officeDocument/2006/relationships" xmlns:p="http://schemas.openxmlformats.org/presentationml/2006/main">
+  <p:cSld>
+    <p:spTree>
+      <p:nvGrpSpPr>
+        <p:cNvPr id="1" name=""/>
+        <p:cNvGrpSpPr/>
+        <p:nvPr/>
+      </p:nvGrpSpPr>
+      <p:grpSpPr>
+        <a:xfrm>
+          <a:off x="0" y="0"/>
+          <a:ext cx="0" cy="0"/>
+          <a:chOff x="0" y="0"/>
+          <a:chExt cx="0" cy="0"/>
+        </a:xfrm>
+      </p:grpSpPr>
+      <p:sp>
+        <p:nvSpPr>
+          <p:cNvPr id="2" name="Espace réservé de l'image des diapositives 1"/>
+          <p:cNvSpPr>
+            <a:spLocks noGrp="1" noRot="1" noChangeAspect="1"/>
+          </p:cNvSpPr>
+          <p:nvPr>
+            <p:ph type="sldImg"/>
+          </p:nvPr>
+        </p:nvSpPr>
+        <p:spPr/>
+      </p:sp>
+      <p:sp>
+        <p:nvSpPr>
+          <p:cNvPr id="3" name="Espace réservé des notes 2"/>
+          <p:cNvSpPr>
+            <a:spLocks noGrp="1"/>
+          </p:cNvSpPr>
+          <p:nvPr>
+            <p:ph type="body" idx="1"/>
+          </p:nvPr>
+        </p:nvSpPr>
+        <p:spPr/>
+        <p:txBody>
+          <a:bodyPr/>
+          <a:lstStyle/>
+          <a:p>
+            <a:r>
+              <a:rPr lang="fr-FR" dirty="0"/>
+              <a:t>Clément G.</a:t>
+            </a:r>
+          </a:p>
+        </p:txBody>
+      </p:sp>
+      <p:sp>
+        <p:nvSpPr>
+          <p:cNvPr id="4" name="Espace réservé du numéro de diapositive 3"/>
+          <p:cNvSpPr>
+            <a:spLocks noGrp="1"/>
+          </p:cNvSpPr>
+          <p:nvPr>
+            <p:ph type="sldNum" sz="quarter" idx="10"/>
+          </p:nvPr>
+        </p:nvSpPr>
+        <p:spPr/>
+        <p:txBody>
+          <a:bodyPr/>
+          <a:lstStyle/>
+          <a:p>
+            <a:fld id="{66641530-902D-4C06-9450-78EBD7B0878A}" type="slidenum">
+              <a:rPr lang="fr-FR" smtClean="0"/>
+              <a:t>15</a:t>
+            </a:fld>
+            <a:endParaRPr lang="fr-FR"/>
+          </a:p>
+        </p:txBody>
+      </p:sp>
+    </p:spTree>
+    <p:extLst>
+      <p:ext uri="{BB962C8B-B14F-4D97-AF65-F5344CB8AC3E}">
+        <p14:creationId xmlns:p14="http://schemas.microsoft.com/office/powerpoint/2010/main" val="1569808836"/>
+      </p:ext>
+    </p:extLst>
+  </p:cSld>
+  <p:clrMapOvr>
+    <a:masterClrMapping/>
+  </p:clrMapOvr>
+</p:notes>
+</file>
+
+<file path=ppt/notesSlides/notesSlide16.xml><?xml version="1.0" encoding="utf-8"?>
+<p:notes xmlns:a="http://schemas.openxmlformats.org/drawingml/2006/main" xmlns:r="http://schemas.openxmlformats.org/officeDocument/2006/relationships" xmlns:p="http://schemas.openxmlformats.org/presentationml/2006/main">
+  <p:cSld>
+    <p:spTree>
+      <p:nvGrpSpPr>
+        <p:cNvPr id="1" name=""/>
+        <p:cNvGrpSpPr/>
+        <p:nvPr/>
+      </p:nvGrpSpPr>
+      <p:grpSpPr>
+        <a:xfrm>
+          <a:off x="0" y="0"/>
+          <a:ext cx="0" cy="0"/>
+          <a:chOff x="0" y="0"/>
+          <a:chExt cx="0" cy="0"/>
+        </a:xfrm>
+      </p:grpSpPr>
+      <p:sp>
+        <p:nvSpPr>
+          <p:cNvPr id="2" name="Espace réservé de l'image des diapositives 1"/>
+          <p:cNvSpPr>
+            <a:spLocks noGrp="1" noRot="1" noChangeAspect="1"/>
+          </p:cNvSpPr>
+          <p:nvPr>
+            <p:ph type="sldImg"/>
+          </p:nvPr>
+        </p:nvSpPr>
+        <p:spPr/>
+      </p:sp>
+      <p:sp>
+        <p:nvSpPr>
+          <p:cNvPr id="3" name="Espace réservé des notes 2"/>
+          <p:cNvSpPr>
+            <a:spLocks noGrp="1"/>
+          </p:cNvSpPr>
+          <p:nvPr>
+            <p:ph type="body" idx="1"/>
+          </p:nvPr>
+        </p:nvSpPr>
+        <p:spPr/>
+        <p:txBody>
+          <a:bodyPr/>
+          <a:lstStyle/>
+          <a:p>
+            <a:r>
+              <a:rPr lang="fr-FR" dirty="0"/>
+              <a:t>Clément V.</a:t>
+            </a:r>
+          </a:p>
+        </p:txBody>
+      </p:sp>
+      <p:sp>
+        <p:nvSpPr>
+          <p:cNvPr id="4" name="Espace réservé du numéro de diapositive 3"/>
+          <p:cNvSpPr>
+            <a:spLocks noGrp="1"/>
+          </p:cNvSpPr>
+          <p:nvPr>
+            <p:ph type="sldNum" sz="quarter" idx="10"/>
+          </p:nvPr>
+        </p:nvSpPr>
+        <p:spPr/>
+        <p:txBody>
+          <a:bodyPr/>
+          <a:lstStyle/>
+          <a:p>
+            <a:fld id="{66641530-902D-4C06-9450-78EBD7B0878A}" type="slidenum">
+              <a:rPr lang="fr-FR" smtClean="0"/>
+              <a:t>16</a:t>
+            </a:fld>
+            <a:endParaRPr lang="fr-FR"/>
+          </a:p>
+        </p:txBody>
+      </p:sp>
+    </p:spTree>
+    <p:extLst>
+      <p:ext uri="{BB962C8B-B14F-4D97-AF65-F5344CB8AC3E}">
+        <p14:creationId xmlns:p14="http://schemas.microsoft.com/office/powerpoint/2010/main" val="985498657"/>
+      </p:ext>
+    </p:extLst>
+  </p:cSld>
+  <p:clrMapOvr>
+    <a:masterClrMapping/>
+  </p:clrMapOvr>
+</p:notes>
+</file>
+
+<file path=ppt/notesSlides/notesSlide17.xml><?xml version="1.0" encoding="utf-8"?>
+<p:notes xmlns:a="http://schemas.openxmlformats.org/drawingml/2006/main" xmlns:r="http://schemas.openxmlformats.org/officeDocument/2006/relationships" xmlns:p="http://schemas.openxmlformats.org/presentationml/2006/main">
+  <p:cSld>
+    <p:spTree>
+      <p:nvGrpSpPr>
+        <p:cNvPr id="1" name=""/>
+        <p:cNvGrpSpPr/>
+        <p:nvPr/>
+      </p:nvGrpSpPr>
+      <p:grpSpPr>
+        <a:xfrm>
+          <a:off x="0" y="0"/>
+          <a:ext cx="0" cy="0"/>
+          <a:chOff x="0" y="0"/>
+          <a:chExt cx="0" cy="0"/>
+        </a:xfrm>
+      </p:grpSpPr>
+      <p:sp>
+        <p:nvSpPr>
+          <p:cNvPr id="2" name="Espace réservé de l'image des diapositives 1"/>
+          <p:cNvSpPr>
+            <a:spLocks noGrp="1" noRot="1" noChangeAspect="1"/>
+          </p:cNvSpPr>
+          <p:nvPr>
+            <p:ph type="sldImg"/>
+          </p:nvPr>
+        </p:nvSpPr>
+        <p:spPr/>
+      </p:sp>
+      <p:sp>
+        <p:nvSpPr>
+          <p:cNvPr id="3" name="Espace réservé des notes 2"/>
+          <p:cNvSpPr>
+            <a:spLocks noGrp="1"/>
+          </p:cNvSpPr>
+          <p:nvPr>
+            <p:ph type="body" idx="1"/>
+          </p:nvPr>
+        </p:nvSpPr>
+        <p:spPr/>
+        <p:txBody>
+          <a:bodyPr/>
+          <a:lstStyle/>
+          <a:p>
+            <a:r>
+              <a:rPr lang="fr-FR" dirty="0"/>
+              <a:t>Clément V.</a:t>
+            </a:r>
+          </a:p>
+        </p:txBody>
+      </p:sp>
+      <p:sp>
+        <p:nvSpPr>
+          <p:cNvPr id="4" name="Espace réservé du numéro de diapositive 3"/>
+          <p:cNvSpPr>
+            <a:spLocks noGrp="1"/>
+          </p:cNvSpPr>
+          <p:nvPr>
+            <p:ph type="sldNum" sz="quarter" idx="10"/>
+          </p:nvPr>
+        </p:nvSpPr>
+        <p:spPr/>
+        <p:txBody>
+          <a:bodyPr/>
+          <a:lstStyle/>
+          <a:p>
+            <a:fld id="{66641530-902D-4C06-9450-78EBD7B0878A}" type="slidenum">
+              <a:rPr lang="fr-FR" smtClean="0"/>
+              <a:t>17</a:t>
+            </a:fld>
+            <a:endParaRPr lang="fr-FR"/>
+          </a:p>
+        </p:txBody>
+      </p:sp>
+    </p:spTree>
+    <p:extLst>
+      <p:ext uri="{BB962C8B-B14F-4D97-AF65-F5344CB8AC3E}">
+        <p14:creationId xmlns:p14="http://schemas.microsoft.com/office/powerpoint/2010/main" val="3298761317"/>
+      </p:ext>
+    </p:extLst>
+  </p:cSld>
+  <p:clrMapOvr>
+    <a:masterClrMapping/>
+  </p:clrMapOvr>
+</p:notes>
+</file>
+
 <file path=ppt/notesSlides/notesSlide2.xml><?xml version="1.0" encoding="utf-8"?>
 <p:notes xmlns:a="http://schemas.openxmlformats.org/drawingml/2006/main" xmlns:r="http://schemas.openxmlformats.org/officeDocument/2006/relationships" xmlns:p="http://schemas.openxmlformats.org/presentationml/2006/main">
   <p:cSld>
@@ -995,7 +1691,7 @@
           <a:p>
             <a:r>
               <a:rPr lang="fr-FR" dirty="0"/>
-              <a:t>Vincent. Collision simplifié</a:t>
+              <a:t>Vincent. Collision simplifié entre le cercle et un point du triangle</a:t>
             </a:r>
           </a:p>
         </p:txBody>
@@ -1027,6 +1723,441 @@
     <p:extLst>
       <p:ext uri="{BB962C8B-B14F-4D97-AF65-F5344CB8AC3E}">
         <p14:creationId xmlns:p14="http://schemas.microsoft.com/office/powerpoint/2010/main" val="3954143336"/>
+      </p:ext>
+    </p:extLst>
+  </p:cSld>
+  <p:clrMapOvr>
+    <a:masterClrMapping/>
+  </p:clrMapOvr>
+</p:notes>
+</file>
+
+<file path=ppt/notesSlides/notesSlide5.xml><?xml version="1.0" encoding="utf-8"?>
+<p:notes xmlns:a="http://schemas.openxmlformats.org/drawingml/2006/main" xmlns:r="http://schemas.openxmlformats.org/officeDocument/2006/relationships" xmlns:p="http://schemas.openxmlformats.org/presentationml/2006/main">
+  <p:cSld>
+    <p:spTree>
+      <p:nvGrpSpPr>
+        <p:cNvPr id="1" name=""/>
+        <p:cNvGrpSpPr/>
+        <p:nvPr/>
+      </p:nvGrpSpPr>
+      <p:grpSpPr>
+        <a:xfrm>
+          <a:off x="0" y="0"/>
+          <a:ext cx="0" cy="0"/>
+          <a:chOff x="0" y="0"/>
+          <a:chExt cx="0" cy="0"/>
+        </a:xfrm>
+      </p:grpSpPr>
+      <p:sp>
+        <p:nvSpPr>
+          <p:cNvPr id="2" name="Espace réservé de l'image des diapositives 1"/>
+          <p:cNvSpPr>
+            <a:spLocks noGrp="1" noRot="1" noChangeAspect="1"/>
+          </p:cNvSpPr>
+          <p:nvPr>
+            <p:ph type="sldImg"/>
+          </p:nvPr>
+        </p:nvSpPr>
+        <p:spPr/>
+      </p:sp>
+      <p:sp>
+        <p:nvSpPr>
+          <p:cNvPr id="3" name="Espace réservé des notes 2"/>
+          <p:cNvSpPr>
+            <a:spLocks noGrp="1"/>
+          </p:cNvSpPr>
+          <p:nvPr>
+            <p:ph type="body" idx="1"/>
+          </p:nvPr>
+        </p:nvSpPr>
+        <p:spPr/>
+        <p:txBody>
+          <a:bodyPr/>
+          <a:lstStyle/>
+          <a:p>
+            <a:r>
+              <a:rPr lang="fr-FR" dirty="0"/>
+              <a:t>Clément V.</a:t>
+            </a:r>
+          </a:p>
+        </p:txBody>
+      </p:sp>
+      <p:sp>
+        <p:nvSpPr>
+          <p:cNvPr id="4" name="Espace réservé du numéro de diapositive 3"/>
+          <p:cNvSpPr>
+            <a:spLocks noGrp="1"/>
+          </p:cNvSpPr>
+          <p:nvPr>
+            <p:ph type="sldNum" sz="quarter" idx="10"/>
+          </p:nvPr>
+        </p:nvSpPr>
+        <p:spPr/>
+        <p:txBody>
+          <a:bodyPr/>
+          <a:lstStyle/>
+          <a:p>
+            <a:fld id="{66641530-902D-4C06-9450-78EBD7B0878A}" type="slidenum">
+              <a:rPr lang="fr-FR" smtClean="0"/>
+              <a:t>5</a:t>
+            </a:fld>
+            <a:endParaRPr lang="fr-FR"/>
+          </a:p>
+        </p:txBody>
+      </p:sp>
+    </p:spTree>
+    <p:extLst>
+      <p:ext uri="{BB962C8B-B14F-4D97-AF65-F5344CB8AC3E}">
+        <p14:creationId xmlns:p14="http://schemas.microsoft.com/office/powerpoint/2010/main" val="141198259"/>
+      </p:ext>
+    </p:extLst>
+  </p:cSld>
+  <p:clrMapOvr>
+    <a:masterClrMapping/>
+  </p:clrMapOvr>
+</p:notes>
+</file>
+
+<file path=ppt/notesSlides/notesSlide6.xml><?xml version="1.0" encoding="utf-8"?>
+<p:notes xmlns:a="http://schemas.openxmlformats.org/drawingml/2006/main" xmlns:r="http://schemas.openxmlformats.org/officeDocument/2006/relationships" xmlns:p="http://schemas.openxmlformats.org/presentationml/2006/main">
+  <p:cSld>
+    <p:spTree>
+      <p:nvGrpSpPr>
+        <p:cNvPr id="1" name=""/>
+        <p:cNvGrpSpPr/>
+        <p:nvPr/>
+      </p:nvGrpSpPr>
+      <p:grpSpPr>
+        <a:xfrm>
+          <a:off x="0" y="0"/>
+          <a:ext cx="0" cy="0"/>
+          <a:chOff x="0" y="0"/>
+          <a:chExt cx="0" cy="0"/>
+        </a:xfrm>
+      </p:grpSpPr>
+      <p:sp>
+        <p:nvSpPr>
+          <p:cNvPr id="2" name="Espace réservé de l'image des diapositives 1"/>
+          <p:cNvSpPr>
+            <a:spLocks noGrp="1" noRot="1" noChangeAspect="1"/>
+          </p:cNvSpPr>
+          <p:nvPr>
+            <p:ph type="sldImg"/>
+          </p:nvPr>
+        </p:nvSpPr>
+        <p:spPr/>
+      </p:sp>
+      <p:sp>
+        <p:nvSpPr>
+          <p:cNvPr id="3" name="Espace réservé des notes 2"/>
+          <p:cNvSpPr>
+            <a:spLocks noGrp="1"/>
+          </p:cNvSpPr>
+          <p:nvPr>
+            <p:ph type="body" idx="1"/>
+          </p:nvPr>
+        </p:nvSpPr>
+        <p:spPr/>
+        <p:txBody>
+          <a:bodyPr/>
+          <a:lstStyle/>
+          <a:p>
+            <a:r>
+              <a:rPr lang="fr-FR" dirty="0"/>
+              <a:t>Clément V.</a:t>
+            </a:r>
+          </a:p>
+        </p:txBody>
+      </p:sp>
+      <p:sp>
+        <p:nvSpPr>
+          <p:cNvPr id="4" name="Espace réservé du numéro de diapositive 3"/>
+          <p:cNvSpPr>
+            <a:spLocks noGrp="1"/>
+          </p:cNvSpPr>
+          <p:nvPr>
+            <p:ph type="sldNum" sz="quarter" idx="10"/>
+          </p:nvPr>
+        </p:nvSpPr>
+        <p:spPr/>
+        <p:txBody>
+          <a:bodyPr/>
+          <a:lstStyle/>
+          <a:p>
+            <a:fld id="{66641530-902D-4C06-9450-78EBD7B0878A}" type="slidenum">
+              <a:rPr lang="fr-FR" smtClean="0"/>
+              <a:t>6</a:t>
+            </a:fld>
+            <a:endParaRPr lang="fr-FR"/>
+          </a:p>
+        </p:txBody>
+      </p:sp>
+    </p:spTree>
+    <p:extLst>
+      <p:ext uri="{BB962C8B-B14F-4D97-AF65-F5344CB8AC3E}">
+        <p14:creationId xmlns:p14="http://schemas.microsoft.com/office/powerpoint/2010/main" val="890858421"/>
+      </p:ext>
+    </p:extLst>
+  </p:cSld>
+  <p:clrMapOvr>
+    <a:masterClrMapping/>
+  </p:clrMapOvr>
+</p:notes>
+</file>
+
+<file path=ppt/notesSlides/notesSlide7.xml><?xml version="1.0" encoding="utf-8"?>
+<p:notes xmlns:a="http://schemas.openxmlformats.org/drawingml/2006/main" xmlns:r="http://schemas.openxmlformats.org/officeDocument/2006/relationships" xmlns:p="http://schemas.openxmlformats.org/presentationml/2006/main">
+  <p:cSld>
+    <p:spTree>
+      <p:nvGrpSpPr>
+        <p:cNvPr id="1" name=""/>
+        <p:cNvGrpSpPr/>
+        <p:nvPr/>
+      </p:nvGrpSpPr>
+      <p:grpSpPr>
+        <a:xfrm>
+          <a:off x="0" y="0"/>
+          <a:ext cx="0" cy="0"/>
+          <a:chOff x="0" y="0"/>
+          <a:chExt cx="0" cy="0"/>
+        </a:xfrm>
+      </p:grpSpPr>
+      <p:sp>
+        <p:nvSpPr>
+          <p:cNvPr id="2" name="Espace réservé de l'image des diapositives 1"/>
+          <p:cNvSpPr>
+            <a:spLocks noGrp="1" noRot="1" noChangeAspect="1"/>
+          </p:cNvSpPr>
+          <p:nvPr>
+            <p:ph type="sldImg"/>
+          </p:nvPr>
+        </p:nvSpPr>
+        <p:spPr/>
+      </p:sp>
+      <p:sp>
+        <p:nvSpPr>
+          <p:cNvPr id="3" name="Espace réservé des notes 2"/>
+          <p:cNvSpPr>
+            <a:spLocks noGrp="1"/>
+          </p:cNvSpPr>
+          <p:nvPr>
+            <p:ph type="body" idx="1"/>
+          </p:nvPr>
+        </p:nvSpPr>
+        <p:spPr/>
+        <p:txBody>
+          <a:bodyPr/>
+          <a:lstStyle/>
+          <a:p>
+            <a:r>
+              <a:rPr lang="fr-FR" dirty="0"/>
+              <a:t>Clément V. AB * AD * sin(AB,AD)</a:t>
+            </a:r>
+          </a:p>
+        </p:txBody>
+      </p:sp>
+      <p:sp>
+        <p:nvSpPr>
+          <p:cNvPr id="4" name="Espace réservé du numéro de diapositive 3"/>
+          <p:cNvSpPr>
+            <a:spLocks noGrp="1"/>
+          </p:cNvSpPr>
+          <p:nvPr>
+            <p:ph type="sldNum" sz="quarter" idx="10"/>
+          </p:nvPr>
+        </p:nvSpPr>
+        <p:spPr/>
+        <p:txBody>
+          <a:bodyPr/>
+          <a:lstStyle/>
+          <a:p>
+            <a:fld id="{66641530-902D-4C06-9450-78EBD7B0878A}" type="slidenum">
+              <a:rPr lang="fr-FR" smtClean="0"/>
+              <a:t>7</a:t>
+            </a:fld>
+            <a:endParaRPr lang="fr-FR"/>
+          </a:p>
+        </p:txBody>
+      </p:sp>
+    </p:spTree>
+    <p:extLst>
+      <p:ext uri="{BB962C8B-B14F-4D97-AF65-F5344CB8AC3E}">
+        <p14:creationId xmlns:p14="http://schemas.microsoft.com/office/powerpoint/2010/main" val="1075132562"/>
+      </p:ext>
+    </p:extLst>
+  </p:cSld>
+  <p:clrMapOvr>
+    <a:masterClrMapping/>
+  </p:clrMapOvr>
+</p:notes>
+</file>
+
+<file path=ppt/notesSlides/notesSlide8.xml><?xml version="1.0" encoding="utf-8"?>
+<p:notes xmlns:a="http://schemas.openxmlformats.org/drawingml/2006/main" xmlns:r="http://schemas.openxmlformats.org/officeDocument/2006/relationships" xmlns:p="http://schemas.openxmlformats.org/presentationml/2006/main">
+  <p:cSld>
+    <p:spTree>
+      <p:nvGrpSpPr>
+        <p:cNvPr id="1" name=""/>
+        <p:cNvGrpSpPr/>
+        <p:nvPr/>
+      </p:nvGrpSpPr>
+      <p:grpSpPr>
+        <a:xfrm>
+          <a:off x="0" y="0"/>
+          <a:ext cx="0" cy="0"/>
+          <a:chOff x="0" y="0"/>
+          <a:chExt cx="0" cy="0"/>
+        </a:xfrm>
+      </p:grpSpPr>
+      <p:sp>
+        <p:nvSpPr>
+          <p:cNvPr id="2" name="Espace réservé de l'image des diapositives 1"/>
+          <p:cNvSpPr>
+            <a:spLocks noGrp="1" noRot="1" noChangeAspect="1"/>
+          </p:cNvSpPr>
+          <p:nvPr>
+            <p:ph type="sldImg"/>
+          </p:nvPr>
+        </p:nvSpPr>
+        <p:spPr/>
+      </p:sp>
+      <p:sp>
+        <p:nvSpPr>
+          <p:cNvPr id="3" name="Espace réservé des notes 2"/>
+          <p:cNvSpPr>
+            <a:spLocks noGrp="1"/>
+          </p:cNvSpPr>
+          <p:nvPr>
+            <p:ph type="body" idx="1"/>
+          </p:nvPr>
+        </p:nvSpPr>
+        <p:spPr/>
+        <p:txBody>
+          <a:bodyPr/>
+          <a:lstStyle/>
+          <a:p>
+            <a:r>
+              <a:rPr lang="fr-FR" dirty="0"/>
+              <a:t>Clément G.  Modèle</a:t>
+            </a:r>
+          </a:p>
+        </p:txBody>
+      </p:sp>
+      <p:sp>
+        <p:nvSpPr>
+          <p:cNvPr id="4" name="Espace réservé du numéro de diapositive 3"/>
+          <p:cNvSpPr>
+            <a:spLocks noGrp="1"/>
+          </p:cNvSpPr>
+          <p:nvPr>
+            <p:ph type="sldNum" sz="quarter" idx="10"/>
+          </p:nvPr>
+        </p:nvSpPr>
+        <p:spPr/>
+        <p:txBody>
+          <a:bodyPr/>
+          <a:lstStyle/>
+          <a:p>
+            <a:fld id="{66641530-902D-4C06-9450-78EBD7B0878A}" type="slidenum">
+              <a:rPr lang="fr-FR" smtClean="0"/>
+              <a:t>8</a:t>
+            </a:fld>
+            <a:endParaRPr lang="fr-FR"/>
+          </a:p>
+        </p:txBody>
+      </p:sp>
+    </p:spTree>
+    <p:extLst>
+      <p:ext uri="{BB962C8B-B14F-4D97-AF65-F5344CB8AC3E}">
+        <p14:creationId xmlns:p14="http://schemas.microsoft.com/office/powerpoint/2010/main" val="3448936972"/>
+      </p:ext>
+    </p:extLst>
+  </p:cSld>
+  <p:clrMapOvr>
+    <a:masterClrMapping/>
+  </p:clrMapOvr>
+</p:notes>
+</file>
+
+<file path=ppt/notesSlides/notesSlide9.xml><?xml version="1.0" encoding="utf-8"?>
+<p:notes xmlns:a="http://schemas.openxmlformats.org/drawingml/2006/main" xmlns:r="http://schemas.openxmlformats.org/officeDocument/2006/relationships" xmlns:p="http://schemas.openxmlformats.org/presentationml/2006/main">
+  <p:cSld>
+    <p:spTree>
+      <p:nvGrpSpPr>
+        <p:cNvPr id="1" name=""/>
+        <p:cNvGrpSpPr/>
+        <p:nvPr/>
+      </p:nvGrpSpPr>
+      <p:grpSpPr>
+        <a:xfrm>
+          <a:off x="0" y="0"/>
+          <a:ext cx="0" cy="0"/>
+          <a:chOff x="0" y="0"/>
+          <a:chExt cx="0" cy="0"/>
+        </a:xfrm>
+      </p:grpSpPr>
+      <p:sp>
+        <p:nvSpPr>
+          <p:cNvPr id="2" name="Espace réservé de l'image des diapositives 1"/>
+          <p:cNvSpPr>
+            <a:spLocks noGrp="1" noRot="1" noChangeAspect="1"/>
+          </p:cNvSpPr>
+          <p:nvPr>
+            <p:ph type="sldImg"/>
+          </p:nvPr>
+        </p:nvSpPr>
+        <p:spPr/>
+      </p:sp>
+      <p:sp>
+        <p:nvSpPr>
+          <p:cNvPr id="3" name="Espace réservé des notes 2"/>
+          <p:cNvSpPr>
+            <a:spLocks noGrp="1"/>
+          </p:cNvSpPr>
+          <p:nvPr>
+            <p:ph type="body" idx="1"/>
+          </p:nvPr>
+        </p:nvSpPr>
+        <p:spPr/>
+        <p:txBody>
+          <a:bodyPr/>
+          <a:lstStyle/>
+          <a:p>
+            <a:r>
+              <a:rPr lang="fr-FR" dirty="0"/>
+              <a:t>Clément G.</a:t>
+            </a:r>
+          </a:p>
+        </p:txBody>
+      </p:sp>
+      <p:sp>
+        <p:nvSpPr>
+          <p:cNvPr id="4" name="Espace réservé du numéro de diapositive 3"/>
+          <p:cNvSpPr>
+            <a:spLocks noGrp="1"/>
+          </p:cNvSpPr>
+          <p:nvPr>
+            <p:ph type="sldNum" sz="quarter" idx="10"/>
+          </p:nvPr>
+        </p:nvSpPr>
+        <p:spPr/>
+        <p:txBody>
+          <a:bodyPr/>
+          <a:lstStyle/>
+          <a:p>
+            <a:fld id="{66641530-902D-4C06-9450-78EBD7B0878A}" type="slidenum">
+              <a:rPr lang="fr-FR" smtClean="0"/>
+              <a:t>9</a:t>
+            </a:fld>
+            <a:endParaRPr lang="fr-FR"/>
+          </a:p>
+        </p:txBody>
+      </p:sp>
+    </p:spTree>
+    <p:extLst>
+      <p:ext uri="{BB962C8B-B14F-4D97-AF65-F5344CB8AC3E}">
+        <p14:creationId xmlns:p14="http://schemas.microsoft.com/office/powerpoint/2010/main" val="1657540255"/>
       </p:ext>
     </p:extLst>
   </p:cSld>
@@ -4994,7 +6125,7 @@
           </p:nvPr>
         </p:nvPicPr>
         <p:blipFill>
-          <a:blip r:embed="rId2"/>
+          <a:blip r:embed="rId3"/>
           <a:stretch>
             <a:fillRect/>
           </a:stretch>
@@ -5231,7 +6362,7 @@
           </p:nvPr>
         </p:nvPicPr>
         <p:blipFill>
-          <a:blip r:embed="rId2"/>
+          <a:blip r:embed="rId3"/>
           <a:stretch>
             <a:fillRect/>
           </a:stretch>
@@ -5780,7 +6911,7 @@
           </p:nvPr>
         </p:nvPicPr>
         <p:blipFill>
-          <a:blip r:embed="rId2"/>
+          <a:blip r:embed="rId3"/>
           <a:stretch>
             <a:fillRect/>
           </a:stretch>
@@ -5835,7 +6966,7 @@
           <p:nvPr/>
         </p:nvPicPr>
         <p:blipFill>
-          <a:blip r:embed="rId3"/>
+          <a:blip r:embed="rId4"/>
           <a:stretch>
             <a:fillRect/>
           </a:stretch>
@@ -5865,7 +6996,7 @@
           <p:nvPr/>
         </p:nvPicPr>
         <p:blipFill>
-          <a:blip r:embed="rId4"/>
+          <a:blip r:embed="rId5"/>
           <a:stretch>
             <a:fillRect/>
           </a:stretch>
@@ -5895,7 +7026,7 @@
           <p:nvPr/>
         </p:nvPicPr>
         <p:blipFill>
-          <a:blip r:embed="rId5"/>
+          <a:blip r:embed="rId6"/>
           <a:stretch>
             <a:fillRect/>
           </a:stretch>
@@ -6406,7 +7537,7 @@
           <p:nvPr/>
         </p:nvPicPr>
         <p:blipFill>
-          <a:blip r:embed="rId2"/>
+          <a:blip r:embed="rId3"/>
           <a:stretch>
             <a:fillRect/>
           </a:stretch>
@@ -6840,7 +7971,7 @@
           </p:nvPr>
         </p:nvPicPr>
         <p:blipFill>
-          <a:blip r:embed="rId2"/>
+          <a:blip r:embed="rId3"/>
           <a:stretch>
             <a:fillRect/>
           </a:stretch>
@@ -6895,7 +8026,7 @@
           <p:nvPr/>
         </p:nvPicPr>
         <p:blipFill>
-          <a:blip r:embed="rId3"/>
+          <a:blip r:embed="rId4"/>
           <a:stretch>
             <a:fillRect/>
           </a:stretch>
@@ -6925,7 +8056,7 @@
           <p:nvPr/>
         </p:nvPicPr>
         <p:blipFill>
-          <a:blip r:embed="rId4"/>
+          <a:blip r:embed="rId5"/>
           <a:stretch>
             <a:fillRect/>
           </a:stretch>
@@ -6955,7 +8086,7 @@
           <p:nvPr/>
         </p:nvPicPr>
         <p:blipFill>
-          <a:blip r:embed="rId5"/>
+          <a:blip r:embed="rId6"/>
           <a:stretch>
             <a:fillRect/>
           </a:stretch>
@@ -8927,7 +10058,7 @@
                 <a:avLst/>
               </a:prstGeom>
               <a:blipFill>
-                <a:blip r:embed="rId2"/>
+                <a:blip r:embed="rId3"/>
                 <a:stretch>
                   <a:fillRect l="-1280" t="-1201" r="-2560"/>
                 </a:stretch>
@@ -9351,7 +10482,7 @@
                 <a:avLst/>
               </a:prstGeom>
               <a:blipFill>
-                <a:blip r:embed="rId3"/>
+                <a:blip r:embed="rId4"/>
                 <a:stretch>
                   <a:fillRect l="-1440" t="-1476"/>
                 </a:stretch>
@@ -10045,7 +11176,7 @@
                 <a:avLst/>
               </a:prstGeom>
               <a:blipFill>
-                <a:blip r:embed="rId2"/>
+                <a:blip r:embed="rId3"/>
                 <a:stretch>
                   <a:fillRect t="-500"/>
                 </a:stretch>
@@ -10081,7 +11212,7 @@
           <p:nvPr/>
         </p:nvPicPr>
         <p:blipFill>
-          <a:blip r:embed="rId3"/>
+          <a:blip r:embed="rId4"/>
           <a:stretch>
             <a:fillRect/>
           </a:stretch>
@@ -10111,7 +11242,7 @@
           <p:nvPr/>
         </p:nvPicPr>
         <p:blipFill>
-          <a:blip r:embed="rId4"/>
+          <a:blip r:embed="rId5"/>
           <a:stretch>
             <a:fillRect/>
           </a:stretch>
@@ -10244,7 +11375,7 @@
           <p:nvPr/>
         </p:nvPicPr>
         <p:blipFill>
-          <a:blip r:embed="rId2"/>
+          <a:blip r:embed="rId3"/>
           <a:stretch>
             <a:fillRect/>
           </a:stretch>
@@ -10376,7 +11507,7 @@
                 <a:avLst/>
               </a:prstGeom>
               <a:blipFill>
-                <a:blip r:embed="rId3"/>
+                <a:blip r:embed="rId4"/>
                 <a:stretch>
                   <a:fillRect l="-1308" t="-3571" r="-872" b="-13393"/>
                 </a:stretch>
@@ -10486,7 +11617,7 @@
           <p:nvPr/>
         </p:nvPicPr>
         <p:blipFill>
-          <a:blip r:embed="rId2"/>
+          <a:blip r:embed="rId3"/>
           <a:stretch>
             <a:fillRect/>
           </a:stretch>

--- a/Présentation projet/Projet ISN.pptx
+++ b/Présentation projet/Projet ISN.pptx
@@ -257,7 +257,7 @@
           </a:lstStyle>
           <a:p>
             <a:fld id="{4B230A23-3E98-F64D-859B-DE462771A158}" type="datetimeFigureOut">
-              <a:t>08/02/2018</a:t>
+              <a:t>09/02/2018</a:t>
             </a:fld>
             <a:endParaRPr lang="fr-FR"/>
           </a:p>
@@ -421,7 +421,7 @@
           <a:p>
             <a:fld id="{2C302D12-07F6-48BB-B207-191DEEBA8E9C}" type="datetimeFigureOut">
               <a:rPr lang="fr-FR" smtClean="0"/>
-              <a:t>08/02/2018</a:t>
+              <a:t>09/02/2018</a:t>
             </a:fld>
             <a:endParaRPr lang="fr-FR"/>
           </a:p>
@@ -2398,7 +2398,7 @@
             <a:fld id="{5BBF241E-D95D-F947-BD40-BA0B1092A59D}" type="datetimeFigureOut">
               <a:rPr lang="fr-FR" smtClean="0"/>
               <a:pPr/>
-              <a:t>08/02/2018</a:t>
+              <a:t>09/02/2018</a:t>
             </a:fld>
             <a:endParaRPr lang="fr-FR"/>
           </a:p>
@@ -2670,7 +2670,7 @@
             <a:fld id="{5BBF241E-D95D-F947-BD40-BA0B1092A59D}" type="datetimeFigureOut">
               <a:rPr lang="fr-FR" smtClean="0"/>
               <a:pPr/>
-              <a:t>08/02/2018</a:t>
+              <a:t>09/02/2018</a:t>
             </a:fld>
             <a:endParaRPr lang="fr-FR"/>
           </a:p>
@@ -2943,7 +2943,7 @@
             <a:fld id="{5BBF241E-D95D-F947-BD40-BA0B1092A59D}" type="datetimeFigureOut">
               <a:rPr lang="fr-FR" smtClean="0"/>
               <a:pPr/>
-              <a:t>08/02/2018</a:t>
+              <a:t>09/02/2018</a:t>
             </a:fld>
             <a:endParaRPr lang="fr-FR"/>
           </a:p>
@@ -3173,7 +3173,7 @@
             <a:fld id="{5BBF241E-D95D-F947-BD40-BA0B1092A59D}" type="datetimeFigureOut">
               <a:rPr lang="fr-FR" smtClean="0"/>
               <a:pPr/>
-              <a:t>08/02/2018</a:t>
+              <a:t>09/02/2018</a:t>
             </a:fld>
             <a:endParaRPr lang="fr-FR"/>
           </a:p>
@@ -3548,7 +3548,7 @@
             <a:fld id="{5BBF241E-D95D-F947-BD40-BA0B1092A59D}" type="datetimeFigureOut">
               <a:rPr lang="fr-FR" smtClean="0"/>
               <a:pPr/>
-              <a:t>08/02/2018</a:t>
+              <a:t>09/02/2018</a:t>
             </a:fld>
             <a:endParaRPr lang="fr-FR"/>
           </a:p>
@@ -3892,7 +3892,7 @@
             <a:fld id="{5BBF241E-D95D-F947-BD40-BA0B1092A59D}" type="datetimeFigureOut">
               <a:rPr lang="fr-FR" smtClean="0"/>
               <a:pPr/>
-              <a:t>08/02/2018</a:t>
+              <a:t>09/02/2018</a:t>
             </a:fld>
             <a:endParaRPr lang="fr-FR"/>
           </a:p>
@@ -4411,7 +4411,7 @@
             <a:fld id="{5BBF241E-D95D-F947-BD40-BA0B1092A59D}" type="datetimeFigureOut">
               <a:rPr lang="fr-FR" smtClean="0"/>
               <a:pPr/>
-              <a:t>08/02/2018</a:t>
+              <a:t>09/02/2018</a:t>
             </a:fld>
             <a:endParaRPr lang="fr-FR"/>
           </a:p>
@@ -4686,7 +4686,7 @@
             <a:fld id="{5BBF241E-D95D-F947-BD40-BA0B1092A59D}" type="datetimeFigureOut">
               <a:rPr lang="fr-FR" smtClean="0"/>
               <a:pPr/>
-              <a:t>08/02/2018</a:t>
+              <a:t>09/02/2018</a:t>
             </a:fld>
             <a:endParaRPr lang="fr-FR"/>
           </a:p>
@@ -4927,7 +4927,7 @@
             <a:fld id="{5BBF241E-D95D-F947-BD40-BA0B1092A59D}" type="datetimeFigureOut">
               <a:rPr lang="fr-FR" smtClean="0"/>
               <a:pPr/>
-              <a:t>08/02/2018</a:t>
+              <a:t>09/02/2018</a:t>
             </a:fld>
             <a:endParaRPr lang="fr-FR"/>
           </a:p>
@@ -5109,7 +5109,7 @@
             <a:fld id="{5BBF241E-D95D-F947-BD40-BA0B1092A59D}" type="datetimeFigureOut">
               <a:rPr lang="fr-FR" smtClean="0"/>
               <a:pPr/>
-              <a:t>08/02/2018</a:t>
+              <a:t>09/02/2018</a:t>
             </a:fld>
             <a:endParaRPr lang="fr-FR"/>
           </a:p>
@@ -5456,7 +5456,7 @@
             <a:fld id="{5BBF241E-D95D-F947-BD40-BA0B1092A59D}" type="datetimeFigureOut">
               <a:rPr lang="fr-FR" smtClean="0"/>
               <a:pPr/>
-              <a:t>08/02/2018</a:t>
+              <a:t>09/02/2018</a:t>
             </a:fld>
             <a:endParaRPr lang="fr-FR"/>
           </a:p>
@@ -5877,12 +5877,8 @@
               <a:t>Revisite du mythique « </a:t>
             </a:r>
             <a:r>
-              <a:rPr lang="fr-FR" u="sng" dirty="0" err="1"/>
-              <a:t>Space</a:t>
-            </a:r>
-            <a:r>
-              <a:rPr lang="fr-FR" u="sng" dirty="0"/>
-              <a:t> </a:t>
+              <a:rPr lang="fr-FR" u="sng"/>
+              <a:t>Space </a:t>
             </a:r>
             <a:r>
               <a:rPr lang="fr-FR" u="sng" dirty="0" err="1"/>
